--- a/afj_ml_demo.pptx
+++ b/afj_ml_demo.pptx
@@ -17,6 +17,7 @@
     <p:sldId id="265" r:id="rId11"/>
     <p:sldId id="260" r:id="rId12"/>
     <p:sldId id="266" r:id="rId13"/>
+    <p:sldId id="268" r:id="rId14"/>
   </p:sldIdLst>
   <p:sldSz cx="12192000" cy="6858000"/>
   <p:notesSz cx="6858000" cy="9144000"/>
@@ -126,7 +127,7 @@
 <file path=ppt/revisionInfo.xml><?xml version="1.0" encoding="utf-8"?>
 <p1510:revInfo xmlns:a="http://schemas.openxmlformats.org/drawingml/2006/main" xmlns:r="http://schemas.openxmlformats.org/officeDocument/2006/relationships" xmlns:p1510="http://schemas.microsoft.com/office/powerpoint/2015/10/main">
   <p1510:revLst>
-    <p1510:client id="{4A13534B-B544-A44E-B29A-C6B9F0689448}" v="3" dt="2021-10-11T17:01:39.993"/>
+    <p1510:client id="{4A13534B-B544-A44E-B29A-C6B9F0689448}" v="4" dt="2021-10-11T22:10:24.225"/>
   </p1510:revLst>
 </p1510:revInfo>
 </file>
@@ -136,10 +137,25 @@
   <pc:docChgLst>
     <pc:chgData name="Alfredo Fonseca Junior" userId="b53f08b6-e642-4ee2-a231-11cd653755d4" providerId="ADAL" clId="{4A13534B-B544-A44E-B29A-C6B9F0689448}"/>
     <pc:docChg chg="custSel addSld modSld">
-      <pc:chgData name="Alfredo Fonseca Junior" userId="b53f08b6-e642-4ee2-a231-11cd653755d4" providerId="ADAL" clId="{4A13534B-B544-A44E-B29A-C6B9F0689448}" dt="2021-10-11T17:01:41.791" v="32" actId="1076"/>
+      <pc:chgData name="Alfredo Fonseca Junior" userId="b53f08b6-e642-4ee2-a231-11cd653755d4" providerId="ADAL" clId="{4A13534B-B544-A44E-B29A-C6B9F0689448}" dt="2021-10-11T22:10:36.934" v="63" actId="20577"/>
       <pc:docMkLst>
         <pc:docMk/>
       </pc:docMkLst>
+      <pc:sldChg chg="modSp mod">
+        <pc:chgData name="Alfredo Fonseca Junior" userId="b53f08b6-e642-4ee2-a231-11cd653755d4" providerId="ADAL" clId="{4A13534B-B544-A44E-B29A-C6B9F0689448}" dt="2021-10-11T21:42:41.529" v="35" actId="20577"/>
+        <pc:sldMkLst>
+          <pc:docMk/>
+          <pc:sldMk cId="3213868990" sldId="257"/>
+        </pc:sldMkLst>
+        <pc:spChg chg="mod">
+          <ac:chgData name="Alfredo Fonseca Junior" userId="b53f08b6-e642-4ee2-a231-11cd653755d4" providerId="ADAL" clId="{4A13534B-B544-A44E-B29A-C6B9F0689448}" dt="2021-10-11T21:42:41.529" v="35" actId="20577"/>
+          <ac:spMkLst>
+            <pc:docMk/>
+            <pc:sldMk cId="3213868990" sldId="257"/>
+            <ac:spMk id="3" creationId="{5A625958-5724-4448-9901-0D69FE575DA5}"/>
+          </ac:spMkLst>
+        </pc:spChg>
+      </pc:sldChg>
       <pc:sldChg chg="mod modShow">
         <pc:chgData name="Alfredo Fonseca Junior" userId="b53f08b6-e642-4ee2-a231-11cd653755d4" providerId="ADAL" clId="{4A13534B-B544-A44E-B29A-C6B9F0689448}" dt="2021-10-11T16:59:38.470" v="1" actId="729"/>
         <pc:sldMkLst>
@@ -215,6 +231,37 @@
             <pc:docMk/>
             <pc:sldMk cId="2983503330" sldId="267"/>
             <ac:picMk id="10" creationId="{353B2039-7B59-1549-A0E5-7D89D7E76023}"/>
+          </ac:picMkLst>
+        </pc:picChg>
+      </pc:sldChg>
+      <pc:sldChg chg="addSp delSp modSp add mod">
+        <pc:chgData name="Alfredo Fonseca Junior" userId="b53f08b6-e642-4ee2-a231-11cd653755d4" providerId="ADAL" clId="{4A13534B-B544-A44E-B29A-C6B9F0689448}" dt="2021-10-11T22:10:36.934" v="63" actId="20577"/>
+        <pc:sldMkLst>
+          <pc:docMk/>
+          <pc:sldMk cId="3623675131" sldId="268"/>
+        </pc:sldMkLst>
+        <pc:spChg chg="mod">
+          <ac:chgData name="Alfredo Fonseca Junior" userId="b53f08b6-e642-4ee2-a231-11cd653755d4" providerId="ADAL" clId="{4A13534B-B544-A44E-B29A-C6B9F0689448}" dt="2021-10-11T22:10:36.934" v="63" actId="20577"/>
+          <ac:spMkLst>
+            <pc:docMk/>
+            <pc:sldMk cId="3623675131" sldId="268"/>
+            <ac:spMk id="2" creationId="{3AE94BD3-81F9-EA42-A663-CD01BA60E1D8}"/>
+          </ac:spMkLst>
+        </pc:spChg>
+        <pc:picChg chg="add mod">
+          <ac:chgData name="Alfredo Fonseca Junior" userId="b53f08b6-e642-4ee2-a231-11cd653755d4" providerId="ADAL" clId="{4A13534B-B544-A44E-B29A-C6B9F0689448}" dt="2021-10-11T22:10:25.862" v="45" actId="1076"/>
+          <ac:picMkLst>
+            <pc:docMk/>
+            <pc:sldMk cId="3623675131" sldId="268"/>
+            <ac:picMk id="3" creationId="{3483362F-0018-B349-8082-3DCE287748E0}"/>
+          </ac:picMkLst>
+        </pc:picChg>
+        <pc:picChg chg="del">
+          <ac:chgData name="Alfredo Fonseca Junior" userId="b53f08b6-e642-4ee2-a231-11cd653755d4" providerId="ADAL" clId="{4A13534B-B544-A44E-B29A-C6B9F0689448}" dt="2021-10-11T22:10:23.912" v="43" actId="478"/>
+          <ac:picMkLst>
+            <pc:docMk/>
+            <pc:sldMk cId="3623675131" sldId="268"/>
+            <ac:picMk id="4" creationId="{BC6BBC5D-9D83-8C4B-9BBA-5CA2823F0CA6}"/>
           </ac:picMkLst>
         </pc:picChg>
       </pc:sldChg>
@@ -4739,6 +4786,94 @@
 </p:sld>
 </file>
 
+<file path=ppt/slides/slide13.xml><?xml version="1.0" encoding="utf-8"?>
+<p:sld xmlns:a="http://schemas.openxmlformats.org/drawingml/2006/main" xmlns:r="http://schemas.openxmlformats.org/officeDocument/2006/relationships" xmlns:p="http://schemas.openxmlformats.org/presentationml/2006/main">
+  <p:cSld>
+    <p:spTree>
+      <p:nvGrpSpPr>
+        <p:cNvPr id="1" name=""/>
+        <p:cNvGrpSpPr/>
+        <p:nvPr/>
+      </p:nvGrpSpPr>
+      <p:grpSpPr>
+        <a:xfrm>
+          <a:off x="0" y="0"/>
+          <a:ext cx="0" cy="0"/>
+          <a:chOff x="0" y="0"/>
+          <a:chExt cx="0" cy="0"/>
+        </a:xfrm>
+      </p:grpSpPr>
+      <p:sp>
+        <p:nvSpPr>
+          <p:cNvPr id="2" name="Title 1">
+            <a:extLst>
+              <a:ext uri="{FF2B5EF4-FFF2-40B4-BE49-F238E27FC236}">
+                <a16:creationId xmlns:a16="http://schemas.microsoft.com/office/drawing/2014/main" id="{3AE94BD3-81F9-EA42-A663-CD01BA60E1D8}"/>
+              </a:ext>
+            </a:extLst>
+          </p:cNvPr>
+          <p:cNvSpPr>
+            <a:spLocks noGrp="1"/>
+          </p:cNvSpPr>
+          <p:nvPr>
+            <p:ph type="title"/>
+          </p:nvPr>
+        </p:nvSpPr>
+        <p:spPr/>
+        <p:txBody>
+          <a:bodyPr/>
+          <a:lstStyle/>
+          <a:p>
+            <a:r>
+              <a:rPr lang="en-US" dirty="0"/>
+              <a:t>Square</a:t>
+            </a:r>
+          </a:p>
+        </p:txBody>
+      </p:sp>
+      <p:pic>
+        <p:nvPicPr>
+          <p:cNvPr id="3" name="Picture 2">
+            <a:extLst>
+              <a:ext uri="{FF2B5EF4-FFF2-40B4-BE49-F238E27FC236}">
+                <a16:creationId xmlns:a16="http://schemas.microsoft.com/office/drawing/2014/main" id="{3483362F-0018-B349-8082-3DCE287748E0}"/>
+              </a:ext>
+            </a:extLst>
+          </p:cNvPr>
+          <p:cNvPicPr>
+            <a:picLocks noChangeAspect="1"/>
+          </p:cNvPicPr>
+          <p:nvPr/>
+        </p:nvPicPr>
+        <p:blipFill>
+          <a:blip r:embed="rId2"/>
+          <a:stretch>
+            <a:fillRect/>
+          </a:stretch>
+        </p:blipFill>
+        <p:spPr>
+          <a:xfrm>
+            <a:off x="924560" y="3898392"/>
+            <a:ext cx="4368800" cy="914400"/>
+          </a:xfrm>
+          <a:prstGeom prst="rect">
+            <a:avLst/>
+          </a:prstGeom>
+        </p:spPr>
+      </p:pic>
+    </p:spTree>
+    <p:extLst>
+      <p:ext uri="{BB962C8B-B14F-4D97-AF65-F5344CB8AC3E}">
+        <p14:creationId xmlns:p14="http://schemas.microsoft.com/office/powerpoint/2010/main" val="3623675131"/>
+      </p:ext>
+    </p:extLst>
+  </p:cSld>
+  <p:clrMapOvr>
+    <a:masterClrMapping/>
+  </p:clrMapOvr>
+</p:sld>
+</file>
+
 <file path=ppt/slides/slide2.xml><?xml version="1.0" encoding="utf-8"?>
 <p:sld xmlns:a="http://schemas.openxmlformats.org/drawingml/2006/main" xmlns:r="http://schemas.openxmlformats.org/officeDocument/2006/relationships" xmlns:p="http://schemas.openxmlformats.org/presentationml/2006/main">
   <p:cSld>
@@ -4817,22 +4952,13 @@
             </a:r>
           </a:p>
           <a:p>
-            <a:endParaRPr lang="en-IE" dirty="0"/>
-          </a:p>
-          <a:p>
             <a:pPr marL="0" indent="0">
               <a:buNone/>
             </a:pPr>
             <a:r>
               <a:rPr lang="en-IE" dirty="0"/>
-              <a:t> f(x) = 2x</a:t>
-            </a:r>
-          </a:p>
-          <a:p>
-            <a:pPr marL="0" indent="0">
-              <a:buNone/>
-            </a:pPr>
-            <a:endParaRPr lang="en-IE" dirty="0"/>
+              <a:t>f(x) = 2x</a:t>
+            </a:r>
           </a:p>
           <a:p>
             <a:pPr marL="0" indent="0">

--- a/afj_ml_demo.pptx
+++ b/afj_ml_demo.pptx
@@ -137,7 +137,7 @@
   <pc:docChgLst>
     <pc:chgData name="Alfredo Fonseca Junior" userId="b53f08b6-e642-4ee2-a231-11cd653755d4" providerId="ADAL" clId="{4A13534B-B544-A44E-B29A-C6B9F0689448}"/>
     <pc:docChg chg="custSel addSld modSld">
-      <pc:chgData name="Alfredo Fonseca Junior" userId="b53f08b6-e642-4ee2-a231-11cd653755d4" providerId="ADAL" clId="{4A13534B-B544-A44E-B29A-C6B9F0689448}" dt="2021-10-11T22:10:36.934" v="63" actId="20577"/>
+      <pc:chgData name="Alfredo Fonseca Junior" userId="b53f08b6-e642-4ee2-a231-11cd653755d4" providerId="ADAL" clId="{4A13534B-B544-A44E-B29A-C6B9F0689448}" dt="2021-10-13T16:25:00.682" v="81" actId="692"/>
       <pc:docMkLst>
         <pc:docMk/>
       </pc:docMkLst>
@@ -163,8 +163,23 @@
           <pc:sldMk cId="227291220" sldId="261"/>
         </pc:sldMkLst>
       </pc:sldChg>
+      <pc:sldChg chg="modSp mod">
+        <pc:chgData name="Alfredo Fonseca Junior" userId="b53f08b6-e642-4ee2-a231-11cd653755d4" providerId="ADAL" clId="{4A13534B-B544-A44E-B29A-C6B9F0689448}" dt="2021-10-13T16:19:09.935" v="64" actId="13926"/>
+        <pc:sldMkLst>
+          <pc:docMk/>
+          <pc:sldMk cId="882244200" sldId="263"/>
+        </pc:sldMkLst>
+        <pc:spChg chg="mod">
+          <ac:chgData name="Alfredo Fonseca Junior" userId="b53f08b6-e642-4ee2-a231-11cd653755d4" providerId="ADAL" clId="{4A13534B-B544-A44E-B29A-C6B9F0689448}" dt="2021-10-13T16:19:09.935" v="64" actId="13926"/>
+          <ac:spMkLst>
+            <pc:docMk/>
+            <pc:sldMk cId="882244200" sldId="263"/>
+            <ac:spMk id="3" creationId="{505AA9E6-79DB-0046-864E-F8EB6CBE18EE}"/>
+          </ac:spMkLst>
+        </pc:spChg>
+      </pc:sldChg>
       <pc:sldChg chg="addSp delSp modSp add mod">
-        <pc:chgData name="Alfredo Fonseca Junior" userId="b53f08b6-e642-4ee2-a231-11cd653755d4" providerId="ADAL" clId="{4A13534B-B544-A44E-B29A-C6B9F0689448}" dt="2021-10-11T17:01:41.791" v="32" actId="1076"/>
+        <pc:chgData name="Alfredo Fonseca Junior" userId="b53f08b6-e642-4ee2-a231-11cd653755d4" providerId="ADAL" clId="{4A13534B-B544-A44E-B29A-C6B9F0689448}" dt="2021-10-13T16:25:00.682" v="81" actId="692"/>
         <pc:sldMkLst>
           <pc:docMk/>
           <pc:sldMk cId="2983503330" sldId="267"/>
@@ -202,7 +217,7 @@
           </ac:picMkLst>
         </pc:picChg>
         <pc:picChg chg="add mod">
-          <ac:chgData name="Alfredo Fonseca Junior" userId="b53f08b6-e642-4ee2-a231-11cd653755d4" providerId="ADAL" clId="{4A13534B-B544-A44E-B29A-C6B9F0689448}" dt="2021-10-11T17:00:14.072" v="7" actId="1076"/>
+          <ac:chgData name="Alfredo Fonseca Junior" userId="b53f08b6-e642-4ee2-a231-11cd653755d4" providerId="ADAL" clId="{4A13534B-B544-A44E-B29A-C6B9F0689448}" dt="2021-10-13T16:25:00.682" v="81" actId="692"/>
           <ac:picMkLst>
             <pc:docMk/>
             <pc:sldMk cId="2983503330" sldId="267"/>
@@ -218,7 +233,7 @@
           </ac:picMkLst>
         </pc:picChg>
         <pc:picChg chg="add mod">
-          <ac:chgData name="Alfredo Fonseca Junior" userId="b53f08b6-e642-4ee2-a231-11cd653755d4" providerId="ADAL" clId="{4A13534B-B544-A44E-B29A-C6B9F0689448}" dt="2021-10-11T17:01:32.543" v="30" actId="1076"/>
+          <ac:chgData name="Alfredo Fonseca Junior" userId="b53f08b6-e642-4ee2-a231-11cd653755d4" providerId="ADAL" clId="{4A13534B-B544-A44E-B29A-C6B9F0689448}" dt="2021-10-13T16:25:00.682" v="81" actId="692"/>
           <ac:picMkLst>
             <pc:docMk/>
             <pc:sldMk cId="2983503330" sldId="267"/>
@@ -226,7 +241,7 @@
           </ac:picMkLst>
         </pc:picChg>
         <pc:picChg chg="add mod">
-          <ac:chgData name="Alfredo Fonseca Junior" userId="b53f08b6-e642-4ee2-a231-11cd653755d4" providerId="ADAL" clId="{4A13534B-B544-A44E-B29A-C6B9F0689448}" dt="2021-10-11T17:01:41.791" v="32" actId="1076"/>
+          <ac:chgData name="Alfredo Fonseca Junior" userId="b53f08b6-e642-4ee2-a231-11cd653755d4" providerId="ADAL" clId="{4A13534B-B544-A44E-B29A-C6B9F0689448}" dt="2021-10-13T16:25:00.682" v="81" actId="692"/>
           <ac:picMkLst>
             <pc:docMk/>
             <pc:sldMk cId="2983503330" sldId="267"/>
@@ -235,7 +250,7 @@
         </pc:picChg>
       </pc:sldChg>
       <pc:sldChg chg="addSp delSp modSp add mod">
-        <pc:chgData name="Alfredo Fonseca Junior" userId="b53f08b6-e642-4ee2-a231-11cd653755d4" providerId="ADAL" clId="{4A13534B-B544-A44E-B29A-C6B9F0689448}" dt="2021-10-11T22:10:36.934" v="63" actId="20577"/>
+        <pc:chgData name="Alfredo Fonseca Junior" userId="b53f08b6-e642-4ee2-a231-11cd653755d4" providerId="ADAL" clId="{4A13534B-B544-A44E-B29A-C6B9F0689448}" dt="2021-10-13T16:19:55.639" v="65" actId="1076"/>
         <pc:sldMkLst>
           <pc:docMk/>
           <pc:sldMk cId="3623675131" sldId="268"/>
@@ -249,7 +264,7 @@
           </ac:spMkLst>
         </pc:spChg>
         <pc:picChg chg="add mod">
-          <ac:chgData name="Alfredo Fonseca Junior" userId="b53f08b6-e642-4ee2-a231-11cd653755d4" providerId="ADAL" clId="{4A13534B-B544-A44E-B29A-C6B9F0689448}" dt="2021-10-11T22:10:25.862" v="45" actId="1076"/>
+          <ac:chgData name="Alfredo Fonseca Junior" userId="b53f08b6-e642-4ee2-a231-11cd653755d4" providerId="ADAL" clId="{4A13534B-B544-A44E-B29A-C6B9F0689448}" dt="2021-10-13T16:19:55.639" v="65" actId="1076"/>
           <ac:picMkLst>
             <pc:docMk/>
             <pc:sldMk cId="3623675131" sldId="268"/>
@@ -419,7 +434,7 @@
           <a:p>
             <a:fld id="{F5935150-443F-D94D-99D0-C6F2787F22E3}" type="datetimeFigureOut">
               <a:rPr lang="en-US" smtClean="0"/>
-              <a:t>10/11/21</a:t>
+              <a:t>10/13/21</a:t>
             </a:fld>
             <a:endParaRPr lang="en-US"/>
           </a:p>
@@ -619,7 +634,7 @@
           <a:p>
             <a:fld id="{F5935150-443F-D94D-99D0-C6F2787F22E3}" type="datetimeFigureOut">
               <a:rPr lang="en-US" smtClean="0"/>
-              <a:t>10/11/21</a:t>
+              <a:t>10/13/21</a:t>
             </a:fld>
             <a:endParaRPr lang="en-US"/>
           </a:p>
@@ -829,7 +844,7 @@
           <a:p>
             <a:fld id="{F5935150-443F-D94D-99D0-C6F2787F22E3}" type="datetimeFigureOut">
               <a:rPr lang="en-US" smtClean="0"/>
-              <a:t>10/11/21</a:t>
+              <a:t>10/13/21</a:t>
             </a:fld>
             <a:endParaRPr lang="en-US"/>
           </a:p>
@@ -1029,7 +1044,7 @@
           <a:p>
             <a:fld id="{F5935150-443F-D94D-99D0-C6F2787F22E3}" type="datetimeFigureOut">
               <a:rPr lang="en-US" smtClean="0"/>
-              <a:t>10/11/21</a:t>
+              <a:t>10/13/21</a:t>
             </a:fld>
             <a:endParaRPr lang="en-US"/>
           </a:p>
@@ -1305,7 +1320,7 @@
           <a:p>
             <a:fld id="{F5935150-443F-D94D-99D0-C6F2787F22E3}" type="datetimeFigureOut">
               <a:rPr lang="en-US" smtClean="0"/>
-              <a:t>10/11/21</a:t>
+              <a:t>10/13/21</a:t>
             </a:fld>
             <a:endParaRPr lang="en-US"/>
           </a:p>
@@ -1573,7 +1588,7 @@
           <a:p>
             <a:fld id="{F5935150-443F-D94D-99D0-C6F2787F22E3}" type="datetimeFigureOut">
               <a:rPr lang="en-US" smtClean="0"/>
-              <a:t>10/11/21</a:t>
+              <a:t>10/13/21</a:t>
             </a:fld>
             <a:endParaRPr lang="en-US"/>
           </a:p>
@@ -1988,7 +2003,7 @@
           <a:p>
             <a:fld id="{F5935150-443F-D94D-99D0-C6F2787F22E3}" type="datetimeFigureOut">
               <a:rPr lang="en-US" smtClean="0"/>
-              <a:t>10/11/21</a:t>
+              <a:t>10/13/21</a:t>
             </a:fld>
             <a:endParaRPr lang="en-US"/>
           </a:p>
@@ -2130,7 +2145,7 @@
           <a:p>
             <a:fld id="{F5935150-443F-D94D-99D0-C6F2787F22E3}" type="datetimeFigureOut">
               <a:rPr lang="en-US" smtClean="0"/>
-              <a:t>10/11/21</a:t>
+              <a:t>10/13/21</a:t>
             </a:fld>
             <a:endParaRPr lang="en-US"/>
           </a:p>
@@ -2243,7 +2258,7 @@
           <a:p>
             <a:fld id="{F5935150-443F-D94D-99D0-C6F2787F22E3}" type="datetimeFigureOut">
               <a:rPr lang="en-US" smtClean="0"/>
-              <a:t>10/11/21</a:t>
+              <a:t>10/13/21</a:t>
             </a:fld>
             <a:endParaRPr lang="en-US"/>
           </a:p>
@@ -2556,7 +2571,7 @@
           <a:p>
             <a:fld id="{F5935150-443F-D94D-99D0-C6F2787F22E3}" type="datetimeFigureOut">
               <a:rPr lang="en-US" smtClean="0"/>
-              <a:t>10/11/21</a:t>
+              <a:t>10/13/21</a:t>
             </a:fld>
             <a:endParaRPr lang="en-US"/>
           </a:p>
@@ -2845,7 +2860,7 @@
           <a:p>
             <a:fld id="{F5935150-443F-D94D-99D0-C6F2787F22E3}" type="datetimeFigureOut">
               <a:rPr lang="en-US" smtClean="0"/>
-              <a:t>10/11/21</a:t>
+              <a:t>10/13/21</a:t>
             </a:fld>
             <a:endParaRPr lang="en-US"/>
           </a:p>
@@ -3088,7 +3103,7 @@
           <a:p>
             <a:fld id="{F5935150-443F-D94D-99D0-C6F2787F22E3}" type="datetimeFigureOut">
               <a:rPr lang="en-US" smtClean="0"/>
-              <a:t>10/11/21</a:t>
+              <a:t>10/13/21</a:t>
             </a:fld>
             <a:endParaRPr lang="en-US"/>
           </a:p>
@@ -4853,7 +4868,7 @@
         </p:blipFill>
         <p:spPr>
           <a:xfrm>
-            <a:off x="924560" y="3898392"/>
+            <a:off x="1095248" y="3154680"/>
             <a:ext cx="4368800" cy="914400"/>
           </a:xfrm>
           <a:prstGeom prst="rect">
@@ -5941,6 +5956,11 @@
           <a:prstGeom prst="rect">
             <a:avLst/>
           </a:prstGeom>
+          <a:ln w="50800">
+            <a:solidFill>
+              <a:schemeClr val="accent1"/>
+            </a:solidFill>
+          </a:ln>
         </p:spPr>
       </p:pic>
       <p:pic>
@@ -5971,6 +5991,11 @@
           <a:prstGeom prst="rect">
             <a:avLst/>
           </a:prstGeom>
+          <a:ln w="50800">
+            <a:solidFill>
+              <a:schemeClr val="accent1"/>
+            </a:solidFill>
+          </a:ln>
         </p:spPr>
       </p:pic>
       <p:pic>
@@ -6001,6 +6026,11 @@
           <a:prstGeom prst="rect">
             <a:avLst/>
           </a:prstGeom>
+          <a:ln w="50800">
+            <a:solidFill>
+              <a:schemeClr val="accent1"/>
+            </a:solidFill>
+          </a:ln>
         </p:spPr>
       </p:pic>
     </p:spTree>
@@ -6358,7 +6388,19 @@
           <a:p>
             <a:r>
               <a:rPr lang="en-US" dirty="0"/>
-              <a:t>Machine learning algorithms build a model based on sample data, known as "training data", in order to make predictions or decisions without being explicitly programmed to do so.</a:t>
+              <a:t>Machine learning algorithms build a model based on sample data, known as "training data", in order to make predictions or </a:t>
+            </a:r>
+            <a:r>
+              <a:rPr lang="en-US" dirty="0">
+                <a:highlight>
+                  <a:srgbClr val="FFFF00"/>
+                </a:highlight>
+              </a:rPr>
+              <a:t>decisions without being explicitly programmed to do so</a:t>
+            </a:r>
+            <a:r>
+              <a:rPr lang="en-US" dirty="0"/>
+              <a:t>.</a:t>
             </a:r>
           </a:p>
         </p:txBody>

--- a/afj_ml_demo.pptx
+++ b/afj_ml_demo.pptx
@@ -15,9 +15,17 @@
     <p:sldId id="263" r:id="rId9"/>
     <p:sldId id="264" r:id="rId10"/>
     <p:sldId id="265" r:id="rId11"/>
-    <p:sldId id="260" r:id="rId12"/>
-    <p:sldId id="266" r:id="rId13"/>
-    <p:sldId id="268" r:id="rId14"/>
+    <p:sldId id="272" r:id="rId12"/>
+    <p:sldId id="260" r:id="rId13"/>
+    <p:sldId id="266" r:id="rId14"/>
+    <p:sldId id="269" r:id="rId15"/>
+    <p:sldId id="270" r:id="rId16"/>
+    <p:sldId id="271" r:id="rId17"/>
+    <p:sldId id="273" r:id="rId18"/>
+    <p:sldId id="275" r:id="rId19"/>
+    <p:sldId id="276" r:id="rId20"/>
+    <p:sldId id="268" r:id="rId21"/>
+    <p:sldId id="274" r:id="rId22"/>
   </p:sldIdLst>
   <p:sldSz cx="12192000" cy="6858000"/>
   <p:notesSz cx="6858000" cy="9144000"/>
@@ -127,7 +135,7 @@
 <file path=ppt/revisionInfo.xml><?xml version="1.0" encoding="utf-8"?>
 <p1510:revInfo xmlns:a="http://schemas.openxmlformats.org/drawingml/2006/main" xmlns:r="http://schemas.openxmlformats.org/officeDocument/2006/relationships" xmlns:p1510="http://schemas.microsoft.com/office/powerpoint/2015/10/main">
   <p1510:revLst>
-    <p1510:client id="{4A13534B-B544-A44E-B29A-C6B9F0689448}" v="4" dt="2021-10-11T22:10:24.225"/>
+    <p1510:client id="{4A13534B-B544-A44E-B29A-C6B9F0689448}" v="24" dt="2021-10-14T07:44:36.220"/>
   </p1510:revLst>
 </p1510:revInfo>
 </file>
@@ -136,8 +144,8 @@
 <pc:chgInfo xmlns:a="http://schemas.openxmlformats.org/drawingml/2006/main" xmlns:r="http://schemas.openxmlformats.org/officeDocument/2006/relationships" xmlns:ac="http://schemas.microsoft.com/office/drawing/2013/main/command" xmlns:pc="http://schemas.microsoft.com/office/powerpoint/2013/main/command">
   <pc:docChgLst>
     <pc:chgData name="Alfredo Fonseca Junior" userId="b53f08b6-e642-4ee2-a231-11cd653755d4" providerId="ADAL" clId="{4A13534B-B544-A44E-B29A-C6B9F0689448}"/>
-    <pc:docChg chg="custSel addSld modSld">
-      <pc:chgData name="Alfredo Fonseca Junior" userId="b53f08b6-e642-4ee2-a231-11cd653755d4" providerId="ADAL" clId="{4A13534B-B544-A44E-B29A-C6B9F0689448}" dt="2021-10-13T16:25:00.682" v="81" actId="692"/>
+    <pc:docChg chg="undo custSel addSld delSld modSld sldOrd">
+      <pc:chgData name="Alfredo Fonseca Junior" userId="b53f08b6-e642-4ee2-a231-11cd653755d4" providerId="ADAL" clId="{4A13534B-B544-A44E-B29A-C6B9F0689448}" dt="2021-10-14T07:44:42.467" v="280"/>
       <pc:docMkLst>
         <pc:docMk/>
       </pc:docMkLst>
@@ -153,6 +161,37 @@
             <pc:docMk/>
             <pc:sldMk cId="3213868990" sldId="257"/>
             <ac:spMk id="3" creationId="{5A625958-5724-4448-9901-0D69FE575DA5}"/>
+          </ac:spMkLst>
+        </pc:spChg>
+      </pc:sldChg>
+      <pc:sldChg chg="addSp delSp modSp mod">
+        <pc:chgData name="Alfredo Fonseca Junior" userId="b53f08b6-e642-4ee2-a231-11cd653755d4" providerId="ADAL" clId="{4A13534B-B544-A44E-B29A-C6B9F0689448}" dt="2021-10-14T07:24:47.505" v="220" actId="20577"/>
+        <pc:sldMkLst>
+          <pc:docMk/>
+          <pc:sldMk cId="718658970" sldId="259"/>
+        </pc:sldMkLst>
+        <pc:spChg chg="add del mod">
+          <ac:chgData name="Alfredo Fonseca Junior" userId="b53f08b6-e642-4ee2-a231-11cd653755d4" providerId="ADAL" clId="{4A13534B-B544-A44E-B29A-C6B9F0689448}" dt="2021-10-14T07:23:50.833" v="215" actId="478"/>
+          <ac:spMkLst>
+            <pc:docMk/>
+            <pc:sldMk cId="718658970" sldId="259"/>
+            <ac:spMk id="3" creationId="{9FB829A0-D83B-4E45-963B-34DE2835E736}"/>
+          </ac:spMkLst>
+        </pc:spChg>
+        <pc:spChg chg="mod">
+          <ac:chgData name="Alfredo Fonseca Junior" userId="b53f08b6-e642-4ee2-a231-11cd653755d4" providerId="ADAL" clId="{4A13534B-B544-A44E-B29A-C6B9F0689448}" dt="2021-10-14T07:24:45.369" v="218" actId="20577"/>
+          <ac:spMkLst>
+            <pc:docMk/>
+            <pc:sldMk cId="718658970" sldId="259"/>
+            <ac:spMk id="9" creationId="{2913A998-21C9-CD44-B27D-955D0631CD7D}"/>
+          </ac:spMkLst>
+        </pc:spChg>
+        <pc:spChg chg="mod">
+          <ac:chgData name="Alfredo Fonseca Junior" userId="b53f08b6-e642-4ee2-a231-11cd653755d4" providerId="ADAL" clId="{4A13534B-B544-A44E-B29A-C6B9F0689448}" dt="2021-10-14T07:24:47.505" v="220" actId="20577"/>
+          <ac:spMkLst>
+            <pc:docMk/>
+            <pc:sldMk cId="718658970" sldId="259"/>
+            <ac:spMk id="14" creationId="{BC499BE3-94FA-214B-A19A-92C01E4629BA}"/>
           </ac:spMkLst>
         </pc:spChg>
       </pc:sldChg>
@@ -250,7 +289,7 @@
         </pc:picChg>
       </pc:sldChg>
       <pc:sldChg chg="addSp delSp modSp add mod">
-        <pc:chgData name="Alfredo Fonseca Junior" userId="b53f08b6-e642-4ee2-a231-11cd653755d4" providerId="ADAL" clId="{4A13534B-B544-A44E-B29A-C6B9F0689448}" dt="2021-10-13T16:19:55.639" v="65" actId="1076"/>
+        <pc:chgData name="Alfredo Fonseca Junior" userId="b53f08b6-e642-4ee2-a231-11cd653755d4" providerId="ADAL" clId="{4A13534B-B544-A44E-B29A-C6B9F0689448}" dt="2021-10-14T07:29:34.152" v="237" actId="14100"/>
         <pc:sldMkLst>
           <pc:docMk/>
           <pc:sldMk cId="3623675131" sldId="268"/>
@@ -264,7 +303,7 @@
           </ac:spMkLst>
         </pc:spChg>
         <pc:picChg chg="add mod">
-          <ac:chgData name="Alfredo Fonseca Junior" userId="b53f08b6-e642-4ee2-a231-11cd653755d4" providerId="ADAL" clId="{4A13534B-B544-A44E-B29A-C6B9F0689448}" dt="2021-10-13T16:19:55.639" v="65" actId="1076"/>
+          <ac:chgData name="Alfredo Fonseca Junior" userId="b53f08b6-e642-4ee2-a231-11cd653755d4" providerId="ADAL" clId="{4A13534B-B544-A44E-B29A-C6B9F0689448}" dt="2021-10-14T07:29:34.152" v="237" actId="14100"/>
           <ac:picMkLst>
             <pc:docMk/>
             <pc:sldMk cId="3623675131" sldId="268"/>
@@ -277,6 +316,421 @@
             <pc:docMk/>
             <pc:sldMk cId="3623675131" sldId="268"/>
             <ac:picMk id="4" creationId="{BC6BBC5D-9D83-8C4B-9BBA-5CA2823F0CA6}"/>
+          </ac:picMkLst>
+        </pc:picChg>
+      </pc:sldChg>
+      <pc:sldChg chg="addSp delSp modSp add mod ord">
+        <pc:chgData name="Alfredo Fonseca Junior" userId="b53f08b6-e642-4ee2-a231-11cd653755d4" providerId="ADAL" clId="{4A13534B-B544-A44E-B29A-C6B9F0689448}" dt="2021-10-14T07:20:14.875" v="167" actId="20578"/>
+        <pc:sldMkLst>
+          <pc:docMk/>
+          <pc:sldMk cId="2573396592" sldId="269"/>
+        </pc:sldMkLst>
+        <pc:spChg chg="mod">
+          <ac:chgData name="Alfredo Fonseca Junior" userId="b53f08b6-e642-4ee2-a231-11cd653755d4" providerId="ADAL" clId="{4A13534B-B544-A44E-B29A-C6B9F0689448}" dt="2021-10-14T07:04:40.109" v="92" actId="20577"/>
+          <ac:spMkLst>
+            <pc:docMk/>
+            <pc:sldMk cId="2573396592" sldId="269"/>
+            <ac:spMk id="2" creationId="{3AE94BD3-81F9-EA42-A663-CD01BA60E1D8}"/>
+          </ac:spMkLst>
+        </pc:spChg>
+        <pc:picChg chg="add mod">
+          <ac:chgData name="Alfredo Fonseca Junior" userId="b53f08b6-e642-4ee2-a231-11cd653755d4" providerId="ADAL" clId="{4A13534B-B544-A44E-B29A-C6B9F0689448}" dt="2021-10-14T07:04:01.429" v="85" actId="1076"/>
+          <ac:picMkLst>
+            <pc:docMk/>
+            <pc:sldMk cId="2573396592" sldId="269"/>
+            <ac:picMk id="3" creationId="{6BB1AA06-3F58-5247-980A-C080D0BDCE10}"/>
+          </ac:picMkLst>
+        </pc:picChg>
+        <pc:picChg chg="del">
+          <ac:chgData name="Alfredo Fonseca Junior" userId="b53f08b6-e642-4ee2-a231-11cd653755d4" providerId="ADAL" clId="{4A13534B-B544-A44E-B29A-C6B9F0689448}" dt="2021-10-14T07:03:59.401" v="83" actId="478"/>
+          <ac:picMkLst>
+            <pc:docMk/>
+            <pc:sldMk cId="2573396592" sldId="269"/>
+            <ac:picMk id="4" creationId="{BC6BBC5D-9D83-8C4B-9BBA-5CA2823F0CA6}"/>
+          </ac:picMkLst>
+        </pc:picChg>
+        <pc:picChg chg="add mod">
+          <ac:chgData name="Alfredo Fonseca Junior" userId="b53f08b6-e642-4ee2-a231-11cd653755d4" providerId="ADAL" clId="{4A13534B-B544-A44E-B29A-C6B9F0689448}" dt="2021-10-14T07:04:34.657" v="88" actId="1076"/>
+          <ac:picMkLst>
+            <pc:docMk/>
+            <pc:sldMk cId="2573396592" sldId="269"/>
+            <ac:picMk id="5" creationId="{BED33A82-D993-7F4A-BD5A-F6A7CA96AE57}"/>
+          </ac:picMkLst>
+        </pc:picChg>
+        <pc:picChg chg="add mod">
+          <ac:chgData name="Alfredo Fonseca Junior" userId="b53f08b6-e642-4ee2-a231-11cd653755d4" providerId="ADAL" clId="{4A13534B-B544-A44E-B29A-C6B9F0689448}" dt="2021-10-14T07:04:57.786" v="95" actId="1076"/>
+          <ac:picMkLst>
+            <pc:docMk/>
+            <pc:sldMk cId="2573396592" sldId="269"/>
+            <ac:picMk id="6" creationId="{29CAC8FC-CA01-8546-8D38-BBDEA1A50EE6}"/>
+          </ac:picMkLst>
+        </pc:picChg>
+      </pc:sldChg>
+      <pc:sldChg chg="delSp modSp add mod ord">
+        <pc:chgData name="Alfredo Fonseca Junior" userId="b53f08b6-e642-4ee2-a231-11cd653755d4" providerId="ADAL" clId="{4A13534B-B544-A44E-B29A-C6B9F0689448}" dt="2021-10-14T07:20:49.489" v="170" actId="1076"/>
+        <pc:sldMkLst>
+          <pc:docMk/>
+          <pc:sldMk cId="2581906868" sldId="270"/>
+        </pc:sldMkLst>
+        <pc:spChg chg="mod">
+          <ac:chgData name="Alfredo Fonseca Junior" userId="b53f08b6-e642-4ee2-a231-11cd653755d4" providerId="ADAL" clId="{4A13534B-B544-A44E-B29A-C6B9F0689448}" dt="2021-10-14T07:20:08.860" v="166" actId="20577"/>
+          <ac:spMkLst>
+            <pc:docMk/>
+            <pc:sldMk cId="2581906868" sldId="270"/>
+            <ac:spMk id="2" creationId="{A4AC321E-9E64-5944-9F36-E1C762BB05C6}"/>
+          </ac:spMkLst>
+        </pc:spChg>
+        <pc:spChg chg="mod">
+          <ac:chgData name="Alfredo Fonseca Junior" userId="b53f08b6-e642-4ee2-a231-11cd653755d4" providerId="ADAL" clId="{4A13534B-B544-A44E-B29A-C6B9F0689448}" dt="2021-10-14T07:20:49.489" v="170" actId="1076"/>
+          <ac:spMkLst>
+            <pc:docMk/>
+            <pc:sldMk cId="2581906868" sldId="270"/>
+            <ac:spMk id="7" creationId="{C15C280C-00B8-7C45-B9C6-CD11E010A3A0}"/>
+          </ac:spMkLst>
+        </pc:spChg>
+        <pc:spChg chg="del">
+          <ac:chgData name="Alfredo Fonseca Junior" userId="b53f08b6-e642-4ee2-a231-11cd653755d4" providerId="ADAL" clId="{4A13534B-B544-A44E-B29A-C6B9F0689448}" dt="2021-10-14T07:19:59.971" v="141" actId="478"/>
+          <ac:spMkLst>
+            <pc:docMk/>
+            <pc:sldMk cId="2581906868" sldId="270"/>
+            <ac:spMk id="8" creationId="{D1CAE19B-89B7-094C-ADA5-944C8218B785}"/>
+          </ac:spMkLst>
+        </pc:spChg>
+        <pc:spChg chg="mod">
+          <ac:chgData name="Alfredo Fonseca Junior" userId="b53f08b6-e642-4ee2-a231-11cd653755d4" providerId="ADAL" clId="{4A13534B-B544-A44E-B29A-C6B9F0689448}" dt="2021-10-14T07:19:50.668" v="139"/>
+          <ac:spMkLst>
+            <pc:docMk/>
+            <pc:sldMk cId="2581906868" sldId="270"/>
+            <ac:spMk id="10" creationId="{72CCE4DD-6912-A14B-8CA2-458A05B060F7}"/>
+          </ac:spMkLst>
+        </pc:spChg>
+        <pc:spChg chg="del">
+          <ac:chgData name="Alfredo Fonseca Junior" userId="b53f08b6-e642-4ee2-a231-11cd653755d4" providerId="ADAL" clId="{4A13534B-B544-A44E-B29A-C6B9F0689448}" dt="2021-10-14T07:20:01.029" v="142" actId="478"/>
+          <ac:spMkLst>
+            <pc:docMk/>
+            <pc:sldMk cId="2581906868" sldId="270"/>
+            <ac:spMk id="13" creationId="{C124E0AC-2E88-7440-9926-CDDFBDCA674B}"/>
+          </ac:spMkLst>
+        </pc:spChg>
+        <pc:cxnChg chg="del">
+          <ac:chgData name="Alfredo Fonseca Junior" userId="b53f08b6-e642-4ee2-a231-11cd653755d4" providerId="ADAL" clId="{4A13534B-B544-A44E-B29A-C6B9F0689448}" dt="2021-10-14T07:20:01.939" v="143" actId="478"/>
+          <ac:cxnSpMkLst>
+            <pc:docMk/>
+            <pc:sldMk cId="2581906868" sldId="270"/>
+            <ac:cxnSpMk id="4" creationId="{D00D9F3E-E2AC-2B45-8912-6553BB3D7182}"/>
+          </ac:cxnSpMkLst>
+        </pc:cxnChg>
+        <pc:cxnChg chg="del">
+          <ac:chgData name="Alfredo Fonseca Junior" userId="b53f08b6-e642-4ee2-a231-11cd653755d4" providerId="ADAL" clId="{4A13534B-B544-A44E-B29A-C6B9F0689448}" dt="2021-10-14T07:20:02.980" v="144" actId="478"/>
+          <ac:cxnSpMkLst>
+            <pc:docMk/>
+            <pc:sldMk cId="2581906868" sldId="270"/>
+            <ac:cxnSpMk id="14" creationId="{CED80123-1383-9A41-AB55-8FD46348024D}"/>
+          </ac:cxnSpMkLst>
+        </pc:cxnChg>
+      </pc:sldChg>
+      <pc:sldChg chg="addSp modSp add mod">
+        <pc:chgData name="Alfredo Fonseca Junior" userId="b53f08b6-e642-4ee2-a231-11cd653755d4" providerId="ADAL" clId="{4A13534B-B544-A44E-B29A-C6B9F0689448}" dt="2021-10-14T07:22:07.047" v="212" actId="1076"/>
+        <pc:sldMkLst>
+          <pc:docMk/>
+          <pc:sldMk cId="628269163" sldId="271"/>
+        </pc:sldMkLst>
+        <pc:spChg chg="add mod">
+          <ac:chgData name="Alfredo Fonseca Junior" userId="b53f08b6-e642-4ee2-a231-11cd653755d4" providerId="ADAL" clId="{4A13534B-B544-A44E-B29A-C6B9F0689448}" dt="2021-10-14T07:21:27.540" v="194" actId="20577"/>
+          <ac:spMkLst>
+            <pc:docMk/>
+            <pc:sldMk cId="628269163" sldId="271"/>
+            <ac:spMk id="3" creationId="{01E51AE1-896C-B045-BC35-3C176B489B47}"/>
+          </ac:spMkLst>
+        </pc:spChg>
+        <pc:spChg chg="add">
+          <ac:chgData name="Alfredo Fonseca Junior" userId="b53f08b6-e642-4ee2-a231-11cd653755d4" providerId="ADAL" clId="{4A13534B-B544-A44E-B29A-C6B9F0689448}" dt="2021-10-14T07:22:03.613" v="210" actId="11529"/>
+          <ac:spMkLst>
+            <pc:docMk/>
+            <pc:sldMk cId="628269163" sldId="271"/>
+            <ac:spMk id="4" creationId="{735CAA80-49DD-C745-AE07-F80C6BE6814D}"/>
+          </ac:spMkLst>
+        </pc:spChg>
+        <pc:spChg chg="add mod">
+          <ac:chgData name="Alfredo Fonseca Junior" userId="b53f08b6-e642-4ee2-a231-11cd653755d4" providerId="ADAL" clId="{4A13534B-B544-A44E-B29A-C6B9F0689448}" dt="2021-10-14T07:21:40.428" v="209" actId="20577"/>
+          <ac:spMkLst>
+            <pc:docMk/>
+            <pc:sldMk cId="628269163" sldId="271"/>
+            <ac:spMk id="8" creationId="{A12A95F2-B1C8-644E-9F8A-86D8F117B28F}"/>
+          </ac:spMkLst>
+        </pc:spChg>
+        <pc:spChg chg="add mod">
+          <ac:chgData name="Alfredo Fonseca Junior" userId="b53f08b6-e642-4ee2-a231-11cd653755d4" providerId="ADAL" clId="{4A13534B-B544-A44E-B29A-C6B9F0689448}" dt="2021-10-14T07:22:07.047" v="212" actId="1076"/>
+          <ac:spMkLst>
+            <pc:docMk/>
+            <pc:sldMk cId="628269163" sldId="271"/>
+            <ac:spMk id="11" creationId="{02BD3F1E-F7F1-3241-ABCA-1F80DA151F84}"/>
+          </ac:spMkLst>
+        </pc:spChg>
+      </pc:sldChg>
+      <pc:sldChg chg="add del">
+        <pc:chgData name="Alfredo Fonseca Junior" userId="b53f08b6-e642-4ee2-a231-11cd653755d4" providerId="ADAL" clId="{4A13534B-B544-A44E-B29A-C6B9F0689448}" dt="2021-10-14T07:17:59.594" v="100" actId="2696"/>
+        <pc:sldMkLst>
+          <pc:docMk/>
+          <pc:sldMk cId="1358067766" sldId="271"/>
+        </pc:sldMkLst>
+      </pc:sldChg>
+      <pc:sldChg chg="addSp delSp modSp add mod">
+        <pc:chgData name="Alfredo Fonseca Junior" userId="b53f08b6-e642-4ee2-a231-11cd653755d4" providerId="ADAL" clId="{4A13534B-B544-A44E-B29A-C6B9F0689448}" dt="2021-10-14T07:26:59.291" v="228" actId="478"/>
+        <pc:sldMkLst>
+          <pc:docMk/>
+          <pc:sldMk cId="3337975472" sldId="272"/>
+        </pc:sldMkLst>
+        <pc:spChg chg="del">
+          <ac:chgData name="Alfredo Fonseca Junior" userId="b53f08b6-e642-4ee2-a231-11cd653755d4" providerId="ADAL" clId="{4A13534B-B544-A44E-B29A-C6B9F0689448}" dt="2021-10-14T07:26:59.291" v="228" actId="478"/>
+          <ac:spMkLst>
+            <pc:docMk/>
+            <pc:sldMk cId="3337975472" sldId="272"/>
+            <ac:spMk id="2" creationId="{A4AC321E-9E64-5944-9F36-E1C762BB05C6}"/>
+          </ac:spMkLst>
+        </pc:spChg>
+        <pc:spChg chg="del">
+          <ac:chgData name="Alfredo Fonseca Junior" userId="b53f08b6-e642-4ee2-a231-11cd653755d4" providerId="ADAL" clId="{4A13534B-B544-A44E-B29A-C6B9F0689448}" dt="2021-10-14T07:26:49.585" v="223" actId="478"/>
+          <ac:spMkLst>
+            <pc:docMk/>
+            <pc:sldMk cId="3337975472" sldId="272"/>
+            <ac:spMk id="7" creationId="{C15C280C-00B8-7C45-B9C6-CD11E010A3A0}"/>
+          </ac:spMkLst>
+        </pc:spChg>
+        <pc:spChg chg="del">
+          <ac:chgData name="Alfredo Fonseca Junior" userId="b53f08b6-e642-4ee2-a231-11cd653755d4" providerId="ADAL" clId="{4A13534B-B544-A44E-B29A-C6B9F0689448}" dt="2021-10-14T07:26:46.301" v="222" actId="478"/>
+          <ac:spMkLst>
+            <pc:docMk/>
+            <pc:sldMk cId="3337975472" sldId="272"/>
+            <ac:spMk id="8" creationId="{D1CAE19B-89B7-094C-ADA5-944C8218B785}"/>
+          </ac:spMkLst>
+        </pc:spChg>
+        <pc:spChg chg="add mod">
+          <ac:chgData name="Alfredo Fonseca Junior" userId="b53f08b6-e642-4ee2-a231-11cd653755d4" providerId="ADAL" clId="{4A13534B-B544-A44E-B29A-C6B9F0689448}" dt="2021-10-14T07:26:59.291" v="228" actId="478"/>
+          <ac:spMkLst>
+            <pc:docMk/>
+            <pc:sldMk cId="3337975472" sldId="272"/>
+            <ac:spMk id="9" creationId="{A6682071-CEB2-AD4B-9045-DE79132AF2B7}"/>
+          </ac:spMkLst>
+        </pc:spChg>
+        <pc:spChg chg="del">
+          <ac:chgData name="Alfredo Fonseca Junior" userId="b53f08b6-e642-4ee2-a231-11cd653755d4" providerId="ADAL" clId="{4A13534B-B544-A44E-B29A-C6B9F0689448}" dt="2021-10-14T07:26:49.585" v="223" actId="478"/>
+          <ac:spMkLst>
+            <pc:docMk/>
+            <pc:sldMk cId="3337975472" sldId="272"/>
+            <ac:spMk id="10" creationId="{72CCE4DD-6912-A14B-8CA2-458A05B060F7}"/>
+          </ac:spMkLst>
+        </pc:spChg>
+        <pc:spChg chg="del">
+          <ac:chgData name="Alfredo Fonseca Junior" userId="b53f08b6-e642-4ee2-a231-11cd653755d4" providerId="ADAL" clId="{4A13534B-B544-A44E-B29A-C6B9F0689448}" dt="2021-10-14T07:26:49.585" v="223" actId="478"/>
+          <ac:spMkLst>
+            <pc:docMk/>
+            <pc:sldMk cId="3337975472" sldId="272"/>
+            <ac:spMk id="12" creationId="{97C2279F-0004-A646-B3BB-096F9136A697}"/>
+          </ac:spMkLst>
+        </pc:spChg>
+        <pc:spChg chg="del">
+          <ac:chgData name="Alfredo Fonseca Junior" userId="b53f08b6-e642-4ee2-a231-11cd653755d4" providerId="ADAL" clId="{4A13534B-B544-A44E-B29A-C6B9F0689448}" dt="2021-10-14T07:26:51.182" v="224" actId="478"/>
+          <ac:spMkLst>
+            <pc:docMk/>
+            <pc:sldMk cId="3337975472" sldId="272"/>
+            <ac:spMk id="13" creationId="{C124E0AC-2E88-7440-9926-CDDFBDCA674B}"/>
+          </ac:spMkLst>
+        </pc:spChg>
+        <pc:picChg chg="add mod">
+          <ac:chgData name="Alfredo Fonseca Junior" userId="b53f08b6-e642-4ee2-a231-11cd653755d4" providerId="ADAL" clId="{4A13534B-B544-A44E-B29A-C6B9F0689448}" dt="2021-10-14T07:26:55.673" v="227" actId="1076"/>
+          <ac:picMkLst>
+            <pc:docMk/>
+            <pc:sldMk cId="3337975472" sldId="272"/>
+            <ac:picMk id="3" creationId="{F5128FDB-6B8A-2341-8AAB-CE42FB2C60BB}"/>
+          </ac:picMkLst>
+        </pc:picChg>
+        <pc:picChg chg="del">
+          <ac:chgData name="Alfredo Fonseca Junior" userId="b53f08b6-e642-4ee2-a231-11cd653755d4" providerId="ADAL" clId="{4A13534B-B544-A44E-B29A-C6B9F0689448}" dt="2021-10-14T07:26:49.585" v="223" actId="478"/>
+          <ac:picMkLst>
+            <pc:docMk/>
+            <pc:sldMk cId="3337975472" sldId="272"/>
+            <ac:picMk id="5" creationId="{4240F9C7-4DAB-3946-94D8-25E8071CD028}"/>
+          </ac:picMkLst>
+        </pc:picChg>
+        <pc:cxnChg chg="del">
+          <ac:chgData name="Alfredo Fonseca Junior" userId="b53f08b6-e642-4ee2-a231-11cd653755d4" providerId="ADAL" clId="{4A13534B-B544-A44E-B29A-C6B9F0689448}" dt="2021-10-14T07:26:49.585" v="223" actId="478"/>
+          <ac:cxnSpMkLst>
+            <pc:docMk/>
+            <pc:sldMk cId="3337975472" sldId="272"/>
+            <ac:cxnSpMk id="4" creationId="{D00D9F3E-E2AC-2B45-8912-6553BB3D7182}"/>
+          </ac:cxnSpMkLst>
+        </pc:cxnChg>
+        <pc:cxnChg chg="del">
+          <ac:chgData name="Alfredo Fonseca Junior" userId="b53f08b6-e642-4ee2-a231-11cd653755d4" providerId="ADAL" clId="{4A13534B-B544-A44E-B29A-C6B9F0689448}" dt="2021-10-14T07:26:49.585" v="223" actId="478"/>
+          <ac:cxnSpMkLst>
+            <pc:docMk/>
+            <pc:sldMk cId="3337975472" sldId="272"/>
+            <ac:cxnSpMk id="14" creationId="{CED80123-1383-9A41-AB55-8FD46348024D}"/>
+          </ac:cxnSpMkLst>
+        </pc:cxnChg>
+      </pc:sldChg>
+      <pc:sldChg chg="delSp modSp add mod">
+        <pc:chgData name="Alfredo Fonseca Junior" userId="b53f08b6-e642-4ee2-a231-11cd653755d4" providerId="ADAL" clId="{4A13534B-B544-A44E-B29A-C6B9F0689448}" dt="2021-10-14T07:29:17.177" v="235" actId="20577"/>
+        <pc:sldMkLst>
+          <pc:docMk/>
+          <pc:sldMk cId="1219054240" sldId="273"/>
+        </pc:sldMkLst>
+        <pc:spChg chg="mod">
+          <ac:chgData name="Alfredo Fonseca Junior" userId="b53f08b6-e642-4ee2-a231-11cd653755d4" providerId="ADAL" clId="{4A13534B-B544-A44E-B29A-C6B9F0689448}" dt="2021-10-14T07:29:17.177" v="235" actId="20577"/>
+          <ac:spMkLst>
+            <pc:docMk/>
+            <pc:sldMk cId="1219054240" sldId="273"/>
+            <ac:spMk id="2" creationId="{A4AC321E-9E64-5944-9F36-E1C762BB05C6}"/>
+          </ac:spMkLst>
+        </pc:spChg>
+        <pc:spChg chg="del">
+          <ac:chgData name="Alfredo Fonseca Junior" userId="b53f08b6-e642-4ee2-a231-11cd653755d4" providerId="ADAL" clId="{4A13534B-B544-A44E-B29A-C6B9F0689448}" dt="2021-10-14T07:29:14.570" v="230" actId="478"/>
+          <ac:spMkLst>
+            <pc:docMk/>
+            <pc:sldMk cId="1219054240" sldId="273"/>
+            <ac:spMk id="3" creationId="{01E51AE1-896C-B045-BC35-3C176B489B47}"/>
+          </ac:spMkLst>
+        </pc:spChg>
+        <pc:spChg chg="del">
+          <ac:chgData name="Alfredo Fonseca Junior" userId="b53f08b6-e642-4ee2-a231-11cd653755d4" providerId="ADAL" clId="{4A13534B-B544-A44E-B29A-C6B9F0689448}" dt="2021-10-14T07:29:14.570" v="230" actId="478"/>
+          <ac:spMkLst>
+            <pc:docMk/>
+            <pc:sldMk cId="1219054240" sldId="273"/>
+            <ac:spMk id="4" creationId="{735CAA80-49DD-C745-AE07-F80C6BE6814D}"/>
+          </ac:spMkLst>
+        </pc:spChg>
+        <pc:spChg chg="del">
+          <ac:chgData name="Alfredo Fonseca Junior" userId="b53f08b6-e642-4ee2-a231-11cd653755d4" providerId="ADAL" clId="{4A13534B-B544-A44E-B29A-C6B9F0689448}" dt="2021-10-14T07:29:14.570" v="230" actId="478"/>
+          <ac:spMkLst>
+            <pc:docMk/>
+            <pc:sldMk cId="1219054240" sldId="273"/>
+            <ac:spMk id="7" creationId="{C15C280C-00B8-7C45-B9C6-CD11E010A3A0}"/>
+          </ac:spMkLst>
+        </pc:spChg>
+        <pc:spChg chg="del">
+          <ac:chgData name="Alfredo Fonseca Junior" userId="b53f08b6-e642-4ee2-a231-11cd653755d4" providerId="ADAL" clId="{4A13534B-B544-A44E-B29A-C6B9F0689448}" dt="2021-10-14T07:29:14.570" v="230" actId="478"/>
+          <ac:spMkLst>
+            <pc:docMk/>
+            <pc:sldMk cId="1219054240" sldId="273"/>
+            <ac:spMk id="8" creationId="{A12A95F2-B1C8-644E-9F8A-86D8F117B28F}"/>
+          </ac:spMkLst>
+        </pc:spChg>
+        <pc:spChg chg="del">
+          <ac:chgData name="Alfredo Fonseca Junior" userId="b53f08b6-e642-4ee2-a231-11cd653755d4" providerId="ADAL" clId="{4A13534B-B544-A44E-B29A-C6B9F0689448}" dt="2021-10-14T07:29:14.570" v="230" actId="478"/>
+          <ac:spMkLst>
+            <pc:docMk/>
+            <pc:sldMk cId="1219054240" sldId="273"/>
+            <ac:spMk id="10" creationId="{72CCE4DD-6912-A14B-8CA2-458A05B060F7}"/>
+          </ac:spMkLst>
+        </pc:spChg>
+        <pc:spChg chg="del">
+          <ac:chgData name="Alfredo Fonseca Junior" userId="b53f08b6-e642-4ee2-a231-11cd653755d4" providerId="ADAL" clId="{4A13534B-B544-A44E-B29A-C6B9F0689448}" dt="2021-10-14T07:29:14.570" v="230" actId="478"/>
+          <ac:spMkLst>
+            <pc:docMk/>
+            <pc:sldMk cId="1219054240" sldId="273"/>
+            <ac:spMk id="11" creationId="{02BD3F1E-F7F1-3241-ABCA-1F80DA151F84}"/>
+          </ac:spMkLst>
+        </pc:spChg>
+        <pc:spChg chg="del">
+          <ac:chgData name="Alfredo Fonseca Junior" userId="b53f08b6-e642-4ee2-a231-11cd653755d4" providerId="ADAL" clId="{4A13534B-B544-A44E-B29A-C6B9F0689448}" dt="2021-10-14T07:29:14.570" v="230" actId="478"/>
+          <ac:spMkLst>
+            <pc:docMk/>
+            <pc:sldMk cId="1219054240" sldId="273"/>
+            <ac:spMk id="12" creationId="{97C2279F-0004-A646-B3BB-096F9136A697}"/>
+          </ac:spMkLst>
+        </pc:spChg>
+        <pc:picChg chg="del">
+          <ac:chgData name="Alfredo Fonseca Junior" userId="b53f08b6-e642-4ee2-a231-11cd653755d4" providerId="ADAL" clId="{4A13534B-B544-A44E-B29A-C6B9F0689448}" dt="2021-10-14T07:29:14.570" v="230" actId="478"/>
+          <ac:picMkLst>
+            <pc:docMk/>
+            <pc:sldMk cId="1219054240" sldId="273"/>
+            <ac:picMk id="5" creationId="{4240F9C7-4DAB-3946-94D8-25E8071CD028}"/>
+          </ac:picMkLst>
+        </pc:picChg>
+      </pc:sldChg>
+      <pc:sldChg chg="add">
+        <pc:chgData name="Alfredo Fonseca Junior" userId="b53f08b6-e642-4ee2-a231-11cd653755d4" providerId="ADAL" clId="{4A13534B-B544-A44E-B29A-C6B9F0689448}" dt="2021-10-14T07:30:28.747" v="238" actId="2890"/>
+        <pc:sldMkLst>
+          <pc:docMk/>
+          <pc:sldMk cId="2215281433" sldId="274"/>
+        </pc:sldMkLst>
+      </pc:sldChg>
+      <pc:sldChg chg="modSp new mod">
+        <pc:chgData name="Alfredo Fonseca Junior" userId="b53f08b6-e642-4ee2-a231-11cd653755d4" providerId="ADAL" clId="{4A13534B-B544-A44E-B29A-C6B9F0689448}" dt="2021-10-14T07:41:39.590" v="250" actId="313"/>
+        <pc:sldMkLst>
+          <pc:docMk/>
+          <pc:sldMk cId="2110181649" sldId="275"/>
+        </pc:sldMkLst>
+        <pc:spChg chg="mod">
+          <ac:chgData name="Alfredo Fonseca Junior" userId="b53f08b6-e642-4ee2-a231-11cd653755d4" providerId="ADAL" clId="{4A13534B-B544-A44E-B29A-C6B9F0689448}" dt="2021-10-14T07:41:32.966" v="244" actId="20577"/>
+          <ac:spMkLst>
+            <pc:docMk/>
+            <pc:sldMk cId="2110181649" sldId="275"/>
+            <ac:spMk id="2" creationId="{D0273F34-96E7-1647-B352-BD30BA2ED758}"/>
+          </ac:spMkLst>
+        </pc:spChg>
+        <pc:spChg chg="mod">
+          <ac:chgData name="Alfredo Fonseca Junior" userId="b53f08b6-e642-4ee2-a231-11cd653755d4" providerId="ADAL" clId="{4A13534B-B544-A44E-B29A-C6B9F0689448}" dt="2021-10-14T07:41:39.590" v="250" actId="313"/>
+          <ac:spMkLst>
+            <pc:docMk/>
+            <pc:sldMk cId="2110181649" sldId="275"/>
+            <ac:spMk id="3" creationId="{6A410682-7B38-3C44-8425-1487C2D73FCC}"/>
+          </ac:spMkLst>
+        </pc:spChg>
+      </pc:sldChg>
+      <pc:sldChg chg="addSp delSp modSp add mod">
+        <pc:chgData name="Alfredo Fonseca Junior" userId="b53f08b6-e642-4ee2-a231-11cd653755d4" providerId="ADAL" clId="{4A13534B-B544-A44E-B29A-C6B9F0689448}" dt="2021-10-14T07:44:42.467" v="280"/>
+        <pc:sldMkLst>
+          <pc:docMk/>
+          <pc:sldMk cId="2243412862" sldId="276"/>
+        </pc:sldMkLst>
+        <pc:spChg chg="mod">
+          <ac:chgData name="Alfredo Fonseca Junior" userId="b53f08b6-e642-4ee2-a231-11cd653755d4" providerId="ADAL" clId="{4A13534B-B544-A44E-B29A-C6B9F0689448}" dt="2021-10-14T07:43:36.120" v="273" actId="27636"/>
+          <ac:spMkLst>
+            <pc:docMk/>
+            <pc:sldMk cId="2243412862" sldId="276"/>
+            <ac:spMk id="2" creationId="{D0273F34-96E7-1647-B352-BD30BA2ED758}"/>
+          </ac:spMkLst>
+        </pc:spChg>
+        <pc:spChg chg="del">
+          <ac:chgData name="Alfredo Fonseca Junior" userId="b53f08b6-e642-4ee2-a231-11cd653755d4" providerId="ADAL" clId="{4A13534B-B544-A44E-B29A-C6B9F0689448}" dt="2021-10-14T07:43:22.621" v="254" actId="478"/>
+          <ac:spMkLst>
+            <pc:docMk/>
+            <pc:sldMk cId="2243412862" sldId="276"/>
+            <ac:spMk id="3" creationId="{6A410682-7B38-3C44-8425-1487C2D73FCC}"/>
+          </ac:spMkLst>
+        </pc:spChg>
+        <pc:spChg chg="add mod">
+          <ac:chgData name="Alfredo Fonseca Junior" userId="b53f08b6-e642-4ee2-a231-11cd653755d4" providerId="ADAL" clId="{4A13534B-B544-A44E-B29A-C6B9F0689448}" dt="2021-10-14T07:43:22.621" v="254" actId="478"/>
+          <ac:spMkLst>
+            <pc:docMk/>
+            <pc:sldMk cId="2243412862" sldId="276"/>
+            <ac:spMk id="5" creationId="{7AA6DCFF-B573-5940-87B1-2811EEC82658}"/>
+          </ac:spMkLst>
+        </pc:spChg>
+        <pc:spChg chg="add del mod">
+          <ac:chgData name="Alfredo Fonseca Junior" userId="b53f08b6-e642-4ee2-a231-11cd653755d4" providerId="ADAL" clId="{4A13534B-B544-A44E-B29A-C6B9F0689448}" dt="2021-10-14T07:44:42.467" v="280"/>
+          <ac:spMkLst>
+            <pc:docMk/>
+            <pc:sldMk cId="2243412862" sldId="276"/>
+            <ac:spMk id="7" creationId="{056F826B-CD0E-A649-99D6-B194CFC4C9F8}"/>
+          </ac:spMkLst>
+        </pc:spChg>
+        <pc:spChg chg="add mod">
+          <ac:chgData name="Alfredo Fonseca Junior" userId="b53f08b6-e642-4ee2-a231-11cd653755d4" providerId="ADAL" clId="{4A13534B-B544-A44E-B29A-C6B9F0689448}" dt="2021-10-14T07:44:40.082" v="278" actId="1076"/>
+          <ac:spMkLst>
+            <pc:docMk/>
+            <pc:sldMk cId="2243412862" sldId="276"/>
+            <ac:spMk id="8" creationId="{EA371CCD-A583-574E-9876-837BBBB0CDEC}"/>
+          </ac:spMkLst>
+        </pc:spChg>
+        <pc:picChg chg="add mod">
+          <ac:chgData name="Alfredo Fonseca Junior" userId="b53f08b6-e642-4ee2-a231-11cd653755d4" providerId="ADAL" clId="{4A13534B-B544-A44E-B29A-C6B9F0689448}" dt="2021-10-14T07:43:38.061" v="274" actId="1076"/>
+          <ac:picMkLst>
+            <pc:docMk/>
+            <pc:sldMk cId="2243412862" sldId="276"/>
+            <ac:picMk id="6" creationId="{22CA5FB6-805B-0949-AB5D-DC9242DFE656}"/>
           </ac:picMkLst>
         </pc:picChg>
       </pc:sldChg>
@@ -434,7 +888,7 @@
           <a:p>
             <a:fld id="{F5935150-443F-D94D-99D0-C6F2787F22E3}" type="datetimeFigureOut">
               <a:rPr lang="en-US" smtClean="0"/>
-              <a:t>10/13/21</a:t>
+              <a:t>10/14/21</a:t>
             </a:fld>
             <a:endParaRPr lang="en-US"/>
           </a:p>
@@ -634,7 +1088,7 @@
           <a:p>
             <a:fld id="{F5935150-443F-D94D-99D0-C6F2787F22E3}" type="datetimeFigureOut">
               <a:rPr lang="en-US" smtClean="0"/>
-              <a:t>10/13/21</a:t>
+              <a:t>10/14/21</a:t>
             </a:fld>
             <a:endParaRPr lang="en-US"/>
           </a:p>
@@ -844,7 +1298,7 @@
           <a:p>
             <a:fld id="{F5935150-443F-D94D-99D0-C6F2787F22E3}" type="datetimeFigureOut">
               <a:rPr lang="en-US" smtClean="0"/>
-              <a:t>10/13/21</a:t>
+              <a:t>10/14/21</a:t>
             </a:fld>
             <a:endParaRPr lang="en-US"/>
           </a:p>
@@ -1044,7 +1498,7 @@
           <a:p>
             <a:fld id="{F5935150-443F-D94D-99D0-C6F2787F22E3}" type="datetimeFigureOut">
               <a:rPr lang="en-US" smtClean="0"/>
-              <a:t>10/13/21</a:t>
+              <a:t>10/14/21</a:t>
             </a:fld>
             <a:endParaRPr lang="en-US"/>
           </a:p>
@@ -1320,7 +1774,7 @@
           <a:p>
             <a:fld id="{F5935150-443F-D94D-99D0-C6F2787F22E3}" type="datetimeFigureOut">
               <a:rPr lang="en-US" smtClean="0"/>
-              <a:t>10/13/21</a:t>
+              <a:t>10/14/21</a:t>
             </a:fld>
             <a:endParaRPr lang="en-US"/>
           </a:p>
@@ -1588,7 +2042,7 @@
           <a:p>
             <a:fld id="{F5935150-443F-D94D-99D0-C6F2787F22E3}" type="datetimeFigureOut">
               <a:rPr lang="en-US" smtClean="0"/>
-              <a:t>10/13/21</a:t>
+              <a:t>10/14/21</a:t>
             </a:fld>
             <a:endParaRPr lang="en-US"/>
           </a:p>
@@ -2003,7 +2457,7 @@
           <a:p>
             <a:fld id="{F5935150-443F-D94D-99D0-C6F2787F22E3}" type="datetimeFigureOut">
               <a:rPr lang="en-US" smtClean="0"/>
-              <a:t>10/13/21</a:t>
+              <a:t>10/14/21</a:t>
             </a:fld>
             <a:endParaRPr lang="en-US"/>
           </a:p>
@@ -2145,7 +2599,7 @@
           <a:p>
             <a:fld id="{F5935150-443F-D94D-99D0-C6F2787F22E3}" type="datetimeFigureOut">
               <a:rPr lang="en-US" smtClean="0"/>
-              <a:t>10/13/21</a:t>
+              <a:t>10/14/21</a:t>
             </a:fld>
             <a:endParaRPr lang="en-US"/>
           </a:p>
@@ -2258,7 +2712,7 @@
           <a:p>
             <a:fld id="{F5935150-443F-D94D-99D0-C6F2787F22E3}" type="datetimeFigureOut">
               <a:rPr lang="en-US" smtClean="0"/>
-              <a:t>10/13/21</a:t>
+              <a:t>10/14/21</a:t>
             </a:fld>
             <a:endParaRPr lang="en-US"/>
           </a:p>
@@ -2571,7 +3025,7 @@
           <a:p>
             <a:fld id="{F5935150-443F-D94D-99D0-C6F2787F22E3}" type="datetimeFigureOut">
               <a:rPr lang="en-US" smtClean="0"/>
-              <a:t>10/13/21</a:t>
+              <a:t>10/14/21</a:t>
             </a:fld>
             <a:endParaRPr lang="en-US"/>
           </a:p>
@@ -2860,7 +3314,7 @@
           <a:p>
             <a:fld id="{F5935150-443F-D94D-99D0-C6F2787F22E3}" type="datetimeFigureOut">
               <a:rPr lang="en-US" smtClean="0"/>
-              <a:t>10/13/21</a:t>
+              <a:t>10/14/21</a:t>
             </a:fld>
             <a:endParaRPr lang="en-US"/>
           </a:p>
@@ -3103,7 +3557,7 @@
           <a:p>
             <a:fld id="{F5935150-443F-D94D-99D0-C6F2787F22E3}" type="datetimeFigureOut">
               <a:rPr lang="en-US" smtClean="0"/>
-              <a:t>10/13/21</a:t>
+              <a:t>10/14/21</a:t>
             </a:fld>
             <a:endParaRPr lang="en-US"/>
           </a:p>
@@ -4623,59 +5077,12 @@
           <a:chExt cx="0" cy="0"/>
         </a:xfrm>
       </p:grpSpPr>
-      <p:sp>
-        <p:nvSpPr>
-          <p:cNvPr id="5" name="Rectangle 4">
-            <a:extLst>
-              <a:ext uri="{FF2B5EF4-FFF2-40B4-BE49-F238E27FC236}">
-                <a16:creationId xmlns:a16="http://schemas.microsoft.com/office/drawing/2014/main" id="{DB419EA8-2C86-0747-A576-2E5BD12F50C1}"/>
-              </a:ext>
-            </a:extLst>
-          </p:cNvPr>
-          <p:cNvSpPr/>
-          <p:nvPr/>
-        </p:nvSpPr>
-        <p:spPr>
-          <a:xfrm>
-            <a:off x="4831492" y="3262184"/>
-            <a:ext cx="1264508" cy="691978"/>
-          </a:xfrm>
-          <a:prstGeom prst="rect">
-            <a:avLst/>
-          </a:prstGeom>
-          <a:ln>
-            <a:noFill/>
-          </a:ln>
-        </p:spPr>
-        <p:style>
-          <a:lnRef idx="2">
-            <a:schemeClr val="accent6"/>
-          </a:lnRef>
-          <a:fillRef idx="1">
-            <a:schemeClr val="lt1"/>
-          </a:fillRef>
-          <a:effectRef idx="0">
-            <a:schemeClr val="accent6"/>
-          </a:effectRef>
-          <a:fontRef idx="minor">
-            <a:schemeClr val="dk1"/>
-          </a:fontRef>
-        </p:style>
-        <p:txBody>
-          <a:bodyPr rtlCol="0" anchor="ctr"/>
-          <a:lstStyle/>
-          <a:p>
-            <a:pPr algn="ctr"/>
-            <a:endParaRPr lang="en-US"/>
-          </a:p>
-        </p:txBody>
-      </p:sp>
       <p:pic>
         <p:nvPicPr>
-          <p:cNvPr id="2" name="Picture 1">
-            <a:extLst>
-              <a:ext uri="{FF2B5EF4-FFF2-40B4-BE49-F238E27FC236}">
-                <a16:creationId xmlns:a16="http://schemas.microsoft.com/office/drawing/2014/main" id="{88D6967E-0479-E848-831D-C19705091CBF}"/>
+          <p:cNvPr id="3" name="Picture 2">
+            <a:extLst>
+              <a:ext uri="{FF2B5EF4-FFF2-40B4-BE49-F238E27FC236}">
+                <a16:creationId xmlns:a16="http://schemas.microsoft.com/office/drawing/2014/main" id="{F5128FDB-6B8A-2341-8AAB-CE42FB2C60BB}"/>
               </a:ext>
             </a:extLst>
           </p:cNvPr>
@@ -4692,18 +5099,43 @@
         </p:blipFill>
         <p:spPr>
           <a:xfrm>
-            <a:off x="582998" y="528938"/>
-            <a:ext cx="11032066" cy="5365235"/>
+            <a:off x="3162300" y="1962006"/>
+            <a:ext cx="5867400" cy="2743200"/>
           </a:xfrm>
           <a:prstGeom prst="rect">
             <a:avLst/>
           </a:prstGeom>
         </p:spPr>
       </p:pic>
+      <p:sp>
+        <p:nvSpPr>
+          <p:cNvPr id="9" name="Title 8">
+            <a:extLst>
+              <a:ext uri="{FF2B5EF4-FFF2-40B4-BE49-F238E27FC236}">
+                <a16:creationId xmlns:a16="http://schemas.microsoft.com/office/drawing/2014/main" id="{A6682071-CEB2-AD4B-9045-DE79132AF2B7}"/>
+              </a:ext>
+            </a:extLst>
+          </p:cNvPr>
+          <p:cNvSpPr>
+            <a:spLocks noGrp="1"/>
+          </p:cNvSpPr>
+          <p:nvPr>
+            <p:ph type="title"/>
+          </p:nvPr>
+        </p:nvSpPr>
+        <p:spPr/>
+        <p:txBody>
+          <a:bodyPr/>
+          <a:lstStyle/>
+          <a:p>
+            <a:endParaRPr lang="en-US"/>
+          </a:p>
+        </p:txBody>
+      </p:sp>
     </p:spTree>
     <p:extLst>
       <p:ext uri="{BB962C8B-B14F-4D97-AF65-F5344CB8AC3E}">
-        <p14:creationId xmlns:p14="http://schemas.microsoft.com/office/powerpoint/2010/main" val="3152174875"/>
+        <p14:creationId xmlns:p14="http://schemas.microsoft.com/office/powerpoint/2010/main" val="3337975472"/>
       </p:ext>
     </p:extLst>
   </p:cSld>
@@ -4732,38 +5164,57 @@
       </p:grpSpPr>
       <p:sp>
         <p:nvSpPr>
-          <p:cNvPr id="2" name="Title 1">
-            <a:extLst>
-              <a:ext uri="{FF2B5EF4-FFF2-40B4-BE49-F238E27FC236}">
-                <a16:creationId xmlns:a16="http://schemas.microsoft.com/office/drawing/2014/main" id="{3AE94BD3-81F9-EA42-A663-CD01BA60E1D8}"/>
-              </a:ext>
-            </a:extLst>
-          </p:cNvPr>
-          <p:cNvSpPr>
-            <a:spLocks noGrp="1"/>
-          </p:cNvSpPr>
-          <p:nvPr>
-            <p:ph type="title"/>
-          </p:nvPr>
-        </p:nvSpPr>
-        <p:spPr/>
-        <p:txBody>
-          <a:bodyPr/>
-          <a:lstStyle/>
-          <a:p>
-            <a:r>
-              <a:rPr lang="en-US" dirty="0"/>
-              <a:t>Supervised Learning</a:t>
-            </a:r>
+          <p:cNvPr id="5" name="Rectangle 4">
+            <a:extLst>
+              <a:ext uri="{FF2B5EF4-FFF2-40B4-BE49-F238E27FC236}">
+                <a16:creationId xmlns:a16="http://schemas.microsoft.com/office/drawing/2014/main" id="{DB419EA8-2C86-0747-A576-2E5BD12F50C1}"/>
+              </a:ext>
+            </a:extLst>
+          </p:cNvPr>
+          <p:cNvSpPr/>
+          <p:nvPr/>
+        </p:nvSpPr>
+        <p:spPr>
+          <a:xfrm>
+            <a:off x="4831492" y="3262184"/>
+            <a:ext cx="1264508" cy="691978"/>
+          </a:xfrm>
+          <a:prstGeom prst="rect">
+            <a:avLst/>
+          </a:prstGeom>
+          <a:ln>
+            <a:noFill/>
+          </a:ln>
+        </p:spPr>
+        <p:style>
+          <a:lnRef idx="2">
+            <a:schemeClr val="accent6"/>
+          </a:lnRef>
+          <a:fillRef idx="1">
+            <a:schemeClr val="lt1"/>
+          </a:fillRef>
+          <a:effectRef idx="0">
+            <a:schemeClr val="accent6"/>
+          </a:effectRef>
+          <a:fontRef idx="minor">
+            <a:schemeClr val="dk1"/>
+          </a:fontRef>
+        </p:style>
+        <p:txBody>
+          <a:bodyPr rtlCol="0" anchor="ctr"/>
+          <a:lstStyle/>
+          <a:p>
+            <a:pPr algn="ctr"/>
+            <a:endParaRPr lang="en-US"/>
           </a:p>
         </p:txBody>
       </p:sp>
       <p:pic>
         <p:nvPicPr>
-          <p:cNvPr id="4" name="Picture 3">
-            <a:extLst>
-              <a:ext uri="{FF2B5EF4-FFF2-40B4-BE49-F238E27FC236}">
-                <a16:creationId xmlns:a16="http://schemas.microsoft.com/office/drawing/2014/main" id="{BC6BBC5D-9D83-8C4B-9BBA-5CA2823F0CA6}"/>
+          <p:cNvPr id="2" name="Picture 1">
+            <a:extLst>
+              <a:ext uri="{FF2B5EF4-FFF2-40B4-BE49-F238E27FC236}">
+                <a16:creationId xmlns:a16="http://schemas.microsoft.com/office/drawing/2014/main" id="{88D6967E-0479-E848-831D-C19705091CBF}"/>
               </a:ext>
             </a:extLst>
           </p:cNvPr>
@@ -4780,8 +5231,8 @@
         </p:blipFill>
         <p:spPr>
           <a:xfrm>
-            <a:off x="1285274" y="2434281"/>
-            <a:ext cx="8978900" cy="3200400"/>
+            <a:off x="582998" y="528938"/>
+            <a:ext cx="11032066" cy="5365235"/>
           </a:xfrm>
           <a:prstGeom prst="rect">
             <a:avLst/>
@@ -4791,7 +5242,7 @@
     </p:spTree>
     <p:extLst>
       <p:ext uri="{BB962C8B-B14F-4D97-AF65-F5344CB8AC3E}">
-        <p14:creationId xmlns:p14="http://schemas.microsoft.com/office/powerpoint/2010/main" val="3889588291"/>
+        <p14:creationId xmlns:p14="http://schemas.microsoft.com/office/powerpoint/2010/main" val="3152174875"/>
       </p:ext>
     </p:extLst>
   </p:cSld>
@@ -4841,17 +5292,17 @@
           <a:p>
             <a:r>
               <a:rPr lang="en-US" dirty="0"/>
-              <a:t>Square</a:t>
+              <a:t>Supervised Learning</a:t>
             </a:r>
           </a:p>
         </p:txBody>
       </p:sp>
       <p:pic>
         <p:nvPicPr>
-          <p:cNvPr id="3" name="Picture 2">
-            <a:extLst>
-              <a:ext uri="{FF2B5EF4-FFF2-40B4-BE49-F238E27FC236}">
-                <a16:creationId xmlns:a16="http://schemas.microsoft.com/office/drawing/2014/main" id="{3483362F-0018-B349-8082-3DCE287748E0}"/>
+          <p:cNvPr id="4" name="Picture 3">
+            <a:extLst>
+              <a:ext uri="{FF2B5EF4-FFF2-40B4-BE49-F238E27FC236}">
+                <a16:creationId xmlns:a16="http://schemas.microsoft.com/office/drawing/2014/main" id="{BC6BBC5D-9D83-8C4B-9BBA-5CA2823F0CA6}"/>
               </a:ext>
             </a:extLst>
           </p:cNvPr>
@@ -4868,8 +5319,8 @@
         </p:blipFill>
         <p:spPr>
           <a:xfrm>
-            <a:off x="1095248" y="3154680"/>
-            <a:ext cx="4368800" cy="914400"/>
+            <a:off x="1285274" y="2434281"/>
+            <a:ext cx="8978900" cy="3200400"/>
           </a:xfrm>
           <a:prstGeom prst="rect">
             <a:avLst/>
@@ -4879,7 +5330,1254 @@
     </p:spTree>
     <p:extLst>
       <p:ext uri="{BB962C8B-B14F-4D97-AF65-F5344CB8AC3E}">
-        <p14:creationId xmlns:p14="http://schemas.microsoft.com/office/powerpoint/2010/main" val="3623675131"/>
+        <p14:creationId xmlns:p14="http://schemas.microsoft.com/office/powerpoint/2010/main" val="3889588291"/>
+      </p:ext>
+    </p:extLst>
+  </p:cSld>
+  <p:clrMapOvr>
+    <a:masterClrMapping/>
+  </p:clrMapOvr>
+</p:sld>
+</file>
+
+<file path=ppt/slides/slide14.xml><?xml version="1.0" encoding="utf-8"?>
+<p:sld xmlns:a="http://schemas.openxmlformats.org/drawingml/2006/main" xmlns:r="http://schemas.openxmlformats.org/officeDocument/2006/relationships" xmlns:p="http://schemas.openxmlformats.org/presentationml/2006/main">
+  <p:cSld>
+    <p:spTree>
+      <p:nvGrpSpPr>
+        <p:cNvPr id="1" name=""/>
+        <p:cNvGrpSpPr/>
+        <p:nvPr/>
+      </p:nvGrpSpPr>
+      <p:grpSpPr>
+        <a:xfrm>
+          <a:off x="0" y="0"/>
+          <a:ext cx="0" cy="0"/>
+          <a:chOff x="0" y="0"/>
+          <a:chExt cx="0" cy="0"/>
+        </a:xfrm>
+      </p:grpSpPr>
+      <p:sp>
+        <p:nvSpPr>
+          <p:cNvPr id="2" name="Title 1">
+            <a:extLst>
+              <a:ext uri="{FF2B5EF4-FFF2-40B4-BE49-F238E27FC236}">
+                <a16:creationId xmlns:a16="http://schemas.microsoft.com/office/drawing/2014/main" id="{3AE94BD3-81F9-EA42-A663-CD01BA60E1D8}"/>
+              </a:ext>
+            </a:extLst>
+          </p:cNvPr>
+          <p:cNvSpPr>
+            <a:spLocks noGrp="1"/>
+          </p:cNvSpPr>
+          <p:nvPr>
+            <p:ph type="title"/>
+          </p:nvPr>
+        </p:nvSpPr>
+        <p:spPr/>
+        <p:txBody>
+          <a:bodyPr/>
+          <a:lstStyle/>
+          <a:p>
+            <a:r>
+              <a:rPr lang="en-US" dirty="0"/>
+              <a:t>Iris</a:t>
+            </a:r>
+          </a:p>
+        </p:txBody>
+      </p:sp>
+      <p:pic>
+        <p:nvPicPr>
+          <p:cNvPr id="3" name="Picture 2">
+            <a:extLst>
+              <a:ext uri="{FF2B5EF4-FFF2-40B4-BE49-F238E27FC236}">
+                <a16:creationId xmlns:a16="http://schemas.microsoft.com/office/drawing/2014/main" id="{6BB1AA06-3F58-5247-980A-C080D0BDCE10}"/>
+              </a:ext>
+            </a:extLst>
+          </p:cNvPr>
+          <p:cNvPicPr>
+            <a:picLocks noChangeAspect="1"/>
+          </p:cNvPicPr>
+          <p:nvPr/>
+        </p:nvPicPr>
+        <p:blipFill>
+          <a:blip r:embed="rId2"/>
+          <a:stretch>
+            <a:fillRect/>
+          </a:stretch>
+        </p:blipFill>
+        <p:spPr>
+          <a:xfrm>
+            <a:off x="180848" y="1943608"/>
+            <a:ext cx="4978400" cy="3556000"/>
+          </a:xfrm>
+          <a:prstGeom prst="rect">
+            <a:avLst/>
+          </a:prstGeom>
+        </p:spPr>
+      </p:pic>
+      <p:pic>
+        <p:nvPicPr>
+          <p:cNvPr id="5" name="Picture 4">
+            <a:extLst>
+              <a:ext uri="{FF2B5EF4-FFF2-40B4-BE49-F238E27FC236}">
+                <a16:creationId xmlns:a16="http://schemas.microsoft.com/office/drawing/2014/main" id="{BED33A82-D993-7F4A-BD5A-F6A7CA96AE57}"/>
+              </a:ext>
+            </a:extLst>
+          </p:cNvPr>
+          <p:cNvPicPr>
+            <a:picLocks noChangeAspect="1"/>
+          </p:cNvPicPr>
+          <p:nvPr/>
+        </p:nvPicPr>
+        <p:blipFill>
+          <a:blip r:embed="rId3"/>
+          <a:stretch>
+            <a:fillRect/>
+          </a:stretch>
+        </p:blipFill>
+        <p:spPr>
+          <a:xfrm>
+            <a:off x="8457711" y="1709223"/>
+            <a:ext cx="3553441" cy="3928934"/>
+          </a:xfrm>
+          <a:prstGeom prst="rect">
+            <a:avLst/>
+          </a:prstGeom>
+        </p:spPr>
+      </p:pic>
+      <p:pic>
+        <p:nvPicPr>
+          <p:cNvPr id="6" name="Picture 5">
+            <a:extLst>
+              <a:ext uri="{FF2B5EF4-FFF2-40B4-BE49-F238E27FC236}">
+                <a16:creationId xmlns:a16="http://schemas.microsoft.com/office/drawing/2014/main" id="{29CAC8FC-CA01-8546-8D38-BBDEA1A50EE6}"/>
+              </a:ext>
+            </a:extLst>
+          </p:cNvPr>
+          <p:cNvPicPr>
+            <a:picLocks noChangeAspect="1"/>
+          </p:cNvPicPr>
+          <p:nvPr/>
+        </p:nvPicPr>
+        <p:blipFill>
+          <a:blip r:embed="rId4"/>
+          <a:stretch>
+            <a:fillRect/>
+          </a:stretch>
+        </p:blipFill>
+        <p:spPr>
+          <a:xfrm>
+            <a:off x="5159248" y="1709223"/>
+            <a:ext cx="3098800" cy="3721100"/>
+          </a:xfrm>
+          <a:prstGeom prst="rect">
+            <a:avLst/>
+          </a:prstGeom>
+        </p:spPr>
+      </p:pic>
+    </p:spTree>
+    <p:extLst>
+      <p:ext uri="{BB962C8B-B14F-4D97-AF65-F5344CB8AC3E}">
+        <p14:creationId xmlns:p14="http://schemas.microsoft.com/office/powerpoint/2010/main" val="2573396592"/>
+      </p:ext>
+    </p:extLst>
+  </p:cSld>
+  <p:clrMapOvr>
+    <a:masterClrMapping/>
+  </p:clrMapOvr>
+</p:sld>
+</file>
+
+<file path=ppt/slides/slide15.xml><?xml version="1.0" encoding="utf-8"?>
+<p:sld xmlns:a="http://schemas.openxmlformats.org/drawingml/2006/main" xmlns:r="http://schemas.openxmlformats.org/officeDocument/2006/relationships" xmlns:p="http://schemas.openxmlformats.org/presentationml/2006/main">
+  <p:cSld>
+    <p:spTree>
+      <p:nvGrpSpPr>
+        <p:cNvPr id="1" name=""/>
+        <p:cNvGrpSpPr/>
+        <p:nvPr/>
+      </p:nvGrpSpPr>
+      <p:grpSpPr>
+        <a:xfrm>
+          <a:off x="0" y="0"/>
+          <a:ext cx="0" cy="0"/>
+          <a:chOff x="0" y="0"/>
+          <a:chExt cx="0" cy="0"/>
+        </a:xfrm>
+      </p:grpSpPr>
+      <p:sp>
+        <p:nvSpPr>
+          <p:cNvPr id="2" name="Title 1">
+            <a:extLst>
+              <a:ext uri="{FF2B5EF4-FFF2-40B4-BE49-F238E27FC236}">
+                <a16:creationId xmlns:a16="http://schemas.microsoft.com/office/drawing/2014/main" id="{A4AC321E-9E64-5944-9F36-E1C762BB05C6}"/>
+              </a:ext>
+            </a:extLst>
+          </p:cNvPr>
+          <p:cNvSpPr>
+            <a:spLocks noGrp="1"/>
+          </p:cNvSpPr>
+          <p:nvPr>
+            <p:ph type="title"/>
+          </p:nvPr>
+        </p:nvSpPr>
+        <p:spPr>
+          <a:xfrm>
+            <a:off x="838200" y="212444"/>
+            <a:ext cx="10515600" cy="1086131"/>
+          </a:xfrm>
+        </p:spPr>
+        <p:txBody>
+          <a:bodyPr>
+            <a:normAutofit fontScale="90000"/>
+          </a:bodyPr>
+          <a:lstStyle/>
+          <a:p>
+            <a:br>
+              <a:rPr lang="en-US" dirty="0"/>
+            </a:br>
+            <a:r>
+              <a:rPr lang="en-GB" dirty="0"/>
+              <a:t>Flowers Classification</a:t>
+            </a:r>
+            <a:endParaRPr lang="en-US" dirty="0"/>
+          </a:p>
+        </p:txBody>
+      </p:sp>
+      <p:pic>
+        <p:nvPicPr>
+          <p:cNvPr id="5" name="Picture 4">
+            <a:extLst>
+              <a:ext uri="{FF2B5EF4-FFF2-40B4-BE49-F238E27FC236}">
+                <a16:creationId xmlns:a16="http://schemas.microsoft.com/office/drawing/2014/main" id="{4240F9C7-4DAB-3946-94D8-25E8071CD028}"/>
+              </a:ext>
+            </a:extLst>
+          </p:cNvPr>
+          <p:cNvPicPr>
+            <a:picLocks noChangeAspect="1"/>
+          </p:cNvPicPr>
+          <p:nvPr/>
+        </p:nvPicPr>
+        <p:blipFill>
+          <a:blip r:embed="rId2"/>
+          <a:stretch>
+            <a:fillRect/>
+          </a:stretch>
+        </p:blipFill>
+        <p:spPr>
+          <a:xfrm>
+            <a:off x="2251333" y="2863599"/>
+            <a:ext cx="6527800" cy="3733800"/>
+          </a:xfrm>
+          <a:prstGeom prst="rect">
+            <a:avLst/>
+          </a:prstGeom>
+        </p:spPr>
+      </p:pic>
+      <p:sp>
+        <p:nvSpPr>
+          <p:cNvPr id="7" name="Rectangle 6">
+            <a:extLst>
+              <a:ext uri="{FF2B5EF4-FFF2-40B4-BE49-F238E27FC236}">
+                <a16:creationId xmlns:a16="http://schemas.microsoft.com/office/drawing/2014/main" id="{C15C280C-00B8-7C45-B9C6-CD11E010A3A0}"/>
+              </a:ext>
+            </a:extLst>
+          </p:cNvPr>
+          <p:cNvSpPr/>
+          <p:nvPr/>
+        </p:nvSpPr>
+        <p:spPr>
+          <a:xfrm>
+            <a:off x="947928" y="3596766"/>
+            <a:ext cx="2258262" cy="2267466"/>
+          </a:xfrm>
+          <a:prstGeom prst="rect">
+            <a:avLst/>
+          </a:prstGeom>
+        </p:spPr>
+        <p:style>
+          <a:lnRef idx="2">
+            <a:schemeClr val="accent1">
+              <a:shade val="50000"/>
+            </a:schemeClr>
+          </a:lnRef>
+          <a:fillRef idx="1">
+            <a:schemeClr val="accent1"/>
+          </a:fillRef>
+          <a:effectRef idx="0">
+            <a:schemeClr val="accent1"/>
+          </a:effectRef>
+          <a:fontRef idx="minor">
+            <a:schemeClr val="lt1"/>
+          </a:fontRef>
+        </p:style>
+        <p:txBody>
+          <a:bodyPr rtlCol="0" anchor="ctr"/>
+          <a:lstStyle/>
+          <a:p>
+            <a:pPr algn="ctr"/>
+            <a:r>
+              <a:rPr lang="en-US" dirty="0"/>
+              <a:t>* sepal length in cm </a:t>
+            </a:r>
+          </a:p>
+          <a:p>
+            <a:pPr algn="ctr"/>
+            <a:r>
+              <a:rPr lang="en-US" dirty="0"/>
+              <a:t>* sepal width in cm </a:t>
+            </a:r>
+          </a:p>
+          <a:p>
+            <a:pPr algn="ctr"/>
+            <a:r>
+              <a:rPr lang="en-US" dirty="0"/>
+              <a:t>* petal length in cm </a:t>
+            </a:r>
+          </a:p>
+          <a:p>
+            <a:pPr algn="ctr"/>
+            <a:r>
+              <a:rPr lang="en-US" dirty="0"/>
+              <a:t>* petal width in cm</a:t>
+            </a:r>
+          </a:p>
+        </p:txBody>
+      </p:sp>
+      <p:sp>
+        <p:nvSpPr>
+          <p:cNvPr id="10" name="Rectangle 9">
+            <a:extLst>
+              <a:ext uri="{FF2B5EF4-FFF2-40B4-BE49-F238E27FC236}">
+                <a16:creationId xmlns:a16="http://schemas.microsoft.com/office/drawing/2014/main" id="{72CCE4DD-6912-A14B-8CA2-458A05B060F7}"/>
+              </a:ext>
+            </a:extLst>
+          </p:cNvPr>
+          <p:cNvSpPr/>
+          <p:nvPr/>
+        </p:nvSpPr>
+        <p:spPr>
+          <a:xfrm>
+            <a:off x="7934004" y="3429000"/>
+            <a:ext cx="1927654" cy="2267466"/>
+          </a:xfrm>
+          <a:prstGeom prst="rect">
+            <a:avLst/>
+          </a:prstGeom>
+        </p:spPr>
+        <p:style>
+          <a:lnRef idx="2">
+            <a:schemeClr val="accent1">
+              <a:shade val="50000"/>
+            </a:schemeClr>
+          </a:lnRef>
+          <a:fillRef idx="1">
+            <a:schemeClr val="accent1"/>
+          </a:fillRef>
+          <a:effectRef idx="0">
+            <a:schemeClr val="accent1"/>
+          </a:effectRef>
+          <a:fontRef idx="minor">
+            <a:schemeClr val="lt1"/>
+          </a:fontRef>
+        </p:style>
+        <p:txBody>
+          <a:bodyPr rtlCol="0" anchor="ctr"/>
+          <a:lstStyle/>
+          <a:p>
+            <a:pPr algn="ctr"/>
+            <a:r>
+              <a:rPr lang="en-US" dirty="0"/>
+              <a:t>Predict class: </a:t>
+            </a:r>
+          </a:p>
+          <a:p>
+            <a:pPr algn="ctr"/>
+            <a:r>
+              <a:rPr lang="en-US" dirty="0"/>
+              <a:t>* Iris-</a:t>
+            </a:r>
+            <a:r>
+              <a:rPr lang="en-US" dirty="0" err="1"/>
+              <a:t>Setosa</a:t>
+            </a:r>
+            <a:r>
+              <a:rPr lang="en-US" dirty="0"/>
+              <a:t> </a:t>
+            </a:r>
+          </a:p>
+          <a:p>
+            <a:pPr algn="ctr"/>
+            <a:r>
+              <a:rPr lang="en-US" dirty="0"/>
+              <a:t>* Iris-</a:t>
+            </a:r>
+            <a:r>
+              <a:rPr lang="en-US" dirty="0" err="1"/>
+              <a:t>Versicolour</a:t>
+            </a:r>
+            <a:r>
+              <a:rPr lang="en-US" dirty="0"/>
+              <a:t> </a:t>
+            </a:r>
+          </a:p>
+          <a:p>
+            <a:pPr algn="ctr"/>
+            <a:r>
+              <a:rPr lang="en-US" dirty="0"/>
+              <a:t>* Iris-Virginica</a:t>
+            </a:r>
+          </a:p>
+        </p:txBody>
+      </p:sp>
+      <p:sp>
+        <p:nvSpPr>
+          <p:cNvPr id="12" name="Rectangle 11">
+            <a:extLst>
+              <a:ext uri="{FF2B5EF4-FFF2-40B4-BE49-F238E27FC236}">
+                <a16:creationId xmlns:a16="http://schemas.microsoft.com/office/drawing/2014/main" id="{97C2279F-0004-A646-B3BB-096F9136A697}"/>
+              </a:ext>
+            </a:extLst>
+          </p:cNvPr>
+          <p:cNvSpPr/>
+          <p:nvPr/>
+        </p:nvSpPr>
+        <p:spPr>
+          <a:xfrm>
+            <a:off x="4817076" y="3902215"/>
+            <a:ext cx="1278924" cy="518983"/>
+          </a:xfrm>
+          <a:prstGeom prst="rect">
+            <a:avLst/>
+          </a:prstGeom>
+        </p:spPr>
+        <p:style>
+          <a:lnRef idx="2">
+            <a:schemeClr val="accent1">
+              <a:shade val="50000"/>
+            </a:schemeClr>
+          </a:lnRef>
+          <a:fillRef idx="1">
+            <a:schemeClr val="accent1"/>
+          </a:fillRef>
+          <a:effectRef idx="0">
+            <a:schemeClr val="accent1"/>
+          </a:effectRef>
+          <a:fontRef idx="minor">
+            <a:schemeClr val="lt1"/>
+          </a:fontRef>
+        </p:style>
+        <p:txBody>
+          <a:bodyPr rtlCol="0" anchor="ctr"/>
+          <a:lstStyle/>
+          <a:p>
+            <a:pPr algn="ctr"/>
+            <a:r>
+              <a:rPr lang="en-US" dirty="0"/>
+              <a:t>ML Model</a:t>
+            </a:r>
+          </a:p>
+        </p:txBody>
+      </p:sp>
+    </p:spTree>
+    <p:extLst>
+      <p:ext uri="{BB962C8B-B14F-4D97-AF65-F5344CB8AC3E}">
+        <p14:creationId xmlns:p14="http://schemas.microsoft.com/office/powerpoint/2010/main" val="2581906868"/>
+      </p:ext>
+    </p:extLst>
+  </p:cSld>
+  <p:clrMapOvr>
+    <a:masterClrMapping/>
+  </p:clrMapOvr>
+</p:sld>
+</file>
+
+<file path=ppt/slides/slide16.xml><?xml version="1.0" encoding="utf-8"?>
+<p:sld xmlns:a="http://schemas.openxmlformats.org/drawingml/2006/main" xmlns:r="http://schemas.openxmlformats.org/officeDocument/2006/relationships" xmlns:p="http://schemas.openxmlformats.org/presentationml/2006/main">
+  <p:cSld>
+    <p:spTree>
+      <p:nvGrpSpPr>
+        <p:cNvPr id="1" name=""/>
+        <p:cNvGrpSpPr/>
+        <p:nvPr/>
+      </p:nvGrpSpPr>
+      <p:grpSpPr>
+        <a:xfrm>
+          <a:off x="0" y="0"/>
+          <a:ext cx="0" cy="0"/>
+          <a:chOff x="0" y="0"/>
+          <a:chExt cx="0" cy="0"/>
+        </a:xfrm>
+      </p:grpSpPr>
+      <p:sp>
+        <p:nvSpPr>
+          <p:cNvPr id="2" name="Title 1">
+            <a:extLst>
+              <a:ext uri="{FF2B5EF4-FFF2-40B4-BE49-F238E27FC236}">
+                <a16:creationId xmlns:a16="http://schemas.microsoft.com/office/drawing/2014/main" id="{A4AC321E-9E64-5944-9F36-E1C762BB05C6}"/>
+              </a:ext>
+            </a:extLst>
+          </p:cNvPr>
+          <p:cNvSpPr>
+            <a:spLocks noGrp="1"/>
+          </p:cNvSpPr>
+          <p:nvPr>
+            <p:ph type="title"/>
+          </p:nvPr>
+        </p:nvSpPr>
+        <p:spPr>
+          <a:xfrm>
+            <a:off x="838200" y="212444"/>
+            <a:ext cx="10515600" cy="1086131"/>
+          </a:xfrm>
+        </p:spPr>
+        <p:txBody>
+          <a:bodyPr>
+            <a:normAutofit fontScale="90000"/>
+          </a:bodyPr>
+          <a:lstStyle/>
+          <a:p>
+            <a:br>
+              <a:rPr lang="en-US" dirty="0"/>
+            </a:br>
+            <a:r>
+              <a:rPr lang="en-GB" dirty="0"/>
+              <a:t>Flowers Classification</a:t>
+            </a:r>
+            <a:endParaRPr lang="en-US" dirty="0"/>
+          </a:p>
+        </p:txBody>
+      </p:sp>
+      <p:pic>
+        <p:nvPicPr>
+          <p:cNvPr id="5" name="Picture 4">
+            <a:extLst>
+              <a:ext uri="{FF2B5EF4-FFF2-40B4-BE49-F238E27FC236}">
+                <a16:creationId xmlns:a16="http://schemas.microsoft.com/office/drawing/2014/main" id="{4240F9C7-4DAB-3946-94D8-25E8071CD028}"/>
+              </a:ext>
+            </a:extLst>
+          </p:cNvPr>
+          <p:cNvPicPr>
+            <a:picLocks noChangeAspect="1"/>
+          </p:cNvPicPr>
+          <p:nvPr/>
+        </p:nvPicPr>
+        <p:blipFill>
+          <a:blip r:embed="rId2"/>
+          <a:stretch>
+            <a:fillRect/>
+          </a:stretch>
+        </p:blipFill>
+        <p:spPr>
+          <a:xfrm>
+            <a:off x="2251333" y="2863599"/>
+            <a:ext cx="6527800" cy="3733800"/>
+          </a:xfrm>
+          <a:prstGeom prst="rect">
+            <a:avLst/>
+          </a:prstGeom>
+        </p:spPr>
+      </p:pic>
+      <p:sp>
+        <p:nvSpPr>
+          <p:cNvPr id="7" name="Rectangle 6">
+            <a:extLst>
+              <a:ext uri="{FF2B5EF4-FFF2-40B4-BE49-F238E27FC236}">
+                <a16:creationId xmlns:a16="http://schemas.microsoft.com/office/drawing/2014/main" id="{C15C280C-00B8-7C45-B9C6-CD11E010A3A0}"/>
+              </a:ext>
+            </a:extLst>
+          </p:cNvPr>
+          <p:cNvSpPr/>
+          <p:nvPr/>
+        </p:nvSpPr>
+        <p:spPr>
+          <a:xfrm>
+            <a:off x="947928" y="3596766"/>
+            <a:ext cx="2258262" cy="2267466"/>
+          </a:xfrm>
+          <a:prstGeom prst="rect">
+            <a:avLst/>
+          </a:prstGeom>
+        </p:spPr>
+        <p:style>
+          <a:lnRef idx="2">
+            <a:schemeClr val="accent1">
+              <a:shade val="50000"/>
+            </a:schemeClr>
+          </a:lnRef>
+          <a:fillRef idx="1">
+            <a:schemeClr val="accent1"/>
+          </a:fillRef>
+          <a:effectRef idx="0">
+            <a:schemeClr val="accent1"/>
+          </a:effectRef>
+          <a:fontRef idx="minor">
+            <a:schemeClr val="lt1"/>
+          </a:fontRef>
+        </p:style>
+        <p:txBody>
+          <a:bodyPr rtlCol="0" anchor="ctr"/>
+          <a:lstStyle/>
+          <a:p>
+            <a:pPr algn="ctr"/>
+            <a:r>
+              <a:rPr lang="en-US" dirty="0"/>
+              <a:t>* sepal length in cm </a:t>
+            </a:r>
+          </a:p>
+          <a:p>
+            <a:pPr algn="ctr"/>
+            <a:r>
+              <a:rPr lang="en-US" dirty="0"/>
+              <a:t>* sepal width in cm </a:t>
+            </a:r>
+          </a:p>
+          <a:p>
+            <a:pPr algn="ctr"/>
+            <a:r>
+              <a:rPr lang="en-US" dirty="0"/>
+              <a:t>* petal length in cm </a:t>
+            </a:r>
+          </a:p>
+          <a:p>
+            <a:pPr algn="ctr"/>
+            <a:r>
+              <a:rPr lang="en-US" dirty="0"/>
+              <a:t>* petal width in cm</a:t>
+            </a:r>
+          </a:p>
+        </p:txBody>
+      </p:sp>
+      <p:sp>
+        <p:nvSpPr>
+          <p:cNvPr id="10" name="Rectangle 9">
+            <a:extLst>
+              <a:ext uri="{FF2B5EF4-FFF2-40B4-BE49-F238E27FC236}">
+                <a16:creationId xmlns:a16="http://schemas.microsoft.com/office/drawing/2014/main" id="{72CCE4DD-6912-A14B-8CA2-458A05B060F7}"/>
+              </a:ext>
+            </a:extLst>
+          </p:cNvPr>
+          <p:cNvSpPr/>
+          <p:nvPr/>
+        </p:nvSpPr>
+        <p:spPr>
+          <a:xfrm>
+            <a:off x="7934004" y="3429000"/>
+            <a:ext cx="1927654" cy="2267466"/>
+          </a:xfrm>
+          <a:prstGeom prst="rect">
+            <a:avLst/>
+          </a:prstGeom>
+        </p:spPr>
+        <p:style>
+          <a:lnRef idx="2">
+            <a:schemeClr val="accent1">
+              <a:shade val="50000"/>
+            </a:schemeClr>
+          </a:lnRef>
+          <a:fillRef idx="1">
+            <a:schemeClr val="accent1"/>
+          </a:fillRef>
+          <a:effectRef idx="0">
+            <a:schemeClr val="accent1"/>
+          </a:effectRef>
+          <a:fontRef idx="minor">
+            <a:schemeClr val="lt1"/>
+          </a:fontRef>
+        </p:style>
+        <p:txBody>
+          <a:bodyPr rtlCol="0" anchor="ctr"/>
+          <a:lstStyle/>
+          <a:p>
+            <a:pPr algn="ctr"/>
+            <a:r>
+              <a:rPr lang="en-US" dirty="0"/>
+              <a:t>Predict class: </a:t>
+            </a:r>
+          </a:p>
+          <a:p>
+            <a:pPr algn="ctr"/>
+            <a:r>
+              <a:rPr lang="en-US" dirty="0"/>
+              <a:t>* Iris-</a:t>
+            </a:r>
+            <a:r>
+              <a:rPr lang="en-US" dirty="0" err="1"/>
+              <a:t>Setosa</a:t>
+            </a:r>
+            <a:r>
+              <a:rPr lang="en-US" dirty="0"/>
+              <a:t> </a:t>
+            </a:r>
+          </a:p>
+          <a:p>
+            <a:pPr algn="ctr"/>
+            <a:r>
+              <a:rPr lang="en-US" dirty="0"/>
+              <a:t>* Iris-</a:t>
+            </a:r>
+            <a:r>
+              <a:rPr lang="en-US" dirty="0" err="1"/>
+              <a:t>Versicolour</a:t>
+            </a:r>
+            <a:r>
+              <a:rPr lang="en-US" dirty="0"/>
+              <a:t> </a:t>
+            </a:r>
+          </a:p>
+          <a:p>
+            <a:pPr algn="ctr"/>
+            <a:r>
+              <a:rPr lang="en-US" dirty="0"/>
+              <a:t>* Iris-Virginica</a:t>
+            </a:r>
+          </a:p>
+        </p:txBody>
+      </p:sp>
+      <p:sp>
+        <p:nvSpPr>
+          <p:cNvPr id="12" name="Rectangle 11">
+            <a:extLst>
+              <a:ext uri="{FF2B5EF4-FFF2-40B4-BE49-F238E27FC236}">
+                <a16:creationId xmlns:a16="http://schemas.microsoft.com/office/drawing/2014/main" id="{97C2279F-0004-A646-B3BB-096F9136A697}"/>
+              </a:ext>
+            </a:extLst>
+          </p:cNvPr>
+          <p:cNvSpPr/>
+          <p:nvPr/>
+        </p:nvSpPr>
+        <p:spPr>
+          <a:xfrm>
+            <a:off x="4817076" y="3902215"/>
+            <a:ext cx="1278924" cy="518983"/>
+          </a:xfrm>
+          <a:prstGeom prst="rect">
+            <a:avLst/>
+          </a:prstGeom>
+        </p:spPr>
+        <p:style>
+          <a:lnRef idx="2">
+            <a:schemeClr val="accent1">
+              <a:shade val="50000"/>
+            </a:schemeClr>
+          </a:lnRef>
+          <a:fillRef idx="1">
+            <a:schemeClr val="accent1"/>
+          </a:fillRef>
+          <a:effectRef idx="0">
+            <a:schemeClr val="accent1"/>
+          </a:effectRef>
+          <a:fontRef idx="minor">
+            <a:schemeClr val="lt1"/>
+          </a:fontRef>
+        </p:style>
+        <p:txBody>
+          <a:bodyPr rtlCol="0" anchor="ctr"/>
+          <a:lstStyle/>
+          <a:p>
+            <a:pPr algn="ctr"/>
+            <a:r>
+              <a:rPr lang="en-US" dirty="0"/>
+              <a:t>ML Model</a:t>
+            </a:r>
+          </a:p>
+        </p:txBody>
+      </p:sp>
+      <p:sp>
+        <p:nvSpPr>
+          <p:cNvPr id="3" name="TextBox 2">
+            <a:extLst>
+              <a:ext uri="{FF2B5EF4-FFF2-40B4-BE49-F238E27FC236}">
+                <a16:creationId xmlns:a16="http://schemas.microsoft.com/office/drawing/2014/main" id="{01E51AE1-896C-B045-BC35-3C176B489B47}"/>
+              </a:ext>
+            </a:extLst>
+          </p:cNvPr>
+          <p:cNvSpPr txBox="1"/>
+          <p:nvPr/>
+        </p:nvSpPr>
+        <p:spPr>
+          <a:xfrm>
+            <a:off x="947928" y="1950720"/>
+            <a:ext cx="2368296" cy="369332"/>
+          </a:xfrm>
+          <a:prstGeom prst="rect">
+            <a:avLst/>
+          </a:prstGeom>
+          <a:noFill/>
+        </p:spPr>
+        <p:txBody>
+          <a:bodyPr wrap="square" rtlCol="0">
+            <a:spAutoFit/>
+          </a:bodyPr>
+          <a:lstStyle/>
+          <a:p>
+            <a:r>
+              <a:rPr lang="en-US" dirty="0"/>
+              <a:t>Features : X</a:t>
+            </a:r>
+          </a:p>
+        </p:txBody>
+      </p:sp>
+      <p:sp>
+        <p:nvSpPr>
+          <p:cNvPr id="8" name="TextBox 7">
+            <a:extLst>
+              <a:ext uri="{FF2B5EF4-FFF2-40B4-BE49-F238E27FC236}">
+                <a16:creationId xmlns:a16="http://schemas.microsoft.com/office/drawing/2014/main" id="{A12A95F2-B1C8-644E-9F8A-86D8F117B28F}"/>
+              </a:ext>
+            </a:extLst>
+          </p:cNvPr>
+          <p:cNvSpPr txBox="1"/>
+          <p:nvPr/>
+        </p:nvSpPr>
+        <p:spPr>
+          <a:xfrm>
+            <a:off x="8171688" y="1896421"/>
+            <a:ext cx="2368296" cy="369332"/>
+          </a:xfrm>
+          <a:prstGeom prst="rect">
+            <a:avLst/>
+          </a:prstGeom>
+          <a:noFill/>
+        </p:spPr>
+        <p:txBody>
+          <a:bodyPr wrap="square" rtlCol="0">
+            <a:spAutoFit/>
+          </a:bodyPr>
+          <a:lstStyle/>
+          <a:p>
+            <a:r>
+              <a:rPr lang="en-US" dirty="0"/>
+              <a:t>Target : y</a:t>
+            </a:r>
+          </a:p>
+        </p:txBody>
+      </p:sp>
+      <p:sp>
+        <p:nvSpPr>
+          <p:cNvPr id="4" name="Down Arrow 3">
+            <a:extLst>
+              <a:ext uri="{FF2B5EF4-FFF2-40B4-BE49-F238E27FC236}">
+                <a16:creationId xmlns:a16="http://schemas.microsoft.com/office/drawing/2014/main" id="{735CAA80-49DD-C745-AE07-F80C6BE6814D}"/>
+              </a:ext>
+            </a:extLst>
+          </p:cNvPr>
+          <p:cNvSpPr/>
+          <p:nvPr/>
+        </p:nvSpPr>
+        <p:spPr>
+          <a:xfrm>
+            <a:off x="1438656" y="2560320"/>
+            <a:ext cx="638403" cy="700914"/>
+          </a:xfrm>
+          <a:prstGeom prst="downArrow">
+            <a:avLst/>
+          </a:prstGeom>
+        </p:spPr>
+        <p:style>
+          <a:lnRef idx="2">
+            <a:schemeClr val="accent1">
+              <a:shade val="50000"/>
+            </a:schemeClr>
+          </a:lnRef>
+          <a:fillRef idx="1">
+            <a:schemeClr val="accent1"/>
+          </a:fillRef>
+          <a:effectRef idx="0">
+            <a:schemeClr val="accent1"/>
+          </a:effectRef>
+          <a:fontRef idx="minor">
+            <a:schemeClr val="lt1"/>
+          </a:fontRef>
+        </p:style>
+        <p:txBody>
+          <a:bodyPr rtlCol="0" anchor="ctr"/>
+          <a:lstStyle/>
+          <a:p>
+            <a:pPr algn="ctr"/>
+            <a:endParaRPr lang="en-US"/>
+          </a:p>
+        </p:txBody>
+      </p:sp>
+      <p:sp>
+        <p:nvSpPr>
+          <p:cNvPr id="11" name="Down Arrow 10">
+            <a:extLst>
+              <a:ext uri="{FF2B5EF4-FFF2-40B4-BE49-F238E27FC236}">
+                <a16:creationId xmlns:a16="http://schemas.microsoft.com/office/drawing/2014/main" id="{02BD3F1E-F7F1-3241-ABCA-1F80DA151F84}"/>
+              </a:ext>
+            </a:extLst>
+          </p:cNvPr>
+          <p:cNvSpPr/>
+          <p:nvPr/>
+        </p:nvSpPr>
+        <p:spPr>
+          <a:xfrm>
+            <a:off x="8324807" y="2469424"/>
+            <a:ext cx="638403" cy="700914"/>
+          </a:xfrm>
+          <a:prstGeom prst="downArrow">
+            <a:avLst/>
+          </a:prstGeom>
+        </p:spPr>
+        <p:style>
+          <a:lnRef idx="2">
+            <a:schemeClr val="accent1">
+              <a:shade val="50000"/>
+            </a:schemeClr>
+          </a:lnRef>
+          <a:fillRef idx="1">
+            <a:schemeClr val="accent1"/>
+          </a:fillRef>
+          <a:effectRef idx="0">
+            <a:schemeClr val="accent1"/>
+          </a:effectRef>
+          <a:fontRef idx="minor">
+            <a:schemeClr val="lt1"/>
+          </a:fontRef>
+        </p:style>
+        <p:txBody>
+          <a:bodyPr rtlCol="0" anchor="ctr"/>
+          <a:lstStyle/>
+          <a:p>
+            <a:pPr algn="ctr"/>
+            <a:endParaRPr lang="en-US"/>
+          </a:p>
+        </p:txBody>
+      </p:sp>
+    </p:spTree>
+    <p:extLst>
+      <p:ext uri="{BB962C8B-B14F-4D97-AF65-F5344CB8AC3E}">
+        <p14:creationId xmlns:p14="http://schemas.microsoft.com/office/powerpoint/2010/main" val="628269163"/>
+      </p:ext>
+    </p:extLst>
+  </p:cSld>
+  <p:clrMapOvr>
+    <a:masterClrMapping/>
+  </p:clrMapOvr>
+</p:sld>
+</file>
+
+<file path=ppt/slides/slide17.xml><?xml version="1.0" encoding="utf-8"?>
+<p:sld xmlns:a="http://schemas.openxmlformats.org/drawingml/2006/main" xmlns:r="http://schemas.openxmlformats.org/officeDocument/2006/relationships" xmlns:p="http://schemas.openxmlformats.org/presentationml/2006/main">
+  <p:cSld>
+    <p:spTree>
+      <p:nvGrpSpPr>
+        <p:cNvPr id="1" name=""/>
+        <p:cNvGrpSpPr/>
+        <p:nvPr/>
+      </p:nvGrpSpPr>
+      <p:grpSpPr>
+        <a:xfrm>
+          <a:off x="0" y="0"/>
+          <a:ext cx="0" cy="0"/>
+          <a:chOff x="0" y="0"/>
+          <a:chExt cx="0" cy="0"/>
+        </a:xfrm>
+      </p:grpSpPr>
+      <p:sp>
+        <p:nvSpPr>
+          <p:cNvPr id="2" name="Title 1">
+            <a:extLst>
+              <a:ext uri="{FF2B5EF4-FFF2-40B4-BE49-F238E27FC236}">
+                <a16:creationId xmlns:a16="http://schemas.microsoft.com/office/drawing/2014/main" id="{A4AC321E-9E64-5944-9F36-E1C762BB05C6}"/>
+              </a:ext>
+            </a:extLst>
+          </p:cNvPr>
+          <p:cNvSpPr>
+            <a:spLocks noGrp="1"/>
+          </p:cNvSpPr>
+          <p:nvPr>
+            <p:ph type="title"/>
+          </p:nvPr>
+        </p:nvSpPr>
+        <p:spPr>
+          <a:xfrm>
+            <a:off x="838200" y="212444"/>
+            <a:ext cx="10515600" cy="1086131"/>
+          </a:xfrm>
+        </p:spPr>
+        <p:txBody>
+          <a:bodyPr>
+            <a:normAutofit fontScale="90000"/>
+          </a:bodyPr>
+          <a:lstStyle/>
+          <a:p>
+            <a:br>
+              <a:rPr lang="en-US" dirty="0"/>
+            </a:br>
+            <a:r>
+              <a:rPr lang="en-GB" dirty="0"/>
+              <a:t>Flowers Classification Demo</a:t>
+            </a:r>
+            <a:endParaRPr lang="en-US" dirty="0"/>
+          </a:p>
+        </p:txBody>
+      </p:sp>
+    </p:spTree>
+    <p:extLst>
+      <p:ext uri="{BB962C8B-B14F-4D97-AF65-F5344CB8AC3E}">
+        <p14:creationId xmlns:p14="http://schemas.microsoft.com/office/powerpoint/2010/main" val="1219054240"/>
+      </p:ext>
+    </p:extLst>
+  </p:cSld>
+  <p:clrMapOvr>
+    <a:masterClrMapping/>
+  </p:clrMapOvr>
+</p:sld>
+</file>
+
+<file path=ppt/slides/slide18.xml><?xml version="1.0" encoding="utf-8"?>
+<p:sld xmlns:a="http://schemas.openxmlformats.org/drawingml/2006/main" xmlns:r="http://schemas.openxmlformats.org/officeDocument/2006/relationships" xmlns:p="http://schemas.openxmlformats.org/presentationml/2006/main">
+  <p:cSld>
+    <p:spTree>
+      <p:nvGrpSpPr>
+        <p:cNvPr id="1" name=""/>
+        <p:cNvGrpSpPr/>
+        <p:nvPr/>
+      </p:nvGrpSpPr>
+      <p:grpSpPr>
+        <a:xfrm>
+          <a:off x="0" y="0"/>
+          <a:ext cx="0" cy="0"/>
+          <a:chOff x="0" y="0"/>
+          <a:chExt cx="0" cy="0"/>
+        </a:xfrm>
+      </p:grpSpPr>
+      <p:sp>
+        <p:nvSpPr>
+          <p:cNvPr id="2" name="Title 1">
+            <a:extLst>
+              <a:ext uri="{FF2B5EF4-FFF2-40B4-BE49-F238E27FC236}">
+                <a16:creationId xmlns:a16="http://schemas.microsoft.com/office/drawing/2014/main" id="{D0273F34-96E7-1647-B352-BD30BA2ED758}"/>
+              </a:ext>
+            </a:extLst>
+          </p:cNvPr>
+          <p:cNvSpPr>
+            <a:spLocks noGrp="1"/>
+          </p:cNvSpPr>
+          <p:nvPr>
+            <p:ph type="ctrTitle"/>
+          </p:nvPr>
+        </p:nvSpPr>
+        <p:spPr/>
+        <p:txBody>
+          <a:bodyPr/>
+          <a:lstStyle/>
+          <a:p>
+            <a:r>
+              <a:rPr lang="en-IE" dirty="0"/>
+              <a:t>Unsupervised Learning</a:t>
+            </a:r>
+            <a:endParaRPr lang="en-US" dirty="0"/>
+          </a:p>
+        </p:txBody>
+      </p:sp>
+      <p:sp>
+        <p:nvSpPr>
+          <p:cNvPr id="3" name="Subtitle 2">
+            <a:extLst>
+              <a:ext uri="{FF2B5EF4-FFF2-40B4-BE49-F238E27FC236}">
+                <a16:creationId xmlns:a16="http://schemas.microsoft.com/office/drawing/2014/main" id="{6A410682-7B38-3C44-8425-1487C2D73FCC}"/>
+              </a:ext>
+            </a:extLst>
+          </p:cNvPr>
+          <p:cNvSpPr>
+            <a:spLocks noGrp="1"/>
+          </p:cNvSpPr>
+          <p:nvPr>
+            <p:ph type="subTitle" idx="1"/>
+          </p:nvPr>
+        </p:nvSpPr>
+        <p:spPr/>
+        <p:txBody>
+          <a:bodyPr>
+            <a:normAutofit lnSpcReduction="10000"/>
+          </a:bodyPr>
+          <a:lstStyle/>
+          <a:p>
+            <a:r>
+              <a:rPr lang="en-IE" dirty="0"/>
+              <a:t>”Unsupervised learning is a type of machine learning in which the algorithm is not provided with any pre-assigned labels or scores for the training data. As a result, unsupervised learning algorithms must first self-discover any naturally occurring patterns in that training data set.” </a:t>
+            </a:r>
+            <a:r>
+              <a:rPr lang="en-IE" dirty="0">
+                <a:hlinkClick r:id="rId2"/>
+              </a:rPr>
+              <a:t>Wikipedia</a:t>
+            </a:r>
+            <a:endParaRPr lang="en-US" dirty="0"/>
+          </a:p>
+        </p:txBody>
+      </p:sp>
+    </p:spTree>
+    <p:extLst>
+      <p:ext uri="{BB962C8B-B14F-4D97-AF65-F5344CB8AC3E}">
+        <p14:creationId xmlns:p14="http://schemas.microsoft.com/office/powerpoint/2010/main" val="2110181649"/>
+      </p:ext>
+    </p:extLst>
+  </p:cSld>
+  <p:clrMapOvr>
+    <a:masterClrMapping/>
+  </p:clrMapOvr>
+</p:sld>
+</file>
+
+<file path=ppt/slides/slide19.xml><?xml version="1.0" encoding="utf-8"?>
+<p:sld xmlns:a="http://schemas.openxmlformats.org/drawingml/2006/main" xmlns:r="http://schemas.openxmlformats.org/officeDocument/2006/relationships" xmlns:p="http://schemas.openxmlformats.org/presentationml/2006/main">
+  <p:cSld>
+    <p:spTree>
+      <p:nvGrpSpPr>
+        <p:cNvPr id="1" name=""/>
+        <p:cNvGrpSpPr/>
+        <p:nvPr/>
+      </p:nvGrpSpPr>
+      <p:grpSpPr>
+        <a:xfrm>
+          <a:off x="0" y="0"/>
+          <a:ext cx="0" cy="0"/>
+          <a:chOff x="0" y="0"/>
+          <a:chExt cx="0" cy="0"/>
+        </a:xfrm>
+      </p:grpSpPr>
+      <p:sp>
+        <p:nvSpPr>
+          <p:cNvPr id="2" name="Title 1">
+            <a:extLst>
+              <a:ext uri="{FF2B5EF4-FFF2-40B4-BE49-F238E27FC236}">
+                <a16:creationId xmlns:a16="http://schemas.microsoft.com/office/drawing/2014/main" id="{D0273F34-96E7-1647-B352-BD30BA2ED758}"/>
+              </a:ext>
+            </a:extLst>
+          </p:cNvPr>
+          <p:cNvSpPr>
+            <a:spLocks noGrp="1"/>
+          </p:cNvSpPr>
+          <p:nvPr>
+            <p:ph type="ctrTitle"/>
+          </p:nvPr>
+        </p:nvSpPr>
+        <p:spPr>
+          <a:xfrm>
+            <a:off x="1524000" y="241299"/>
+            <a:ext cx="9144000" cy="944949"/>
+          </a:xfrm>
+        </p:spPr>
+        <p:txBody>
+          <a:bodyPr>
+            <a:normAutofit/>
+          </a:bodyPr>
+          <a:lstStyle/>
+          <a:p>
+            <a:r>
+              <a:rPr lang="en-IE" dirty="0"/>
+              <a:t>Google Photos</a:t>
+            </a:r>
+            <a:endParaRPr lang="en-US" dirty="0"/>
+          </a:p>
+        </p:txBody>
+      </p:sp>
+      <p:sp>
+        <p:nvSpPr>
+          <p:cNvPr id="5" name="Subtitle 4">
+            <a:extLst>
+              <a:ext uri="{FF2B5EF4-FFF2-40B4-BE49-F238E27FC236}">
+                <a16:creationId xmlns:a16="http://schemas.microsoft.com/office/drawing/2014/main" id="{7AA6DCFF-B573-5940-87B1-2811EEC82658}"/>
+              </a:ext>
+            </a:extLst>
+          </p:cNvPr>
+          <p:cNvSpPr>
+            <a:spLocks noGrp="1"/>
+          </p:cNvSpPr>
+          <p:nvPr>
+            <p:ph type="subTitle" idx="1"/>
+          </p:nvPr>
+        </p:nvSpPr>
+        <p:spPr/>
+        <p:txBody>
+          <a:bodyPr/>
+          <a:lstStyle/>
+          <a:p>
+            <a:endParaRPr lang="en-US"/>
+          </a:p>
+        </p:txBody>
+      </p:sp>
+      <p:pic>
+        <p:nvPicPr>
+          <p:cNvPr id="6" name="Picture 5">
+            <a:extLst>
+              <a:ext uri="{FF2B5EF4-FFF2-40B4-BE49-F238E27FC236}">
+                <a16:creationId xmlns:a16="http://schemas.microsoft.com/office/drawing/2014/main" id="{22CA5FB6-805B-0949-AB5D-DC9242DFE656}"/>
+              </a:ext>
+            </a:extLst>
+          </p:cNvPr>
+          <p:cNvPicPr>
+            <a:picLocks noChangeAspect="1"/>
+          </p:cNvPicPr>
+          <p:nvPr/>
+        </p:nvPicPr>
+        <p:blipFill>
+          <a:blip r:embed="rId2"/>
+          <a:stretch>
+            <a:fillRect/>
+          </a:stretch>
+        </p:blipFill>
+        <p:spPr>
+          <a:xfrm>
+            <a:off x="1574800" y="1377950"/>
+            <a:ext cx="9093200" cy="5016500"/>
+          </a:xfrm>
+          <a:prstGeom prst="rect">
+            <a:avLst/>
+          </a:prstGeom>
+        </p:spPr>
+      </p:pic>
+      <p:sp>
+        <p:nvSpPr>
+          <p:cNvPr id="8" name="TextBox 7">
+            <a:extLst>
+              <a:ext uri="{FF2B5EF4-FFF2-40B4-BE49-F238E27FC236}">
+                <a16:creationId xmlns:a16="http://schemas.microsoft.com/office/drawing/2014/main" id="{EA371CCD-A583-574E-9876-837BBBB0CDEC}"/>
+              </a:ext>
+            </a:extLst>
+          </p:cNvPr>
+          <p:cNvSpPr txBox="1"/>
+          <p:nvPr/>
+        </p:nvSpPr>
+        <p:spPr>
+          <a:xfrm>
+            <a:off x="4497860" y="1045559"/>
+            <a:ext cx="3446585" cy="369332"/>
+          </a:xfrm>
+          <a:prstGeom prst="rect">
+            <a:avLst/>
+          </a:prstGeom>
+          <a:noFill/>
+        </p:spPr>
+        <p:txBody>
+          <a:bodyPr wrap="none" rtlCol="0">
+            <a:spAutoFit/>
+          </a:bodyPr>
+          <a:lstStyle/>
+          <a:p>
+            <a:r>
+              <a:rPr lang="en-US" dirty="0"/>
+              <a:t>https://</a:t>
+            </a:r>
+            <a:r>
+              <a:rPr lang="en-US" dirty="0" err="1"/>
+              <a:t>photos.google.com</a:t>
+            </a:r>
+            <a:r>
+              <a:rPr lang="en-US" dirty="0"/>
+              <a:t>/people</a:t>
+            </a:r>
+          </a:p>
+        </p:txBody>
+      </p:sp>
+    </p:spTree>
+    <p:extLst>
+      <p:ext uri="{BB962C8B-B14F-4D97-AF65-F5344CB8AC3E}">
+        <p14:creationId xmlns:p14="http://schemas.microsoft.com/office/powerpoint/2010/main" val="2243412862"/>
       </p:ext>
     </p:extLst>
   </p:cSld>
@@ -5029,6 +6727,182 @@
     <p:extLst>
       <p:ext uri="{BB962C8B-B14F-4D97-AF65-F5344CB8AC3E}">
         <p14:creationId xmlns:p14="http://schemas.microsoft.com/office/powerpoint/2010/main" val="3213868990"/>
+      </p:ext>
+    </p:extLst>
+  </p:cSld>
+  <p:clrMapOvr>
+    <a:masterClrMapping/>
+  </p:clrMapOvr>
+</p:sld>
+</file>
+
+<file path=ppt/slides/slide20.xml><?xml version="1.0" encoding="utf-8"?>
+<p:sld xmlns:a="http://schemas.openxmlformats.org/drawingml/2006/main" xmlns:r="http://schemas.openxmlformats.org/officeDocument/2006/relationships" xmlns:p="http://schemas.openxmlformats.org/presentationml/2006/main">
+  <p:cSld>
+    <p:spTree>
+      <p:nvGrpSpPr>
+        <p:cNvPr id="1" name=""/>
+        <p:cNvGrpSpPr/>
+        <p:nvPr/>
+      </p:nvGrpSpPr>
+      <p:grpSpPr>
+        <a:xfrm>
+          <a:off x="0" y="0"/>
+          <a:ext cx="0" cy="0"/>
+          <a:chOff x="0" y="0"/>
+          <a:chExt cx="0" cy="0"/>
+        </a:xfrm>
+      </p:grpSpPr>
+      <p:sp>
+        <p:nvSpPr>
+          <p:cNvPr id="2" name="Title 1">
+            <a:extLst>
+              <a:ext uri="{FF2B5EF4-FFF2-40B4-BE49-F238E27FC236}">
+                <a16:creationId xmlns:a16="http://schemas.microsoft.com/office/drawing/2014/main" id="{3AE94BD3-81F9-EA42-A663-CD01BA60E1D8}"/>
+              </a:ext>
+            </a:extLst>
+          </p:cNvPr>
+          <p:cNvSpPr>
+            <a:spLocks noGrp="1"/>
+          </p:cNvSpPr>
+          <p:nvPr>
+            <p:ph type="title"/>
+          </p:nvPr>
+        </p:nvSpPr>
+        <p:spPr/>
+        <p:txBody>
+          <a:bodyPr/>
+          <a:lstStyle/>
+          <a:p>
+            <a:r>
+              <a:rPr lang="en-US" dirty="0"/>
+              <a:t>Square</a:t>
+            </a:r>
+          </a:p>
+        </p:txBody>
+      </p:sp>
+      <p:pic>
+        <p:nvPicPr>
+          <p:cNvPr id="3" name="Picture 2">
+            <a:extLst>
+              <a:ext uri="{FF2B5EF4-FFF2-40B4-BE49-F238E27FC236}">
+                <a16:creationId xmlns:a16="http://schemas.microsoft.com/office/drawing/2014/main" id="{3483362F-0018-B349-8082-3DCE287748E0}"/>
+              </a:ext>
+            </a:extLst>
+          </p:cNvPr>
+          <p:cNvPicPr>
+            <a:picLocks noChangeAspect="1"/>
+          </p:cNvPicPr>
+          <p:nvPr/>
+        </p:nvPicPr>
+        <p:blipFill>
+          <a:blip r:embed="rId2"/>
+          <a:stretch>
+            <a:fillRect/>
+          </a:stretch>
+        </p:blipFill>
+        <p:spPr>
+          <a:xfrm>
+            <a:off x="984036" y="4007296"/>
+            <a:ext cx="6333241" cy="1325562"/>
+          </a:xfrm>
+          <a:prstGeom prst="rect">
+            <a:avLst/>
+          </a:prstGeom>
+        </p:spPr>
+      </p:pic>
+    </p:spTree>
+    <p:extLst>
+      <p:ext uri="{BB962C8B-B14F-4D97-AF65-F5344CB8AC3E}">
+        <p14:creationId xmlns:p14="http://schemas.microsoft.com/office/powerpoint/2010/main" val="3623675131"/>
+      </p:ext>
+    </p:extLst>
+  </p:cSld>
+  <p:clrMapOvr>
+    <a:masterClrMapping/>
+  </p:clrMapOvr>
+</p:sld>
+</file>
+
+<file path=ppt/slides/slide21.xml><?xml version="1.0" encoding="utf-8"?>
+<p:sld xmlns:a="http://schemas.openxmlformats.org/drawingml/2006/main" xmlns:r="http://schemas.openxmlformats.org/officeDocument/2006/relationships" xmlns:p="http://schemas.openxmlformats.org/presentationml/2006/main">
+  <p:cSld>
+    <p:spTree>
+      <p:nvGrpSpPr>
+        <p:cNvPr id="1" name=""/>
+        <p:cNvGrpSpPr/>
+        <p:nvPr/>
+      </p:nvGrpSpPr>
+      <p:grpSpPr>
+        <a:xfrm>
+          <a:off x="0" y="0"/>
+          <a:ext cx="0" cy="0"/>
+          <a:chOff x="0" y="0"/>
+          <a:chExt cx="0" cy="0"/>
+        </a:xfrm>
+      </p:grpSpPr>
+      <p:sp>
+        <p:nvSpPr>
+          <p:cNvPr id="2" name="Title 1">
+            <a:extLst>
+              <a:ext uri="{FF2B5EF4-FFF2-40B4-BE49-F238E27FC236}">
+                <a16:creationId xmlns:a16="http://schemas.microsoft.com/office/drawing/2014/main" id="{3AE94BD3-81F9-EA42-A663-CD01BA60E1D8}"/>
+              </a:ext>
+            </a:extLst>
+          </p:cNvPr>
+          <p:cNvSpPr>
+            <a:spLocks noGrp="1"/>
+          </p:cNvSpPr>
+          <p:nvPr>
+            <p:ph type="title"/>
+          </p:nvPr>
+        </p:nvSpPr>
+        <p:spPr/>
+        <p:txBody>
+          <a:bodyPr/>
+          <a:lstStyle/>
+          <a:p>
+            <a:r>
+              <a:rPr lang="en-US" dirty="0"/>
+              <a:t>Square</a:t>
+            </a:r>
+          </a:p>
+        </p:txBody>
+      </p:sp>
+      <p:pic>
+        <p:nvPicPr>
+          <p:cNvPr id="3" name="Picture 2">
+            <a:extLst>
+              <a:ext uri="{FF2B5EF4-FFF2-40B4-BE49-F238E27FC236}">
+                <a16:creationId xmlns:a16="http://schemas.microsoft.com/office/drawing/2014/main" id="{3483362F-0018-B349-8082-3DCE287748E0}"/>
+              </a:ext>
+            </a:extLst>
+          </p:cNvPr>
+          <p:cNvPicPr>
+            <a:picLocks noChangeAspect="1"/>
+          </p:cNvPicPr>
+          <p:nvPr/>
+        </p:nvPicPr>
+        <p:blipFill>
+          <a:blip r:embed="rId2"/>
+          <a:stretch>
+            <a:fillRect/>
+          </a:stretch>
+        </p:blipFill>
+        <p:spPr>
+          <a:xfrm>
+            <a:off x="984036" y="4007296"/>
+            <a:ext cx="6333241" cy="1325562"/>
+          </a:xfrm>
+          <a:prstGeom prst="rect">
+            <a:avLst/>
+          </a:prstGeom>
+        </p:spPr>
+      </p:pic>
+    </p:spTree>
+    <p:extLst>
+      <p:ext uri="{BB962C8B-B14F-4D97-AF65-F5344CB8AC3E}">
+        <p14:creationId xmlns:p14="http://schemas.microsoft.com/office/powerpoint/2010/main" val="2215281433"/>
       </p:ext>
     </p:extLst>
   </p:cSld>
@@ -5439,7 +7313,7 @@
             <a:pPr algn="ctr"/>
             <a:r>
               <a:rPr lang="en-US" dirty="0"/>
-              <a:t>100 -&gt;</a:t>
+              <a:t>50 -&gt;</a:t>
             </a:r>
           </a:p>
         </p:txBody>
@@ -5537,7 +7411,7 @@
             <a:pPr algn="ctr"/>
             <a:r>
               <a:rPr lang="en-US" dirty="0"/>
-              <a:t>-&gt; 20</a:t>
+              <a:t>-&gt; 10</a:t>
             </a:r>
           </a:p>
         </p:txBody>

--- a/afj_ml_demo.pptx
+++ b/afj_ml_demo.pptx
@@ -24,8 +24,9 @@
     <p:sldId id="273" r:id="rId18"/>
     <p:sldId id="275" r:id="rId19"/>
     <p:sldId id="276" r:id="rId20"/>
-    <p:sldId id="268" r:id="rId21"/>
-    <p:sldId id="274" r:id="rId22"/>
+    <p:sldId id="278" r:id="rId21"/>
+    <p:sldId id="277" r:id="rId22"/>
+    <p:sldId id="268" r:id="rId23"/>
   </p:sldIdLst>
   <p:sldSz cx="12192000" cy="6858000"/>
   <p:notesSz cx="6858000" cy="9144000"/>
@@ -135,7 +136,7 @@
 <file path=ppt/revisionInfo.xml><?xml version="1.0" encoding="utf-8"?>
 <p1510:revInfo xmlns:a="http://schemas.openxmlformats.org/drawingml/2006/main" xmlns:r="http://schemas.openxmlformats.org/officeDocument/2006/relationships" xmlns:p1510="http://schemas.microsoft.com/office/powerpoint/2015/10/main">
   <p1510:revLst>
-    <p1510:client id="{4A13534B-B544-A44E-B29A-C6B9F0689448}" v="24" dt="2021-10-14T07:44:36.220"/>
+    <p1510:client id="{4A13534B-B544-A44E-B29A-C6B9F0689448}" v="25" dt="2021-10-14T08:05:45.415"/>
   </p1510:revLst>
 </p1510:revInfo>
 </file>
@@ -145,7 +146,7 @@
   <pc:docChgLst>
     <pc:chgData name="Alfredo Fonseca Junior" userId="b53f08b6-e642-4ee2-a231-11cd653755d4" providerId="ADAL" clId="{4A13534B-B544-A44E-B29A-C6B9F0689448}"/>
     <pc:docChg chg="undo custSel addSld delSld modSld sldOrd">
-      <pc:chgData name="Alfredo Fonseca Junior" userId="b53f08b6-e642-4ee2-a231-11cd653755d4" providerId="ADAL" clId="{4A13534B-B544-A44E-B29A-C6B9F0689448}" dt="2021-10-14T07:44:42.467" v="280"/>
+      <pc:chgData name="Alfredo Fonseca Junior" userId="b53f08b6-e642-4ee2-a231-11cd653755d4" providerId="ADAL" clId="{4A13534B-B544-A44E-B29A-C6B9F0689448}" dt="2021-10-14T08:05:47.314" v="297" actId="478"/>
       <pc:docMkLst>
         <pc:docMk/>
       </pc:docMkLst>
@@ -288,8 +289,8 @@
           </ac:picMkLst>
         </pc:picChg>
       </pc:sldChg>
-      <pc:sldChg chg="addSp delSp modSp add mod">
-        <pc:chgData name="Alfredo Fonseca Junior" userId="b53f08b6-e642-4ee2-a231-11cd653755d4" providerId="ADAL" clId="{4A13534B-B544-A44E-B29A-C6B9F0689448}" dt="2021-10-14T07:29:34.152" v="237" actId="14100"/>
+      <pc:sldChg chg="addSp delSp modSp add mod ord modShow">
+        <pc:chgData name="Alfredo Fonseca Junior" userId="b53f08b6-e642-4ee2-a231-11cd653755d4" providerId="ADAL" clId="{4A13534B-B544-A44E-B29A-C6B9F0689448}" dt="2021-10-14T07:50:32.030" v="294" actId="729"/>
         <pc:sldMkLst>
           <pc:docMk/>
           <pc:sldMk cId="3623675131" sldId="268"/>
@@ -649,8 +650,8 @@
           </ac:picMkLst>
         </pc:picChg>
       </pc:sldChg>
-      <pc:sldChg chg="add">
-        <pc:chgData name="Alfredo Fonseca Junior" userId="b53f08b6-e642-4ee2-a231-11cd653755d4" providerId="ADAL" clId="{4A13534B-B544-A44E-B29A-C6B9F0689448}" dt="2021-10-14T07:30:28.747" v="238" actId="2890"/>
+      <pc:sldChg chg="add del">
+        <pc:chgData name="Alfredo Fonseca Junior" userId="b53f08b6-e642-4ee2-a231-11cd653755d4" providerId="ADAL" clId="{4A13534B-B544-A44E-B29A-C6B9F0689448}" dt="2021-10-14T07:49:02.013" v="284" actId="2696"/>
         <pc:sldMkLst>
           <pc:docMk/>
           <pc:sldMk cId="2215281433" sldId="274"/>
@@ -730,6 +731,44 @@
           <ac:picMkLst>
             <pc:docMk/>
             <pc:sldMk cId="2243412862" sldId="276"/>
+            <ac:picMk id="6" creationId="{22CA5FB6-805B-0949-AB5D-DC9242DFE656}"/>
+          </ac:picMkLst>
+        </pc:picChg>
+      </pc:sldChg>
+      <pc:sldChg chg="modSp add mod ord">
+        <pc:chgData name="Alfredo Fonseca Junior" userId="b53f08b6-e642-4ee2-a231-11cd653755d4" providerId="ADAL" clId="{4A13534B-B544-A44E-B29A-C6B9F0689448}" dt="2021-10-14T07:50:27.579" v="293" actId="20578"/>
+        <pc:sldMkLst>
+          <pc:docMk/>
+          <pc:sldMk cId="3876281202" sldId="277"/>
+        </pc:sldMkLst>
+        <pc:spChg chg="mod">
+          <ac:chgData name="Alfredo Fonseca Junior" userId="b53f08b6-e642-4ee2-a231-11cd653755d4" providerId="ADAL" clId="{4A13534B-B544-A44E-B29A-C6B9F0689448}" dt="2021-10-14T07:49:08.568" v="291" actId="20577"/>
+          <ac:spMkLst>
+            <pc:docMk/>
+            <pc:sldMk cId="3876281202" sldId="277"/>
+            <ac:spMk id="2" creationId="{A4AC321E-9E64-5944-9F36-E1C762BB05C6}"/>
+          </ac:spMkLst>
+        </pc:spChg>
+      </pc:sldChg>
+      <pc:sldChg chg="addSp delSp add mod">
+        <pc:chgData name="Alfredo Fonseca Junior" userId="b53f08b6-e642-4ee2-a231-11cd653755d4" providerId="ADAL" clId="{4A13534B-B544-A44E-B29A-C6B9F0689448}" dt="2021-10-14T08:05:47.314" v="297" actId="478"/>
+        <pc:sldMkLst>
+          <pc:docMk/>
+          <pc:sldMk cId="2720816416" sldId="278"/>
+        </pc:sldMkLst>
+        <pc:picChg chg="add">
+          <ac:chgData name="Alfredo Fonseca Junior" userId="b53f08b6-e642-4ee2-a231-11cd653755d4" providerId="ADAL" clId="{4A13534B-B544-A44E-B29A-C6B9F0689448}" dt="2021-10-14T08:05:45.415" v="296"/>
+          <ac:picMkLst>
+            <pc:docMk/>
+            <pc:sldMk cId="2720816416" sldId="278"/>
+            <ac:picMk id="3" creationId="{5ECDDCBD-D6A3-F745-A31A-1D77D672B396}"/>
+          </ac:picMkLst>
+        </pc:picChg>
+        <pc:picChg chg="del">
+          <ac:chgData name="Alfredo Fonseca Junior" userId="b53f08b6-e642-4ee2-a231-11cd653755d4" providerId="ADAL" clId="{4A13534B-B544-A44E-B29A-C6B9F0689448}" dt="2021-10-14T08:05:47.314" v="297" actId="478"/>
+          <ac:picMkLst>
+            <pc:docMk/>
+            <pc:sldMk cId="2720816416" sldId="278"/>
             <ac:picMk id="6" creationId="{22CA5FB6-805B-0949-AB5D-DC9242DFE656}"/>
           </ac:picMkLst>
         </pc:picChg>
@@ -6758,7 +6797,7 @@
           <p:cNvPr id="2" name="Title 1">
             <a:extLst>
               <a:ext uri="{FF2B5EF4-FFF2-40B4-BE49-F238E27FC236}">
-                <a16:creationId xmlns:a16="http://schemas.microsoft.com/office/drawing/2014/main" id="{3AE94BD3-81F9-EA42-A663-CD01BA60E1D8}"/>
+                <a16:creationId xmlns:a16="http://schemas.microsoft.com/office/drawing/2014/main" id="{D0273F34-96E7-1647-B352-BD30BA2ED758}"/>
               </a:ext>
             </a:extLst>
           </p:cNvPr>
@@ -6766,7 +6805,43 @@
             <a:spLocks noGrp="1"/>
           </p:cNvSpPr>
           <p:nvPr>
-            <p:ph type="title"/>
+            <p:ph type="ctrTitle"/>
+          </p:nvPr>
+        </p:nvSpPr>
+        <p:spPr>
+          <a:xfrm>
+            <a:off x="1524000" y="241299"/>
+            <a:ext cx="9144000" cy="944949"/>
+          </a:xfrm>
+        </p:spPr>
+        <p:txBody>
+          <a:bodyPr>
+            <a:normAutofit/>
+          </a:bodyPr>
+          <a:lstStyle/>
+          <a:p>
+            <a:r>
+              <a:rPr lang="en-IE" dirty="0"/>
+              <a:t>Google Photos</a:t>
+            </a:r>
+            <a:endParaRPr lang="en-US" dirty="0"/>
+          </a:p>
+        </p:txBody>
+      </p:sp>
+      <p:sp>
+        <p:nvSpPr>
+          <p:cNvPr id="5" name="Subtitle 4">
+            <a:extLst>
+              <a:ext uri="{FF2B5EF4-FFF2-40B4-BE49-F238E27FC236}">
+                <a16:creationId xmlns:a16="http://schemas.microsoft.com/office/drawing/2014/main" id="{7AA6DCFF-B573-5940-87B1-2811EEC82658}"/>
+              </a:ext>
+            </a:extLst>
+          </p:cNvPr>
+          <p:cNvSpPr>
+            <a:spLocks noGrp="1"/>
+          </p:cNvSpPr>
+          <p:nvPr>
+            <p:ph type="subTitle" idx="1"/>
           </p:nvPr>
         </p:nvSpPr>
         <p:spPr/>
@@ -6774,9 +6849,49 @@
           <a:bodyPr/>
           <a:lstStyle/>
           <a:p>
+            <a:endParaRPr lang="en-US"/>
+          </a:p>
+        </p:txBody>
+      </p:sp>
+      <p:sp>
+        <p:nvSpPr>
+          <p:cNvPr id="8" name="TextBox 7">
+            <a:extLst>
+              <a:ext uri="{FF2B5EF4-FFF2-40B4-BE49-F238E27FC236}">
+                <a16:creationId xmlns:a16="http://schemas.microsoft.com/office/drawing/2014/main" id="{EA371CCD-A583-574E-9876-837BBBB0CDEC}"/>
+              </a:ext>
+            </a:extLst>
+          </p:cNvPr>
+          <p:cNvSpPr txBox="1"/>
+          <p:nvPr/>
+        </p:nvSpPr>
+        <p:spPr>
+          <a:xfrm>
+            <a:off x="4497860" y="1045559"/>
+            <a:ext cx="3446585" cy="369332"/>
+          </a:xfrm>
+          <a:prstGeom prst="rect">
+            <a:avLst/>
+          </a:prstGeom>
+          <a:noFill/>
+        </p:spPr>
+        <p:txBody>
+          <a:bodyPr wrap="none" rtlCol="0">
+            <a:spAutoFit/>
+          </a:bodyPr>
+          <a:lstStyle/>
+          <a:p>
             <a:r>
               <a:rPr lang="en-US" dirty="0"/>
-              <a:t>Square</a:t>
+              <a:t>https://</a:t>
+            </a:r>
+            <a:r>
+              <a:rPr lang="en-US" dirty="0" err="1"/>
+              <a:t>photos.google.com</a:t>
+            </a:r>
+            <a:r>
+              <a:rPr lang="en-US" dirty="0"/>
+              <a:t>/people</a:t>
             </a:r>
           </a:p>
         </p:txBody>
@@ -6786,7 +6901,7 @@
           <p:cNvPr id="3" name="Picture 2">
             <a:extLst>
               <a:ext uri="{FF2B5EF4-FFF2-40B4-BE49-F238E27FC236}">
-                <a16:creationId xmlns:a16="http://schemas.microsoft.com/office/drawing/2014/main" id="{3483362F-0018-B349-8082-3DCE287748E0}"/>
+                <a16:creationId xmlns:a16="http://schemas.microsoft.com/office/drawing/2014/main" id="{5ECDDCBD-D6A3-F745-A31A-1D77D672B396}"/>
               </a:ext>
             </a:extLst>
           </p:cNvPr>
@@ -6803,8 +6918,8 @@
         </p:blipFill>
         <p:spPr>
           <a:xfrm>
-            <a:off x="984036" y="4007296"/>
-            <a:ext cx="6333241" cy="1325562"/>
+            <a:off x="0" y="2166937"/>
+            <a:ext cx="12192000" cy="2524125"/>
           </a:xfrm>
           <a:prstGeom prst="rect">
             <a:avLst/>
@@ -6814,7 +6929,7 @@
     </p:spTree>
     <p:extLst>
       <p:ext uri="{BB962C8B-B14F-4D97-AF65-F5344CB8AC3E}">
-        <p14:creationId xmlns:p14="http://schemas.microsoft.com/office/powerpoint/2010/main" val="3623675131"/>
+        <p14:creationId xmlns:p14="http://schemas.microsoft.com/office/powerpoint/2010/main" val="2720816416"/>
       </p:ext>
     </p:extLst>
   </p:cSld>
@@ -6846,6 +6961,79 @@
           <p:cNvPr id="2" name="Title 1">
             <a:extLst>
               <a:ext uri="{FF2B5EF4-FFF2-40B4-BE49-F238E27FC236}">
+                <a16:creationId xmlns:a16="http://schemas.microsoft.com/office/drawing/2014/main" id="{A4AC321E-9E64-5944-9F36-E1C762BB05C6}"/>
+              </a:ext>
+            </a:extLst>
+          </p:cNvPr>
+          <p:cNvSpPr>
+            <a:spLocks noGrp="1"/>
+          </p:cNvSpPr>
+          <p:nvPr>
+            <p:ph type="title"/>
+          </p:nvPr>
+        </p:nvSpPr>
+        <p:spPr>
+          <a:xfrm>
+            <a:off x="838200" y="212444"/>
+            <a:ext cx="10515600" cy="1086131"/>
+          </a:xfrm>
+        </p:spPr>
+        <p:txBody>
+          <a:bodyPr>
+            <a:normAutofit fontScale="90000"/>
+          </a:bodyPr>
+          <a:lstStyle/>
+          <a:p>
+            <a:br>
+              <a:rPr lang="en-US" dirty="0"/>
+            </a:br>
+            <a:r>
+              <a:rPr lang="en-GB" dirty="0" err="1"/>
+              <a:t>Pokemon</a:t>
+            </a:r>
+            <a:r>
+              <a:rPr lang="en-GB" dirty="0"/>
+              <a:t> Demo</a:t>
+            </a:r>
+            <a:endParaRPr lang="en-US" dirty="0"/>
+          </a:p>
+        </p:txBody>
+      </p:sp>
+    </p:spTree>
+    <p:extLst>
+      <p:ext uri="{BB962C8B-B14F-4D97-AF65-F5344CB8AC3E}">
+        <p14:creationId xmlns:p14="http://schemas.microsoft.com/office/powerpoint/2010/main" val="3876281202"/>
+      </p:ext>
+    </p:extLst>
+  </p:cSld>
+  <p:clrMapOvr>
+    <a:masterClrMapping/>
+  </p:clrMapOvr>
+</p:sld>
+</file>
+
+<file path=ppt/slides/slide22.xml><?xml version="1.0" encoding="utf-8"?>
+<p:sld xmlns:a="http://schemas.openxmlformats.org/drawingml/2006/main" xmlns:r="http://schemas.openxmlformats.org/officeDocument/2006/relationships" xmlns:p="http://schemas.openxmlformats.org/presentationml/2006/main" show="0">
+  <p:cSld>
+    <p:spTree>
+      <p:nvGrpSpPr>
+        <p:cNvPr id="1" name=""/>
+        <p:cNvGrpSpPr/>
+        <p:nvPr/>
+      </p:nvGrpSpPr>
+      <p:grpSpPr>
+        <a:xfrm>
+          <a:off x="0" y="0"/>
+          <a:ext cx="0" cy="0"/>
+          <a:chOff x="0" y="0"/>
+          <a:chExt cx="0" cy="0"/>
+        </a:xfrm>
+      </p:grpSpPr>
+      <p:sp>
+        <p:nvSpPr>
+          <p:cNvPr id="2" name="Title 1">
+            <a:extLst>
+              <a:ext uri="{FF2B5EF4-FFF2-40B4-BE49-F238E27FC236}">
                 <a16:creationId xmlns:a16="http://schemas.microsoft.com/office/drawing/2014/main" id="{3AE94BD3-81F9-EA42-A663-CD01BA60E1D8}"/>
               </a:ext>
             </a:extLst>
@@ -6902,7 +7090,7 @@
     </p:spTree>
     <p:extLst>
       <p:ext uri="{BB962C8B-B14F-4D97-AF65-F5344CB8AC3E}">
-        <p14:creationId xmlns:p14="http://schemas.microsoft.com/office/powerpoint/2010/main" val="2215281433"/>
+        <p14:creationId xmlns:p14="http://schemas.microsoft.com/office/powerpoint/2010/main" val="3623675131"/>
       </p:ext>
     </p:extLst>
   </p:cSld>

--- a/afj_ml_demo.pptx
+++ b/afj_ml_demo.pptx
@@ -21,12 +21,14 @@
     <p:sldId id="269" r:id="rId15"/>
     <p:sldId id="270" r:id="rId16"/>
     <p:sldId id="271" r:id="rId17"/>
-    <p:sldId id="273" r:id="rId18"/>
-    <p:sldId id="275" r:id="rId19"/>
-    <p:sldId id="276" r:id="rId20"/>
-    <p:sldId id="278" r:id="rId21"/>
-    <p:sldId id="277" r:id="rId22"/>
-    <p:sldId id="268" r:id="rId23"/>
+    <p:sldId id="280" r:id="rId18"/>
+    <p:sldId id="279" r:id="rId19"/>
+    <p:sldId id="273" r:id="rId20"/>
+    <p:sldId id="275" r:id="rId21"/>
+    <p:sldId id="276" r:id="rId22"/>
+    <p:sldId id="278" r:id="rId23"/>
+    <p:sldId id="277" r:id="rId24"/>
+    <p:sldId id="268" r:id="rId25"/>
   </p:sldIdLst>
   <p:sldSz cx="12192000" cy="6858000"/>
   <p:notesSz cx="6858000" cy="9144000"/>
@@ -136,7 +138,7 @@
 <file path=ppt/revisionInfo.xml><?xml version="1.0" encoding="utf-8"?>
 <p1510:revInfo xmlns:a="http://schemas.openxmlformats.org/drawingml/2006/main" xmlns:r="http://schemas.openxmlformats.org/officeDocument/2006/relationships" xmlns:p1510="http://schemas.microsoft.com/office/powerpoint/2015/10/main">
   <p1510:revLst>
-    <p1510:client id="{4A13534B-B544-A44E-B29A-C6B9F0689448}" v="25" dt="2021-10-14T08:05:45.415"/>
+    <p1510:client id="{4A13534B-B544-A44E-B29A-C6B9F0689448}" v="34" dt="2021-10-14T10:50:40.258"/>
   </p1510:revLst>
 </p1510:revInfo>
 </file>
@@ -146,7 +148,7 @@
   <pc:docChgLst>
     <pc:chgData name="Alfredo Fonseca Junior" userId="b53f08b6-e642-4ee2-a231-11cd653755d4" providerId="ADAL" clId="{4A13534B-B544-A44E-B29A-C6B9F0689448}"/>
     <pc:docChg chg="undo custSel addSld delSld modSld sldOrd">
-      <pc:chgData name="Alfredo Fonseca Junior" userId="b53f08b6-e642-4ee2-a231-11cd653755d4" providerId="ADAL" clId="{4A13534B-B544-A44E-B29A-C6B9F0689448}" dt="2021-10-14T08:05:47.314" v="297" actId="478"/>
+      <pc:chgData name="Alfredo Fonseca Junior" userId="b53f08b6-e642-4ee2-a231-11cd653755d4" providerId="ADAL" clId="{4A13534B-B544-A44E-B29A-C6B9F0689448}" dt="2021-10-14T11:03:19.553" v="365" actId="20578"/>
       <pc:docMkLst>
         <pc:docMk/>
       </pc:docMkLst>
@@ -735,8 +737,8 @@
           </ac:picMkLst>
         </pc:picChg>
       </pc:sldChg>
-      <pc:sldChg chg="modSp add mod ord">
-        <pc:chgData name="Alfredo Fonseca Junior" userId="b53f08b6-e642-4ee2-a231-11cd653755d4" providerId="ADAL" clId="{4A13534B-B544-A44E-B29A-C6B9F0689448}" dt="2021-10-14T07:50:27.579" v="293" actId="20578"/>
+      <pc:sldChg chg="addSp delSp modSp add mod ord">
+        <pc:chgData name="Alfredo Fonseca Junior" userId="b53f08b6-e642-4ee2-a231-11cd653755d4" providerId="ADAL" clId="{4A13534B-B544-A44E-B29A-C6B9F0689448}" dt="2021-10-14T10:50:40.858" v="364" actId="9405"/>
         <pc:sldMkLst>
           <pc:docMk/>
           <pc:sldMk cId="3876281202" sldId="277"/>
@@ -749,6 +751,54 @@
             <ac:spMk id="2" creationId="{A4AC321E-9E64-5944-9F36-E1C762BB05C6}"/>
           </ac:spMkLst>
         </pc:spChg>
+        <pc:grpChg chg="add del mod">
+          <ac:chgData name="Alfredo Fonseca Junior" userId="b53f08b6-e642-4ee2-a231-11cd653755d4" providerId="ADAL" clId="{4A13534B-B544-A44E-B29A-C6B9F0689448}" dt="2021-10-14T10:50:40.258" v="362"/>
+          <ac:grpSpMkLst>
+            <pc:docMk/>
+            <pc:sldMk cId="3876281202" sldId="277"/>
+            <ac:grpSpMk id="6" creationId="{43B10606-2778-B441-BF58-ED8268D440DE}"/>
+          </ac:grpSpMkLst>
+        </pc:grpChg>
+        <pc:grpChg chg="mod">
+          <ac:chgData name="Alfredo Fonseca Junior" userId="b53f08b6-e642-4ee2-a231-11cd653755d4" providerId="ADAL" clId="{4A13534B-B544-A44E-B29A-C6B9F0689448}" dt="2021-10-14T10:50:39.922" v="360"/>
+          <ac:grpSpMkLst>
+            <pc:docMk/>
+            <pc:sldMk cId="3876281202" sldId="277"/>
+            <ac:grpSpMk id="8" creationId="{3935CCC6-FAE3-3A43-A19D-FE10710E6780}"/>
+          </ac:grpSpMkLst>
+        </pc:grpChg>
+        <pc:inkChg chg="add del">
+          <ac:chgData name="Alfredo Fonseca Junior" userId="b53f08b6-e642-4ee2-a231-11cd653755d4" providerId="ADAL" clId="{4A13534B-B544-A44E-B29A-C6B9F0689448}" dt="2021-10-14T10:50:40.858" v="364" actId="9405"/>
+          <ac:inkMkLst>
+            <pc:docMk/>
+            <pc:sldMk cId="3876281202" sldId="277"/>
+            <ac:inkMk id="3" creationId="{92B2229D-2F1F-3647-BA61-19B36438445B}"/>
+          </ac:inkMkLst>
+        </pc:inkChg>
+        <pc:inkChg chg="add del mod">
+          <ac:chgData name="Alfredo Fonseca Junior" userId="b53f08b6-e642-4ee2-a231-11cd653755d4" providerId="ADAL" clId="{4A13534B-B544-A44E-B29A-C6B9F0689448}" dt="2021-10-14T10:50:40.547" v="363" actId="9405"/>
+          <ac:inkMkLst>
+            <pc:docMk/>
+            <pc:sldMk cId="3876281202" sldId="277"/>
+            <ac:inkMk id="4" creationId="{BBD9DD24-78E4-FB41-BDCF-1CF2952ECF11}"/>
+          </ac:inkMkLst>
+        </pc:inkChg>
+        <pc:inkChg chg="add del mod">
+          <ac:chgData name="Alfredo Fonseca Junior" userId="b53f08b6-e642-4ee2-a231-11cd653755d4" providerId="ADAL" clId="{4A13534B-B544-A44E-B29A-C6B9F0689448}" dt="2021-10-14T10:50:40.258" v="362"/>
+          <ac:inkMkLst>
+            <pc:docMk/>
+            <pc:sldMk cId="3876281202" sldId="277"/>
+            <ac:inkMk id="5" creationId="{0CE60941-7D78-C443-9AFF-159EE22B61EE}"/>
+          </ac:inkMkLst>
+        </pc:inkChg>
+        <pc:inkChg chg="add del mod">
+          <ac:chgData name="Alfredo Fonseca Junior" userId="b53f08b6-e642-4ee2-a231-11cd653755d4" providerId="ADAL" clId="{4A13534B-B544-A44E-B29A-C6B9F0689448}" dt="2021-10-14T10:50:39.922" v="360"/>
+          <ac:inkMkLst>
+            <pc:docMk/>
+            <pc:sldMk cId="3876281202" sldId="277"/>
+            <ac:inkMk id="7" creationId="{569C36F4-EF67-4F4B-B990-013E3EAC6DF7}"/>
+          </ac:inkMkLst>
+        </pc:inkChg>
       </pc:sldChg>
       <pc:sldChg chg="addSp delSp add mod">
         <pc:chgData name="Alfredo Fonseca Junior" userId="b53f08b6-e642-4ee2-a231-11cd653755d4" providerId="ADAL" clId="{4A13534B-B544-A44E-B29A-C6B9F0689448}" dt="2021-10-14T08:05:47.314" v="297" actId="478"/>
@@ -770,6 +820,76 @@
             <pc:docMk/>
             <pc:sldMk cId="2720816416" sldId="278"/>
             <ac:picMk id="6" creationId="{22CA5FB6-805B-0949-AB5D-DC9242DFE656}"/>
+          </ac:picMkLst>
+        </pc:picChg>
+      </pc:sldChg>
+      <pc:sldChg chg="addSp delSp modSp add mod ord">
+        <pc:chgData name="Alfredo Fonseca Junior" userId="b53f08b6-e642-4ee2-a231-11cd653755d4" providerId="ADAL" clId="{4A13534B-B544-A44E-B29A-C6B9F0689448}" dt="2021-10-14T09:37:41.327" v="331" actId="14100"/>
+        <pc:sldMkLst>
+          <pc:docMk/>
+          <pc:sldMk cId="4230910064" sldId="279"/>
+        </pc:sldMkLst>
+        <pc:spChg chg="add del mod">
+          <ac:chgData name="Alfredo Fonseca Junior" userId="b53f08b6-e642-4ee2-a231-11cd653755d4" providerId="ADAL" clId="{4A13534B-B544-A44E-B29A-C6B9F0689448}" dt="2021-10-14T09:37:35.352" v="329" actId="20577"/>
+          <ac:spMkLst>
+            <pc:docMk/>
+            <pc:sldMk cId="4230910064" sldId="279"/>
+            <ac:spMk id="2" creationId="{A4AC321E-9E64-5944-9F36-E1C762BB05C6}"/>
+          </ac:spMkLst>
+        </pc:spChg>
+        <pc:spChg chg="add del mod">
+          <ac:chgData name="Alfredo Fonseca Junior" userId="b53f08b6-e642-4ee2-a231-11cd653755d4" providerId="ADAL" clId="{4A13534B-B544-A44E-B29A-C6B9F0689448}" dt="2021-10-14T09:36:30.374" v="300" actId="478"/>
+          <ac:spMkLst>
+            <pc:docMk/>
+            <pc:sldMk cId="4230910064" sldId="279"/>
+            <ac:spMk id="4" creationId="{C7904DE8-5F4C-0E47-92CC-02AFB110DE6C}"/>
+          </ac:spMkLst>
+        </pc:spChg>
+        <pc:picChg chg="add del mod">
+          <ac:chgData name="Alfredo Fonseca Junior" userId="b53f08b6-e642-4ee2-a231-11cd653755d4" providerId="ADAL" clId="{4A13534B-B544-A44E-B29A-C6B9F0689448}" dt="2021-10-14T09:37:29.969" v="325" actId="478"/>
+          <ac:picMkLst>
+            <pc:docMk/>
+            <pc:sldMk cId="4230910064" sldId="279"/>
+            <ac:picMk id="5" creationId="{C3B60A7D-4860-9A4C-8555-BA359077B42A}"/>
+          </ac:picMkLst>
+        </pc:picChg>
+        <pc:picChg chg="add mod">
+          <ac:chgData name="Alfredo Fonseca Junior" userId="b53f08b6-e642-4ee2-a231-11cd653755d4" providerId="ADAL" clId="{4A13534B-B544-A44E-B29A-C6B9F0689448}" dt="2021-10-14T09:37:41.327" v="331" actId="14100"/>
+          <ac:picMkLst>
+            <pc:docMk/>
+            <pc:sldMk cId="4230910064" sldId="279"/>
+            <ac:picMk id="6" creationId="{698370A4-CC67-A448-901E-7F3CDB86927C}"/>
+          </ac:picMkLst>
+        </pc:picChg>
+      </pc:sldChg>
+      <pc:sldChg chg="addSp delSp modSp add mod ord">
+        <pc:chgData name="Alfredo Fonseca Junior" userId="b53f08b6-e642-4ee2-a231-11cd653755d4" providerId="ADAL" clId="{4A13534B-B544-A44E-B29A-C6B9F0689448}" dt="2021-10-14T11:03:19.553" v="365" actId="20578"/>
+        <pc:sldMkLst>
+          <pc:docMk/>
+          <pc:sldMk cId="1522449710" sldId="280"/>
+        </pc:sldMkLst>
+        <pc:spChg chg="mod">
+          <ac:chgData name="Alfredo Fonseca Junior" userId="b53f08b6-e642-4ee2-a231-11cd653755d4" providerId="ADAL" clId="{4A13534B-B544-A44E-B29A-C6B9F0689448}" dt="2021-10-14T09:43:08.869" v="352" actId="1076"/>
+          <ac:spMkLst>
+            <pc:docMk/>
+            <pc:sldMk cId="1522449710" sldId="280"/>
+            <ac:spMk id="2" creationId="{A4AC321E-9E64-5944-9F36-E1C762BB05C6}"/>
+          </ac:spMkLst>
+        </pc:spChg>
+        <pc:spChg chg="add mod">
+          <ac:chgData name="Alfredo Fonseca Junior" userId="b53f08b6-e642-4ee2-a231-11cd653755d4" providerId="ADAL" clId="{4A13534B-B544-A44E-B29A-C6B9F0689448}" dt="2021-10-14T09:42:57.159" v="340" actId="20577"/>
+          <ac:spMkLst>
+            <pc:docMk/>
+            <pc:sldMk cId="1522449710" sldId="280"/>
+            <ac:spMk id="3" creationId="{1D829418-6E01-984A-83B5-CC528AF23007}"/>
+          </ac:spMkLst>
+        </pc:spChg>
+        <pc:picChg chg="del">
+          <ac:chgData name="Alfredo Fonseca Junior" userId="b53f08b6-e642-4ee2-a231-11cd653755d4" providerId="ADAL" clId="{4A13534B-B544-A44E-B29A-C6B9F0689448}" dt="2021-10-14T09:42:29.404" v="333" actId="478"/>
+          <ac:picMkLst>
+            <pc:docMk/>
+            <pc:sldMk cId="1522449710" sldId="280"/>
+            <ac:picMk id="6" creationId="{698370A4-CC67-A448-901E-7F3CDB86927C}"/>
           </ac:picMkLst>
         </pc:picChg>
       </pc:sldChg>
@@ -6332,22 +6452,55 @@
         </p:nvSpPr>
         <p:spPr>
           <a:xfrm>
-            <a:off x="838200" y="212444"/>
-            <a:ext cx="10515600" cy="1086131"/>
+            <a:off x="531560" y="792203"/>
+            <a:ext cx="10515600" cy="949090"/>
           </a:xfrm>
         </p:spPr>
         <p:txBody>
           <a:bodyPr>
-            <a:normAutofit fontScale="90000"/>
+            <a:normAutofit/>
           </a:bodyPr>
           <a:lstStyle/>
           <a:p>
-            <a:br>
-              <a:rPr lang="en-US" dirty="0"/>
-            </a:br>
             <a:r>
               <a:rPr lang="en-GB" dirty="0"/>
-              <a:t>Flowers Classification Demo</a:t>
+              <a:t>Correlations</a:t>
+            </a:r>
+            <a:endParaRPr lang="en-US" dirty="0"/>
+          </a:p>
+        </p:txBody>
+      </p:sp>
+      <p:sp>
+        <p:nvSpPr>
+          <p:cNvPr id="3" name="TextBox 2">
+            <a:extLst>
+              <a:ext uri="{FF2B5EF4-FFF2-40B4-BE49-F238E27FC236}">
+                <a16:creationId xmlns:a16="http://schemas.microsoft.com/office/drawing/2014/main" id="{1D829418-6E01-984A-83B5-CC528AF23007}"/>
+              </a:ext>
+            </a:extLst>
+          </p:cNvPr>
+          <p:cNvSpPr txBox="1"/>
+          <p:nvPr/>
+        </p:nvSpPr>
+        <p:spPr>
+          <a:xfrm>
+            <a:off x="531560" y="2014151"/>
+            <a:ext cx="11056296" cy="369332"/>
+          </a:xfrm>
+          <a:prstGeom prst="rect">
+            <a:avLst/>
+          </a:prstGeom>
+          <a:noFill/>
+        </p:spPr>
+        <p:txBody>
+          <a:bodyPr wrap="none" rtlCol="0">
+            <a:spAutoFit/>
+          </a:bodyPr>
+          <a:lstStyle/>
+          <a:p>
+            <a:r>
+              <a:rPr lang="en-IE" dirty="0"/>
+              <a:t>Correlation is a statistical term describing the degree to which two variables move in coordination with one another.</a:t>
             </a:r>
             <a:endParaRPr lang="en-US" dirty="0"/>
           </a:p>
@@ -6356,7 +6509,7 @@
     </p:spTree>
     <p:extLst>
       <p:ext uri="{BB962C8B-B14F-4D97-AF65-F5344CB8AC3E}">
-        <p14:creationId xmlns:p14="http://schemas.microsoft.com/office/powerpoint/2010/main" val="1219054240"/>
+        <p14:creationId xmlns:p14="http://schemas.microsoft.com/office/powerpoint/2010/main" val="1522449710"/>
       </p:ext>
     </p:extLst>
   </p:cSld>
@@ -6388,7 +6541,7 @@
           <p:cNvPr id="2" name="Title 1">
             <a:extLst>
               <a:ext uri="{FF2B5EF4-FFF2-40B4-BE49-F238E27FC236}">
-                <a16:creationId xmlns:a16="http://schemas.microsoft.com/office/drawing/2014/main" id="{D0273F34-96E7-1647-B352-BD30BA2ED758}"/>
+                <a16:creationId xmlns:a16="http://schemas.microsoft.com/office/drawing/2014/main" id="{A4AC321E-9E64-5944-9F36-E1C762BB05C6}"/>
               </a:ext>
             </a:extLst>
           </p:cNvPr>
@@ -6396,63 +6549,73 @@
             <a:spLocks noGrp="1"/>
           </p:cNvSpPr>
           <p:nvPr>
-            <p:ph type="ctrTitle"/>
-          </p:nvPr>
-        </p:nvSpPr>
-        <p:spPr/>
-        <p:txBody>
-          <a:bodyPr/>
-          <a:lstStyle/>
-          <a:p>
-            <a:r>
-              <a:rPr lang="en-IE" dirty="0"/>
-              <a:t>Unsupervised Learning</a:t>
+            <p:ph type="title"/>
+          </p:nvPr>
+        </p:nvSpPr>
+        <p:spPr>
+          <a:xfrm>
+            <a:off x="838200" y="212445"/>
+            <a:ext cx="10515600" cy="763740"/>
+          </a:xfrm>
+        </p:spPr>
+        <p:txBody>
+          <a:bodyPr>
+            <a:normAutofit fontScale="90000"/>
+          </a:bodyPr>
+          <a:lstStyle/>
+          <a:p>
+            <a:br>
+              <a:rPr lang="en-US" dirty="0"/>
+            </a:br>
+            <a:r>
+              <a:rPr lang="en-GB" dirty="0"/>
+              <a:t>Weird</a:t>
+            </a:r>
+            <a:br>
+              <a:rPr lang="en-GB" dirty="0"/>
+            </a:br>
+            <a:r>
+              <a:rPr lang="en-GB" dirty="0"/>
+              <a:t>Correlations</a:t>
             </a:r>
             <a:endParaRPr lang="en-US" dirty="0"/>
           </a:p>
         </p:txBody>
       </p:sp>
-      <p:sp>
-        <p:nvSpPr>
-          <p:cNvPr id="3" name="Subtitle 2">
-            <a:extLst>
-              <a:ext uri="{FF2B5EF4-FFF2-40B4-BE49-F238E27FC236}">
-                <a16:creationId xmlns:a16="http://schemas.microsoft.com/office/drawing/2014/main" id="{6A410682-7B38-3C44-8425-1487C2D73FCC}"/>
-              </a:ext>
-            </a:extLst>
-          </p:cNvPr>
-          <p:cNvSpPr>
-            <a:spLocks noGrp="1"/>
-          </p:cNvSpPr>
-          <p:nvPr>
-            <p:ph type="subTitle" idx="1"/>
-          </p:nvPr>
-        </p:nvSpPr>
-        <p:spPr/>
-        <p:txBody>
-          <a:bodyPr>
-            <a:normAutofit lnSpcReduction="10000"/>
-          </a:bodyPr>
-          <a:lstStyle/>
-          <a:p>
-            <a:r>
-              <a:rPr lang="en-IE" dirty="0"/>
-              <a:t>”Unsupervised learning is a type of machine learning in which the algorithm is not provided with any pre-assigned labels or scores for the training data. As a result, unsupervised learning algorithms must first self-discover any naturally occurring patterns in that training data set.” </a:t>
-            </a:r>
-            <a:r>
-              <a:rPr lang="en-IE" dirty="0">
-                <a:hlinkClick r:id="rId2"/>
-              </a:rPr>
-              <a:t>Wikipedia</a:t>
-            </a:r>
-            <a:endParaRPr lang="en-US" dirty="0"/>
-          </a:p>
-        </p:txBody>
-      </p:sp>
+      <p:pic>
+        <p:nvPicPr>
+          <p:cNvPr id="6" name="Picture 5">
+            <a:extLst>
+              <a:ext uri="{FF2B5EF4-FFF2-40B4-BE49-F238E27FC236}">
+                <a16:creationId xmlns:a16="http://schemas.microsoft.com/office/drawing/2014/main" id="{698370A4-CC67-A448-901E-7F3CDB86927C}"/>
+              </a:ext>
+            </a:extLst>
+          </p:cNvPr>
+          <p:cNvPicPr>
+            <a:picLocks noChangeAspect="1"/>
+          </p:cNvPicPr>
+          <p:nvPr/>
+        </p:nvPicPr>
+        <p:blipFill>
+          <a:blip r:embed="rId2"/>
+          <a:stretch>
+            <a:fillRect/>
+          </a:stretch>
+        </p:blipFill>
+        <p:spPr>
+          <a:xfrm>
+            <a:off x="3463869" y="212445"/>
+            <a:ext cx="8622571" cy="6225425"/>
+          </a:xfrm>
+          <a:prstGeom prst="rect">
+            <a:avLst/>
+          </a:prstGeom>
+        </p:spPr>
+      </p:pic>
     </p:spTree>
     <p:extLst>
       <p:ext uri="{BB962C8B-B14F-4D97-AF65-F5344CB8AC3E}">
-        <p14:creationId xmlns:p14="http://schemas.microsoft.com/office/powerpoint/2010/main" val="2110181649"/>
+        <p14:creationId xmlns:p14="http://schemas.microsoft.com/office/powerpoint/2010/main" val="4230910064"/>
       </p:ext>
     </p:extLst>
   </p:cSld>
@@ -6484,7 +6647,7 @@
           <p:cNvPr id="2" name="Title 1">
             <a:extLst>
               <a:ext uri="{FF2B5EF4-FFF2-40B4-BE49-F238E27FC236}">
-                <a16:creationId xmlns:a16="http://schemas.microsoft.com/office/drawing/2014/main" id="{D0273F34-96E7-1647-B352-BD30BA2ED758}"/>
+                <a16:creationId xmlns:a16="http://schemas.microsoft.com/office/drawing/2014/main" id="{A4AC321E-9E64-5944-9F36-E1C762BB05C6}"/>
               </a:ext>
             </a:extLst>
           </p:cNvPr>
@@ -6492,131 +6655,36 @@
             <a:spLocks noGrp="1"/>
           </p:cNvSpPr>
           <p:nvPr>
-            <p:ph type="ctrTitle"/>
-          </p:nvPr>
-        </p:nvSpPr>
-        <p:spPr>
-          <a:xfrm>
-            <a:off x="1524000" y="241299"/>
-            <a:ext cx="9144000" cy="944949"/>
+            <p:ph type="title"/>
+          </p:nvPr>
+        </p:nvSpPr>
+        <p:spPr>
+          <a:xfrm>
+            <a:off x="838200" y="212444"/>
+            <a:ext cx="10515600" cy="1086131"/>
           </a:xfrm>
         </p:spPr>
         <p:txBody>
           <a:bodyPr>
-            <a:normAutofit/>
+            <a:normAutofit fontScale="90000"/>
           </a:bodyPr>
           <a:lstStyle/>
           <a:p>
-            <a:r>
-              <a:rPr lang="en-IE" dirty="0"/>
-              <a:t>Google Photos</a:t>
+            <a:br>
+              <a:rPr lang="en-US" dirty="0"/>
+            </a:br>
+            <a:r>
+              <a:rPr lang="en-GB" dirty="0"/>
+              <a:t>Flowers Classification Demo</a:t>
             </a:r>
             <a:endParaRPr lang="en-US" dirty="0"/>
-          </a:p>
-        </p:txBody>
-      </p:sp>
-      <p:sp>
-        <p:nvSpPr>
-          <p:cNvPr id="5" name="Subtitle 4">
-            <a:extLst>
-              <a:ext uri="{FF2B5EF4-FFF2-40B4-BE49-F238E27FC236}">
-                <a16:creationId xmlns:a16="http://schemas.microsoft.com/office/drawing/2014/main" id="{7AA6DCFF-B573-5940-87B1-2811EEC82658}"/>
-              </a:ext>
-            </a:extLst>
-          </p:cNvPr>
-          <p:cNvSpPr>
-            <a:spLocks noGrp="1"/>
-          </p:cNvSpPr>
-          <p:nvPr>
-            <p:ph type="subTitle" idx="1"/>
-          </p:nvPr>
-        </p:nvSpPr>
-        <p:spPr/>
-        <p:txBody>
-          <a:bodyPr/>
-          <a:lstStyle/>
-          <a:p>
-            <a:endParaRPr lang="en-US"/>
-          </a:p>
-        </p:txBody>
-      </p:sp>
-      <p:pic>
-        <p:nvPicPr>
-          <p:cNvPr id="6" name="Picture 5">
-            <a:extLst>
-              <a:ext uri="{FF2B5EF4-FFF2-40B4-BE49-F238E27FC236}">
-                <a16:creationId xmlns:a16="http://schemas.microsoft.com/office/drawing/2014/main" id="{22CA5FB6-805B-0949-AB5D-DC9242DFE656}"/>
-              </a:ext>
-            </a:extLst>
-          </p:cNvPr>
-          <p:cNvPicPr>
-            <a:picLocks noChangeAspect="1"/>
-          </p:cNvPicPr>
-          <p:nvPr/>
-        </p:nvPicPr>
-        <p:blipFill>
-          <a:blip r:embed="rId2"/>
-          <a:stretch>
-            <a:fillRect/>
-          </a:stretch>
-        </p:blipFill>
-        <p:spPr>
-          <a:xfrm>
-            <a:off x="1574800" y="1377950"/>
-            <a:ext cx="9093200" cy="5016500"/>
-          </a:xfrm>
-          <a:prstGeom prst="rect">
-            <a:avLst/>
-          </a:prstGeom>
-        </p:spPr>
-      </p:pic>
-      <p:sp>
-        <p:nvSpPr>
-          <p:cNvPr id="8" name="TextBox 7">
-            <a:extLst>
-              <a:ext uri="{FF2B5EF4-FFF2-40B4-BE49-F238E27FC236}">
-                <a16:creationId xmlns:a16="http://schemas.microsoft.com/office/drawing/2014/main" id="{EA371CCD-A583-574E-9876-837BBBB0CDEC}"/>
-              </a:ext>
-            </a:extLst>
-          </p:cNvPr>
-          <p:cNvSpPr txBox="1"/>
-          <p:nvPr/>
-        </p:nvSpPr>
-        <p:spPr>
-          <a:xfrm>
-            <a:off x="4497860" y="1045559"/>
-            <a:ext cx="3446585" cy="369332"/>
-          </a:xfrm>
-          <a:prstGeom prst="rect">
-            <a:avLst/>
-          </a:prstGeom>
-          <a:noFill/>
-        </p:spPr>
-        <p:txBody>
-          <a:bodyPr wrap="none" rtlCol="0">
-            <a:spAutoFit/>
-          </a:bodyPr>
-          <a:lstStyle/>
-          <a:p>
-            <a:r>
-              <a:rPr lang="en-US" dirty="0"/>
-              <a:t>https://</a:t>
-            </a:r>
-            <a:r>
-              <a:rPr lang="en-US" dirty="0" err="1"/>
-              <a:t>photos.google.com</a:t>
-            </a:r>
-            <a:r>
-              <a:rPr lang="en-US" dirty="0"/>
-              <a:t>/people</a:t>
-            </a:r>
           </a:p>
         </p:txBody>
       </p:sp>
     </p:spTree>
     <p:extLst>
       <p:ext uri="{BB962C8B-B14F-4D97-AF65-F5344CB8AC3E}">
-        <p14:creationId xmlns:p14="http://schemas.microsoft.com/office/powerpoint/2010/main" val="2243412862"/>
+        <p14:creationId xmlns:p14="http://schemas.microsoft.com/office/powerpoint/2010/main" val="1219054240"/>
       </p:ext>
     </p:extLst>
   </p:cSld>
@@ -6808,128 +6876,60 @@
             <p:ph type="ctrTitle"/>
           </p:nvPr>
         </p:nvSpPr>
-        <p:spPr>
-          <a:xfrm>
-            <a:off x="1524000" y="241299"/>
-            <a:ext cx="9144000" cy="944949"/>
-          </a:xfrm>
-        </p:spPr>
+        <p:spPr/>
+        <p:txBody>
+          <a:bodyPr/>
+          <a:lstStyle/>
+          <a:p>
+            <a:r>
+              <a:rPr lang="en-IE" dirty="0"/>
+              <a:t>Unsupervised Learning</a:t>
+            </a:r>
+            <a:endParaRPr lang="en-US" dirty="0"/>
+          </a:p>
+        </p:txBody>
+      </p:sp>
+      <p:sp>
+        <p:nvSpPr>
+          <p:cNvPr id="3" name="Subtitle 2">
+            <a:extLst>
+              <a:ext uri="{FF2B5EF4-FFF2-40B4-BE49-F238E27FC236}">
+                <a16:creationId xmlns:a16="http://schemas.microsoft.com/office/drawing/2014/main" id="{6A410682-7B38-3C44-8425-1487C2D73FCC}"/>
+              </a:ext>
+            </a:extLst>
+          </p:cNvPr>
+          <p:cNvSpPr>
+            <a:spLocks noGrp="1"/>
+          </p:cNvSpPr>
+          <p:nvPr>
+            <p:ph type="subTitle" idx="1"/>
+          </p:nvPr>
+        </p:nvSpPr>
+        <p:spPr/>
         <p:txBody>
           <a:bodyPr>
-            <a:normAutofit/>
+            <a:normAutofit lnSpcReduction="10000"/>
           </a:bodyPr>
           <a:lstStyle/>
           <a:p>
             <a:r>
               <a:rPr lang="en-IE" dirty="0"/>
-              <a:t>Google Photos</a:t>
+              <a:t>”Unsupervised learning is a type of machine learning in which the algorithm is not provided with any pre-assigned labels or scores for the training data. As a result, unsupervised learning algorithms must first self-discover any naturally occurring patterns in that training data set.” </a:t>
+            </a:r>
+            <a:r>
+              <a:rPr lang="en-IE" dirty="0">
+                <a:hlinkClick r:id="rId2"/>
+              </a:rPr>
+              <a:t>Wikipedia</a:t>
             </a:r>
             <a:endParaRPr lang="en-US" dirty="0"/>
           </a:p>
         </p:txBody>
       </p:sp>
-      <p:sp>
-        <p:nvSpPr>
-          <p:cNvPr id="5" name="Subtitle 4">
-            <a:extLst>
-              <a:ext uri="{FF2B5EF4-FFF2-40B4-BE49-F238E27FC236}">
-                <a16:creationId xmlns:a16="http://schemas.microsoft.com/office/drawing/2014/main" id="{7AA6DCFF-B573-5940-87B1-2811EEC82658}"/>
-              </a:ext>
-            </a:extLst>
-          </p:cNvPr>
-          <p:cNvSpPr>
-            <a:spLocks noGrp="1"/>
-          </p:cNvSpPr>
-          <p:nvPr>
-            <p:ph type="subTitle" idx="1"/>
-          </p:nvPr>
-        </p:nvSpPr>
-        <p:spPr/>
-        <p:txBody>
-          <a:bodyPr/>
-          <a:lstStyle/>
-          <a:p>
-            <a:endParaRPr lang="en-US"/>
-          </a:p>
-        </p:txBody>
-      </p:sp>
-      <p:sp>
-        <p:nvSpPr>
-          <p:cNvPr id="8" name="TextBox 7">
-            <a:extLst>
-              <a:ext uri="{FF2B5EF4-FFF2-40B4-BE49-F238E27FC236}">
-                <a16:creationId xmlns:a16="http://schemas.microsoft.com/office/drawing/2014/main" id="{EA371CCD-A583-574E-9876-837BBBB0CDEC}"/>
-              </a:ext>
-            </a:extLst>
-          </p:cNvPr>
-          <p:cNvSpPr txBox="1"/>
-          <p:nvPr/>
-        </p:nvSpPr>
-        <p:spPr>
-          <a:xfrm>
-            <a:off x="4497860" y="1045559"/>
-            <a:ext cx="3446585" cy="369332"/>
-          </a:xfrm>
-          <a:prstGeom prst="rect">
-            <a:avLst/>
-          </a:prstGeom>
-          <a:noFill/>
-        </p:spPr>
-        <p:txBody>
-          <a:bodyPr wrap="none" rtlCol="0">
-            <a:spAutoFit/>
-          </a:bodyPr>
-          <a:lstStyle/>
-          <a:p>
-            <a:r>
-              <a:rPr lang="en-US" dirty="0"/>
-              <a:t>https://</a:t>
-            </a:r>
-            <a:r>
-              <a:rPr lang="en-US" dirty="0" err="1"/>
-              <a:t>photos.google.com</a:t>
-            </a:r>
-            <a:r>
-              <a:rPr lang="en-US" dirty="0"/>
-              <a:t>/people</a:t>
-            </a:r>
-          </a:p>
-        </p:txBody>
-      </p:sp>
-      <p:pic>
-        <p:nvPicPr>
-          <p:cNvPr id="3" name="Picture 2">
-            <a:extLst>
-              <a:ext uri="{FF2B5EF4-FFF2-40B4-BE49-F238E27FC236}">
-                <a16:creationId xmlns:a16="http://schemas.microsoft.com/office/drawing/2014/main" id="{5ECDDCBD-D6A3-F745-A31A-1D77D672B396}"/>
-              </a:ext>
-            </a:extLst>
-          </p:cNvPr>
-          <p:cNvPicPr>
-            <a:picLocks noChangeAspect="1"/>
-          </p:cNvPicPr>
-          <p:nvPr/>
-        </p:nvPicPr>
-        <p:blipFill>
-          <a:blip r:embed="rId2"/>
-          <a:stretch>
-            <a:fillRect/>
-          </a:stretch>
-        </p:blipFill>
-        <p:spPr>
-          <a:xfrm>
-            <a:off x="0" y="2166937"/>
-            <a:ext cx="12192000" cy="2524125"/>
-          </a:xfrm>
-          <a:prstGeom prst="rect">
-            <a:avLst/>
-          </a:prstGeom>
-        </p:spPr>
-      </p:pic>
     </p:spTree>
     <p:extLst>
       <p:ext uri="{BB962C8B-B14F-4D97-AF65-F5344CB8AC3E}">
-        <p14:creationId xmlns:p14="http://schemas.microsoft.com/office/powerpoint/2010/main" val="2720816416"/>
+        <p14:creationId xmlns:p14="http://schemas.microsoft.com/office/powerpoint/2010/main" val="2110181649"/>
       </p:ext>
     </p:extLst>
   </p:cSld>
@@ -6961,6 +6961,334 @@
           <p:cNvPr id="2" name="Title 1">
             <a:extLst>
               <a:ext uri="{FF2B5EF4-FFF2-40B4-BE49-F238E27FC236}">
+                <a16:creationId xmlns:a16="http://schemas.microsoft.com/office/drawing/2014/main" id="{D0273F34-96E7-1647-B352-BD30BA2ED758}"/>
+              </a:ext>
+            </a:extLst>
+          </p:cNvPr>
+          <p:cNvSpPr>
+            <a:spLocks noGrp="1"/>
+          </p:cNvSpPr>
+          <p:nvPr>
+            <p:ph type="ctrTitle"/>
+          </p:nvPr>
+        </p:nvSpPr>
+        <p:spPr>
+          <a:xfrm>
+            <a:off x="1524000" y="241299"/>
+            <a:ext cx="9144000" cy="944949"/>
+          </a:xfrm>
+        </p:spPr>
+        <p:txBody>
+          <a:bodyPr>
+            <a:normAutofit/>
+          </a:bodyPr>
+          <a:lstStyle/>
+          <a:p>
+            <a:r>
+              <a:rPr lang="en-IE" dirty="0"/>
+              <a:t>Google Photos</a:t>
+            </a:r>
+            <a:endParaRPr lang="en-US" dirty="0"/>
+          </a:p>
+        </p:txBody>
+      </p:sp>
+      <p:sp>
+        <p:nvSpPr>
+          <p:cNvPr id="5" name="Subtitle 4">
+            <a:extLst>
+              <a:ext uri="{FF2B5EF4-FFF2-40B4-BE49-F238E27FC236}">
+                <a16:creationId xmlns:a16="http://schemas.microsoft.com/office/drawing/2014/main" id="{7AA6DCFF-B573-5940-87B1-2811EEC82658}"/>
+              </a:ext>
+            </a:extLst>
+          </p:cNvPr>
+          <p:cNvSpPr>
+            <a:spLocks noGrp="1"/>
+          </p:cNvSpPr>
+          <p:nvPr>
+            <p:ph type="subTitle" idx="1"/>
+          </p:nvPr>
+        </p:nvSpPr>
+        <p:spPr/>
+        <p:txBody>
+          <a:bodyPr/>
+          <a:lstStyle/>
+          <a:p>
+            <a:endParaRPr lang="en-US"/>
+          </a:p>
+        </p:txBody>
+      </p:sp>
+      <p:pic>
+        <p:nvPicPr>
+          <p:cNvPr id="6" name="Picture 5">
+            <a:extLst>
+              <a:ext uri="{FF2B5EF4-FFF2-40B4-BE49-F238E27FC236}">
+                <a16:creationId xmlns:a16="http://schemas.microsoft.com/office/drawing/2014/main" id="{22CA5FB6-805B-0949-AB5D-DC9242DFE656}"/>
+              </a:ext>
+            </a:extLst>
+          </p:cNvPr>
+          <p:cNvPicPr>
+            <a:picLocks noChangeAspect="1"/>
+          </p:cNvPicPr>
+          <p:nvPr/>
+        </p:nvPicPr>
+        <p:blipFill>
+          <a:blip r:embed="rId2"/>
+          <a:stretch>
+            <a:fillRect/>
+          </a:stretch>
+        </p:blipFill>
+        <p:spPr>
+          <a:xfrm>
+            <a:off x="1574800" y="1377950"/>
+            <a:ext cx="9093200" cy="5016500"/>
+          </a:xfrm>
+          <a:prstGeom prst="rect">
+            <a:avLst/>
+          </a:prstGeom>
+        </p:spPr>
+      </p:pic>
+      <p:sp>
+        <p:nvSpPr>
+          <p:cNvPr id="8" name="TextBox 7">
+            <a:extLst>
+              <a:ext uri="{FF2B5EF4-FFF2-40B4-BE49-F238E27FC236}">
+                <a16:creationId xmlns:a16="http://schemas.microsoft.com/office/drawing/2014/main" id="{EA371CCD-A583-574E-9876-837BBBB0CDEC}"/>
+              </a:ext>
+            </a:extLst>
+          </p:cNvPr>
+          <p:cNvSpPr txBox="1"/>
+          <p:nvPr/>
+        </p:nvSpPr>
+        <p:spPr>
+          <a:xfrm>
+            <a:off x="4497860" y="1045559"/>
+            <a:ext cx="3446585" cy="369332"/>
+          </a:xfrm>
+          <a:prstGeom prst="rect">
+            <a:avLst/>
+          </a:prstGeom>
+          <a:noFill/>
+        </p:spPr>
+        <p:txBody>
+          <a:bodyPr wrap="none" rtlCol="0">
+            <a:spAutoFit/>
+          </a:bodyPr>
+          <a:lstStyle/>
+          <a:p>
+            <a:r>
+              <a:rPr lang="en-US" dirty="0"/>
+              <a:t>https://</a:t>
+            </a:r>
+            <a:r>
+              <a:rPr lang="en-US" dirty="0" err="1"/>
+              <a:t>photos.google.com</a:t>
+            </a:r>
+            <a:r>
+              <a:rPr lang="en-US" dirty="0"/>
+              <a:t>/people</a:t>
+            </a:r>
+          </a:p>
+        </p:txBody>
+      </p:sp>
+    </p:spTree>
+    <p:extLst>
+      <p:ext uri="{BB962C8B-B14F-4D97-AF65-F5344CB8AC3E}">
+        <p14:creationId xmlns:p14="http://schemas.microsoft.com/office/powerpoint/2010/main" val="2243412862"/>
+      </p:ext>
+    </p:extLst>
+  </p:cSld>
+  <p:clrMapOvr>
+    <a:masterClrMapping/>
+  </p:clrMapOvr>
+</p:sld>
+</file>
+
+<file path=ppt/slides/slide22.xml><?xml version="1.0" encoding="utf-8"?>
+<p:sld xmlns:a="http://schemas.openxmlformats.org/drawingml/2006/main" xmlns:r="http://schemas.openxmlformats.org/officeDocument/2006/relationships" xmlns:p="http://schemas.openxmlformats.org/presentationml/2006/main">
+  <p:cSld>
+    <p:spTree>
+      <p:nvGrpSpPr>
+        <p:cNvPr id="1" name=""/>
+        <p:cNvGrpSpPr/>
+        <p:nvPr/>
+      </p:nvGrpSpPr>
+      <p:grpSpPr>
+        <a:xfrm>
+          <a:off x="0" y="0"/>
+          <a:ext cx="0" cy="0"/>
+          <a:chOff x="0" y="0"/>
+          <a:chExt cx="0" cy="0"/>
+        </a:xfrm>
+      </p:grpSpPr>
+      <p:sp>
+        <p:nvSpPr>
+          <p:cNvPr id="2" name="Title 1">
+            <a:extLst>
+              <a:ext uri="{FF2B5EF4-FFF2-40B4-BE49-F238E27FC236}">
+                <a16:creationId xmlns:a16="http://schemas.microsoft.com/office/drawing/2014/main" id="{D0273F34-96E7-1647-B352-BD30BA2ED758}"/>
+              </a:ext>
+            </a:extLst>
+          </p:cNvPr>
+          <p:cNvSpPr>
+            <a:spLocks noGrp="1"/>
+          </p:cNvSpPr>
+          <p:nvPr>
+            <p:ph type="ctrTitle"/>
+          </p:nvPr>
+        </p:nvSpPr>
+        <p:spPr>
+          <a:xfrm>
+            <a:off x="1524000" y="241299"/>
+            <a:ext cx="9144000" cy="944949"/>
+          </a:xfrm>
+        </p:spPr>
+        <p:txBody>
+          <a:bodyPr>
+            <a:normAutofit/>
+          </a:bodyPr>
+          <a:lstStyle/>
+          <a:p>
+            <a:r>
+              <a:rPr lang="en-IE" dirty="0"/>
+              <a:t>Google Photos</a:t>
+            </a:r>
+            <a:endParaRPr lang="en-US" dirty="0"/>
+          </a:p>
+        </p:txBody>
+      </p:sp>
+      <p:sp>
+        <p:nvSpPr>
+          <p:cNvPr id="5" name="Subtitle 4">
+            <a:extLst>
+              <a:ext uri="{FF2B5EF4-FFF2-40B4-BE49-F238E27FC236}">
+                <a16:creationId xmlns:a16="http://schemas.microsoft.com/office/drawing/2014/main" id="{7AA6DCFF-B573-5940-87B1-2811EEC82658}"/>
+              </a:ext>
+            </a:extLst>
+          </p:cNvPr>
+          <p:cNvSpPr>
+            <a:spLocks noGrp="1"/>
+          </p:cNvSpPr>
+          <p:nvPr>
+            <p:ph type="subTitle" idx="1"/>
+          </p:nvPr>
+        </p:nvSpPr>
+        <p:spPr/>
+        <p:txBody>
+          <a:bodyPr/>
+          <a:lstStyle/>
+          <a:p>
+            <a:endParaRPr lang="en-US"/>
+          </a:p>
+        </p:txBody>
+      </p:sp>
+      <p:sp>
+        <p:nvSpPr>
+          <p:cNvPr id="8" name="TextBox 7">
+            <a:extLst>
+              <a:ext uri="{FF2B5EF4-FFF2-40B4-BE49-F238E27FC236}">
+                <a16:creationId xmlns:a16="http://schemas.microsoft.com/office/drawing/2014/main" id="{EA371CCD-A583-574E-9876-837BBBB0CDEC}"/>
+              </a:ext>
+            </a:extLst>
+          </p:cNvPr>
+          <p:cNvSpPr txBox="1"/>
+          <p:nvPr/>
+        </p:nvSpPr>
+        <p:spPr>
+          <a:xfrm>
+            <a:off x="4497860" y="1045559"/>
+            <a:ext cx="3446585" cy="369332"/>
+          </a:xfrm>
+          <a:prstGeom prst="rect">
+            <a:avLst/>
+          </a:prstGeom>
+          <a:noFill/>
+        </p:spPr>
+        <p:txBody>
+          <a:bodyPr wrap="none" rtlCol="0">
+            <a:spAutoFit/>
+          </a:bodyPr>
+          <a:lstStyle/>
+          <a:p>
+            <a:r>
+              <a:rPr lang="en-US" dirty="0"/>
+              <a:t>https://</a:t>
+            </a:r>
+            <a:r>
+              <a:rPr lang="en-US" dirty="0" err="1"/>
+              <a:t>photos.google.com</a:t>
+            </a:r>
+            <a:r>
+              <a:rPr lang="en-US" dirty="0"/>
+              <a:t>/people</a:t>
+            </a:r>
+          </a:p>
+        </p:txBody>
+      </p:sp>
+      <p:pic>
+        <p:nvPicPr>
+          <p:cNvPr id="3" name="Picture 2">
+            <a:extLst>
+              <a:ext uri="{FF2B5EF4-FFF2-40B4-BE49-F238E27FC236}">
+                <a16:creationId xmlns:a16="http://schemas.microsoft.com/office/drawing/2014/main" id="{5ECDDCBD-D6A3-F745-A31A-1D77D672B396}"/>
+              </a:ext>
+            </a:extLst>
+          </p:cNvPr>
+          <p:cNvPicPr>
+            <a:picLocks noChangeAspect="1"/>
+          </p:cNvPicPr>
+          <p:nvPr/>
+        </p:nvPicPr>
+        <p:blipFill>
+          <a:blip r:embed="rId2"/>
+          <a:stretch>
+            <a:fillRect/>
+          </a:stretch>
+        </p:blipFill>
+        <p:spPr>
+          <a:xfrm>
+            <a:off x="0" y="2166937"/>
+            <a:ext cx="12192000" cy="2524125"/>
+          </a:xfrm>
+          <a:prstGeom prst="rect">
+            <a:avLst/>
+          </a:prstGeom>
+        </p:spPr>
+      </p:pic>
+    </p:spTree>
+    <p:extLst>
+      <p:ext uri="{BB962C8B-B14F-4D97-AF65-F5344CB8AC3E}">
+        <p14:creationId xmlns:p14="http://schemas.microsoft.com/office/powerpoint/2010/main" val="2720816416"/>
+      </p:ext>
+    </p:extLst>
+  </p:cSld>
+  <p:clrMapOvr>
+    <a:masterClrMapping/>
+  </p:clrMapOvr>
+</p:sld>
+</file>
+
+<file path=ppt/slides/slide23.xml><?xml version="1.0" encoding="utf-8"?>
+<p:sld xmlns:a="http://schemas.openxmlformats.org/drawingml/2006/main" xmlns:r="http://schemas.openxmlformats.org/officeDocument/2006/relationships" xmlns:p="http://schemas.openxmlformats.org/presentationml/2006/main">
+  <p:cSld>
+    <p:spTree>
+      <p:nvGrpSpPr>
+        <p:cNvPr id="1" name=""/>
+        <p:cNvGrpSpPr/>
+        <p:nvPr/>
+      </p:nvGrpSpPr>
+      <p:grpSpPr>
+        <a:xfrm>
+          <a:off x="0" y="0"/>
+          <a:ext cx="0" cy="0"/>
+          <a:chOff x="0" y="0"/>
+          <a:chExt cx="0" cy="0"/>
+        </a:xfrm>
+      </p:grpSpPr>
+      <p:sp>
+        <p:nvSpPr>
+          <p:cNvPr id="2" name="Title 1">
+            <a:extLst>
+              <a:ext uri="{FF2B5EF4-FFF2-40B4-BE49-F238E27FC236}">
                 <a16:creationId xmlns:a16="http://schemas.microsoft.com/office/drawing/2014/main" id="{A4AC321E-9E64-5944-9F36-E1C762BB05C6}"/>
               </a:ext>
             </a:extLst>
@@ -7012,7 +7340,7 @@
 </p:sld>
 </file>
 
-<file path=ppt/slides/slide22.xml><?xml version="1.0" encoding="utf-8"?>
+<file path=ppt/slides/slide24.xml><?xml version="1.0" encoding="utf-8"?>
 <p:sld xmlns:a="http://schemas.openxmlformats.org/drawingml/2006/main" xmlns:r="http://schemas.openxmlformats.org/officeDocument/2006/relationships" xmlns:p="http://schemas.openxmlformats.org/presentationml/2006/main" show="0">
   <p:cSld>
     <p:spTree>

--- a/afj_ml_demo.pptx
+++ b/afj_ml_demo.pptx
@@ -4,6 +4,9 @@
   <p:sldMasterIdLst>
     <p:sldMasterId id="2147483648" r:id="rId1"/>
   </p:sldMasterIdLst>
+  <p:notesMasterIdLst>
+    <p:notesMasterId r:id="rId45"/>
+  </p:notesMasterIdLst>
   <p:sldIdLst>
     <p:sldId id="256" r:id="rId2"/>
     <p:sldId id="257" r:id="rId3"/>
@@ -25,10 +28,29 @@
     <p:sldId id="279" r:id="rId19"/>
     <p:sldId id="273" r:id="rId20"/>
     <p:sldId id="275" r:id="rId21"/>
-    <p:sldId id="276" r:id="rId22"/>
-    <p:sldId id="278" r:id="rId23"/>
-    <p:sldId id="277" r:id="rId24"/>
-    <p:sldId id="268" r:id="rId25"/>
+    <p:sldId id="297" r:id="rId22"/>
+    <p:sldId id="281" r:id="rId23"/>
+    <p:sldId id="298" r:id="rId24"/>
+    <p:sldId id="282" r:id="rId25"/>
+    <p:sldId id="283" r:id="rId26"/>
+    <p:sldId id="285" r:id="rId27"/>
+    <p:sldId id="286" r:id="rId28"/>
+    <p:sldId id="287" r:id="rId29"/>
+    <p:sldId id="288" r:id="rId30"/>
+    <p:sldId id="289" r:id="rId31"/>
+    <p:sldId id="290" r:id="rId32"/>
+    <p:sldId id="291" r:id="rId33"/>
+    <p:sldId id="292" r:id="rId34"/>
+    <p:sldId id="293" r:id="rId35"/>
+    <p:sldId id="294" r:id="rId36"/>
+    <p:sldId id="295" r:id="rId37"/>
+    <p:sldId id="300" r:id="rId38"/>
+    <p:sldId id="301" r:id="rId39"/>
+    <p:sldId id="277" r:id="rId40"/>
+    <p:sldId id="302" r:id="rId41"/>
+    <p:sldId id="303" r:id="rId42"/>
+    <p:sldId id="268" r:id="rId43"/>
+    <p:sldId id="304" r:id="rId44"/>
   </p:sldIdLst>
   <p:sldSz cx="12192000" cy="6858000"/>
   <p:notesSz cx="6858000" cy="9144000"/>
@@ -138,7 +160,7 @@
 <file path=ppt/revisionInfo.xml><?xml version="1.0" encoding="utf-8"?>
 <p1510:revInfo xmlns:a="http://schemas.openxmlformats.org/drawingml/2006/main" xmlns:r="http://schemas.openxmlformats.org/officeDocument/2006/relationships" xmlns:p1510="http://schemas.microsoft.com/office/powerpoint/2015/10/main">
   <p1510:revLst>
-    <p1510:client id="{4A13534B-B544-A44E-B29A-C6B9F0689448}" v="34" dt="2021-10-14T10:50:40.258"/>
+    <p1510:client id="{4A13534B-B544-A44E-B29A-C6B9F0689448}" v="68" dt="2021-10-22T11:13:04.104"/>
   </p1510:revLst>
 </p1510:revInfo>
 </file>
@@ -148,7 +170,7 @@
   <pc:docChgLst>
     <pc:chgData name="Alfredo Fonseca Junior" userId="b53f08b6-e642-4ee2-a231-11cd653755d4" providerId="ADAL" clId="{4A13534B-B544-A44E-B29A-C6B9F0689448}"/>
     <pc:docChg chg="undo custSel addSld delSld modSld sldOrd">
-      <pc:chgData name="Alfredo Fonseca Junior" userId="b53f08b6-e642-4ee2-a231-11cd653755d4" providerId="ADAL" clId="{4A13534B-B544-A44E-B29A-C6B9F0689448}" dt="2021-10-14T11:03:19.553" v="365" actId="20578"/>
+      <pc:chgData name="Alfredo Fonseca Junior" userId="b53f08b6-e642-4ee2-a231-11cd653755d4" providerId="ADAL" clId="{4A13534B-B544-A44E-B29A-C6B9F0689448}" dt="2021-10-22T11:13:11.794" v="788" actId="729"/>
       <pc:docMkLst>
         <pc:docMk/>
       </pc:docMkLst>
@@ -292,21 +314,29 @@
         </pc:picChg>
       </pc:sldChg>
       <pc:sldChg chg="addSp delSp modSp add mod ord modShow">
-        <pc:chgData name="Alfredo Fonseca Junior" userId="b53f08b6-e642-4ee2-a231-11cd653755d4" providerId="ADAL" clId="{4A13534B-B544-A44E-B29A-C6B9F0689448}" dt="2021-10-14T07:50:32.030" v="294" actId="729"/>
+        <pc:chgData name="Alfredo Fonseca Junior" userId="b53f08b6-e642-4ee2-a231-11cd653755d4" providerId="ADAL" clId="{4A13534B-B544-A44E-B29A-C6B9F0689448}" dt="2021-10-22T09:31:43.076" v="781" actId="20577"/>
         <pc:sldMkLst>
           <pc:docMk/>
           <pc:sldMk cId="3623675131" sldId="268"/>
         </pc:sldMkLst>
         <pc:spChg chg="mod">
-          <ac:chgData name="Alfredo Fonseca Junior" userId="b53f08b6-e642-4ee2-a231-11cd653755d4" providerId="ADAL" clId="{4A13534B-B544-A44E-B29A-C6B9F0689448}" dt="2021-10-11T22:10:36.934" v="63" actId="20577"/>
+          <ac:chgData name="Alfredo Fonseca Junior" userId="b53f08b6-e642-4ee2-a231-11cd653755d4" providerId="ADAL" clId="{4A13534B-B544-A44E-B29A-C6B9F0689448}" dt="2021-10-22T09:31:43.076" v="781" actId="20577"/>
           <ac:spMkLst>
             <pc:docMk/>
             <pc:sldMk cId="3623675131" sldId="268"/>
             <ac:spMk id="2" creationId="{3AE94BD3-81F9-EA42-A663-CD01BA60E1D8}"/>
           </ac:spMkLst>
         </pc:spChg>
+        <pc:spChg chg="add mod">
+          <ac:chgData name="Alfredo Fonseca Junior" userId="b53f08b6-e642-4ee2-a231-11cd653755d4" providerId="ADAL" clId="{4A13534B-B544-A44E-B29A-C6B9F0689448}" dt="2021-10-22T08:08:31.364" v="373"/>
+          <ac:spMkLst>
+            <pc:docMk/>
+            <pc:sldMk cId="3623675131" sldId="268"/>
+            <ac:spMk id="4" creationId="{8CD8EC16-4B3C-8D45-85C8-94C377034D90}"/>
+          </ac:spMkLst>
+        </pc:spChg>
         <pc:picChg chg="add mod">
-          <ac:chgData name="Alfredo Fonseca Junior" userId="b53f08b6-e642-4ee2-a231-11cd653755d4" providerId="ADAL" clId="{4A13534B-B544-A44E-B29A-C6B9F0689448}" dt="2021-10-14T07:29:34.152" v="237" actId="14100"/>
+          <ac:chgData name="Alfredo Fonseca Junior" userId="b53f08b6-e642-4ee2-a231-11cd653755d4" providerId="ADAL" clId="{4A13534B-B544-A44E-B29A-C6B9F0689448}" dt="2021-10-22T08:08:22.007" v="371" actId="1076"/>
           <ac:picMkLst>
             <pc:docMk/>
             <pc:sldMk cId="3623675131" sldId="268"/>
@@ -682,8 +712,8 @@
           </ac:spMkLst>
         </pc:spChg>
       </pc:sldChg>
-      <pc:sldChg chg="addSp delSp modSp add mod">
-        <pc:chgData name="Alfredo Fonseca Junior" userId="b53f08b6-e642-4ee2-a231-11cd653755d4" providerId="ADAL" clId="{4A13534B-B544-A44E-B29A-C6B9F0689448}" dt="2021-10-14T07:44:42.467" v="280"/>
+      <pc:sldChg chg="addSp delSp modSp add del mod">
+        <pc:chgData name="Alfredo Fonseca Junior" userId="b53f08b6-e642-4ee2-a231-11cd653755d4" providerId="ADAL" clId="{4A13534B-B544-A44E-B29A-C6B9F0689448}" dt="2021-10-22T08:01:36.343" v="366" actId="2696"/>
         <pc:sldMkLst>
           <pc:docMk/>
           <pc:sldMk cId="2243412862" sldId="276"/>
@@ -738,7 +768,7 @@
         </pc:picChg>
       </pc:sldChg>
       <pc:sldChg chg="addSp delSp modSp add mod ord">
-        <pc:chgData name="Alfredo Fonseca Junior" userId="b53f08b6-e642-4ee2-a231-11cd653755d4" providerId="ADAL" clId="{4A13534B-B544-A44E-B29A-C6B9F0689448}" dt="2021-10-14T10:50:40.858" v="364" actId="9405"/>
+        <pc:chgData name="Alfredo Fonseca Junior" userId="b53f08b6-e642-4ee2-a231-11cd653755d4" providerId="ADAL" clId="{4A13534B-B544-A44E-B29A-C6B9F0689448}" dt="2021-10-22T09:07:57.483" v="414" actId="20578"/>
         <pc:sldMkLst>
           <pc:docMk/>
           <pc:sldMk cId="3876281202" sldId="277"/>
@@ -800,8 +830,8 @@
           </ac:inkMkLst>
         </pc:inkChg>
       </pc:sldChg>
-      <pc:sldChg chg="addSp delSp add mod">
-        <pc:chgData name="Alfredo Fonseca Junior" userId="b53f08b6-e642-4ee2-a231-11cd653755d4" providerId="ADAL" clId="{4A13534B-B544-A44E-B29A-C6B9F0689448}" dt="2021-10-14T08:05:47.314" v="297" actId="478"/>
+      <pc:sldChg chg="addSp delSp add del mod">
+        <pc:chgData name="Alfredo Fonseca Junior" userId="b53f08b6-e642-4ee2-a231-11cd653755d4" providerId="ADAL" clId="{4A13534B-B544-A44E-B29A-C6B9F0689448}" dt="2021-10-22T08:01:41.466" v="367" actId="2696"/>
         <pc:sldMkLst>
           <pc:docMk/>
           <pc:sldMk cId="2720816416" sldId="278"/>
@@ -893,9 +923,1090 @@
           </ac:picMkLst>
         </pc:picChg>
       </pc:sldChg>
+      <pc:sldChg chg="addSp delSp modSp add mod">
+        <pc:chgData name="Alfredo Fonseca Junior" userId="b53f08b6-e642-4ee2-a231-11cd653755d4" providerId="ADAL" clId="{4A13534B-B544-A44E-B29A-C6B9F0689448}" dt="2021-10-22T09:16:47.912" v="604"/>
+        <pc:sldMkLst>
+          <pc:docMk/>
+          <pc:sldMk cId="2400099634" sldId="281"/>
+        </pc:sldMkLst>
+        <pc:spChg chg="mod">
+          <ac:chgData name="Alfredo Fonseca Junior" userId="b53f08b6-e642-4ee2-a231-11cd653755d4" providerId="ADAL" clId="{4A13534B-B544-A44E-B29A-C6B9F0689448}" dt="2021-10-22T09:06:18.984" v="394" actId="20577"/>
+          <ac:spMkLst>
+            <pc:docMk/>
+            <pc:sldMk cId="2400099634" sldId="281"/>
+            <ac:spMk id="2" creationId="{A4AC321E-9E64-5944-9F36-E1C762BB05C6}"/>
+          </ac:spMkLst>
+        </pc:spChg>
+        <pc:picChg chg="add del mod">
+          <ac:chgData name="Alfredo Fonseca Junior" userId="b53f08b6-e642-4ee2-a231-11cd653755d4" providerId="ADAL" clId="{4A13534B-B544-A44E-B29A-C6B9F0689448}" dt="2021-10-22T09:16:46.846" v="603" actId="478"/>
+          <ac:picMkLst>
+            <pc:docMk/>
+            <pc:sldMk cId="2400099634" sldId="281"/>
+            <ac:picMk id="3" creationId="{DC6F6706-57A5-5A44-B7B9-2F0410697971}"/>
+          </ac:picMkLst>
+        </pc:picChg>
+        <pc:picChg chg="add">
+          <ac:chgData name="Alfredo Fonseca Junior" userId="b53f08b6-e642-4ee2-a231-11cd653755d4" providerId="ADAL" clId="{4A13534B-B544-A44E-B29A-C6B9F0689448}" dt="2021-10-22T09:16:47.912" v="604"/>
+          <ac:picMkLst>
+            <pc:docMk/>
+            <pc:sldMk cId="2400099634" sldId="281"/>
+            <ac:picMk id="4" creationId="{32C68EFF-E51C-6E40-BB0F-1BFD3BFB72CC}"/>
+          </ac:picMkLst>
+        </pc:picChg>
+      </pc:sldChg>
+      <pc:sldChg chg="addSp modSp add mod">
+        <pc:chgData name="Alfredo Fonseca Junior" userId="b53f08b6-e642-4ee2-a231-11cd653755d4" providerId="ADAL" clId="{4A13534B-B544-A44E-B29A-C6B9F0689448}" dt="2021-10-22T09:07:43.896" v="412" actId="1076"/>
+        <pc:sldMkLst>
+          <pc:docMk/>
+          <pc:sldMk cId="770258740" sldId="282"/>
+        </pc:sldMkLst>
+        <pc:spChg chg="add mod">
+          <ac:chgData name="Alfredo Fonseca Junior" userId="b53f08b6-e642-4ee2-a231-11cd653755d4" providerId="ADAL" clId="{4A13534B-B544-A44E-B29A-C6B9F0689448}" dt="2021-10-22T09:07:43.896" v="412" actId="1076"/>
+          <ac:spMkLst>
+            <pc:docMk/>
+            <pc:sldMk cId="770258740" sldId="282"/>
+            <ac:spMk id="4" creationId="{12037C8D-2154-B94C-8258-6688780B637D}"/>
+          </ac:spMkLst>
+        </pc:spChg>
+      </pc:sldChg>
+      <pc:sldChg chg="addSp delSp add mod">
+        <pc:chgData name="Alfredo Fonseca Junior" userId="b53f08b6-e642-4ee2-a231-11cd653755d4" providerId="ADAL" clId="{4A13534B-B544-A44E-B29A-C6B9F0689448}" dt="2021-10-22T09:07:14.412" v="398"/>
+        <pc:sldMkLst>
+          <pc:docMk/>
+          <pc:sldMk cId="283644206" sldId="283"/>
+        </pc:sldMkLst>
+        <pc:picChg chg="del">
+          <ac:chgData name="Alfredo Fonseca Junior" userId="b53f08b6-e642-4ee2-a231-11cd653755d4" providerId="ADAL" clId="{4A13534B-B544-A44E-B29A-C6B9F0689448}" dt="2021-10-22T09:07:14.137" v="397" actId="478"/>
+          <ac:picMkLst>
+            <pc:docMk/>
+            <pc:sldMk cId="283644206" sldId="283"/>
+            <ac:picMk id="3" creationId="{DC6F6706-57A5-5A44-B7B9-2F0410697971}"/>
+          </ac:picMkLst>
+        </pc:picChg>
+        <pc:picChg chg="add">
+          <ac:chgData name="Alfredo Fonseca Junior" userId="b53f08b6-e642-4ee2-a231-11cd653755d4" providerId="ADAL" clId="{4A13534B-B544-A44E-B29A-C6B9F0689448}" dt="2021-10-22T09:07:14.412" v="398"/>
+          <ac:picMkLst>
+            <pc:docMk/>
+            <pc:sldMk cId="283644206" sldId="283"/>
+            <ac:picMk id="4" creationId="{0234AC80-9149-2042-BB69-26DCA41EEDF1}"/>
+          </ac:picMkLst>
+        </pc:picChg>
+      </pc:sldChg>
+      <pc:sldChg chg="add del">
+        <pc:chgData name="Alfredo Fonseca Junior" userId="b53f08b6-e642-4ee2-a231-11cd653755d4" providerId="ADAL" clId="{4A13534B-B544-A44E-B29A-C6B9F0689448}" dt="2021-10-22T09:30:03.122" v="765" actId="2696"/>
+        <pc:sldMkLst>
+          <pc:docMk/>
+          <pc:sldMk cId="2814699353" sldId="284"/>
+        </pc:sldMkLst>
+      </pc:sldChg>
+      <pc:sldChg chg="addSp delSp modSp add mod">
+        <pc:chgData name="Alfredo Fonseca Junior" userId="b53f08b6-e642-4ee2-a231-11cd653755d4" providerId="ADAL" clId="{4A13534B-B544-A44E-B29A-C6B9F0689448}" dt="2021-10-22T09:08:44.257" v="418" actId="1076"/>
+        <pc:sldMkLst>
+          <pc:docMk/>
+          <pc:sldMk cId="3245893570" sldId="285"/>
+        </pc:sldMkLst>
+        <pc:picChg chg="add mod">
+          <ac:chgData name="Alfredo Fonseca Junior" userId="b53f08b6-e642-4ee2-a231-11cd653755d4" providerId="ADAL" clId="{4A13534B-B544-A44E-B29A-C6B9F0689448}" dt="2021-10-22T09:08:44.257" v="418" actId="1076"/>
+          <ac:picMkLst>
+            <pc:docMk/>
+            <pc:sldMk cId="3245893570" sldId="285"/>
+            <ac:picMk id="3" creationId="{0D565070-6066-E140-B901-0B26E7706B6D}"/>
+          </ac:picMkLst>
+        </pc:picChg>
+        <pc:picChg chg="del">
+          <ac:chgData name="Alfredo Fonseca Junior" userId="b53f08b6-e642-4ee2-a231-11cd653755d4" providerId="ADAL" clId="{4A13534B-B544-A44E-B29A-C6B9F0689448}" dt="2021-10-22T09:08:42.267" v="416" actId="478"/>
+          <ac:picMkLst>
+            <pc:docMk/>
+            <pc:sldMk cId="3245893570" sldId="285"/>
+            <ac:picMk id="4" creationId="{0234AC80-9149-2042-BB69-26DCA41EEDF1}"/>
+          </ac:picMkLst>
+        </pc:picChg>
+      </pc:sldChg>
+      <pc:sldChg chg="addSp delSp modSp add mod">
+        <pc:chgData name="Alfredo Fonseca Junior" userId="b53f08b6-e642-4ee2-a231-11cd653755d4" providerId="ADAL" clId="{4A13534B-B544-A44E-B29A-C6B9F0689448}" dt="2021-10-22T09:09:19.694" v="422" actId="1076"/>
+        <pc:sldMkLst>
+          <pc:docMk/>
+          <pc:sldMk cId="2136413503" sldId="286"/>
+        </pc:sldMkLst>
+        <pc:picChg chg="del">
+          <ac:chgData name="Alfredo Fonseca Junior" userId="b53f08b6-e642-4ee2-a231-11cd653755d4" providerId="ADAL" clId="{4A13534B-B544-A44E-B29A-C6B9F0689448}" dt="2021-10-22T09:09:17.900" v="420" actId="478"/>
+          <ac:picMkLst>
+            <pc:docMk/>
+            <pc:sldMk cId="2136413503" sldId="286"/>
+            <ac:picMk id="3" creationId="{0D565070-6066-E140-B901-0B26E7706B6D}"/>
+          </ac:picMkLst>
+        </pc:picChg>
+        <pc:picChg chg="add mod">
+          <ac:chgData name="Alfredo Fonseca Junior" userId="b53f08b6-e642-4ee2-a231-11cd653755d4" providerId="ADAL" clId="{4A13534B-B544-A44E-B29A-C6B9F0689448}" dt="2021-10-22T09:09:19.694" v="422" actId="1076"/>
+          <ac:picMkLst>
+            <pc:docMk/>
+            <pc:sldMk cId="2136413503" sldId="286"/>
+            <ac:picMk id="4" creationId="{FA4B5DF2-34CF-A542-A0C9-0B7D8EB1BB26}"/>
+          </ac:picMkLst>
+        </pc:picChg>
+      </pc:sldChg>
+      <pc:sldChg chg="addSp delSp modSp add mod">
+        <pc:chgData name="Alfredo Fonseca Junior" userId="b53f08b6-e642-4ee2-a231-11cd653755d4" providerId="ADAL" clId="{4A13534B-B544-A44E-B29A-C6B9F0689448}" dt="2021-10-22T09:10:06.788" v="440" actId="20577"/>
+        <pc:sldMkLst>
+          <pc:docMk/>
+          <pc:sldMk cId="4231500122" sldId="287"/>
+        </pc:sldMkLst>
+        <pc:spChg chg="add mod">
+          <ac:chgData name="Alfredo Fonseca Junior" userId="b53f08b6-e642-4ee2-a231-11cd653755d4" providerId="ADAL" clId="{4A13534B-B544-A44E-B29A-C6B9F0689448}" dt="2021-10-22T09:10:06.788" v="440" actId="20577"/>
+          <ac:spMkLst>
+            <pc:docMk/>
+            <pc:sldMk cId="4231500122" sldId="287"/>
+            <ac:spMk id="5" creationId="{6506E229-F057-004C-93F5-C847081DBF70}"/>
+          </ac:spMkLst>
+        </pc:spChg>
+        <pc:picChg chg="add mod">
+          <ac:chgData name="Alfredo Fonseca Junior" userId="b53f08b6-e642-4ee2-a231-11cd653755d4" providerId="ADAL" clId="{4A13534B-B544-A44E-B29A-C6B9F0689448}" dt="2021-10-22T09:09:49.598" v="427" actId="1076"/>
+          <ac:picMkLst>
+            <pc:docMk/>
+            <pc:sldMk cId="4231500122" sldId="287"/>
+            <ac:picMk id="3" creationId="{D7A8169F-F6D8-5F4F-BD68-537CE2231704}"/>
+          </ac:picMkLst>
+        </pc:picChg>
+        <pc:picChg chg="del">
+          <ac:chgData name="Alfredo Fonseca Junior" userId="b53f08b6-e642-4ee2-a231-11cd653755d4" providerId="ADAL" clId="{4A13534B-B544-A44E-B29A-C6B9F0689448}" dt="2021-10-22T09:09:43.596" v="424" actId="478"/>
+          <ac:picMkLst>
+            <pc:docMk/>
+            <pc:sldMk cId="4231500122" sldId="287"/>
+            <ac:picMk id="4" creationId="{FA4B5DF2-34CF-A542-A0C9-0B7D8EB1BB26}"/>
+          </ac:picMkLst>
+        </pc:picChg>
+      </pc:sldChg>
+      <pc:sldChg chg="addSp delSp modSp add mod">
+        <pc:chgData name="Alfredo Fonseca Junior" userId="b53f08b6-e642-4ee2-a231-11cd653755d4" providerId="ADAL" clId="{4A13534B-B544-A44E-B29A-C6B9F0689448}" dt="2021-10-22T09:10:39.400" v="445" actId="1076"/>
+        <pc:sldMkLst>
+          <pc:docMk/>
+          <pc:sldMk cId="2895399382" sldId="288"/>
+        </pc:sldMkLst>
+        <pc:spChg chg="del">
+          <ac:chgData name="Alfredo Fonseca Junior" userId="b53f08b6-e642-4ee2-a231-11cd653755d4" providerId="ADAL" clId="{4A13534B-B544-A44E-B29A-C6B9F0689448}" dt="2021-10-22T09:10:36.845" v="442" actId="478"/>
+          <ac:spMkLst>
+            <pc:docMk/>
+            <pc:sldMk cId="2895399382" sldId="288"/>
+            <ac:spMk id="5" creationId="{6506E229-F057-004C-93F5-C847081DBF70}"/>
+          </ac:spMkLst>
+        </pc:spChg>
+        <pc:picChg chg="del">
+          <ac:chgData name="Alfredo Fonseca Junior" userId="b53f08b6-e642-4ee2-a231-11cd653755d4" providerId="ADAL" clId="{4A13534B-B544-A44E-B29A-C6B9F0689448}" dt="2021-10-22T09:10:38.022" v="443" actId="478"/>
+          <ac:picMkLst>
+            <pc:docMk/>
+            <pc:sldMk cId="2895399382" sldId="288"/>
+            <ac:picMk id="3" creationId="{D7A8169F-F6D8-5F4F-BD68-537CE2231704}"/>
+          </ac:picMkLst>
+        </pc:picChg>
+        <pc:picChg chg="add mod">
+          <ac:chgData name="Alfredo Fonseca Junior" userId="b53f08b6-e642-4ee2-a231-11cd653755d4" providerId="ADAL" clId="{4A13534B-B544-A44E-B29A-C6B9F0689448}" dt="2021-10-22T09:10:39.400" v="445" actId="1076"/>
+          <ac:picMkLst>
+            <pc:docMk/>
+            <pc:sldMk cId="2895399382" sldId="288"/>
+            <ac:picMk id="4" creationId="{8F49FEF7-8A77-6E43-9492-F7BCB38F7FB6}"/>
+          </ac:picMkLst>
+        </pc:picChg>
+      </pc:sldChg>
+      <pc:sldChg chg="addSp delSp add mod">
+        <pc:chgData name="Alfredo Fonseca Junior" userId="b53f08b6-e642-4ee2-a231-11cd653755d4" providerId="ADAL" clId="{4A13534B-B544-A44E-B29A-C6B9F0689448}" dt="2021-10-22T09:11:02.576" v="448"/>
+        <pc:sldMkLst>
+          <pc:docMk/>
+          <pc:sldMk cId="3758660188" sldId="289"/>
+        </pc:sldMkLst>
+        <pc:picChg chg="add">
+          <ac:chgData name="Alfredo Fonseca Junior" userId="b53f08b6-e642-4ee2-a231-11cd653755d4" providerId="ADAL" clId="{4A13534B-B544-A44E-B29A-C6B9F0689448}" dt="2021-10-22T09:11:02.576" v="448"/>
+          <ac:picMkLst>
+            <pc:docMk/>
+            <pc:sldMk cId="3758660188" sldId="289"/>
+            <ac:picMk id="3" creationId="{0BED0885-CB39-954E-814F-5E1967D7BD9B}"/>
+          </ac:picMkLst>
+        </pc:picChg>
+        <pc:picChg chg="del">
+          <ac:chgData name="Alfredo Fonseca Junior" userId="b53f08b6-e642-4ee2-a231-11cd653755d4" providerId="ADAL" clId="{4A13534B-B544-A44E-B29A-C6B9F0689448}" dt="2021-10-22T09:11:02.286" v="447" actId="478"/>
+          <ac:picMkLst>
+            <pc:docMk/>
+            <pc:sldMk cId="3758660188" sldId="289"/>
+            <ac:picMk id="4" creationId="{8F49FEF7-8A77-6E43-9492-F7BCB38F7FB6}"/>
+          </ac:picMkLst>
+        </pc:picChg>
+      </pc:sldChg>
+      <pc:sldChg chg="addSp delSp modSp add mod">
+        <pc:chgData name="Alfredo Fonseca Junior" userId="b53f08b6-e642-4ee2-a231-11cd653755d4" providerId="ADAL" clId="{4A13534B-B544-A44E-B29A-C6B9F0689448}" dt="2021-10-22T09:12:19.629" v="569" actId="14100"/>
+        <pc:sldMkLst>
+          <pc:docMk/>
+          <pc:sldMk cId="3039714443" sldId="290"/>
+        </pc:sldMkLst>
+        <pc:spChg chg="add mod">
+          <ac:chgData name="Alfredo Fonseca Junior" userId="b53f08b6-e642-4ee2-a231-11cd653755d4" providerId="ADAL" clId="{4A13534B-B544-A44E-B29A-C6B9F0689448}" dt="2021-10-22T09:12:19.629" v="569" actId="14100"/>
+          <ac:spMkLst>
+            <pc:docMk/>
+            <pc:sldMk cId="3039714443" sldId="290"/>
+            <ac:spMk id="5" creationId="{DC3F5579-5C12-E64C-AB71-E6AB318D7012}"/>
+          </ac:spMkLst>
+        </pc:spChg>
+        <pc:picChg chg="del">
+          <ac:chgData name="Alfredo Fonseca Junior" userId="b53f08b6-e642-4ee2-a231-11cd653755d4" providerId="ADAL" clId="{4A13534B-B544-A44E-B29A-C6B9F0689448}" dt="2021-10-22T09:11:36.646" v="450" actId="478"/>
+          <ac:picMkLst>
+            <pc:docMk/>
+            <pc:sldMk cId="3039714443" sldId="290"/>
+            <ac:picMk id="3" creationId="{0BED0885-CB39-954E-814F-5E1967D7BD9B}"/>
+          </ac:picMkLst>
+        </pc:picChg>
+        <pc:picChg chg="add mod">
+          <ac:chgData name="Alfredo Fonseca Junior" userId="b53f08b6-e642-4ee2-a231-11cd653755d4" providerId="ADAL" clId="{4A13534B-B544-A44E-B29A-C6B9F0689448}" dt="2021-10-22T09:11:43.120" v="454" actId="1076"/>
+          <ac:picMkLst>
+            <pc:docMk/>
+            <pc:sldMk cId="3039714443" sldId="290"/>
+            <ac:picMk id="4" creationId="{763C6C8C-3C26-904A-8F9B-952D8E79C1EF}"/>
+          </ac:picMkLst>
+        </pc:picChg>
+      </pc:sldChg>
+      <pc:sldChg chg="addSp delSp modSp add mod">
+        <pc:chgData name="Alfredo Fonseca Junior" userId="b53f08b6-e642-4ee2-a231-11cd653755d4" providerId="ADAL" clId="{4A13534B-B544-A44E-B29A-C6B9F0689448}" dt="2021-10-22T09:12:46.003" v="574" actId="478"/>
+        <pc:sldMkLst>
+          <pc:docMk/>
+          <pc:sldMk cId="3693222848" sldId="291"/>
+        </pc:sldMkLst>
+        <pc:spChg chg="del">
+          <ac:chgData name="Alfredo Fonseca Junior" userId="b53f08b6-e642-4ee2-a231-11cd653755d4" providerId="ADAL" clId="{4A13534B-B544-A44E-B29A-C6B9F0689448}" dt="2021-10-22T09:12:46.003" v="574" actId="478"/>
+          <ac:spMkLst>
+            <pc:docMk/>
+            <pc:sldMk cId="3693222848" sldId="291"/>
+            <ac:spMk id="5" creationId="{DC3F5579-5C12-E64C-AB71-E6AB318D7012}"/>
+          </ac:spMkLst>
+        </pc:spChg>
+        <pc:picChg chg="add mod">
+          <ac:chgData name="Alfredo Fonseca Junior" userId="b53f08b6-e642-4ee2-a231-11cd653755d4" providerId="ADAL" clId="{4A13534B-B544-A44E-B29A-C6B9F0689448}" dt="2021-10-22T09:12:43.906" v="573" actId="1076"/>
+          <ac:picMkLst>
+            <pc:docMk/>
+            <pc:sldMk cId="3693222848" sldId="291"/>
+            <ac:picMk id="3" creationId="{AF574180-7868-CE47-9612-513CD21E0AA2}"/>
+          </ac:picMkLst>
+        </pc:picChg>
+        <pc:picChg chg="del">
+          <ac:chgData name="Alfredo Fonseca Junior" userId="b53f08b6-e642-4ee2-a231-11cd653755d4" providerId="ADAL" clId="{4A13534B-B544-A44E-B29A-C6B9F0689448}" dt="2021-10-22T09:12:42.392" v="571" actId="478"/>
+          <ac:picMkLst>
+            <pc:docMk/>
+            <pc:sldMk cId="3693222848" sldId="291"/>
+            <ac:picMk id="4" creationId="{763C6C8C-3C26-904A-8F9B-952D8E79C1EF}"/>
+          </ac:picMkLst>
+        </pc:picChg>
+      </pc:sldChg>
+      <pc:sldChg chg="addSp delSp modSp add mod">
+        <pc:chgData name="Alfredo Fonseca Junior" userId="b53f08b6-e642-4ee2-a231-11cd653755d4" providerId="ADAL" clId="{4A13534B-B544-A44E-B29A-C6B9F0689448}" dt="2021-10-22T09:13:07.125" v="578" actId="1076"/>
+        <pc:sldMkLst>
+          <pc:docMk/>
+          <pc:sldMk cId="3302088313" sldId="292"/>
+        </pc:sldMkLst>
+        <pc:picChg chg="del">
+          <ac:chgData name="Alfredo Fonseca Junior" userId="b53f08b6-e642-4ee2-a231-11cd653755d4" providerId="ADAL" clId="{4A13534B-B544-A44E-B29A-C6B9F0689448}" dt="2021-10-22T09:13:05.849" v="576" actId="478"/>
+          <ac:picMkLst>
+            <pc:docMk/>
+            <pc:sldMk cId="3302088313" sldId="292"/>
+            <ac:picMk id="3" creationId="{AF574180-7868-CE47-9612-513CD21E0AA2}"/>
+          </ac:picMkLst>
+        </pc:picChg>
+        <pc:picChg chg="add mod">
+          <ac:chgData name="Alfredo Fonseca Junior" userId="b53f08b6-e642-4ee2-a231-11cd653755d4" providerId="ADAL" clId="{4A13534B-B544-A44E-B29A-C6B9F0689448}" dt="2021-10-22T09:13:07.125" v="578" actId="1076"/>
+          <ac:picMkLst>
+            <pc:docMk/>
+            <pc:sldMk cId="3302088313" sldId="292"/>
+            <ac:picMk id="4" creationId="{CC0DB325-85D2-0E4A-8B1A-7BC56A2D4A9A}"/>
+          </ac:picMkLst>
+        </pc:picChg>
+      </pc:sldChg>
+      <pc:sldChg chg="addSp delSp modSp add mod">
+        <pc:chgData name="Alfredo Fonseca Junior" userId="b53f08b6-e642-4ee2-a231-11cd653755d4" providerId="ADAL" clId="{4A13534B-B544-A44E-B29A-C6B9F0689448}" dt="2021-10-22T09:13:28.434" v="582" actId="1076"/>
+        <pc:sldMkLst>
+          <pc:docMk/>
+          <pc:sldMk cId="2184920166" sldId="293"/>
+        </pc:sldMkLst>
+        <pc:picChg chg="add mod">
+          <ac:chgData name="Alfredo Fonseca Junior" userId="b53f08b6-e642-4ee2-a231-11cd653755d4" providerId="ADAL" clId="{4A13534B-B544-A44E-B29A-C6B9F0689448}" dt="2021-10-22T09:13:28.434" v="582" actId="1076"/>
+          <ac:picMkLst>
+            <pc:docMk/>
+            <pc:sldMk cId="2184920166" sldId="293"/>
+            <ac:picMk id="3" creationId="{D9273F13-F368-2E4C-B07F-BACF8EAFBDF3}"/>
+          </ac:picMkLst>
+        </pc:picChg>
+        <pc:picChg chg="del">
+          <ac:chgData name="Alfredo Fonseca Junior" userId="b53f08b6-e642-4ee2-a231-11cd653755d4" providerId="ADAL" clId="{4A13534B-B544-A44E-B29A-C6B9F0689448}" dt="2021-10-22T09:13:26.808" v="580" actId="478"/>
+          <ac:picMkLst>
+            <pc:docMk/>
+            <pc:sldMk cId="2184920166" sldId="293"/>
+            <ac:picMk id="4" creationId="{CC0DB325-85D2-0E4A-8B1A-7BC56A2D4A9A}"/>
+          </ac:picMkLst>
+        </pc:picChg>
+      </pc:sldChg>
+      <pc:sldChg chg="addSp delSp modSp add mod">
+        <pc:chgData name="Alfredo Fonseca Junior" userId="b53f08b6-e642-4ee2-a231-11cd653755d4" providerId="ADAL" clId="{4A13534B-B544-A44E-B29A-C6B9F0689448}" dt="2021-10-22T09:14:50.252" v="588" actId="1076"/>
+        <pc:sldMkLst>
+          <pc:docMk/>
+          <pc:sldMk cId="782680162" sldId="294"/>
+        </pc:sldMkLst>
+        <pc:picChg chg="del">
+          <ac:chgData name="Alfredo Fonseca Junior" userId="b53f08b6-e642-4ee2-a231-11cd653755d4" providerId="ADAL" clId="{4A13534B-B544-A44E-B29A-C6B9F0689448}" dt="2021-10-22T09:14:12.690" v="584" actId="478"/>
+          <ac:picMkLst>
+            <pc:docMk/>
+            <pc:sldMk cId="782680162" sldId="294"/>
+            <ac:picMk id="3" creationId="{D9273F13-F368-2E4C-B07F-BACF8EAFBDF3}"/>
+          </ac:picMkLst>
+        </pc:picChg>
+        <pc:picChg chg="add mod">
+          <ac:chgData name="Alfredo Fonseca Junior" userId="b53f08b6-e642-4ee2-a231-11cd653755d4" providerId="ADAL" clId="{4A13534B-B544-A44E-B29A-C6B9F0689448}" dt="2021-10-22T09:14:15.122" v="586" actId="1076"/>
+          <ac:picMkLst>
+            <pc:docMk/>
+            <pc:sldMk cId="782680162" sldId="294"/>
+            <ac:picMk id="4" creationId="{41F5B01F-4CD1-A240-8968-8AD7B78AB9F0}"/>
+          </ac:picMkLst>
+        </pc:picChg>
+        <pc:picChg chg="add mod">
+          <ac:chgData name="Alfredo Fonseca Junior" userId="b53f08b6-e642-4ee2-a231-11cd653755d4" providerId="ADAL" clId="{4A13534B-B544-A44E-B29A-C6B9F0689448}" dt="2021-10-22T09:14:50.252" v="588" actId="1076"/>
+          <ac:picMkLst>
+            <pc:docMk/>
+            <pc:sldMk cId="782680162" sldId="294"/>
+            <ac:picMk id="5" creationId="{73FA5698-3838-0247-9E85-229533E02A3C}"/>
+          </ac:picMkLst>
+        </pc:picChg>
+      </pc:sldChg>
+      <pc:sldChg chg="addSp delSp add mod">
+        <pc:chgData name="Alfredo Fonseca Junior" userId="b53f08b6-e642-4ee2-a231-11cd653755d4" providerId="ADAL" clId="{4A13534B-B544-A44E-B29A-C6B9F0689448}" dt="2021-10-22T09:15:25.838" v="592"/>
+        <pc:sldMkLst>
+          <pc:docMk/>
+          <pc:sldMk cId="3188080954" sldId="295"/>
+        </pc:sldMkLst>
+        <pc:picChg chg="add">
+          <ac:chgData name="Alfredo Fonseca Junior" userId="b53f08b6-e642-4ee2-a231-11cd653755d4" providerId="ADAL" clId="{4A13534B-B544-A44E-B29A-C6B9F0689448}" dt="2021-10-22T09:15:25.838" v="592"/>
+          <ac:picMkLst>
+            <pc:docMk/>
+            <pc:sldMk cId="3188080954" sldId="295"/>
+            <ac:picMk id="3" creationId="{21302CAB-5FE4-F240-B013-6954AA6C1B94}"/>
+          </ac:picMkLst>
+        </pc:picChg>
+        <pc:picChg chg="del">
+          <ac:chgData name="Alfredo Fonseca Junior" userId="b53f08b6-e642-4ee2-a231-11cd653755d4" providerId="ADAL" clId="{4A13534B-B544-A44E-B29A-C6B9F0689448}" dt="2021-10-22T09:15:23.735" v="590" actId="478"/>
+          <ac:picMkLst>
+            <pc:docMk/>
+            <pc:sldMk cId="3188080954" sldId="295"/>
+            <ac:picMk id="4" creationId="{41F5B01F-4CD1-A240-8968-8AD7B78AB9F0}"/>
+          </ac:picMkLst>
+        </pc:picChg>
+        <pc:picChg chg="del">
+          <ac:chgData name="Alfredo Fonseca Junior" userId="b53f08b6-e642-4ee2-a231-11cd653755d4" providerId="ADAL" clId="{4A13534B-B544-A44E-B29A-C6B9F0689448}" dt="2021-10-22T09:15:24.673" v="591" actId="478"/>
+          <ac:picMkLst>
+            <pc:docMk/>
+            <pc:sldMk cId="3188080954" sldId="295"/>
+            <ac:picMk id="5" creationId="{73FA5698-3838-0247-9E85-229533E02A3C}"/>
+          </ac:picMkLst>
+        </pc:picChg>
+      </pc:sldChg>
+      <pc:sldChg chg="add del">
+        <pc:chgData name="Alfredo Fonseca Junior" userId="b53f08b6-e642-4ee2-a231-11cd653755d4" providerId="ADAL" clId="{4A13534B-B544-A44E-B29A-C6B9F0689448}" dt="2021-10-22T09:29:41.113" v="762" actId="2696"/>
+        <pc:sldMkLst>
+          <pc:docMk/>
+          <pc:sldMk cId="2840901896" sldId="296"/>
+        </pc:sldMkLst>
+      </pc:sldChg>
+      <pc:sldChg chg="addSp delSp modSp add mod">
+        <pc:chgData name="Alfredo Fonseca Junior" userId="b53f08b6-e642-4ee2-a231-11cd653755d4" providerId="ADAL" clId="{4A13534B-B544-A44E-B29A-C6B9F0689448}" dt="2021-10-22T09:16:24.257" v="602" actId="27636"/>
+        <pc:sldMkLst>
+          <pc:docMk/>
+          <pc:sldMk cId="1071243861" sldId="297"/>
+        </pc:sldMkLst>
+        <pc:spChg chg="del">
+          <ac:chgData name="Alfredo Fonseca Junior" userId="b53f08b6-e642-4ee2-a231-11cd653755d4" providerId="ADAL" clId="{4A13534B-B544-A44E-B29A-C6B9F0689448}" dt="2021-10-22T09:16:13.189" v="595" actId="478"/>
+          <ac:spMkLst>
+            <pc:docMk/>
+            <pc:sldMk cId="1071243861" sldId="297"/>
+            <ac:spMk id="2" creationId="{D0273F34-96E7-1647-B352-BD30BA2ED758}"/>
+          </ac:spMkLst>
+        </pc:spChg>
+        <pc:spChg chg="mod">
+          <ac:chgData name="Alfredo Fonseca Junior" userId="b53f08b6-e642-4ee2-a231-11cd653755d4" providerId="ADAL" clId="{4A13534B-B544-A44E-B29A-C6B9F0689448}" dt="2021-10-22T09:16:24.257" v="602" actId="27636"/>
+          <ac:spMkLst>
+            <pc:docMk/>
+            <pc:sldMk cId="1071243861" sldId="297"/>
+            <ac:spMk id="3" creationId="{6A410682-7B38-3C44-8425-1487C2D73FCC}"/>
+          </ac:spMkLst>
+        </pc:spChg>
+        <pc:spChg chg="add del mod">
+          <ac:chgData name="Alfredo Fonseca Junior" userId="b53f08b6-e642-4ee2-a231-11cd653755d4" providerId="ADAL" clId="{4A13534B-B544-A44E-B29A-C6B9F0689448}" dt="2021-10-22T09:16:18.742" v="598" actId="478"/>
+          <ac:spMkLst>
+            <pc:docMk/>
+            <pc:sldMk cId="1071243861" sldId="297"/>
+            <ac:spMk id="5" creationId="{68E58CE0-9DD8-7D49-8C52-CAD782F20018}"/>
+          </ac:spMkLst>
+        </pc:spChg>
+      </pc:sldChg>
+      <pc:sldChg chg="addSp modSp add mod">
+        <pc:chgData name="Alfredo Fonseca Junior" userId="b53f08b6-e642-4ee2-a231-11cd653755d4" providerId="ADAL" clId="{4A13534B-B544-A44E-B29A-C6B9F0689448}" dt="2021-10-22T09:17:44.015" v="641" actId="1076"/>
+        <pc:sldMkLst>
+          <pc:docMk/>
+          <pc:sldMk cId="3682392015" sldId="298"/>
+        </pc:sldMkLst>
+        <pc:spChg chg="mod">
+          <ac:chgData name="Alfredo Fonseca Junior" userId="b53f08b6-e642-4ee2-a231-11cd653755d4" providerId="ADAL" clId="{4A13534B-B544-A44E-B29A-C6B9F0689448}" dt="2021-10-22T09:17:44.015" v="641" actId="1076"/>
+          <ac:spMkLst>
+            <pc:docMk/>
+            <pc:sldMk cId="3682392015" sldId="298"/>
+            <ac:spMk id="2" creationId="{A4AC321E-9E64-5944-9F36-E1C762BB05C6}"/>
+          </ac:spMkLst>
+        </pc:spChg>
+        <pc:spChg chg="add mod">
+          <ac:chgData name="Alfredo Fonseca Junior" userId="b53f08b6-e642-4ee2-a231-11cd653755d4" providerId="ADAL" clId="{4A13534B-B544-A44E-B29A-C6B9F0689448}" dt="2021-10-22T09:17:08.301" v="629" actId="20577"/>
+          <ac:spMkLst>
+            <pc:docMk/>
+            <pc:sldMk cId="3682392015" sldId="298"/>
+            <ac:spMk id="3" creationId="{F9A33E57-D9BB-5449-9D22-5E69E0EAEB7C}"/>
+          </ac:spMkLst>
+        </pc:spChg>
+        <pc:spChg chg="add mod">
+          <ac:chgData name="Alfredo Fonseca Junior" userId="b53f08b6-e642-4ee2-a231-11cd653755d4" providerId="ADAL" clId="{4A13534B-B544-A44E-B29A-C6B9F0689448}" dt="2021-10-22T09:17:34.756" v="636" actId="1076"/>
+          <ac:spMkLst>
+            <pc:docMk/>
+            <pc:sldMk cId="3682392015" sldId="298"/>
+            <ac:spMk id="5" creationId="{C7729114-19A5-984F-A631-DEAB402F3417}"/>
+          </ac:spMkLst>
+        </pc:spChg>
+        <pc:spChg chg="add mod">
+          <ac:chgData name="Alfredo Fonseca Junior" userId="b53f08b6-e642-4ee2-a231-11cd653755d4" providerId="ADAL" clId="{4A13534B-B544-A44E-B29A-C6B9F0689448}" dt="2021-10-22T09:17:30.178" v="633"/>
+          <ac:spMkLst>
+            <pc:docMk/>
+            <pc:sldMk cId="3682392015" sldId="298"/>
+            <ac:spMk id="6" creationId="{6B174E2C-F617-6644-9FDE-354D7AE2978F}"/>
+          </ac:spMkLst>
+        </pc:spChg>
+        <pc:spChg chg="add mod">
+          <ac:chgData name="Alfredo Fonseca Junior" userId="b53f08b6-e642-4ee2-a231-11cd653755d4" providerId="ADAL" clId="{4A13534B-B544-A44E-B29A-C6B9F0689448}" dt="2021-10-22T09:17:43.272" v="640" actId="1076"/>
+          <ac:spMkLst>
+            <pc:docMk/>
+            <pc:sldMk cId="3682392015" sldId="298"/>
+            <ac:spMk id="7" creationId="{596D521A-E865-7A44-93B1-18C60E437719}"/>
+          </ac:spMkLst>
+        </pc:spChg>
+        <pc:picChg chg="mod">
+          <ac:chgData name="Alfredo Fonseca Junior" userId="b53f08b6-e642-4ee2-a231-11cd653755d4" providerId="ADAL" clId="{4A13534B-B544-A44E-B29A-C6B9F0689448}" dt="2021-10-22T09:17:40.708" v="639" actId="1076"/>
+          <ac:picMkLst>
+            <pc:docMk/>
+            <pc:sldMk cId="3682392015" sldId="298"/>
+            <ac:picMk id="4" creationId="{32C68EFF-E51C-6E40-BB0F-1BFD3BFB72CC}"/>
+          </ac:picMkLst>
+        </pc:picChg>
+      </pc:sldChg>
+      <pc:sldChg chg="add del">
+        <pc:chgData name="Alfredo Fonseca Junior" userId="b53f08b6-e642-4ee2-a231-11cd653755d4" providerId="ADAL" clId="{4A13534B-B544-A44E-B29A-C6B9F0689448}" dt="2021-10-22T09:31:07.377" v="766" actId="2696"/>
+        <pc:sldMkLst>
+          <pc:docMk/>
+          <pc:sldMk cId="4000123040" sldId="299"/>
+        </pc:sldMkLst>
+      </pc:sldChg>
+      <pc:sldChg chg="addSp delSp modSp add mod">
+        <pc:chgData name="Alfredo Fonseca Junior" userId="b53f08b6-e642-4ee2-a231-11cd653755d4" providerId="ADAL" clId="{4A13534B-B544-A44E-B29A-C6B9F0689448}" dt="2021-10-22T09:29:18.154" v="761" actId="1076"/>
+        <pc:sldMkLst>
+          <pc:docMk/>
+          <pc:sldMk cId="3357995953" sldId="300"/>
+        </pc:sldMkLst>
+        <pc:spChg chg="add mod">
+          <ac:chgData name="Alfredo Fonseca Junior" userId="b53f08b6-e642-4ee2-a231-11cd653755d4" providerId="ADAL" clId="{4A13534B-B544-A44E-B29A-C6B9F0689448}" dt="2021-10-22T09:21:44.197" v="672" actId="122"/>
+          <ac:spMkLst>
+            <pc:docMk/>
+            <pc:sldMk cId="3357995953" sldId="300"/>
+            <ac:spMk id="4" creationId="{632B54E5-FBA6-394B-86DE-50A3FA3D009F}"/>
+          </ac:spMkLst>
+        </pc:spChg>
+        <pc:spChg chg="add mod">
+          <ac:chgData name="Alfredo Fonseca Junior" userId="b53f08b6-e642-4ee2-a231-11cd653755d4" providerId="ADAL" clId="{4A13534B-B544-A44E-B29A-C6B9F0689448}" dt="2021-10-22T09:28:43.670" v="759" actId="20577"/>
+          <ac:spMkLst>
+            <pc:docMk/>
+            <pc:sldMk cId="3357995953" sldId="300"/>
+            <ac:spMk id="6" creationId="{5D6F57DD-EF8B-AE4F-93EF-3D20D7DF8EA7}"/>
+          </ac:spMkLst>
+        </pc:spChg>
+        <pc:picChg chg="del">
+          <ac:chgData name="Alfredo Fonseca Junior" userId="b53f08b6-e642-4ee2-a231-11cd653755d4" providerId="ADAL" clId="{4A13534B-B544-A44E-B29A-C6B9F0689448}" dt="2021-10-22T09:20:40.771" v="644" actId="478"/>
+          <ac:picMkLst>
+            <pc:docMk/>
+            <pc:sldMk cId="3357995953" sldId="300"/>
+            <ac:picMk id="3" creationId="{21302CAB-5FE4-F240-B013-6954AA6C1B94}"/>
+          </ac:picMkLst>
+        </pc:picChg>
+        <pc:picChg chg="add mod">
+          <ac:chgData name="Alfredo Fonseca Junior" userId="b53f08b6-e642-4ee2-a231-11cd653755d4" providerId="ADAL" clId="{4A13534B-B544-A44E-B29A-C6B9F0689448}" dt="2021-10-22T09:21:38.177" v="669" actId="1076"/>
+          <ac:picMkLst>
+            <pc:docMk/>
+            <pc:sldMk cId="3357995953" sldId="300"/>
+            <ac:picMk id="5" creationId="{473220DF-AAAC-4E48-B76B-92FF0AA9D21A}"/>
+          </ac:picMkLst>
+        </pc:picChg>
+        <pc:picChg chg="add mod">
+          <ac:chgData name="Alfredo Fonseca Junior" userId="b53f08b6-e642-4ee2-a231-11cd653755d4" providerId="ADAL" clId="{4A13534B-B544-A44E-B29A-C6B9F0689448}" dt="2021-10-22T09:29:18.154" v="761" actId="1076"/>
+          <ac:picMkLst>
+            <pc:docMk/>
+            <pc:sldMk cId="3357995953" sldId="300"/>
+            <ac:picMk id="7" creationId="{F2BDFE74-4999-9440-B064-422645F7619E}"/>
+          </ac:picMkLst>
+        </pc:picChg>
+      </pc:sldChg>
+      <pc:sldChg chg="addSp delSp modSp add mod">
+        <pc:chgData name="Alfredo Fonseca Junior" userId="b53f08b6-e642-4ee2-a231-11cd653755d4" providerId="ADAL" clId="{4A13534B-B544-A44E-B29A-C6B9F0689448}" dt="2021-10-22T09:20:58.396" v="654" actId="1076"/>
+        <pc:sldMkLst>
+          <pc:docMk/>
+          <pc:sldMk cId="3966846826" sldId="301"/>
+        </pc:sldMkLst>
+        <pc:spChg chg="del">
+          <ac:chgData name="Alfredo Fonseca Junior" userId="b53f08b6-e642-4ee2-a231-11cd653755d4" providerId="ADAL" clId="{4A13534B-B544-A44E-B29A-C6B9F0689448}" dt="2021-10-22T09:20:55.885" v="652" actId="478"/>
+          <ac:spMkLst>
+            <pc:docMk/>
+            <pc:sldMk cId="3966846826" sldId="301"/>
+            <ac:spMk id="4" creationId="{632B54E5-FBA6-394B-86DE-50A3FA3D009F}"/>
+          </ac:spMkLst>
+        </pc:spChg>
+        <pc:picChg chg="add mod">
+          <ac:chgData name="Alfredo Fonseca Junior" userId="b53f08b6-e642-4ee2-a231-11cd653755d4" providerId="ADAL" clId="{4A13534B-B544-A44E-B29A-C6B9F0689448}" dt="2021-10-22T09:20:58.396" v="654" actId="1076"/>
+          <ac:picMkLst>
+            <pc:docMk/>
+            <pc:sldMk cId="3966846826" sldId="301"/>
+            <ac:picMk id="3" creationId="{A7CC0409-EA69-5548-9727-CA9CE9F001C6}"/>
+          </ac:picMkLst>
+        </pc:picChg>
+      </pc:sldChg>
+      <pc:sldChg chg="addSp modSp add mod">
+        <pc:chgData name="Alfredo Fonseca Junior" userId="b53f08b6-e642-4ee2-a231-11cd653755d4" providerId="ADAL" clId="{4A13534B-B544-A44E-B29A-C6B9F0689448}" dt="2021-10-22T09:24:23.961" v="690" actId="1076"/>
+        <pc:sldMkLst>
+          <pc:docMk/>
+          <pc:sldMk cId="3902695132" sldId="302"/>
+        </pc:sldMkLst>
+        <pc:spChg chg="mod">
+          <ac:chgData name="Alfredo Fonseca Junior" userId="b53f08b6-e642-4ee2-a231-11cd653755d4" providerId="ADAL" clId="{4A13534B-B544-A44E-B29A-C6B9F0689448}" dt="2021-10-22T09:24:21.538" v="688" actId="20577"/>
+          <ac:spMkLst>
+            <pc:docMk/>
+            <pc:sldMk cId="3902695132" sldId="302"/>
+            <ac:spMk id="2" creationId="{A4AC321E-9E64-5944-9F36-E1C762BB05C6}"/>
+          </ac:spMkLst>
+        </pc:spChg>
+        <pc:picChg chg="add mod">
+          <ac:chgData name="Alfredo Fonseca Junior" userId="b53f08b6-e642-4ee2-a231-11cd653755d4" providerId="ADAL" clId="{4A13534B-B544-A44E-B29A-C6B9F0689448}" dt="2021-10-22T09:24:23.961" v="690" actId="1076"/>
+          <ac:picMkLst>
+            <pc:docMk/>
+            <pc:sldMk cId="3902695132" sldId="302"/>
+            <ac:picMk id="3" creationId="{DF83AE22-6986-6941-AFE6-AB8163295464}"/>
+          </ac:picMkLst>
+        </pc:picChg>
+      </pc:sldChg>
+      <pc:sldChg chg="addSp delSp modSp add mod">
+        <pc:chgData name="Alfredo Fonseca Junior" userId="b53f08b6-e642-4ee2-a231-11cd653755d4" providerId="ADAL" clId="{4A13534B-B544-A44E-B29A-C6B9F0689448}" dt="2021-10-22T09:26:39.544" v="750" actId="20577"/>
+        <pc:sldMkLst>
+          <pc:docMk/>
+          <pc:sldMk cId="1567790031" sldId="303"/>
+        </pc:sldMkLst>
+        <pc:spChg chg="mod">
+          <ac:chgData name="Alfredo Fonseca Junior" userId="b53f08b6-e642-4ee2-a231-11cd653755d4" providerId="ADAL" clId="{4A13534B-B544-A44E-B29A-C6B9F0689448}" dt="2021-10-22T09:26:39.544" v="750" actId="20577"/>
+          <ac:spMkLst>
+            <pc:docMk/>
+            <pc:sldMk cId="1567790031" sldId="303"/>
+            <ac:spMk id="2" creationId="{A4AC321E-9E64-5944-9F36-E1C762BB05C6}"/>
+          </ac:spMkLst>
+        </pc:spChg>
+        <pc:picChg chg="del">
+          <ac:chgData name="Alfredo Fonseca Junior" userId="b53f08b6-e642-4ee2-a231-11cd653755d4" providerId="ADAL" clId="{4A13534B-B544-A44E-B29A-C6B9F0689448}" dt="2021-10-22T09:26:16.731" v="692" actId="478"/>
+          <ac:picMkLst>
+            <pc:docMk/>
+            <pc:sldMk cId="1567790031" sldId="303"/>
+            <ac:picMk id="3" creationId="{DF83AE22-6986-6941-AFE6-AB8163295464}"/>
+          </ac:picMkLst>
+        </pc:picChg>
+        <pc:picChg chg="add mod">
+          <ac:chgData name="Alfredo Fonseca Junior" userId="b53f08b6-e642-4ee2-a231-11cd653755d4" providerId="ADAL" clId="{4A13534B-B544-A44E-B29A-C6B9F0689448}" dt="2021-10-22T09:26:20.098" v="694" actId="1076"/>
+          <ac:picMkLst>
+            <pc:docMk/>
+            <pc:sldMk cId="1567790031" sldId="303"/>
+            <ac:picMk id="4" creationId="{A4823522-CBDE-454E-854C-C6E2D00D881A}"/>
+          </ac:picMkLst>
+        </pc:picChg>
+      </pc:sldChg>
+      <pc:sldChg chg="addSp delSp modSp add mod modShow">
+        <pc:chgData name="Alfredo Fonseca Junior" userId="b53f08b6-e642-4ee2-a231-11cd653755d4" providerId="ADAL" clId="{4A13534B-B544-A44E-B29A-C6B9F0689448}" dt="2021-10-22T11:13:11.794" v="788" actId="729"/>
+        <pc:sldMkLst>
+          <pc:docMk/>
+          <pc:sldMk cId="1004208080" sldId="304"/>
+        </pc:sldMkLst>
+        <pc:spChg chg="mod">
+          <ac:chgData name="Alfredo Fonseca Junior" userId="b53f08b6-e642-4ee2-a231-11cd653755d4" providerId="ADAL" clId="{4A13534B-B544-A44E-B29A-C6B9F0689448}" dt="2021-10-22T11:12:58.750" v="783" actId="20577"/>
+          <ac:spMkLst>
+            <pc:docMk/>
+            <pc:sldMk cId="1004208080" sldId="304"/>
+            <ac:spMk id="2" creationId="{3AE94BD3-81F9-EA42-A663-CD01BA60E1D8}"/>
+          </ac:spMkLst>
+        </pc:spChg>
+        <pc:spChg chg="del">
+          <ac:chgData name="Alfredo Fonseca Junior" userId="b53f08b6-e642-4ee2-a231-11cd653755d4" providerId="ADAL" clId="{4A13534B-B544-A44E-B29A-C6B9F0689448}" dt="2021-10-22T11:13:02.227" v="784" actId="478"/>
+          <ac:spMkLst>
+            <pc:docMk/>
+            <pc:sldMk cId="1004208080" sldId="304"/>
+            <ac:spMk id="4" creationId="{8CD8EC16-4B3C-8D45-85C8-94C377034D90}"/>
+          </ac:spMkLst>
+        </pc:spChg>
+        <pc:picChg chg="del">
+          <ac:chgData name="Alfredo Fonseca Junior" userId="b53f08b6-e642-4ee2-a231-11cd653755d4" providerId="ADAL" clId="{4A13534B-B544-A44E-B29A-C6B9F0689448}" dt="2021-10-22T11:13:03.008" v="785" actId="478"/>
+          <ac:picMkLst>
+            <pc:docMk/>
+            <pc:sldMk cId="1004208080" sldId="304"/>
+            <ac:picMk id="3" creationId="{3483362F-0018-B349-8082-3DCE287748E0}"/>
+          </ac:picMkLst>
+        </pc:picChg>
+        <pc:picChg chg="add mod">
+          <ac:chgData name="Alfredo Fonseca Junior" userId="b53f08b6-e642-4ee2-a231-11cd653755d4" providerId="ADAL" clId="{4A13534B-B544-A44E-B29A-C6B9F0689448}" dt="2021-10-22T11:13:05.365" v="787" actId="1076"/>
+          <ac:picMkLst>
+            <pc:docMk/>
+            <pc:sldMk cId="1004208080" sldId="304"/>
+            <ac:picMk id="5" creationId="{5ABEB131-040C-3F4B-997B-9B8916D7C412}"/>
+          </ac:picMkLst>
+        </pc:picChg>
+      </pc:sldChg>
+      <pc:sldChg chg="add del">
+        <pc:chgData name="Alfredo Fonseca Junior" userId="b53f08b6-e642-4ee2-a231-11cd653755d4" providerId="ADAL" clId="{4A13534B-B544-A44E-B29A-C6B9F0689448}" dt="2021-10-22T09:29:58.202" v="764" actId="2696"/>
+        <pc:sldMkLst>
+          <pc:docMk/>
+          <pc:sldMk cId="2414507327" sldId="304"/>
+        </pc:sldMkLst>
+      </pc:sldChg>
     </pc:docChg>
   </pc:docChgLst>
 </pc:chgInfo>
+</file>
+
+<file path=ppt/notesMasters/notesMaster1.xml><?xml version="1.0" encoding="utf-8"?>
+<p:notesMaster xmlns:a="http://schemas.openxmlformats.org/drawingml/2006/main" xmlns:r="http://schemas.openxmlformats.org/officeDocument/2006/relationships" xmlns:p="http://schemas.openxmlformats.org/presentationml/2006/main">
+  <p:cSld>
+    <p:bg>
+      <p:bgRef idx="1001">
+        <a:schemeClr val="bg1"/>
+      </p:bgRef>
+    </p:bg>
+    <p:spTree>
+      <p:nvGrpSpPr>
+        <p:cNvPr id="1" name=""/>
+        <p:cNvGrpSpPr/>
+        <p:nvPr/>
+      </p:nvGrpSpPr>
+      <p:grpSpPr>
+        <a:xfrm>
+          <a:off x="0" y="0"/>
+          <a:ext cx="0" cy="0"/>
+          <a:chOff x="0" y="0"/>
+          <a:chExt cx="0" cy="0"/>
+        </a:xfrm>
+      </p:grpSpPr>
+      <p:sp>
+        <p:nvSpPr>
+          <p:cNvPr id="2" name="Header Placeholder 1"/>
+          <p:cNvSpPr>
+            <a:spLocks noGrp="1"/>
+          </p:cNvSpPr>
+          <p:nvPr>
+            <p:ph type="hdr" sz="quarter"/>
+          </p:nvPr>
+        </p:nvSpPr>
+        <p:spPr>
+          <a:xfrm>
+            <a:off x="0" y="0"/>
+            <a:ext cx="2971800" cy="458788"/>
+          </a:xfrm>
+          <a:prstGeom prst="rect">
+            <a:avLst/>
+          </a:prstGeom>
+        </p:spPr>
+        <p:txBody>
+          <a:bodyPr vert="horz" lIns="91440" tIns="45720" rIns="91440" bIns="45720" rtlCol="0"/>
+          <a:lstStyle>
+            <a:lvl1pPr algn="l">
+              <a:defRPr sz="1200"/>
+            </a:lvl1pPr>
+          </a:lstStyle>
+          <a:p>
+            <a:endParaRPr lang="en-US"/>
+          </a:p>
+        </p:txBody>
+      </p:sp>
+      <p:sp>
+        <p:nvSpPr>
+          <p:cNvPr id="3" name="Date Placeholder 2"/>
+          <p:cNvSpPr>
+            <a:spLocks noGrp="1"/>
+          </p:cNvSpPr>
+          <p:nvPr>
+            <p:ph type="dt" idx="1"/>
+          </p:nvPr>
+        </p:nvSpPr>
+        <p:spPr>
+          <a:xfrm>
+            <a:off x="3884613" y="0"/>
+            <a:ext cx="2971800" cy="458788"/>
+          </a:xfrm>
+          <a:prstGeom prst="rect">
+            <a:avLst/>
+          </a:prstGeom>
+        </p:spPr>
+        <p:txBody>
+          <a:bodyPr vert="horz" lIns="91440" tIns="45720" rIns="91440" bIns="45720" rtlCol="0"/>
+          <a:lstStyle>
+            <a:lvl1pPr algn="r">
+              <a:defRPr sz="1200"/>
+            </a:lvl1pPr>
+          </a:lstStyle>
+          <a:p>
+            <a:fld id="{5706C290-5E85-8E4F-88A6-074C4C3AFB6F}" type="datetimeFigureOut">
+              <a:rPr lang="en-US" smtClean="0"/>
+              <a:t>10/22/21</a:t>
+            </a:fld>
+            <a:endParaRPr lang="en-US"/>
+          </a:p>
+        </p:txBody>
+      </p:sp>
+      <p:sp>
+        <p:nvSpPr>
+          <p:cNvPr id="4" name="Slide Image Placeholder 3"/>
+          <p:cNvSpPr>
+            <a:spLocks noGrp="1" noRot="1" noChangeAspect="1"/>
+          </p:cNvSpPr>
+          <p:nvPr>
+            <p:ph type="sldImg" idx="2"/>
+          </p:nvPr>
+        </p:nvSpPr>
+        <p:spPr>
+          <a:xfrm>
+            <a:off x="685800" y="1143000"/>
+            <a:ext cx="5486400" cy="3086100"/>
+          </a:xfrm>
+          <a:prstGeom prst="rect">
+            <a:avLst/>
+          </a:prstGeom>
+          <a:noFill/>
+          <a:ln w="12700">
+            <a:solidFill>
+              <a:prstClr val="black"/>
+            </a:solidFill>
+          </a:ln>
+        </p:spPr>
+        <p:txBody>
+          <a:bodyPr vert="horz" lIns="91440" tIns="45720" rIns="91440" bIns="45720" rtlCol="0" anchor="ctr"/>
+          <a:lstStyle/>
+          <a:p>
+            <a:endParaRPr lang="en-US"/>
+          </a:p>
+        </p:txBody>
+      </p:sp>
+      <p:sp>
+        <p:nvSpPr>
+          <p:cNvPr id="5" name="Notes Placeholder 4"/>
+          <p:cNvSpPr>
+            <a:spLocks noGrp="1"/>
+          </p:cNvSpPr>
+          <p:nvPr>
+            <p:ph type="body" sz="quarter" idx="3"/>
+          </p:nvPr>
+        </p:nvSpPr>
+        <p:spPr>
+          <a:xfrm>
+            <a:off x="685800" y="4400550"/>
+            <a:ext cx="5486400" cy="3600450"/>
+          </a:xfrm>
+          <a:prstGeom prst="rect">
+            <a:avLst/>
+          </a:prstGeom>
+        </p:spPr>
+        <p:txBody>
+          <a:bodyPr vert="horz" lIns="91440" tIns="45720" rIns="91440" bIns="45720" rtlCol="0"/>
+          <a:lstStyle/>
+          <a:p>
+            <a:pPr lvl="0"/>
+            <a:r>
+              <a:rPr lang="en-GB"/>
+              <a:t>Click to edit Master text styles</a:t>
+            </a:r>
+          </a:p>
+          <a:p>
+            <a:pPr lvl="1"/>
+            <a:r>
+              <a:rPr lang="en-GB"/>
+              <a:t>Second level</a:t>
+            </a:r>
+          </a:p>
+          <a:p>
+            <a:pPr lvl="2"/>
+            <a:r>
+              <a:rPr lang="en-GB"/>
+              <a:t>Third level</a:t>
+            </a:r>
+          </a:p>
+          <a:p>
+            <a:pPr lvl="3"/>
+            <a:r>
+              <a:rPr lang="en-GB"/>
+              <a:t>Fourth level</a:t>
+            </a:r>
+          </a:p>
+          <a:p>
+            <a:pPr lvl="4"/>
+            <a:r>
+              <a:rPr lang="en-GB"/>
+              <a:t>Fifth level</a:t>
+            </a:r>
+            <a:endParaRPr lang="en-US"/>
+          </a:p>
+        </p:txBody>
+      </p:sp>
+      <p:sp>
+        <p:nvSpPr>
+          <p:cNvPr id="6" name="Footer Placeholder 5"/>
+          <p:cNvSpPr>
+            <a:spLocks noGrp="1"/>
+          </p:cNvSpPr>
+          <p:nvPr>
+            <p:ph type="ftr" sz="quarter" idx="4"/>
+          </p:nvPr>
+        </p:nvSpPr>
+        <p:spPr>
+          <a:xfrm>
+            <a:off x="0" y="8685213"/>
+            <a:ext cx="2971800" cy="458787"/>
+          </a:xfrm>
+          <a:prstGeom prst="rect">
+            <a:avLst/>
+          </a:prstGeom>
+        </p:spPr>
+        <p:txBody>
+          <a:bodyPr vert="horz" lIns="91440" tIns="45720" rIns="91440" bIns="45720" rtlCol="0" anchor="b"/>
+          <a:lstStyle>
+            <a:lvl1pPr algn="l">
+              <a:defRPr sz="1200"/>
+            </a:lvl1pPr>
+          </a:lstStyle>
+          <a:p>
+            <a:endParaRPr lang="en-US"/>
+          </a:p>
+        </p:txBody>
+      </p:sp>
+      <p:sp>
+        <p:nvSpPr>
+          <p:cNvPr id="7" name="Slide Number Placeholder 6"/>
+          <p:cNvSpPr>
+            <a:spLocks noGrp="1"/>
+          </p:cNvSpPr>
+          <p:nvPr>
+            <p:ph type="sldNum" sz="quarter" idx="5"/>
+          </p:nvPr>
+        </p:nvSpPr>
+        <p:spPr>
+          <a:xfrm>
+            <a:off x="3884613" y="8685213"/>
+            <a:ext cx="2971800" cy="458787"/>
+          </a:xfrm>
+          <a:prstGeom prst="rect">
+            <a:avLst/>
+          </a:prstGeom>
+        </p:spPr>
+        <p:txBody>
+          <a:bodyPr vert="horz" lIns="91440" tIns="45720" rIns="91440" bIns="45720" rtlCol="0" anchor="b"/>
+          <a:lstStyle>
+            <a:lvl1pPr algn="r">
+              <a:defRPr sz="1200"/>
+            </a:lvl1pPr>
+          </a:lstStyle>
+          <a:p>
+            <a:fld id="{9B815CC7-CF61-2940-8348-6C8FA2A81A9F}" type="slidenum">
+              <a:rPr lang="en-US" smtClean="0"/>
+              <a:t>‹#›</a:t>
+            </a:fld>
+            <a:endParaRPr lang="en-US"/>
+          </a:p>
+        </p:txBody>
+      </p:sp>
+    </p:spTree>
+    <p:extLst>
+      <p:ext uri="{BB962C8B-B14F-4D97-AF65-F5344CB8AC3E}">
+        <p14:creationId xmlns:p14="http://schemas.microsoft.com/office/powerpoint/2010/main" val="3451819370"/>
+      </p:ext>
+    </p:extLst>
+  </p:cSld>
+  <p:clrMap bg1="lt1" tx1="dk1" bg2="lt2" tx2="dk2" accent1="accent1" accent2="accent2" accent3="accent3" accent4="accent4" accent5="accent5" accent6="accent6" hlink="hlink" folHlink="folHlink"/>
+  <p:notesStyle>
+    <a:lvl1pPr marL="0" algn="l" defTabSz="914400" rtl="0" eaLnBrk="1" latinLnBrk="0" hangingPunct="1">
+      <a:defRPr sz="1200" kern="1200">
+        <a:solidFill>
+          <a:schemeClr val="tx1"/>
+        </a:solidFill>
+        <a:latin typeface="+mn-lt"/>
+        <a:ea typeface="+mn-ea"/>
+        <a:cs typeface="+mn-cs"/>
+      </a:defRPr>
+    </a:lvl1pPr>
+    <a:lvl2pPr marL="457200" algn="l" defTabSz="914400" rtl="0" eaLnBrk="1" latinLnBrk="0" hangingPunct="1">
+      <a:defRPr sz="1200" kern="1200">
+        <a:solidFill>
+          <a:schemeClr val="tx1"/>
+        </a:solidFill>
+        <a:latin typeface="+mn-lt"/>
+        <a:ea typeface="+mn-ea"/>
+        <a:cs typeface="+mn-cs"/>
+      </a:defRPr>
+    </a:lvl2pPr>
+    <a:lvl3pPr marL="914400" algn="l" defTabSz="914400" rtl="0" eaLnBrk="1" latinLnBrk="0" hangingPunct="1">
+      <a:defRPr sz="1200" kern="1200">
+        <a:solidFill>
+          <a:schemeClr val="tx1"/>
+        </a:solidFill>
+        <a:latin typeface="+mn-lt"/>
+        <a:ea typeface="+mn-ea"/>
+        <a:cs typeface="+mn-cs"/>
+      </a:defRPr>
+    </a:lvl3pPr>
+    <a:lvl4pPr marL="1371600" algn="l" defTabSz="914400" rtl="0" eaLnBrk="1" latinLnBrk="0" hangingPunct="1">
+      <a:defRPr sz="1200" kern="1200">
+        <a:solidFill>
+          <a:schemeClr val="tx1"/>
+        </a:solidFill>
+        <a:latin typeface="+mn-lt"/>
+        <a:ea typeface="+mn-ea"/>
+        <a:cs typeface="+mn-cs"/>
+      </a:defRPr>
+    </a:lvl4pPr>
+    <a:lvl5pPr marL="1828800" algn="l" defTabSz="914400" rtl="0" eaLnBrk="1" latinLnBrk="0" hangingPunct="1">
+      <a:defRPr sz="1200" kern="1200">
+        <a:solidFill>
+          <a:schemeClr val="tx1"/>
+        </a:solidFill>
+        <a:latin typeface="+mn-lt"/>
+        <a:ea typeface="+mn-ea"/>
+        <a:cs typeface="+mn-cs"/>
+      </a:defRPr>
+    </a:lvl5pPr>
+    <a:lvl6pPr marL="2286000" algn="l" defTabSz="914400" rtl="0" eaLnBrk="1" latinLnBrk="0" hangingPunct="1">
+      <a:defRPr sz="1200" kern="1200">
+        <a:solidFill>
+          <a:schemeClr val="tx1"/>
+        </a:solidFill>
+        <a:latin typeface="+mn-lt"/>
+        <a:ea typeface="+mn-ea"/>
+        <a:cs typeface="+mn-cs"/>
+      </a:defRPr>
+    </a:lvl6pPr>
+    <a:lvl7pPr marL="2743200" algn="l" defTabSz="914400" rtl="0" eaLnBrk="1" latinLnBrk="0" hangingPunct="1">
+      <a:defRPr sz="1200" kern="1200">
+        <a:solidFill>
+          <a:schemeClr val="tx1"/>
+        </a:solidFill>
+        <a:latin typeface="+mn-lt"/>
+        <a:ea typeface="+mn-ea"/>
+        <a:cs typeface="+mn-cs"/>
+      </a:defRPr>
+    </a:lvl7pPr>
+    <a:lvl8pPr marL="3200400" algn="l" defTabSz="914400" rtl="0" eaLnBrk="1" latinLnBrk="0" hangingPunct="1">
+      <a:defRPr sz="1200" kern="1200">
+        <a:solidFill>
+          <a:schemeClr val="tx1"/>
+        </a:solidFill>
+        <a:latin typeface="+mn-lt"/>
+        <a:ea typeface="+mn-ea"/>
+        <a:cs typeface="+mn-cs"/>
+      </a:defRPr>
+    </a:lvl8pPr>
+    <a:lvl9pPr marL="3657600" algn="l" defTabSz="914400" rtl="0" eaLnBrk="1" latinLnBrk="0" hangingPunct="1">
+      <a:defRPr sz="1200" kern="1200">
+        <a:solidFill>
+          <a:schemeClr val="tx1"/>
+        </a:solidFill>
+        <a:latin typeface="+mn-lt"/>
+        <a:ea typeface="+mn-ea"/>
+        <a:cs typeface="+mn-cs"/>
+      </a:defRPr>
+    </a:lvl9pPr>
+  </p:notesStyle>
+</p:notesMaster>
+</file>
+
+<file path=ppt/notesSlides/notesSlide1.xml><?xml version="1.0" encoding="utf-8"?>
+<p:notes xmlns:a="http://schemas.openxmlformats.org/drawingml/2006/main" xmlns:r="http://schemas.openxmlformats.org/officeDocument/2006/relationships" xmlns:p="http://schemas.openxmlformats.org/presentationml/2006/main">
+  <p:cSld>
+    <p:spTree>
+      <p:nvGrpSpPr>
+        <p:cNvPr id="1" name=""/>
+        <p:cNvGrpSpPr/>
+        <p:nvPr/>
+      </p:nvGrpSpPr>
+      <p:grpSpPr>
+        <a:xfrm>
+          <a:off x="0" y="0"/>
+          <a:ext cx="0" cy="0"/>
+          <a:chOff x="0" y="0"/>
+          <a:chExt cx="0" cy="0"/>
+        </a:xfrm>
+      </p:grpSpPr>
+      <p:sp>
+        <p:nvSpPr>
+          <p:cNvPr id="2" name="Slide Image Placeholder 1"/>
+          <p:cNvSpPr>
+            <a:spLocks noGrp="1" noRot="1" noChangeAspect="1"/>
+          </p:cNvSpPr>
+          <p:nvPr>
+            <p:ph type="sldImg"/>
+          </p:nvPr>
+        </p:nvSpPr>
+        <p:spPr/>
+      </p:sp>
+      <p:sp>
+        <p:nvSpPr>
+          <p:cNvPr id="3" name="Notes Placeholder 2"/>
+          <p:cNvSpPr>
+            <a:spLocks noGrp="1"/>
+          </p:cNvSpPr>
+          <p:nvPr>
+            <p:ph type="body" idx="1"/>
+          </p:nvPr>
+        </p:nvSpPr>
+        <p:spPr/>
+        <p:txBody>
+          <a:bodyPr/>
+          <a:lstStyle/>
+          <a:p>
+            <a:endParaRPr lang="en-US" dirty="0"/>
+          </a:p>
+        </p:txBody>
+      </p:sp>
+      <p:sp>
+        <p:nvSpPr>
+          <p:cNvPr id="4" name="Slide Number Placeholder 3"/>
+          <p:cNvSpPr>
+            <a:spLocks noGrp="1"/>
+          </p:cNvSpPr>
+          <p:nvPr>
+            <p:ph type="sldNum" sz="quarter" idx="5"/>
+          </p:nvPr>
+        </p:nvSpPr>
+        <p:spPr/>
+        <p:txBody>
+          <a:bodyPr/>
+          <a:lstStyle/>
+          <a:p>
+            <a:fld id="{9B815CC7-CF61-2940-8348-6C8FA2A81A9F}" type="slidenum">
+              <a:rPr lang="en-US" smtClean="0"/>
+              <a:t>12</a:t>
+            </a:fld>
+            <a:endParaRPr lang="en-US"/>
+          </a:p>
+        </p:txBody>
+      </p:sp>
+    </p:spTree>
+    <p:extLst>
+      <p:ext uri="{BB962C8B-B14F-4D97-AF65-F5344CB8AC3E}">
+        <p14:creationId xmlns:p14="http://schemas.microsoft.com/office/powerpoint/2010/main" val="3945915489"/>
+      </p:ext>
+    </p:extLst>
+  </p:cSld>
+  <p:clrMapOvr>
+    <a:masterClrMapping/>
+  </p:clrMapOvr>
+</p:notes>
 </file>
 
 <file path=ppt/slideLayouts/slideLayout1.xml><?xml version="1.0" encoding="utf-8"?>
@@ -1047,7 +2158,7 @@
           <a:p>
             <a:fld id="{F5935150-443F-D94D-99D0-C6F2787F22E3}" type="datetimeFigureOut">
               <a:rPr lang="en-US" smtClean="0"/>
-              <a:t>10/14/21</a:t>
+              <a:t>10/22/21</a:t>
             </a:fld>
             <a:endParaRPr lang="en-US"/>
           </a:p>
@@ -1247,7 +2358,7 @@
           <a:p>
             <a:fld id="{F5935150-443F-D94D-99D0-C6F2787F22E3}" type="datetimeFigureOut">
               <a:rPr lang="en-US" smtClean="0"/>
-              <a:t>10/14/21</a:t>
+              <a:t>10/22/21</a:t>
             </a:fld>
             <a:endParaRPr lang="en-US"/>
           </a:p>
@@ -1457,7 +2568,7 @@
           <a:p>
             <a:fld id="{F5935150-443F-D94D-99D0-C6F2787F22E3}" type="datetimeFigureOut">
               <a:rPr lang="en-US" smtClean="0"/>
-              <a:t>10/14/21</a:t>
+              <a:t>10/22/21</a:t>
             </a:fld>
             <a:endParaRPr lang="en-US"/>
           </a:p>
@@ -1657,7 +2768,7 @@
           <a:p>
             <a:fld id="{F5935150-443F-D94D-99D0-C6F2787F22E3}" type="datetimeFigureOut">
               <a:rPr lang="en-US" smtClean="0"/>
-              <a:t>10/14/21</a:t>
+              <a:t>10/22/21</a:t>
             </a:fld>
             <a:endParaRPr lang="en-US"/>
           </a:p>
@@ -1933,7 +3044,7 @@
           <a:p>
             <a:fld id="{F5935150-443F-D94D-99D0-C6F2787F22E3}" type="datetimeFigureOut">
               <a:rPr lang="en-US" smtClean="0"/>
-              <a:t>10/14/21</a:t>
+              <a:t>10/22/21</a:t>
             </a:fld>
             <a:endParaRPr lang="en-US"/>
           </a:p>
@@ -2201,7 +3312,7 @@
           <a:p>
             <a:fld id="{F5935150-443F-D94D-99D0-C6F2787F22E3}" type="datetimeFigureOut">
               <a:rPr lang="en-US" smtClean="0"/>
-              <a:t>10/14/21</a:t>
+              <a:t>10/22/21</a:t>
             </a:fld>
             <a:endParaRPr lang="en-US"/>
           </a:p>
@@ -2616,7 +3727,7 @@
           <a:p>
             <a:fld id="{F5935150-443F-D94D-99D0-C6F2787F22E3}" type="datetimeFigureOut">
               <a:rPr lang="en-US" smtClean="0"/>
-              <a:t>10/14/21</a:t>
+              <a:t>10/22/21</a:t>
             </a:fld>
             <a:endParaRPr lang="en-US"/>
           </a:p>
@@ -2758,7 +3869,7 @@
           <a:p>
             <a:fld id="{F5935150-443F-D94D-99D0-C6F2787F22E3}" type="datetimeFigureOut">
               <a:rPr lang="en-US" smtClean="0"/>
-              <a:t>10/14/21</a:t>
+              <a:t>10/22/21</a:t>
             </a:fld>
             <a:endParaRPr lang="en-US"/>
           </a:p>
@@ -2871,7 +3982,7 @@
           <a:p>
             <a:fld id="{F5935150-443F-D94D-99D0-C6F2787F22E3}" type="datetimeFigureOut">
               <a:rPr lang="en-US" smtClean="0"/>
-              <a:t>10/14/21</a:t>
+              <a:t>10/22/21</a:t>
             </a:fld>
             <a:endParaRPr lang="en-US"/>
           </a:p>
@@ -3184,7 +4295,7 @@
           <a:p>
             <a:fld id="{F5935150-443F-D94D-99D0-C6F2787F22E3}" type="datetimeFigureOut">
               <a:rPr lang="en-US" smtClean="0"/>
-              <a:t>10/14/21</a:t>
+              <a:t>10/22/21</a:t>
             </a:fld>
             <a:endParaRPr lang="en-US"/>
           </a:p>
@@ -3473,7 +4584,7 @@
           <a:p>
             <a:fld id="{F5935150-443F-D94D-99D0-C6F2787F22E3}" type="datetimeFigureOut">
               <a:rPr lang="en-US" smtClean="0"/>
-              <a:t>10/14/21</a:t>
+              <a:t>10/22/21</a:t>
             </a:fld>
             <a:endParaRPr lang="en-US"/>
           </a:p>
@@ -3716,7 +4827,7 @@
           <a:p>
             <a:fld id="{F5935150-443F-D94D-99D0-C6F2787F22E3}" type="datetimeFigureOut">
               <a:rPr lang="en-US" smtClean="0"/>
-              <a:t>10/14/21</a:t>
+              <a:t>10/22/21</a:t>
             </a:fld>
             <a:endParaRPr lang="en-US"/>
           </a:p>
@@ -5383,7 +6494,7 @@
           <p:nvPr/>
         </p:nvPicPr>
         <p:blipFill>
-          <a:blip r:embed="rId2"/>
+          <a:blip r:embed="rId3"/>
           <a:stretch>
             <a:fillRect/>
           </a:stretch>
@@ -6958,46 +8069,10 @@
       </p:grpSpPr>
       <p:sp>
         <p:nvSpPr>
-          <p:cNvPr id="2" name="Title 1">
-            <a:extLst>
-              <a:ext uri="{FF2B5EF4-FFF2-40B4-BE49-F238E27FC236}">
-                <a16:creationId xmlns:a16="http://schemas.microsoft.com/office/drawing/2014/main" id="{D0273F34-96E7-1647-B352-BD30BA2ED758}"/>
-              </a:ext>
-            </a:extLst>
-          </p:cNvPr>
-          <p:cNvSpPr>
-            <a:spLocks noGrp="1"/>
-          </p:cNvSpPr>
-          <p:nvPr>
-            <p:ph type="ctrTitle"/>
-          </p:nvPr>
-        </p:nvSpPr>
-        <p:spPr>
-          <a:xfrm>
-            <a:off x="1524000" y="241299"/>
-            <a:ext cx="9144000" cy="944949"/>
-          </a:xfrm>
-        </p:spPr>
-        <p:txBody>
-          <a:bodyPr>
-            <a:normAutofit/>
-          </a:bodyPr>
-          <a:lstStyle/>
-          <a:p>
-            <a:r>
-              <a:rPr lang="en-IE" dirty="0"/>
-              <a:t>Google Photos</a:t>
-            </a:r>
-            <a:endParaRPr lang="en-US" dirty="0"/>
-          </a:p>
-        </p:txBody>
-      </p:sp>
-      <p:sp>
-        <p:nvSpPr>
-          <p:cNvPr id="5" name="Subtitle 4">
-            <a:extLst>
-              <a:ext uri="{FF2B5EF4-FFF2-40B4-BE49-F238E27FC236}">
-                <a16:creationId xmlns:a16="http://schemas.microsoft.com/office/drawing/2014/main" id="{7AA6DCFF-B573-5940-87B1-2811EEC82658}"/>
+          <p:cNvPr id="3" name="Subtitle 2">
+            <a:extLst>
+              <a:ext uri="{FF2B5EF4-FFF2-40B4-BE49-F238E27FC236}">
+                <a16:creationId xmlns:a16="http://schemas.microsoft.com/office/drawing/2014/main" id="{6A410682-7B38-3C44-8425-1487C2D73FCC}"/>
               </a:ext>
             </a:extLst>
           </p:cNvPr>
@@ -7008,92 +8083,103 @@
             <p:ph type="subTitle" idx="1"/>
           </p:nvPr>
         </p:nvSpPr>
-        <p:spPr/>
-        <p:txBody>
-          <a:bodyPr/>
-          <a:lstStyle/>
-          <a:p>
-            <a:endParaRPr lang="en-US"/>
-          </a:p>
-        </p:txBody>
-      </p:sp>
-      <p:pic>
-        <p:nvPicPr>
-          <p:cNvPr id="6" name="Picture 5">
-            <a:extLst>
-              <a:ext uri="{FF2B5EF4-FFF2-40B4-BE49-F238E27FC236}">
-                <a16:creationId xmlns:a16="http://schemas.microsoft.com/office/drawing/2014/main" id="{22CA5FB6-805B-0949-AB5D-DC9242DFE656}"/>
-              </a:ext>
-            </a:extLst>
-          </p:cNvPr>
-          <p:cNvPicPr>
-            <a:picLocks noChangeAspect="1"/>
-          </p:cNvPicPr>
-          <p:nvPr/>
-        </p:nvPicPr>
-        <p:blipFill>
-          <a:blip r:embed="rId2"/>
-          <a:stretch>
-            <a:fillRect/>
-          </a:stretch>
-        </p:blipFill>
-        <p:spPr>
-          <a:xfrm>
-            <a:off x="1574800" y="1377950"/>
-            <a:ext cx="9093200" cy="5016500"/>
-          </a:xfrm>
-          <a:prstGeom prst="rect">
-            <a:avLst/>
-          </a:prstGeom>
-        </p:spPr>
-      </p:pic>
-      <p:sp>
-        <p:nvSpPr>
-          <p:cNvPr id="8" name="TextBox 7">
-            <a:extLst>
-              <a:ext uri="{FF2B5EF4-FFF2-40B4-BE49-F238E27FC236}">
-                <a16:creationId xmlns:a16="http://schemas.microsoft.com/office/drawing/2014/main" id="{EA371CCD-A583-574E-9876-837BBBB0CDEC}"/>
-              </a:ext>
-            </a:extLst>
-          </p:cNvPr>
-          <p:cNvSpPr txBox="1"/>
-          <p:nvPr/>
-        </p:nvSpPr>
-        <p:spPr>
-          <a:xfrm>
-            <a:off x="4497860" y="1045559"/>
-            <a:ext cx="3446585" cy="369332"/>
-          </a:xfrm>
-          <a:prstGeom prst="rect">
-            <a:avLst/>
-          </a:prstGeom>
-          <a:noFill/>
-        </p:spPr>
-        <p:txBody>
-          <a:bodyPr wrap="none" rtlCol="0">
-            <a:spAutoFit/>
+        <p:spPr>
+          <a:xfrm>
+            <a:off x="1524000" y="170688"/>
+            <a:ext cx="9144000" cy="6687312"/>
+          </a:xfrm>
+        </p:spPr>
+        <p:txBody>
+          <a:bodyPr>
+            <a:normAutofit fontScale="85000" lnSpcReduction="20000"/>
           </a:bodyPr>
           <a:lstStyle/>
           <a:p>
             <a:r>
-              <a:rPr lang="en-US" dirty="0"/>
-              <a:t>https://</a:t>
-            </a:r>
-            <a:r>
-              <a:rPr lang="en-US" dirty="0" err="1"/>
-              <a:t>photos.google.com</a:t>
-            </a:r>
-            <a:r>
-              <a:rPr lang="en-US" dirty="0"/>
-              <a:t>/people</a:t>
-            </a:r>
+              <a:rPr lang="en-IE" b="1" dirty="0"/>
+              <a:t>Clustering</a:t>
+            </a:r>
+          </a:p>
+          <a:p>
+            <a:r>
+              <a:rPr lang="en-IE" dirty="0"/>
+              <a:t>"Clustering is a Machine Learning technique that involves the grouping of data points. Given a set of data points, we can use a clustering algorithm to classify each data point into a specific group. In theory, data points that are in the same group should have similar properties and/or features, while data points in different groups should have highly dissimilar properties and/or features. Clustering is a method of unsupervised learning and is a common technique for statistical data analysis used in many fields."</a:t>
+            </a:r>
+          </a:p>
+          <a:p>
+            <a:r>
+              <a:rPr lang="en-IE" u="sng" dirty="0">
+                <a:hlinkClick r:id="rId2"/>
+              </a:rPr>
+              <a:t>https://towardsdatascience.com/the-5-clustering-algorithms-data-scientists-need-to-know-a36d136ef68</a:t>
+            </a:r>
+            <a:endParaRPr lang="en-IE" dirty="0"/>
+          </a:p>
+          <a:p>
+            <a:r>
+              <a:rPr lang="en-IE" b="1" dirty="0" err="1"/>
+              <a:t>Kmeans</a:t>
+            </a:r>
+            <a:endParaRPr lang="en-IE" b="1" dirty="0"/>
+          </a:p>
+          <a:p>
+            <a:r>
+              <a:rPr lang="en-IE" dirty="0"/>
+              <a:t>"</a:t>
+            </a:r>
+            <a:r>
+              <a:rPr lang="en-IE" dirty="0" err="1"/>
+              <a:t>Kmeans</a:t>
+            </a:r>
+            <a:r>
+              <a:rPr lang="en-IE" dirty="0"/>
+              <a:t> algorithm is an iterative algorithm that tries to partition the dataset into </a:t>
+            </a:r>
+            <a:r>
+              <a:rPr lang="en-IE" dirty="0" err="1"/>
+              <a:t>Kpre</a:t>
+            </a:r>
+            <a:r>
+              <a:rPr lang="en-IE" dirty="0"/>
+              <a:t>-defined distinct non-overlapping subgroups (clusters) where each data point belongs to only one group. It tries to make the intra-cluster data points as similar as possible while also keeping the clusters as different (far) as possible. It assigns data points to a cluster such that the sum of the squared distance between the data points and the cluster’s centroid (arithmetic mean of all the data points that belong to that cluster) is at the minimum. The less variation we have within clusters, the more homogeneous (similar) the data points are within the same cluster."</a:t>
+            </a:r>
+          </a:p>
+          <a:p>
+            <a:r>
+              <a:rPr lang="en-IE" u="sng" dirty="0">
+                <a:hlinkClick r:id="rId3"/>
+              </a:rPr>
+              <a:t>https://towardsdatascience.com/k-means-clustering-algorithm-applications-evaluation-methods-and-drawbacks-aa03e644b48a</a:t>
+            </a:r>
+            <a:endParaRPr lang="en-IE" dirty="0"/>
+          </a:p>
+          <a:p>
+            <a:r>
+              <a:rPr lang="en-IE" b="1" dirty="0"/>
+              <a:t>Euclidean distance</a:t>
+            </a:r>
+          </a:p>
+          <a:p>
+            <a:r>
+              <a:rPr lang="en-IE" dirty="0"/>
+              <a:t>"In mathematics, the Euclidean distance between two points in Euclidean space is the length of a line segment between the two points."</a:t>
+            </a:r>
+          </a:p>
+          <a:p>
+            <a:r>
+              <a:rPr lang="en-IE" u="sng" dirty="0">
+                <a:hlinkClick r:id="rId4"/>
+              </a:rPr>
+              <a:t>https://en.wikipedia.org/wiki/Euclidean_distance</a:t>
+            </a:r>
+            <a:endParaRPr lang="en-IE" dirty="0"/>
           </a:p>
         </p:txBody>
       </p:sp>
     </p:spTree>
     <p:extLst>
       <p:ext uri="{BB962C8B-B14F-4D97-AF65-F5344CB8AC3E}">
-        <p14:creationId xmlns:p14="http://schemas.microsoft.com/office/powerpoint/2010/main" val="2243412862"/>
+        <p14:creationId xmlns:p14="http://schemas.microsoft.com/office/powerpoint/2010/main" val="1071243861"/>
       </p:ext>
     </p:extLst>
   </p:cSld>
@@ -7125,7 +8211,7 @@
           <p:cNvPr id="2" name="Title 1">
             <a:extLst>
               <a:ext uri="{FF2B5EF4-FFF2-40B4-BE49-F238E27FC236}">
-                <a16:creationId xmlns:a16="http://schemas.microsoft.com/office/drawing/2014/main" id="{D0273F34-96E7-1647-B352-BD30BA2ED758}"/>
+                <a16:creationId xmlns:a16="http://schemas.microsoft.com/office/drawing/2014/main" id="{A4AC321E-9E64-5944-9F36-E1C762BB05C6}"/>
               </a:ext>
             </a:extLst>
           </p:cNvPr>
@@ -7133,103 +8219,38 @@
             <a:spLocks noGrp="1"/>
           </p:cNvSpPr>
           <p:nvPr>
-            <p:ph type="ctrTitle"/>
+            <p:ph type="title"/>
           </p:nvPr>
         </p:nvSpPr>
         <p:spPr>
           <a:xfrm>
-            <a:off x="1524000" y="241299"/>
-            <a:ext cx="9144000" cy="944949"/>
+            <a:off x="838200" y="212444"/>
+            <a:ext cx="10515600" cy="1086131"/>
           </a:xfrm>
         </p:spPr>
         <p:txBody>
           <a:bodyPr>
-            <a:normAutofit/>
+            <a:normAutofit fontScale="90000"/>
           </a:bodyPr>
           <a:lstStyle/>
           <a:p>
-            <a:r>
-              <a:rPr lang="en-IE" dirty="0"/>
-              <a:t>Google Photos</a:t>
+            <a:br>
+              <a:rPr lang="en-US" dirty="0"/>
+            </a:br>
+            <a:r>
+              <a:rPr lang="en-GB" dirty="0"/>
+              <a:t>k-means</a:t>
             </a:r>
             <a:endParaRPr lang="en-US" dirty="0"/>
-          </a:p>
-        </p:txBody>
-      </p:sp>
-      <p:sp>
-        <p:nvSpPr>
-          <p:cNvPr id="5" name="Subtitle 4">
-            <a:extLst>
-              <a:ext uri="{FF2B5EF4-FFF2-40B4-BE49-F238E27FC236}">
-                <a16:creationId xmlns:a16="http://schemas.microsoft.com/office/drawing/2014/main" id="{7AA6DCFF-B573-5940-87B1-2811EEC82658}"/>
-              </a:ext>
-            </a:extLst>
-          </p:cNvPr>
-          <p:cNvSpPr>
-            <a:spLocks noGrp="1"/>
-          </p:cNvSpPr>
-          <p:nvPr>
-            <p:ph type="subTitle" idx="1"/>
-          </p:nvPr>
-        </p:nvSpPr>
-        <p:spPr/>
-        <p:txBody>
-          <a:bodyPr/>
-          <a:lstStyle/>
-          <a:p>
-            <a:endParaRPr lang="en-US"/>
-          </a:p>
-        </p:txBody>
-      </p:sp>
-      <p:sp>
-        <p:nvSpPr>
-          <p:cNvPr id="8" name="TextBox 7">
-            <a:extLst>
-              <a:ext uri="{FF2B5EF4-FFF2-40B4-BE49-F238E27FC236}">
-                <a16:creationId xmlns:a16="http://schemas.microsoft.com/office/drawing/2014/main" id="{EA371CCD-A583-574E-9876-837BBBB0CDEC}"/>
-              </a:ext>
-            </a:extLst>
-          </p:cNvPr>
-          <p:cNvSpPr txBox="1"/>
-          <p:nvPr/>
-        </p:nvSpPr>
-        <p:spPr>
-          <a:xfrm>
-            <a:off x="4497860" y="1045559"/>
-            <a:ext cx="3446585" cy="369332"/>
-          </a:xfrm>
-          <a:prstGeom prst="rect">
-            <a:avLst/>
-          </a:prstGeom>
-          <a:noFill/>
-        </p:spPr>
-        <p:txBody>
-          <a:bodyPr wrap="none" rtlCol="0">
-            <a:spAutoFit/>
-          </a:bodyPr>
-          <a:lstStyle/>
-          <a:p>
-            <a:r>
-              <a:rPr lang="en-US" dirty="0"/>
-              <a:t>https://</a:t>
-            </a:r>
-            <a:r>
-              <a:rPr lang="en-US" dirty="0" err="1"/>
-              <a:t>photos.google.com</a:t>
-            </a:r>
-            <a:r>
-              <a:rPr lang="en-US" dirty="0"/>
-              <a:t>/people</a:t>
-            </a:r>
           </a:p>
         </p:txBody>
       </p:sp>
       <p:pic>
         <p:nvPicPr>
-          <p:cNvPr id="3" name="Picture 2">
-            <a:extLst>
-              <a:ext uri="{FF2B5EF4-FFF2-40B4-BE49-F238E27FC236}">
-                <a16:creationId xmlns:a16="http://schemas.microsoft.com/office/drawing/2014/main" id="{5ECDDCBD-D6A3-F745-A31A-1D77D672B396}"/>
+          <p:cNvPr id="4" name="Picture 3">
+            <a:extLst>
+              <a:ext uri="{FF2B5EF4-FFF2-40B4-BE49-F238E27FC236}">
+                <a16:creationId xmlns:a16="http://schemas.microsoft.com/office/drawing/2014/main" id="{32C68EFF-E51C-6E40-BB0F-1BFD3BFB72CC}"/>
               </a:ext>
             </a:extLst>
           </p:cNvPr>
@@ -7246,8 +8267,8 @@
         </p:blipFill>
         <p:spPr>
           <a:xfrm>
-            <a:off x="0" y="2166937"/>
-            <a:ext cx="12192000" cy="2524125"/>
+            <a:off x="1136650" y="2603500"/>
+            <a:ext cx="9918700" cy="1651000"/>
           </a:xfrm>
           <a:prstGeom prst="rect">
             <a:avLst/>
@@ -7257,7 +8278,7 @@
     </p:spTree>
     <p:extLst>
       <p:ext uri="{BB962C8B-B14F-4D97-AF65-F5344CB8AC3E}">
-        <p14:creationId xmlns:p14="http://schemas.microsoft.com/office/powerpoint/2010/main" val="2720816416"/>
+        <p14:creationId xmlns:p14="http://schemas.microsoft.com/office/powerpoint/2010/main" val="2400099634"/>
       </p:ext>
     </p:extLst>
   </p:cSld>
@@ -7302,7 +8323,7 @@
         </p:nvSpPr>
         <p:spPr>
           <a:xfrm>
-            <a:off x="838200" y="212444"/>
+            <a:off x="838200" y="223734"/>
             <a:ext cx="10515600" cy="1086131"/>
           </a:xfrm>
         </p:spPr>
@@ -7316,13 +8337,209 @@
               <a:rPr lang="en-US" dirty="0"/>
             </a:br>
             <a:r>
-              <a:rPr lang="en-GB" dirty="0" err="1"/>
-              <a:t>Pokemon</a:t>
-            </a:r>
-            <a:r>
               <a:rPr lang="en-GB" dirty="0"/>
-              <a:t> Demo</a:t>
-            </a:r>
+              <a:t>k-means</a:t>
+            </a:r>
+            <a:endParaRPr lang="en-US" dirty="0"/>
+          </a:p>
+        </p:txBody>
+      </p:sp>
+      <p:pic>
+        <p:nvPicPr>
+          <p:cNvPr id="4" name="Picture 3">
+            <a:extLst>
+              <a:ext uri="{FF2B5EF4-FFF2-40B4-BE49-F238E27FC236}">
+                <a16:creationId xmlns:a16="http://schemas.microsoft.com/office/drawing/2014/main" id="{32C68EFF-E51C-6E40-BB0F-1BFD3BFB72CC}"/>
+              </a:ext>
+            </a:extLst>
+          </p:cNvPr>
+          <p:cNvPicPr>
+            <a:picLocks noChangeAspect="1"/>
+          </p:cNvPicPr>
+          <p:nvPr/>
+        </p:nvPicPr>
+        <p:blipFill>
+          <a:blip r:embed="rId2"/>
+          <a:stretch>
+            <a:fillRect/>
+          </a:stretch>
+        </p:blipFill>
+        <p:spPr>
+          <a:xfrm>
+            <a:off x="1050152" y="2755900"/>
+            <a:ext cx="9918700" cy="1651000"/>
+          </a:xfrm>
+          <a:prstGeom prst="rect">
+            <a:avLst/>
+          </a:prstGeom>
+        </p:spPr>
+      </p:pic>
+      <p:sp>
+        <p:nvSpPr>
+          <p:cNvPr id="3" name="TextBox 2">
+            <a:extLst>
+              <a:ext uri="{FF2B5EF4-FFF2-40B4-BE49-F238E27FC236}">
+                <a16:creationId xmlns:a16="http://schemas.microsoft.com/office/drawing/2014/main" id="{F9A33E57-D9BB-5449-9D22-5E69E0EAEB7C}"/>
+              </a:ext>
+            </a:extLst>
+          </p:cNvPr>
+          <p:cNvSpPr txBox="1"/>
+          <p:nvPr/>
+        </p:nvSpPr>
+        <p:spPr>
+          <a:xfrm>
+            <a:off x="1487424" y="1865376"/>
+            <a:ext cx="2133600" cy="369332"/>
+          </a:xfrm>
+          <a:prstGeom prst="rect">
+            <a:avLst/>
+          </a:prstGeom>
+          <a:noFill/>
+        </p:spPr>
+        <p:txBody>
+          <a:bodyPr wrap="square" rtlCol="0">
+            <a:spAutoFit/>
+          </a:bodyPr>
+          <a:lstStyle/>
+          <a:p>
+            <a:r>
+              <a:rPr lang="en-US" dirty="0"/>
+              <a:t>we can imagine :</a:t>
+            </a:r>
+          </a:p>
+        </p:txBody>
+      </p:sp>
+      <p:sp>
+        <p:nvSpPr>
+          <p:cNvPr id="5" name="Oval 4">
+            <a:extLst>
+              <a:ext uri="{FF2B5EF4-FFF2-40B4-BE49-F238E27FC236}">
+                <a16:creationId xmlns:a16="http://schemas.microsoft.com/office/drawing/2014/main" id="{C7729114-19A5-984F-A631-DEAB402F3417}"/>
+              </a:ext>
+            </a:extLst>
+          </p:cNvPr>
+          <p:cNvSpPr/>
+          <p:nvPr/>
+        </p:nvSpPr>
+        <p:spPr>
+          <a:xfrm>
+            <a:off x="5471414" y="2731008"/>
+            <a:ext cx="2144804" cy="1523492"/>
+          </a:xfrm>
+          <a:prstGeom prst="ellipse">
+            <a:avLst/>
+          </a:prstGeom>
+          <a:noFill/>
+        </p:spPr>
+        <p:style>
+          <a:lnRef idx="2">
+            <a:schemeClr val="accent6"/>
+          </a:lnRef>
+          <a:fillRef idx="1">
+            <a:schemeClr val="lt1"/>
+          </a:fillRef>
+          <a:effectRef idx="0">
+            <a:schemeClr val="accent6"/>
+          </a:effectRef>
+          <a:fontRef idx="minor">
+            <a:schemeClr val="dk1"/>
+          </a:fontRef>
+        </p:style>
+        <p:txBody>
+          <a:bodyPr rtlCol="0" anchor="ctr"/>
+          <a:lstStyle/>
+          <a:p>
+            <a:pPr algn="ctr"/>
+            <a:endParaRPr lang="en-US" dirty="0"/>
+          </a:p>
+        </p:txBody>
+      </p:sp>
+      <p:sp>
+        <p:nvSpPr>
+          <p:cNvPr id="6" name="Oval 5">
+            <a:extLst>
+              <a:ext uri="{FF2B5EF4-FFF2-40B4-BE49-F238E27FC236}">
+                <a16:creationId xmlns:a16="http://schemas.microsoft.com/office/drawing/2014/main" id="{6B174E2C-F617-6644-9FDE-354D7AE2978F}"/>
+              </a:ext>
+            </a:extLst>
+          </p:cNvPr>
+          <p:cNvSpPr/>
+          <p:nvPr/>
+        </p:nvSpPr>
+        <p:spPr>
+          <a:xfrm>
+            <a:off x="1591056" y="2883408"/>
+            <a:ext cx="3425952" cy="1523492"/>
+          </a:xfrm>
+          <a:prstGeom prst="ellipse">
+            <a:avLst/>
+          </a:prstGeom>
+          <a:noFill/>
+        </p:spPr>
+        <p:style>
+          <a:lnRef idx="2">
+            <a:schemeClr val="accent6"/>
+          </a:lnRef>
+          <a:fillRef idx="1">
+            <a:schemeClr val="lt1"/>
+          </a:fillRef>
+          <a:effectRef idx="0">
+            <a:schemeClr val="accent6"/>
+          </a:effectRef>
+          <a:fontRef idx="minor">
+            <a:schemeClr val="dk1"/>
+          </a:fontRef>
+        </p:style>
+        <p:txBody>
+          <a:bodyPr rtlCol="0" anchor="ctr"/>
+          <a:lstStyle/>
+          <a:p>
+            <a:pPr algn="ctr"/>
+            <a:endParaRPr lang="en-US" dirty="0"/>
+          </a:p>
+        </p:txBody>
+      </p:sp>
+      <p:sp>
+        <p:nvSpPr>
+          <p:cNvPr id="7" name="Oval 6">
+            <a:extLst>
+              <a:ext uri="{FF2B5EF4-FFF2-40B4-BE49-F238E27FC236}">
+                <a16:creationId xmlns:a16="http://schemas.microsoft.com/office/drawing/2014/main" id="{596D521A-E865-7A44-93B1-18C60E437719}"/>
+              </a:ext>
+            </a:extLst>
+          </p:cNvPr>
+          <p:cNvSpPr/>
+          <p:nvPr/>
+        </p:nvSpPr>
+        <p:spPr>
+          <a:xfrm>
+            <a:off x="7823316" y="2755900"/>
+            <a:ext cx="2144804" cy="1523492"/>
+          </a:xfrm>
+          <a:prstGeom prst="ellipse">
+            <a:avLst/>
+          </a:prstGeom>
+          <a:noFill/>
+        </p:spPr>
+        <p:style>
+          <a:lnRef idx="2">
+            <a:schemeClr val="accent6"/>
+          </a:lnRef>
+          <a:fillRef idx="1">
+            <a:schemeClr val="lt1"/>
+          </a:fillRef>
+          <a:effectRef idx="0">
+            <a:schemeClr val="accent6"/>
+          </a:effectRef>
+          <a:fontRef idx="minor">
+            <a:schemeClr val="dk1"/>
+          </a:fontRef>
+        </p:style>
+        <p:txBody>
+          <a:bodyPr rtlCol="0" anchor="ctr"/>
+          <a:lstStyle/>
+          <a:p>
+            <a:pPr algn="ctr"/>
             <a:endParaRPr lang="en-US" dirty="0"/>
           </a:p>
         </p:txBody>
@@ -7330,7 +8547,7 @@
     </p:spTree>
     <p:extLst>
       <p:ext uri="{BB962C8B-B14F-4D97-AF65-F5344CB8AC3E}">
-        <p14:creationId xmlns:p14="http://schemas.microsoft.com/office/powerpoint/2010/main" val="3876281202"/>
+        <p14:creationId xmlns:p14="http://schemas.microsoft.com/office/powerpoint/2010/main" val="3682392015"/>
       </p:ext>
     </p:extLst>
   </p:cSld>
@@ -7341,7 +8558,7 @@
 </file>
 
 <file path=ppt/slides/slide24.xml><?xml version="1.0" encoding="utf-8"?>
-<p:sld xmlns:a="http://schemas.openxmlformats.org/drawingml/2006/main" xmlns:r="http://schemas.openxmlformats.org/officeDocument/2006/relationships" xmlns:p="http://schemas.openxmlformats.org/presentationml/2006/main" show="0">
+<p:sld xmlns:a="http://schemas.openxmlformats.org/drawingml/2006/main" xmlns:r="http://schemas.openxmlformats.org/officeDocument/2006/relationships" xmlns:p="http://schemas.openxmlformats.org/presentationml/2006/main">
   <p:cSld>
     <p:spTree>
       <p:nvGrpSpPr>
@@ -7362,7 +8579,7 @@
           <p:cNvPr id="2" name="Title 1">
             <a:extLst>
               <a:ext uri="{FF2B5EF4-FFF2-40B4-BE49-F238E27FC236}">
-                <a16:creationId xmlns:a16="http://schemas.microsoft.com/office/drawing/2014/main" id="{3AE94BD3-81F9-EA42-A663-CD01BA60E1D8}"/>
+                <a16:creationId xmlns:a16="http://schemas.microsoft.com/office/drawing/2014/main" id="{A4AC321E-9E64-5944-9F36-E1C762BB05C6}"/>
               </a:ext>
             </a:extLst>
           </p:cNvPr>
@@ -7373,15 +8590,26 @@
             <p:ph type="title"/>
           </p:nvPr>
         </p:nvSpPr>
-        <p:spPr/>
-        <p:txBody>
-          <a:bodyPr/>
-          <a:lstStyle/>
-          <a:p>
-            <a:r>
+        <p:spPr>
+          <a:xfrm>
+            <a:off x="838200" y="212444"/>
+            <a:ext cx="10515600" cy="1086131"/>
+          </a:xfrm>
+        </p:spPr>
+        <p:txBody>
+          <a:bodyPr>
+            <a:normAutofit fontScale="90000"/>
+          </a:bodyPr>
+          <a:lstStyle/>
+          <a:p>
+            <a:br>
               <a:rPr lang="en-US" dirty="0"/>
-              <a:t>Square</a:t>
-            </a:r>
+            </a:br>
+            <a:r>
+              <a:rPr lang="en-GB" dirty="0"/>
+              <a:t>k-means</a:t>
+            </a:r>
+            <a:endParaRPr lang="en-US" dirty="0"/>
           </a:p>
         </p:txBody>
       </p:sp>
@@ -7390,7 +8618,7 @@
           <p:cNvPr id="3" name="Picture 2">
             <a:extLst>
               <a:ext uri="{FF2B5EF4-FFF2-40B4-BE49-F238E27FC236}">
-                <a16:creationId xmlns:a16="http://schemas.microsoft.com/office/drawing/2014/main" id="{3483362F-0018-B349-8082-3DCE287748E0}"/>
+                <a16:creationId xmlns:a16="http://schemas.microsoft.com/office/drawing/2014/main" id="{DC6F6706-57A5-5A44-B7B9-2F0410697971}"/>
               </a:ext>
             </a:extLst>
           </p:cNvPr>
@@ -7407,8 +8635,158 @@
         </p:blipFill>
         <p:spPr>
           <a:xfrm>
-            <a:off x="984036" y="4007296"/>
-            <a:ext cx="6333241" cy="1325562"/>
+            <a:off x="1416894" y="1898650"/>
+            <a:ext cx="9169400" cy="3060700"/>
+          </a:xfrm>
+          <a:prstGeom prst="rect">
+            <a:avLst/>
+          </a:prstGeom>
+        </p:spPr>
+      </p:pic>
+      <p:sp>
+        <p:nvSpPr>
+          <p:cNvPr id="4" name="TextBox 3">
+            <a:extLst>
+              <a:ext uri="{FF2B5EF4-FFF2-40B4-BE49-F238E27FC236}">
+                <a16:creationId xmlns:a16="http://schemas.microsoft.com/office/drawing/2014/main" id="{12037C8D-2154-B94C-8258-6688780B637D}"/>
+              </a:ext>
+            </a:extLst>
+          </p:cNvPr>
+          <p:cNvSpPr txBox="1"/>
+          <p:nvPr/>
+        </p:nvSpPr>
+        <p:spPr>
+          <a:xfrm>
+            <a:off x="6211330" y="6276224"/>
+            <a:ext cx="5980670" cy="369332"/>
+          </a:xfrm>
+          <a:prstGeom prst="rect">
+            <a:avLst/>
+          </a:prstGeom>
+          <a:noFill/>
+        </p:spPr>
+        <p:txBody>
+          <a:bodyPr wrap="square" rtlCol="0">
+            <a:spAutoFit/>
+          </a:bodyPr>
+          <a:lstStyle/>
+          <a:p>
+            <a:r>
+              <a:rPr lang="en-US" dirty="0"/>
+              <a:t>Source : https://</a:t>
+            </a:r>
+            <a:r>
+              <a:rPr lang="en-US" dirty="0" err="1"/>
+              <a:t>www.youtube.com</a:t>
+            </a:r>
+            <a:r>
+              <a:rPr lang="en-US" dirty="0"/>
+              <a:t>/</a:t>
+            </a:r>
+            <a:r>
+              <a:rPr lang="en-US" dirty="0" err="1"/>
+              <a:t>watch?v</a:t>
+            </a:r>
+            <a:r>
+              <a:rPr lang="en-US" dirty="0"/>
+              <a:t>=4b5d3muPQmA</a:t>
+            </a:r>
+          </a:p>
+        </p:txBody>
+      </p:sp>
+    </p:spTree>
+    <p:extLst>
+      <p:ext uri="{BB962C8B-B14F-4D97-AF65-F5344CB8AC3E}">
+        <p14:creationId xmlns:p14="http://schemas.microsoft.com/office/powerpoint/2010/main" val="770258740"/>
+      </p:ext>
+    </p:extLst>
+  </p:cSld>
+  <p:clrMapOvr>
+    <a:masterClrMapping/>
+  </p:clrMapOvr>
+</p:sld>
+</file>
+
+<file path=ppt/slides/slide25.xml><?xml version="1.0" encoding="utf-8"?>
+<p:sld xmlns:a="http://schemas.openxmlformats.org/drawingml/2006/main" xmlns:r="http://schemas.openxmlformats.org/officeDocument/2006/relationships" xmlns:p="http://schemas.openxmlformats.org/presentationml/2006/main">
+  <p:cSld>
+    <p:spTree>
+      <p:nvGrpSpPr>
+        <p:cNvPr id="1" name=""/>
+        <p:cNvGrpSpPr/>
+        <p:nvPr/>
+      </p:nvGrpSpPr>
+      <p:grpSpPr>
+        <a:xfrm>
+          <a:off x="0" y="0"/>
+          <a:ext cx="0" cy="0"/>
+          <a:chOff x="0" y="0"/>
+          <a:chExt cx="0" cy="0"/>
+        </a:xfrm>
+      </p:grpSpPr>
+      <p:sp>
+        <p:nvSpPr>
+          <p:cNvPr id="2" name="Title 1">
+            <a:extLst>
+              <a:ext uri="{FF2B5EF4-FFF2-40B4-BE49-F238E27FC236}">
+                <a16:creationId xmlns:a16="http://schemas.microsoft.com/office/drawing/2014/main" id="{A4AC321E-9E64-5944-9F36-E1C762BB05C6}"/>
+              </a:ext>
+            </a:extLst>
+          </p:cNvPr>
+          <p:cNvSpPr>
+            <a:spLocks noGrp="1"/>
+          </p:cNvSpPr>
+          <p:nvPr>
+            <p:ph type="title"/>
+          </p:nvPr>
+        </p:nvSpPr>
+        <p:spPr>
+          <a:xfrm>
+            <a:off x="838200" y="212444"/>
+            <a:ext cx="10515600" cy="1086131"/>
+          </a:xfrm>
+        </p:spPr>
+        <p:txBody>
+          <a:bodyPr>
+            <a:normAutofit fontScale="90000"/>
+          </a:bodyPr>
+          <a:lstStyle/>
+          <a:p>
+            <a:br>
+              <a:rPr lang="en-US" dirty="0"/>
+            </a:br>
+            <a:r>
+              <a:rPr lang="en-GB" dirty="0"/>
+              <a:t>k-means</a:t>
+            </a:r>
+            <a:endParaRPr lang="en-US" dirty="0"/>
+          </a:p>
+        </p:txBody>
+      </p:sp>
+      <p:pic>
+        <p:nvPicPr>
+          <p:cNvPr id="4" name="Picture 3">
+            <a:extLst>
+              <a:ext uri="{FF2B5EF4-FFF2-40B4-BE49-F238E27FC236}">
+                <a16:creationId xmlns:a16="http://schemas.microsoft.com/office/drawing/2014/main" id="{0234AC80-9149-2042-BB69-26DCA41EEDF1}"/>
+              </a:ext>
+            </a:extLst>
+          </p:cNvPr>
+          <p:cNvPicPr>
+            <a:picLocks noChangeAspect="1"/>
+          </p:cNvPicPr>
+          <p:nvPr/>
+        </p:nvPicPr>
+        <p:blipFill>
+          <a:blip r:embed="rId2"/>
+          <a:stretch>
+            <a:fillRect/>
+          </a:stretch>
+        </p:blipFill>
+        <p:spPr>
+          <a:xfrm>
+            <a:off x="1517650" y="1841500"/>
+            <a:ext cx="9156700" cy="3175000"/>
           </a:xfrm>
           <a:prstGeom prst="rect">
             <a:avLst/>
@@ -7418,7 +8796,446 @@
     </p:spTree>
     <p:extLst>
       <p:ext uri="{BB962C8B-B14F-4D97-AF65-F5344CB8AC3E}">
-        <p14:creationId xmlns:p14="http://schemas.microsoft.com/office/powerpoint/2010/main" val="3623675131"/>
+        <p14:creationId xmlns:p14="http://schemas.microsoft.com/office/powerpoint/2010/main" val="283644206"/>
+      </p:ext>
+    </p:extLst>
+  </p:cSld>
+  <p:clrMapOvr>
+    <a:masterClrMapping/>
+  </p:clrMapOvr>
+</p:sld>
+</file>
+
+<file path=ppt/slides/slide26.xml><?xml version="1.0" encoding="utf-8"?>
+<p:sld xmlns:a="http://schemas.openxmlformats.org/drawingml/2006/main" xmlns:r="http://schemas.openxmlformats.org/officeDocument/2006/relationships" xmlns:p="http://schemas.openxmlformats.org/presentationml/2006/main">
+  <p:cSld>
+    <p:spTree>
+      <p:nvGrpSpPr>
+        <p:cNvPr id="1" name=""/>
+        <p:cNvGrpSpPr/>
+        <p:nvPr/>
+      </p:nvGrpSpPr>
+      <p:grpSpPr>
+        <a:xfrm>
+          <a:off x="0" y="0"/>
+          <a:ext cx="0" cy="0"/>
+          <a:chOff x="0" y="0"/>
+          <a:chExt cx="0" cy="0"/>
+        </a:xfrm>
+      </p:grpSpPr>
+      <p:sp>
+        <p:nvSpPr>
+          <p:cNvPr id="2" name="Title 1">
+            <a:extLst>
+              <a:ext uri="{FF2B5EF4-FFF2-40B4-BE49-F238E27FC236}">
+                <a16:creationId xmlns:a16="http://schemas.microsoft.com/office/drawing/2014/main" id="{A4AC321E-9E64-5944-9F36-E1C762BB05C6}"/>
+              </a:ext>
+            </a:extLst>
+          </p:cNvPr>
+          <p:cNvSpPr>
+            <a:spLocks noGrp="1"/>
+          </p:cNvSpPr>
+          <p:nvPr>
+            <p:ph type="title"/>
+          </p:nvPr>
+        </p:nvSpPr>
+        <p:spPr>
+          <a:xfrm>
+            <a:off x="838200" y="212444"/>
+            <a:ext cx="10515600" cy="1086131"/>
+          </a:xfrm>
+        </p:spPr>
+        <p:txBody>
+          <a:bodyPr>
+            <a:normAutofit fontScale="90000"/>
+          </a:bodyPr>
+          <a:lstStyle/>
+          <a:p>
+            <a:br>
+              <a:rPr lang="en-US" dirty="0"/>
+            </a:br>
+            <a:r>
+              <a:rPr lang="en-GB" dirty="0"/>
+              <a:t>k-means</a:t>
+            </a:r>
+            <a:endParaRPr lang="en-US" dirty="0"/>
+          </a:p>
+        </p:txBody>
+      </p:sp>
+      <p:pic>
+        <p:nvPicPr>
+          <p:cNvPr id="3" name="Picture 2">
+            <a:extLst>
+              <a:ext uri="{FF2B5EF4-FFF2-40B4-BE49-F238E27FC236}">
+                <a16:creationId xmlns:a16="http://schemas.microsoft.com/office/drawing/2014/main" id="{0D565070-6066-E140-B901-0B26E7706B6D}"/>
+              </a:ext>
+            </a:extLst>
+          </p:cNvPr>
+          <p:cNvPicPr>
+            <a:picLocks noChangeAspect="1"/>
+          </p:cNvPicPr>
+          <p:nvPr/>
+        </p:nvPicPr>
+        <p:blipFill>
+          <a:blip r:embed="rId2"/>
+          <a:stretch>
+            <a:fillRect/>
+          </a:stretch>
+        </p:blipFill>
+        <p:spPr>
+          <a:xfrm>
+            <a:off x="1428750" y="1464564"/>
+            <a:ext cx="9334500" cy="4953000"/>
+          </a:xfrm>
+          <a:prstGeom prst="rect">
+            <a:avLst/>
+          </a:prstGeom>
+        </p:spPr>
+      </p:pic>
+    </p:spTree>
+    <p:extLst>
+      <p:ext uri="{BB962C8B-B14F-4D97-AF65-F5344CB8AC3E}">
+        <p14:creationId xmlns:p14="http://schemas.microsoft.com/office/powerpoint/2010/main" val="3245893570"/>
+      </p:ext>
+    </p:extLst>
+  </p:cSld>
+  <p:clrMapOvr>
+    <a:masterClrMapping/>
+  </p:clrMapOvr>
+</p:sld>
+</file>
+
+<file path=ppt/slides/slide27.xml><?xml version="1.0" encoding="utf-8"?>
+<p:sld xmlns:a="http://schemas.openxmlformats.org/drawingml/2006/main" xmlns:r="http://schemas.openxmlformats.org/officeDocument/2006/relationships" xmlns:p="http://schemas.openxmlformats.org/presentationml/2006/main">
+  <p:cSld>
+    <p:spTree>
+      <p:nvGrpSpPr>
+        <p:cNvPr id="1" name=""/>
+        <p:cNvGrpSpPr/>
+        <p:nvPr/>
+      </p:nvGrpSpPr>
+      <p:grpSpPr>
+        <a:xfrm>
+          <a:off x="0" y="0"/>
+          <a:ext cx="0" cy="0"/>
+          <a:chOff x="0" y="0"/>
+          <a:chExt cx="0" cy="0"/>
+        </a:xfrm>
+      </p:grpSpPr>
+      <p:sp>
+        <p:nvSpPr>
+          <p:cNvPr id="2" name="Title 1">
+            <a:extLst>
+              <a:ext uri="{FF2B5EF4-FFF2-40B4-BE49-F238E27FC236}">
+                <a16:creationId xmlns:a16="http://schemas.microsoft.com/office/drawing/2014/main" id="{A4AC321E-9E64-5944-9F36-E1C762BB05C6}"/>
+              </a:ext>
+            </a:extLst>
+          </p:cNvPr>
+          <p:cNvSpPr>
+            <a:spLocks noGrp="1"/>
+          </p:cNvSpPr>
+          <p:nvPr>
+            <p:ph type="title"/>
+          </p:nvPr>
+        </p:nvSpPr>
+        <p:spPr>
+          <a:xfrm>
+            <a:off x="838200" y="212444"/>
+            <a:ext cx="10515600" cy="1086131"/>
+          </a:xfrm>
+        </p:spPr>
+        <p:txBody>
+          <a:bodyPr>
+            <a:normAutofit fontScale="90000"/>
+          </a:bodyPr>
+          <a:lstStyle/>
+          <a:p>
+            <a:br>
+              <a:rPr lang="en-US" dirty="0"/>
+            </a:br>
+            <a:r>
+              <a:rPr lang="en-GB" dirty="0"/>
+              <a:t>k-means</a:t>
+            </a:r>
+            <a:endParaRPr lang="en-US" dirty="0"/>
+          </a:p>
+        </p:txBody>
+      </p:sp>
+      <p:pic>
+        <p:nvPicPr>
+          <p:cNvPr id="4" name="Picture 3">
+            <a:extLst>
+              <a:ext uri="{FF2B5EF4-FFF2-40B4-BE49-F238E27FC236}">
+                <a16:creationId xmlns:a16="http://schemas.microsoft.com/office/drawing/2014/main" id="{FA4B5DF2-34CF-A542-A0C9-0B7D8EB1BB26}"/>
+              </a:ext>
+            </a:extLst>
+          </p:cNvPr>
+          <p:cNvPicPr>
+            <a:picLocks noChangeAspect="1"/>
+          </p:cNvPicPr>
+          <p:nvPr/>
+        </p:nvPicPr>
+        <p:blipFill>
+          <a:blip r:embed="rId2"/>
+          <a:stretch>
+            <a:fillRect/>
+          </a:stretch>
+        </p:blipFill>
+        <p:spPr>
+          <a:xfrm>
+            <a:off x="1470914" y="1957578"/>
+            <a:ext cx="9055100" cy="3162300"/>
+          </a:xfrm>
+          <a:prstGeom prst="rect">
+            <a:avLst/>
+          </a:prstGeom>
+        </p:spPr>
+      </p:pic>
+    </p:spTree>
+    <p:extLst>
+      <p:ext uri="{BB962C8B-B14F-4D97-AF65-F5344CB8AC3E}">
+        <p14:creationId xmlns:p14="http://schemas.microsoft.com/office/powerpoint/2010/main" val="2136413503"/>
+      </p:ext>
+    </p:extLst>
+  </p:cSld>
+  <p:clrMapOvr>
+    <a:masterClrMapping/>
+  </p:clrMapOvr>
+</p:sld>
+</file>
+
+<file path=ppt/slides/slide28.xml><?xml version="1.0" encoding="utf-8"?>
+<p:sld xmlns:a="http://schemas.openxmlformats.org/drawingml/2006/main" xmlns:r="http://schemas.openxmlformats.org/officeDocument/2006/relationships" xmlns:p="http://schemas.openxmlformats.org/presentationml/2006/main">
+  <p:cSld>
+    <p:spTree>
+      <p:nvGrpSpPr>
+        <p:cNvPr id="1" name=""/>
+        <p:cNvGrpSpPr/>
+        <p:nvPr/>
+      </p:nvGrpSpPr>
+      <p:grpSpPr>
+        <a:xfrm>
+          <a:off x="0" y="0"/>
+          <a:ext cx="0" cy="0"/>
+          <a:chOff x="0" y="0"/>
+          <a:chExt cx="0" cy="0"/>
+        </a:xfrm>
+      </p:grpSpPr>
+      <p:sp>
+        <p:nvSpPr>
+          <p:cNvPr id="2" name="Title 1">
+            <a:extLst>
+              <a:ext uri="{FF2B5EF4-FFF2-40B4-BE49-F238E27FC236}">
+                <a16:creationId xmlns:a16="http://schemas.microsoft.com/office/drawing/2014/main" id="{A4AC321E-9E64-5944-9F36-E1C762BB05C6}"/>
+              </a:ext>
+            </a:extLst>
+          </p:cNvPr>
+          <p:cNvSpPr>
+            <a:spLocks noGrp="1"/>
+          </p:cNvSpPr>
+          <p:nvPr>
+            <p:ph type="title"/>
+          </p:nvPr>
+        </p:nvSpPr>
+        <p:spPr>
+          <a:xfrm>
+            <a:off x="838200" y="212444"/>
+            <a:ext cx="10515600" cy="1086131"/>
+          </a:xfrm>
+        </p:spPr>
+        <p:txBody>
+          <a:bodyPr>
+            <a:normAutofit fontScale="90000"/>
+          </a:bodyPr>
+          <a:lstStyle/>
+          <a:p>
+            <a:br>
+              <a:rPr lang="en-US" dirty="0"/>
+            </a:br>
+            <a:r>
+              <a:rPr lang="en-GB" dirty="0"/>
+              <a:t>k-means</a:t>
+            </a:r>
+            <a:endParaRPr lang="en-US" dirty="0"/>
+          </a:p>
+        </p:txBody>
+      </p:sp>
+      <p:pic>
+        <p:nvPicPr>
+          <p:cNvPr id="3" name="Picture 2">
+            <a:extLst>
+              <a:ext uri="{FF2B5EF4-FFF2-40B4-BE49-F238E27FC236}">
+                <a16:creationId xmlns:a16="http://schemas.microsoft.com/office/drawing/2014/main" id="{D7A8169F-F6D8-5F4F-BD68-537CE2231704}"/>
+              </a:ext>
+            </a:extLst>
+          </p:cNvPr>
+          <p:cNvPicPr>
+            <a:picLocks noChangeAspect="1"/>
+          </p:cNvPicPr>
+          <p:nvPr/>
+        </p:nvPicPr>
+        <p:blipFill>
+          <a:blip r:embed="rId2"/>
+          <a:stretch>
+            <a:fillRect/>
+          </a:stretch>
+        </p:blipFill>
+        <p:spPr>
+          <a:xfrm>
+            <a:off x="1301750" y="1923288"/>
+            <a:ext cx="9588500" cy="4572000"/>
+          </a:xfrm>
+          <a:prstGeom prst="rect">
+            <a:avLst/>
+          </a:prstGeom>
+        </p:spPr>
+      </p:pic>
+      <p:sp>
+        <p:nvSpPr>
+          <p:cNvPr id="5" name="TextBox 4">
+            <a:extLst>
+              <a:ext uri="{FF2B5EF4-FFF2-40B4-BE49-F238E27FC236}">
+                <a16:creationId xmlns:a16="http://schemas.microsoft.com/office/drawing/2014/main" id="{6506E229-F057-004C-93F5-C847081DBF70}"/>
+              </a:ext>
+            </a:extLst>
+          </p:cNvPr>
+          <p:cNvSpPr txBox="1"/>
+          <p:nvPr/>
+        </p:nvSpPr>
+        <p:spPr>
+          <a:xfrm>
+            <a:off x="1487424" y="1553956"/>
+            <a:ext cx="1731264" cy="369332"/>
+          </a:xfrm>
+          <a:prstGeom prst="rect">
+            <a:avLst/>
+          </a:prstGeom>
+          <a:noFill/>
+        </p:spPr>
+        <p:txBody>
+          <a:bodyPr wrap="square" rtlCol="0">
+            <a:spAutoFit/>
+          </a:bodyPr>
+          <a:lstStyle/>
+          <a:p>
+            <a:r>
+              <a:rPr lang="en-US" dirty="0"/>
+              <a:t>2</a:t>
+            </a:r>
+            <a:r>
+              <a:rPr lang="en-US" baseline="30000" dirty="0"/>
+              <a:t>nd</a:t>
+            </a:r>
+            <a:r>
+              <a:rPr lang="en-US" dirty="0"/>
+              <a:t> point:</a:t>
+            </a:r>
+          </a:p>
+        </p:txBody>
+      </p:sp>
+    </p:spTree>
+    <p:extLst>
+      <p:ext uri="{BB962C8B-B14F-4D97-AF65-F5344CB8AC3E}">
+        <p14:creationId xmlns:p14="http://schemas.microsoft.com/office/powerpoint/2010/main" val="4231500122"/>
+      </p:ext>
+    </p:extLst>
+  </p:cSld>
+  <p:clrMapOvr>
+    <a:masterClrMapping/>
+  </p:clrMapOvr>
+</p:sld>
+</file>
+
+<file path=ppt/slides/slide29.xml><?xml version="1.0" encoding="utf-8"?>
+<p:sld xmlns:a="http://schemas.openxmlformats.org/drawingml/2006/main" xmlns:r="http://schemas.openxmlformats.org/officeDocument/2006/relationships" xmlns:p="http://schemas.openxmlformats.org/presentationml/2006/main">
+  <p:cSld>
+    <p:spTree>
+      <p:nvGrpSpPr>
+        <p:cNvPr id="1" name=""/>
+        <p:cNvGrpSpPr/>
+        <p:nvPr/>
+      </p:nvGrpSpPr>
+      <p:grpSpPr>
+        <a:xfrm>
+          <a:off x="0" y="0"/>
+          <a:ext cx="0" cy="0"/>
+          <a:chOff x="0" y="0"/>
+          <a:chExt cx="0" cy="0"/>
+        </a:xfrm>
+      </p:grpSpPr>
+      <p:sp>
+        <p:nvSpPr>
+          <p:cNvPr id="2" name="Title 1">
+            <a:extLst>
+              <a:ext uri="{FF2B5EF4-FFF2-40B4-BE49-F238E27FC236}">
+                <a16:creationId xmlns:a16="http://schemas.microsoft.com/office/drawing/2014/main" id="{A4AC321E-9E64-5944-9F36-E1C762BB05C6}"/>
+              </a:ext>
+            </a:extLst>
+          </p:cNvPr>
+          <p:cNvSpPr>
+            <a:spLocks noGrp="1"/>
+          </p:cNvSpPr>
+          <p:nvPr>
+            <p:ph type="title"/>
+          </p:nvPr>
+        </p:nvSpPr>
+        <p:spPr>
+          <a:xfrm>
+            <a:off x="838200" y="212444"/>
+            <a:ext cx="10515600" cy="1086131"/>
+          </a:xfrm>
+        </p:spPr>
+        <p:txBody>
+          <a:bodyPr>
+            <a:normAutofit fontScale="90000"/>
+          </a:bodyPr>
+          <a:lstStyle/>
+          <a:p>
+            <a:br>
+              <a:rPr lang="en-US" dirty="0"/>
+            </a:br>
+            <a:r>
+              <a:rPr lang="en-GB" dirty="0"/>
+              <a:t>k-means</a:t>
+            </a:r>
+            <a:endParaRPr lang="en-US" dirty="0"/>
+          </a:p>
+        </p:txBody>
+      </p:sp>
+      <p:pic>
+        <p:nvPicPr>
+          <p:cNvPr id="4" name="Picture 3">
+            <a:extLst>
+              <a:ext uri="{FF2B5EF4-FFF2-40B4-BE49-F238E27FC236}">
+                <a16:creationId xmlns:a16="http://schemas.microsoft.com/office/drawing/2014/main" id="{8F49FEF7-8A77-6E43-9492-F7BCB38F7FB6}"/>
+              </a:ext>
+            </a:extLst>
+          </p:cNvPr>
+          <p:cNvPicPr>
+            <a:picLocks noChangeAspect="1"/>
+          </p:cNvPicPr>
+          <p:nvPr/>
+        </p:nvPicPr>
+        <p:blipFill>
+          <a:blip r:embed="rId2"/>
+          <a:stretch>
+            <a:fillRect/>
+          </a:stretch>
+        </p:blipFill>
+        <p:spPr>
+          <a:xfrm>
+            <a:off x="1485900" y="2226056"/>
+            <a:ext cx="9220200" cy="2844800"/>
+          </a:xfrm>
+          <a:prstGeom prst="rect">
+            <a:avLst/>
+          </a:prstGeom>
+        </p:spPr>
+      </p:pic>
+    </p:spTree>
+    <p:extLst>
+      <p:ext uri="{BB962C8B-B14F-4D97-AF65-F5344CB8AC3E}">
+        <p14:creationId xmlns:p14="http://schemas.microsoft.com/office/powerpoint/2010/main" val="2895399382"/>
       </p:ext>
     </p:extLst>
   </p:cSld>
@@ -7663,6 +9480,1145 @@
 </p:sld>
 </file>
 
+<file path=ppt/slides/slide30.xml><?xml version="1.0" encoding="utf-8"?>
+<p:sld xmlns:a="http://schemas.openxmlformats.org/drawingml/2006/main" xmlns:r="http://schemas.openxmlformats.org/officeDocument/2006/relationships" xmlns:p="http://schemas.openxmlformats.org/presentationml/2006/main">
+  <p:cSld>
+    <p:spTree>
+      <p:nvGrpSpPr>
+        <p:cNvPr id="1" name=""/>
+        <p:cNvGrpSpPr/>
+        <p:nvPr/>
+      </p:nvGrpSpPr>
+      <p:grpSpPr>
+        <a:xfrm>
+          <a:off x="0" y="0"/>
+          <a:ext cx="0" cy="0"/>
+          <a:chOff x="0" y="0"/>
+          <a:chExt cx="0" cy="0"/>
+        </a:xfrm>
+      </p:grpSpPr>
+      <p:sp>
+        <p:nvSpPr>
+          <p:cNvPr id="2" name="Title 1">
+            <a:extLst>
+              <a:ext uri="{FF2B5EF4-FFF2-40B4-BE49-F238E27FC236}">
+                <a16:creationId xmlns:a16="http://schemas.microsoft.com/office/drawing/2014/main" id="{A4AC321E-9E64-5944-9F36-E1C762BB05C6}"/>
+              </a:ext>
+            </a:extLst>
+          </p:cNvPr>
+          <p:cNvSpPr>
+            <a:spLocks noGrp="1"/>
+          </p:cNvSpPr>
+          <p:nvPr>
+            <p:ph type="title"/>
+          </p:nvPr>
+        </p:nvSpPr>
+        <p:spPr>
+          <a:xfrm>
+            <a:off x="838200" y="212444"/>
+            <a:ext cx="10515600" cy="1086131"/>
+          </a:xfrm>
+        </p:spPr>
+        <p:txBody>
+          <a:bodyPr>
+            <a:normAutofit fontScale="90000"/>
+          </a:bodyPr>
+          <a:lstStyle/>
+          <a:p>
+            <a:br>
+              <a:rPr lang="en-US" dirty="0"/>
+            </a:br>
+            <a:r>
+              <a:rPr lang="en-GB" dirty="0"/>
+              <a:t>k-means</a:t>
+            </a:r>
+            <a:endParaRPr lang="en-US" dirty="0"/>
+          </a:p>
+        </p:txBody>
+      </p:sp>
+      <p:pic>
+        <p:nvPicPr>
+          <p:cNvPr id="3" name="Picture 2">
+            <a:extLst>
+              <a:ext uri="{FF2B5EF4-FFF2-40B4-BE49-F238E27FC236}">
+                <a16:creationId xmlns:a16="http://schemas.microsoft.com/office/drawing/2014/main" id="{0BED0885-CB39-954E-814F-5E1967D7BD9B}"/>
+              </a:ext>
+            </a:extLst>
+          </p:cNvPr>
+          <p:cNvPicPr>
+            <a:picLocks noChangeAspect="1"/>
+          </p:cNvPicPr>
+          <p:nvPr/>
+        </p:nvPicPr>
+        <p:blipFill>
+          <a:blip r:embed="rId2"/>
+          <a:stretch>
+            <a:fillRect/>
+          </a:stretch>
+        </p:blipFill>
+        <p:spPr>
+          <a:xfrm>
+            <a:off x="1524000" y="1797050"/>
+            <a:ext cx="9144000" cy="3263900"/>
+          </a:xfrm>
+          <a:prstGeom prst="rect">
+            <a:avLst/>
+          </a:prstGeom>
+        </p:spPr>
+      </p:pic>
+    </p:spTree>
+    <p:extLst>
+      <p:ext uri="{BB962C8B-B14F-4D97-AF65-F5344CB8AC3E}">
+        <p14:creationId xmlns:p14="http://schemas.microsoft.com/office/powerpoint/2010/main" val="3758660188"/>
+      </p:ext>
+    </p:extLst>
+  </p:cSld>
+  <p:clrMapOvr>
+    <a:masterClrMapping/>
+  </p:clrMapOvr>
+</p:sld>
+</file>
+
+<file path=ppt/slides/slide31.xml><?xml version="1.0" encoding="utf-8"?>
+<p:sld xmlns:a="http://schemas.openxmlformats.org/drawingml/2006/main" xmlns:r="http://schemas.openxmlformats.org/officeDocument/2006/relationships" xmlns:p="http://schemas.openxmlformats.org/presentationml/2006/main">
+  <p:cSld>
+    <p:spTree>
+      <p:nvGrpSpPr>
+        <p:cNvPr id="1" name=""/>
+        <p:cNvGrpSpPr/>
+        <p:nvPr/>
+      </p:nvGrpSpPr>
+      <p:grpSpPr>
+        <a:xfrm>
+          <a:off x="0" y="0"/>
+          <a:ext cx="0" cy="0"/>
+          <a:chOff x="0" y="0"/>
+          <a:chExt cx="0" cy="0"/>
+        </a:xfrm>
+      </p:grpSpPr>
+      <p:sp>
+        <p:nvSpPr>
+          <p:cNvPr id="2" name="Title 1">
+            <a:extLst>
+              <a:ext uri="{FF2B5EF4-FFF2-40B4-BE49-F238E27FC236}">
+                <a16:creationId xmlns:a16="http://schemas.microsoft.com/office/drawing/2014/main" id="{A4AC321E-9E64-5944-9F36-E1C762BB05C6}"/>
+              </a:ext>
+            </a:extLst>
+          </p:cNvPr>
+          <p:cNvSpPr>
+            <a:spLocks noGrp="1"/>
+          </p:cNvSpPr>
+          <p:nvPr>
+            <p:ph type="title"/>
+          </p:nvPr>
+        </p:nvSpPr>
+        <p:spPr>
+          <a:xfrm>
+            <a:off x="838200" y="212444"/>
+            <a:ext cx="10515600" cy="1086131"/>
+          </a:xfrm>
+        </p:spPr>
+        <p:txBody>
+          <a:bodyPr>
+            <a:normAutofit fontScale="90000"/>
+          </a:bodyPr>
+          <a:lstStyle/>
+          <a:p>
+            <a:br>
+              <a:rPr lang="en-US" dirty="0"/>
+            </a:br>
+            <a:r>
+              <a:rPr lang="en-GB" dirty="0"/>
+              <a:t>k-means</a:t>
+            </a:r>
+            <a:endParaRPr lang="en-US" dirty="0"/>
+          </a:p>
+        </p:txBody>
+      </p:sp>
+      <p:pic>
+        <p:nvPicPr>
+          <p:cNvPr id="4" name="Picture 3">
+            <a:extLst>
+              <a:ext uri="{FF2B5EF4-FFF2-40B4-BE49-F238E27FC236}">
+                <a16:creationId xmlns:a16="http://schemas.microsoft.com/office/drawing/2014/main" id="{763C6C8C-3C26-904A-8F9B-952D8E79C1EF}"/>
+              </a:ext>
+            </a:extLst>
+          </p:cNvPr>
+          <p:cNvPicPr>
+            <a:picLocks noChangeAspect="1"/>
+          </p:cNvPicPr>
+          <p:nvPr/>
+        </p:nvPicPr>
+        <p:blipFill>
+          <a:blip r:embed="rId2"/>
+          <a:stretch>
+            <a:fillRect/>
+          </a:stretch>
+        </p:blipFill>
+        <p:spPr>
+          <a:xfrm>
+            <a:off x="1543050" y="2200402"/>
+            <a:ext cx="9105900" cy="3822700"/>
+          </a:xfrm>
+          <a:prstGeom prst="rect">
+            <a:avLst/>
+          </a:prstGeom>
+        </p:spPr>
+      </p:pic>
+      <p:sp>
+        <p:nvSpPr>
+          <p:cNvPr id="5" name="TextBox 4">
+            <a:extLst>
+              <a:ext uri="{FF2B5EF4-FFF2-40B4-BE49-F238E27FC236}">
+                <a16:creationId xmlns:a16="http://schemas.microsoft.com/office/drawing/2014/main" id="{DC3F5579-5C12-E64C-AB71-E6AB318D7012}"/>
+              </a:ext>
+            </a:extLst>
+          </p:cNvPr>
+          <p:cNvSpPr txBox="1"/>
+          <p:nvPr/>
+        </p:nvSpPr>
+        <p:spPr>
+          <a:xfrm>
+            <a:off x="1645920" y="1499616"/>
+            <a:ext cx="5510784" cy="369332"/>
+          </a:xfrm>
+          <a:prstGeom prst="rect">
+            <a:avLst/>
+          </a:prstGeom>
+          <a:noFill/>
+        </p:spPr>
+        <p:txBody>
+          <a:bodyPr wrap="square" rtlCol="0">
+            <a:spAutoFit/>
+          </a:bodyPr>
+          <a:lstStyle/>
+          <a:p>
+            <a:r>
+              <a:rPr lang="en-US" dirty="0"/>
+              <a:t>Point by point, use the means to choose the cluster</a:t>
+            </a:r>
+          </a:p>
+        </p:txBody>
+      </p:sp>
+    </p:spTree>
+    <p:extLst>
+      <p:ext uri="{BB962C8B-B14F-4D97-AF65-F5344CB8AC3E}">
+        <p14:creationId xmlns:p14="http://schemas.microsoft.com/office/powerpoint/2010/main" val="3039714443"/>
+      </p:ext>
+    </p:extLst>
+  </p:cSld>
+  <p:clrMapOvr>
+    <a:masterClrMapping/>
+  </p:clrMapOvr>
+</p:sld>
+</file>
+
+<file path=ppt/slides/slide32.xml><?xml version="1.0" encoding="utf-8"?>
+<p:sld xmlns:a="http://schemas.openxmlformats.org/drawingml/2006/main" xmlns:r="http://schemas.openxmlformats.org/officeDocument/2006/relationships" xmlns:p="http://schemas.openxmlformats.org/presentationml/2006/main">
+  <p:cSld>
+    <p:spTree>
+      <p:nvGrpSpPr>
+        <p:cNvPr id="1" name=""/>
+        <p:cNvGrpSpPr/>
+        <p:nvPr/>
+      </p:nvGrpSpPr>
+      <p:grpSpPr>
+        <a:xfrm>
+          <a:off x="0" y="0"/>
+          <a:ext cx="0" cy="0"/>
+          <a:chOff x="0" y="0"/>
+          <a:chExt cx="0" cy="0"/>
+        </a:xfrm>
+      </p:grpSpPr>
+      <p:sp>
+        <p:nvSpPr>
+          <p:cNvPr id="2" name="Title 1">
+            <a:extLst>
+              <a:ext uri="{FF2B5EF4-FFF2-40B4-BE49-F238E27FC236}">
+                <a16:creationId xmlns:a16="http://schemas.microsoft.com/office/drawing/2014/main" id="{A4AC321E-9E64-5944-9F36-E1C762BB05C6}"/>
+              </a:ext>
+            </a:extLst>
+          </p:cNvPr>
+          <p:cNvSpPr>
+            <a:spLocks noGrp="1"/>
+          </p:cNvSpPr>
+          <p:nvPr>
+            <p:ph type="title"/>
+          </p:nvPr>
+        </p:nvSpPr>
+        <p:spPr>
+          <a:xfrm>
+            <a:off x="838200" y="212444"/>
+            <a:ext cx="10515600" cy="1086131"/>
+          </a:xfrm>
+        </p:spPr>
+        <p:txBody>
+          <a:bodyPr>
+            <a:normAutofit fontScale="90000"/>
+          </a:bodyPr>
+          <a:lstStyle/>
+          <a:p>
+            <a:br>
+              <a:rPr lang="en-US" dirty="0"/>
+            </a:br>
+            <a:r>
+              <a:rPr lang="en-GB" dirty="0"/>
+              <a:t>k-means</a:t>
+            </a:r>
+            <a:endParaRPr lang="en-US" dirty="0"/>
+          </a:p>
+        </p:txBody>
+      </p:sp>
+      <p:pic>
+        <p:nvPicPr>
+          <p:cNvPr id="3" name="Picture 2">
+            <a:extLst>
+              <a:ext uri="{FF2B5EF4-FFF2-40B4-BE49-F238E27FC236}">
+                <a16:creationId xmlns:a16="http://schemas.microsoft.com/office/drawing/2014/main" id="{AF574180-7868-CE47-9612-513CD21E0AA2}"/>
+              </a:ext>
+            </a:extLst>
+          </p:cNvPr>
+          <p:cNvPicPr>
+            <a:picLocks noChangeAspect="1"/>
+          </p:cNvPicPr>
+          <p:nvPr/>
+        </p:nvPicPr>
+        <p:blipFill>
+          <a:blip r:embed="rId2"/>
+          <a:stretch>
+            <a:fillRect/>
+          </a:stretch>
+        </p:blipFill>
+        <p:spPr>
+          <a:xfrm>
+            <a:off x="1485900" y="2266442"/>
+            <a:ext cx="9220200" cy="3568700"/>
+          </a:xfrm>
+          <a:prstGeom prst="rect">
+            <a:avLst/>
+          </a:prstGeom>
+        </p:spPr>
+      </p:pic>
+    </p:spTree>
+    <p:extLst>
+      <p:ext uri="{BB962C8B-B14F-4D97-AF65-F5344CB8AC3E}">
+        <p14:creationId xmlns:p14="http://schemas.microsoft.com/office/powerpoint/2010/main" val="3693222848"/>
+      </p:ext>
+    </p:extLst>
+  </p:cSld>
+  <p:clrMapOvr>
+    <a:masterClrMapping/>
+  </p:clrMapOvr>
+</p:sld>
+</file>
+
+<file path=ppt/slides/slide33.xml><?xml version="1.0" encoding="utf-8"?>
+<p:sld xmlns:a="http://schemas.openxmlformats.org/drawingml/2006/main" xmlns:r="http://schemas.openxmlformats.org/officeDocument/2006/relationships" xmlns:p="http://schemas.openxmlformats.org/presentationml/2006/main">
+  <p:cSld>
+    <p:spTree>
+      <p:nvGrpSpPr>
+        <p:cNvPr id="1" name=""/>
+        <p:cNvGrpSpPr/>
+        <p:nvPr/>
+      </p:nvGrpSpPr>
+      <p:grpSpPr>
+        <a:xfrm>
+          <a:off x="0" y="0"/>
+          <a:ext cx="0" cy="0"/>
+          <a:chOff x="0" y="0"/>
+          <a:chExt cx="0" cy="0"/>
+        </a:xfrm>
+      </p:grpSpPr>
+      <p:sp>
+        <p:nvSpPr>
+          <p:cNvPr id="2" name="Title 1">
+            <a:extLst>
+              <a:ext uri="{FF2B5EF4-FFF2-40B4-BE49-F238E27FC236}">
+                <a16:creationId xmlns:a16="http://schemas.microsoft.com/office/drawing/2014/main" id="{A4AC321E-9E64-5944-9F36-E1C762BB05C6}"/>
+              </a:ext>
+            </a:extLst>
+          </p:cNvPr>
+          <p:cNvSpPr>
+            <a:spLocks noGrp="1"/>
+          </p:cNvSpPr>
+          <p:nvPr>
+            <p:ph type="title"/>
+          </p:nvPr>
+        </p:nvSpPr>
+        <p:spPr>
+          <a:xfrm>
+            <a:off x="838200" y="212444"/>
+            <a:ext cx="10515600" cy="1086131"/>
+          </a:xfrm>
+        </p:spPr>
+        <p:txBody>
+          <a:bodyPr>
+            <a:normAutofit fontScale="90000"/>
+          </a:bodyPr>
+          <a:lstStyle/>
+          <a:p>
+            <a:br>
+              <a:rPr lang="en-US" dirty="0"/>
+            </a:br>
+            <a:r>
+              <a:rPr lang="en-GB" dirty="0"/>
+              <a:t>k-means</a:t>
+            </a:r>
+            <a:endParaRPr lang="en-US" dirty="0"/>
+          </a:p>
+        </p:txBody>
+      </p:sp>
+      <p:pic>
+        <p:nvPicPr>
+          <p:cNvPr id="4" name="Picture 3">
+            <a:extLst>
+              <a:ext uri="{FF2B5EF4-FFF2-40B4-BE49-F238E27FC236}">
+                <a16:creationId xmlns:a16="http://schemas.microsoft.com/office/drawing/2014/main" id="{CC0DB325-85D2-0E4A-8B1A-7BC56A2D4A9A}"/>
+              </a:ext>
+            </a:extLst>
+          </p:cNvPr>
+          <p:cNvPicPr>
+            <a:picLocks noChangeAspect="1"/>
+          </p:cNvPicPr>
+          <p:nvPr/>
+        </p:nvPicPr>
+        <p:blipFill>
+          <a:blip r:embed="rId2"/>
+          <a:stretch>
+            <a:fillRect/>
+          </a:stretch>
+        </p:blipFill>
+        <p:spPr>
+          <a:xfrm>
+            <a:off x="1587500" y="1724406"/>
+            <a:ext cx="9017000" cy="3848100"/>
+          </a:xfrm>
+          <a:prstGeom prst="rect">
+            <a:avLst/>
+          </a:prstGeom>
+        </p:spPr>
+      </p:pic>
+    </p:spTree>
+    <p:extLst>
+      <p:ext uri="{BB962C8B-B14F-4D97-AF65-F5344CB8AC3E}">
+        <p14:creationId xmlns:p14="http://schemas.microsoft.com/office/powerpoint/2010/main" val="3302088313"/>
+      </p:ext>
+    </p:extLst>
+  </p:cSld>
+  <p:clrMapOvr>
+    <a:masterClrMapping/>
+  </p:clrMapOvr>
+</p:sld>
+</file>
+
+<file path=ppt/slides/slide34.xml><?xml version="1.0" encoding="utf-8"?>
+<p:sld xmlns:a="http://schemas.openxmlformats.org/drawingml/2006/main" xmlns:r="http://schemas.openxmlformats.org/officeDocument/2006/relationships" xmlns:p="http://schemas.openxmlformats.org/presentationml/2006/main">
+  <p:cSld>
+    <p:spTree>
+      <p:nvGrpSpPr>
+        <p:cNvPr id="1" name=""/>
+        <p:cNvGrpSpPr/>
+        <p:nvPr/>
+      </p:nvGrpSpPr>
+      <p:grpSpPr>
+        <a:xfrm>
+          <a:off x="0" y="0"/>
+          <a:ext cx="0" cy="0"/>
+          <a:chOff x="0" y="0"/>
+          <a:chExt cx="0" cy="0"/>
+        </a:xfrm>
+      </p:grpSpPr>
+      <p:sp>
+        <p:nvSpPr>
+          <p:cNvPr id="2" name="Title 1">
+            <a:extLst>
+              <a:ext uri="{FF2B5EF4-FFF2-40B4-BE49-F238E27FC236}">
+                <a16:creationId xmlns:a16="http://schemas.microsoft.com/office/drawing/2014/main" id="{A4AC321E-9E64-5944-9F36-E1C762BB05C6}"/>
+              </a:ext>
+            </a:extLst>
+          </p:cNvPr>
+          <p:cNvSpPr>
+            <a:spLocks noGrp="1"/>
+          </p:cNvSpPr>
+          <p:nvPr>
+            <p:ph type="title"/>
+          </p:nvPr>
+        </p:nvSpPr>
+        <p:spPr>
+          <a:xfrm>
+            <a:off x="838200" y="212444"/>
+            <a:ext cx="10515600" cy="1086131"/>
+          </a:xfrm>
+        </p:spPr>
+        <p:txBody>
+          <a:bodyPr>
+            <a:normAutofit fontScale="90000"/>
+          </a:bodyPr>
+          <a:lstStyle/>
+          <a:p>
+            <a:br>
+              <a:rPr lang="en-US" dirty="0"/>
+            </a:br>
+            <a:r>
+              <a:rPr lang="en-GB" dirty="0"/>
+              <a:t>k-means</a:t>
+            </a:r>
+            <a:endParaRPr lang="en-US" dirty="0"/>
+          </a:p>
+        </p:txBody>
+      </p:sp>
+      <p:pic>
+        <p:nvPicPr>
+          <p:cNvPr id="3" name="Picture 2">
+            <a:extLst>
+              <a:ext uri="{FF2B5EF4-FFF2-40B4-BE49-F238E27FC236}">
+                <a16:creationId xmlns:a16="http://schemas.microsoft.com/office/drawing/2014/main" id="{D9273F13-F368-2E4C-B07F-BACF8EAFBDF3}"/>
+              </a:ext>
+            </a:extLst>
+          </p:cNvPr>
+          <p:cNvPicPr>
+            <a:picLocks noChangeAspect="1"/>
+          </p:cNvPicPr>
+          <p:nvPr/>
+        </p:nvPicPr>
+        <p:blipFill>
+          <a:blip r:embed="rId2"/>
+          <a:stretch>
+            <a:fillRect/>
+          </a:stretch>
+        </p:blipFill>
+        <p:spPr>
+          <a:xfrm>
+            <a:off x="1568450" y="2124456"/>
+            <a:ext cx="9055100" cy="2438400"/>
+          </a:xfrm>
+          <a:prstGeom prst="rect">
+            <a:avLst/>
+          </a:prstGeom>
+        </p:spPr>
+      </p:pic>
+    </p:spTree>
+    <p:extLst>
+      <p:ext uri="{BB962C8B-B14F-4D97-AF65-F5344CB8AC3E}">
+        <p14:creationId xmlns:p14="http://schemas.microsoft.com/office/powerpoint/2010/main" val="2184920166"/>
+      </p:ext>
+    </p:extLst>
+  </p:cSld>
+  <p:clrMapOvr>
+    <a:masterClrMapping/>
+  </p:clrMapOvr>
+</p:sld>
+</file>
+
+<file path=ppt/slides/slide35.xml><?xml version="1.0" encoding="utf-8"?>
+<p:sld xmlns:a="http://schemas.openxmlformats.org/drawingml/2006/main" xmlns:r="http://schemas.openxmlformats.org/officeDocument/2006/relationships" xmlns:p="http://schemas.openxmlformats.org/presentationml/2006/main">
+  <p:cSld>
+    <p:spTree>
+      <p:nvGrpSpPr>
+        <p:cNvPr id="1" name=""/>
+        <p:cNvGrpSpPr/>
+        <p:nvPr/>
+      </p:nvGrpSpPr>
+      <p:grpSpPr>
+        <a:xfrm>
+          <a:off x="0" y="0"/>
+          <a:ext cx="0" cy="0"/>
+          <a:chOff x="0" y="0"/>
+          <a:chExt cx="0" cy="0"/>
+        </a:xfrm>
+      </p:grpSpPr>
+      <p:sp>
+        <p:nvSpPr>
+          <p:cNvPr id="2" name="Title 1">
+            <a:extLst>
+              <a:ext uri="{FF2B5EF4-FFF2-40B4-BE49-F238E27FC236}">
+                <a16:creationId xmlns:a16="http://schemas.microsoft.com/office/drawing/2014/main" id="{A4AC321E-9E64-5944-9F36-E1C762BB05C6}"/>
+              </a:ext>
+            </a:extLst>
+          </p:cNvPr>
+          <p:cNvSpPr>
+            <a:spLocks noGrp="1"/>
+          </p:cNvSpPr>
+          <p:nvPr>
+            <p:ph type="title"/>
+          </p:nvPr>
+        </p:nvSpPr>
+        <p:spPr>
+          <a:xfrm>
+            <a:off x="838200" y="212444"/>
+            <a:ext cx="10515600" cy="1086131"/>
+          </a:xfrm>
+        </p:spPr>
+        <p:txBody>
+          <a:bodyPr>
+            <a:normAutofit fontScale="90000"/>
+          </a:bodyPr>
+          <a:lstStyle/>
+          <a:p>
+            <a:br>
+              <a:rPr lang="en-US" dirty="0"/>
+            </a:br>
+            <a:r>
+              <a:rPr lang="en-GB" dirty="0"/>
+              <a:t>k-means</a:t>
+            </a:r>
+            <a:endParaRPr lang="en-US" dirty="0"/>
+          </a:p>
+        </p:txBody>
+      </p:sp>
+      <p:pic>
+        <p:nvPicPr>
+          <p:cNvPr id="4" name="Picture 3">
+            <a:extLst>
+              <a:ext uri="{FF2B5EF4-FFF2-40B4-BE49-F238E27FC236}">
+                <a16:creationId xmlns:a16="http://schemas.microsoft.com/office/drawing/2014/main" id="{41F5B01F-4CD1-A240-8968-8AD7B78AB9F0}"/>
+              </a:ext>
+            </a:extLst>
+          </p:cNvPr>
+          <p:cNvPicPr>
+            <a:picLocks noChangeAspect="1"/>
+          </p:cNvPicPr>
+          <p:nvPr/>
+        </p:nvPicPr>
+        <p:blipFill>
+          <a:blip r:embed="rId2"/>
+          <a:stretch>
+            <a:fillRect/>
+          </a:stretch>
+        </p:blipFill>
+        <p:spPr>
+          <a:xfrm>
+            <a:off x="1625600" y="1298575"/>
+            <a:ext cx="8940800" cy="5346700"/>
+          </a:xfrm>
+          <a:prstGeom prst="rect">
+            <a:avLst/>
+          </a:prstGeom>
+        </p:spPr>
+      </p:pic>
+      <p:pic>
+        <p:nvPicPr>
+          <p:cNvPr id="5" name="Picture 4">
+            <a:extLst>
+              <a:ext uri="{FF2B5EF4-FFF2-40B4-BE49-F238E27FC236}">
+                <a16:creationId xmlns:a16="http://schemas.microsoft.com/office/drawing/2014/main" id="{73FA5698-3838-0247-9E85-229533E02A3C}"/>
+              </a:ext>
+            </a:extLst>
+          </p:cNvPr>
+          <p:cNvPicPr>
+            <a:picLocks noChangeAspect="1"/>
+          </p:cNvPicPr>
+          <p:nvPr/>
+        </p:nvPicPr>
+        <p:blipFill>
+          <a:blip r:embed="rId3"/>
+          <a:stretch>
+            <a:fillRect/>
+          </a:stretch>
+        </p:blipFill>
+        <p:spPr>
+          <a:xfrm>
+            <a:off x="9660128" y="4264660"/>
+            <a:ext cx="2235200" cy="2451100"/>
+          </a:xfrm>
+          <a:prstGeom prst="rect">
+            <a:avLst/>
+          </a:prstGeom>
+        </p:spPr>
+      </p:pic>
+    </p:spTree>
+    <p:extLst>
+      <p:ext uri="{BB962C8B-B14F-4D97-AF65-F5344CB8AC3E}">
+        <p14:creationId xmlns:p14="http://schemas.microsoft.com/office/powerpoint/2010/main" val="782680162"/>
+      </p:ext>
+    </p:extLst>
+  </p:cSld>
+  <p:clrMapOvr>
+    <a:masterClrMapping/>
+  </p:clrMapOvr>
+</p:sld>
+</file>
+
+<file path=ppt/slides/slide36.xml><?xml version="1.0" encoding="utf-8"?>
+<p:sld xmlns:a="http://schemas.openxmlformats.org/drawingml/2006/main" xmlns:r="http://schemas.openxmlformats.org/officeDocument/2006/relationships" xmlns:p="http://schemas.openxmlformats.org/presentationml/2006/main">
+  <p:cSld>
+    <p:spTree>
+      <p:nvGrpSpPr>
+        <p:cNvPr id="1" name=""/>
+        <p:cNvGrpSpPr/>
+        <p:nvPr/>
+      </p:nvGrpSpPr>
+      <p:grpSpPr>
+        <a:xfrm>
+          <a:off x="0" y="0"/>
+          <a:ext cx="0" cy="0"/>
+          <a:chOff x="0" y="0"/>
+          <a:chExt cx="0" cy="0"/>
+        </a:xfrm>
+      </p:grpSpPr>
+      <p:sp>
+        <p:nvSpPr>
+          <p:cNvPr id="2" name="Title 1">
+            <a:extLst>
+              <a:ext uri="{FF2B5EF4-FFF2-40B4-BE49-F238E27FC236}">
+                <a16:creationId xmlns:a16="http://schemas.microsoft.com/office/drawing/2014/main" id="{A4AC321E-9E64-5944-9F36-E1C762BB05C6}"/>
+              </a:ext>
+            </a:extLst>
+          </p:cNvPr>
+          <p:cNvSpPr>
+            <a:spLocks noGrp="1"/>
+          </p:cNvSpPr>
+          <p:nvPr>
+            <p:ph type="title"/>
+          </p:nvPr>
+        </p:nvSpPr>
+        <p:spPr>
+          <a:xfrm>
+            <a:off x="838200" y="212444"/>
+            <a:ext cx="10515600" cy="1086131"/>
+          </a:xfrm>
+        </p:spPr>
+        <p:txBody>
+          <a:bodyPr>
+            <a:normAutofit fontScale="90000"/>
+          </a:bodyPr>
+          <a:lstStyle/>
+          <a:p>
+            <a:br>
+              <a:rPr lang="en-US" dirty="0"/>
+            </a:br>
+            <a:r>
+              <a:rPr lang="en-GB" dirty="0"/>
+              <a:t>k-means</a:t>
+            </a:r>
+            <a:endParaRPr lang="en-US" dirty="0"/>
+          </a:p>
+        </p:txBody>
+      </p:sp>
+      <p:pic>
+        <p:nvPicPr>
+          <p:cNvPr id="3" name="Picture 2">
+            <a:extLst>
+              <a:ext uri="{FF2B5EF4-FFF2-40B4-BE49-F238E27FC236}">
+                <a16:creationId xmlns:a16="http://schemas.microsoft.com/office/drawing/2014/main" id="{21302CAB-5FE4-F240-B013-6954AA6C1B94}"/>
+              </a:ext>
+            </a:extLst>
+          </p:cNvPr>
+          <p:cNvPicPr>
+            <a:picLocks noChangeAspect="1"/>
+          </p:cNvPicPr>
+          <p:nvPr/>
+        </p:nvPicPr>
+        <p:blipFill>
+          <a:blip r:embed="rId2"/>
+          <a:stretch>
+            <a:fillRect/>
+          </a:stretch>
+        </p:blipFill>
+        <p:spPr>
+          <a:xfrm>
+            <a:off x="1524000" y="1911350"/>
+            <a:ext cx="9144000" cy="3035300"/>
+          </a:xfrm>
+          <a:prstGeom prst="rect">
+            <a:avLst/>
+          </a:prstGeom>
+        </p:spPr>
+      </p:pic>
+    </p:spTree>
+    <p:extLst>
+      <p:ext uri="{BB962C8B-B14F-4D97-AF65-F5344CB8AC3E}">
+        <p14:creationId xmlns:p14="http://schemas.microsoft.com/office/powerpoint/2010/main" val="3188080954"/>
+      </p:ext>
+    </p:extLst>
+  </p:cSld>
+  <p:clrMapOvr>
+    <a:masterClrMapping/>
+  </p:clrMapOvr>
+</p:sld>
+</file>
+
+<file path=ppt/slides/slide37.xml><?xml version="1.0" encoding="utf-8"?>
+<p:sld xmlns:a="http://schemas.openxmlformats.org/drawingml/2006/main" xmlns:r="http://schemas.openxmlformats.org/officeDocument/2006/relationships" xmlns:p="http://schemas.openxmlformats.org/presentationml/2006/main">
+  <p:cSld>
+    <p:spTree>
+      <p:nvGrpSpPr>
+        <p:cNvPr id="1" name=""/>
+        <p:cNvGrpSpPr/>
+        <p:nvPr/>
+      </p:nvGrpSpPr>
+      <p:grpSpPr>
+        <a:xfrm>
+          <a:off x="0" y="0"/>
+          <a:ext cx="0" cy="0"/>
+          <a:chOff x="0" y="0"/>
+          <a:chExt cx="0" cy="0"/>
+        </a:xfrm>
+      </p:grpSpPr>
+      <p:sp>
+        <p:nvSpPr>
+          <p:cNvPr id="2" name="Title 1">
+            <a:extLst>
+              <a:ext uri="{FF2B5EF4-FFF2-40B4-BE49-F238E27FC236}">
+                <a16:creationId xmlns:a16="http://schemas.microsoft.com/office/drawing/2014/main" id="{A4AC321E-9E64-5944-9F36-E1C762BB05C6}"/>
+              </a:ext>
+            </a:extLst>
+          </p:cNvPr>
+          <p:cNvSpPr>
+            <a:spLocks noGrp="1"/>
+          </p:cNvSpPr>
+          <p:nvPr>
+            <p:ph type="title"/>
+          </p:nvPr>
+        </p:nvSpPr>
+        <p:spPr>
+          <a:xfrm>
+            <a:off x="838200" y="212444"/>
+            <a:ext cx="10515600" cy="1086131"/>
+          </a:xfrm>
+        </p:spPr>
+        <p:txBody>
+          <a:bodyPr>
+            <a:normAutofit fontScale="90000"/>
+          </a:bodyPr>
+          <a:lstStyle/>
+          <a:p>
+            <a:br>
+              <a:rPr lang="en-US" dirty="0"/>
+            </a:br>
+            <a:r>
+              <a:rPr lang="en-GB" dirty="0"/>
+              <a:t>k-means</a:t>
+            </a:r>
+            <a:endParaRPr lang="en-US" dirty="0"/>
+          </a:p>
+        </p:txBody>
+      </p:sp>
+      <p:sp>
+        <p:nvSpPr>
+          <p:cNvPr id="4" name="TextBox 3">
+            <a:extLst>
+              <a:ext uri="{FF2B5EF4-FFF2-40B4-BE49-F238E27FC236}">
+                <a16:creationId xmlns:a16="http://schemas.microsoft.com/office/drawing/2014/main" id="{632B54E5-FBA6-394B-86DE-50A3FA3D009F}"/>
+              </a:ext>
+            </a:extLst>
+          </p:cNvPr>
+          <p:cNvSpPr txBox="1"/>
+          <p:nvPr/>
+        </p:nvSpPr>
+        <p:spPr>
+          <a:xfrm>
+            <a:off x="4508156" y="4596714"/>
+            <a:ext cx="2928552" cy="369332"/>
+          </a:xfrm>
+          <a:prstGeom prst="rect">
+            <a:avLst/>
+          </a:prstGeom>
+          <a:noFill/>
+        </p:spPr>
+        <p:txBody>
+          <a:bodyPr wrap="square" rtlCol="0">
+            <a:spAutoFit/>
+          </a:bodyPr>
+          <a:lstStyle/>
+          <a:p>
+            <a:pPr algn="ctr"/>
+            <a:r>
+              <a:rPr lang="en-US" dirty="0"/>
+              <a:t>Again again</a:t>
+            </a:r>
+          </a:p>
+        </p:txBody>
+      </p:sp>
+      <p:pic>
+        <p:nvPicPr>
+          <p:cNvPr id="5" name="Picture 4">
+            <a:extLst>
+              <a:ext uri="{FF2B5EF4-FFF2-40B4-BE49-F238E27FC236}">
+                <a16:creationId xmlns:a16="http://schemas.microsoft.com/office/drawing/2014/main" id="{473220DF-AAAC-4E48-B76B-92FF0AA9D21A}"/>
+              </a:ext>
+            </a:extLst>
+          </p:cNvPr>
+          <p:cNvPicPr>
+            <a:picLocks noChangeAspect="1"/>
+          </p:cNvPicPr>
+          <p:nvPr/>
+        </p:nvPicPr>
+        <p:blipFill>
+          <a:blip r:embed="rId2"/>
+          <a:stretch>
+            <a:fillRect/>
+          </a:stretch>
+        </p:blipFill>
+        <p:spPr>
+          <a:xfrm>
+            <a:off x="4405183" y="2199503"/>
+            <a:ext cx="2895600" cy="2286000"/>
+          </a:xfrm>
+          <a:prstGeom prst="rect">
+            <a:avLst/>
+          </a:prstGeom>
+        </p:spPr>
+      </p:pic>
+      <p:sp>
+        <p:nvSpPr>
+          <p:cNvPr id="6" name="TextBox 5">
+            <a:extLst>
+              <a:ext uri="{FF2B5EF4-FFF2-40B4-BE49-F238E27FC236}">
+                <a16:creationId xmlns:a16="http://schemas.microsoft.com/office/drawing/2014/main" id="{5D6F57DD-EF8B-AE4F-93EF-3D20D7DF8EA7}"/>
+              </a:ext>
+            </a:extLst>
+          </p:cNvPr>
+          <p:cNvSpPr txBox="1"/>
+          <p:nvPr/>
+        </p:nvSpPr>
+        <p:spPr>
+          <a:xfrm>
+            <a:off x="9008076" y="5795319"/>
+            <a:ext cx="2631989" cy="923330"/>
+          </a:xfrm>
+          <a:prstGeom prst="rect">
+            <a:avLst/>
+          </a:prstGeom>
+          <a:noFill/>
+        </p:spPr>
+        <p:txBody>
+          <a:bodyPr wrap="square" rtlCol="0">
+            <a:spAutoFit/>
+          </a:bodyPr>
+          <a:lstStyle/>
+          <a:p>
+            <a:r>
+              <a:rPr lang="en-IE" dirty="0"/>
+              <a:t>Computers are </a:t>
+            </a:r>
+            <a:r>
+              <a:rPr lang="en-IE" b="1" dirty="0"/>
+              <a:t>good</a:t>
+            </a:r>
+            <a:r>
+              <a:rPr lang="en-IE" dirty="0"/>
+              <a:t> at things like repetitive tasks and parallel processing</a:t>
+            </a:r>
+            <a:endParaRPr lang="en-US" dirty="0"/>
+          </a:p>
+        </p:txBody>
+      </p:sp>
+      <p:pic>
+        <p:nvPicPr>
+          <p:cNvPr id="7" name="Picture 6">
+            <a:extLst>
+              <a:ext uri="{FF2B5EF4-FFF2-40B4-BE49-F238E27FC236}">
+                <a16:creationId xmlns:a16="http://schemas.microsoft.com/office/drawing/2014/main" id="{F2BDFE74-4999-9440-B064-422645F7619E}"/>
+              </a:ext>
+            </a:extLst>
+          </p:cNvPr>
+          <p:cNvPicPr>
+            <a:picLocks noChangeAspect="1"/>
+          </p:cNvPicPr>
+          <p:nvPr/>
+        </p:nvPicPr>
+        <p:blipFill>
+          <a:blip r:embed="rId3"/>
+          <a:stretch>
+            <a:fillRect/>
+          </a:stretch>
+        </p:blipFill>
+        <p:spPr>
+          <a:xfrm>
+            <a:off x="8877643" y="3784430"/>
+            <a:ext cx="2641600" cy="1993900"/>
+          </a:xfrm>
+          <a:prstGeom prst="rect">
+            <a:avLst/>
+          </a:prstGeom>
+        </p:spPr>
+      </p:pic>
+    </p:spTree>
+    <p:extLst>
+      <p:ext uri="{BB962C8B-B14F-4D97-AF65-F5344CB8AC3E}">
+        <p14:creationId xmlns:p14="http://schemas.microsoft.com/office/powerpoint/2010/main" val="3357995953"/>
+      </p:ext>
+    </p:extLst>
+  </p:cSld>
+  <p:clrMapOvr>
+    <a:masterClrMapping/>
+  </p:clrMapOvr>
+</p:sld>
+</file>
+
+<file path=ppt/slides/slide38.xml><?xml version="1.0" encoding="utf-8"?>
+<p:sld xmlns:a="http://schemas.openxmlformats.org/drawingml/2006/main" xmlns:r="http://schemas.openxmlformats.org/officeDocument/2006/relationships" xmlns:p="http://schemas.openxmlformats.org/presentationml/2006/main">
+  <p:cSld>
+    <p:spTree>
+      <p:nvGrpSpPr>
+        <p:cNvPr id="1" name=""/>
+        <p:cNvGrpSpPr/>
+        <p:nvPr/>
+      </p:nvGrpSpPr>
+      <p:grpSpPr>
+        <a:xfrm>
+          <a:off x="0" y="0"/>
+          <a:ext cx="0" cy="0"/>
+          <a:chOff x="0" y="0"/>
+          <a:chExt cx="0" cy="0"/>
+        </a:xfrm>
+      </p:grpSpPr>
+      <p:sp>
+        <p:nvSpPr>
+          <p:cNvPr id="2" name="Title 1">
+            <a:extLst>
+              <a:ext uri="{FF2B5EF4-FFF2-40B4-BE49-F238E27FC236}">
+                <a16:creationId xmlns:a16="http://schemas.microsoft.com/office/drawing/2014/main" id="{A4AC321E-9E64-5944-9F36-E1C762BB05C6}"/>
+              </a:ext>
+            </a:extLst>
+          </p:cNvPr>
+          <p:cNvSpPr>
+            <a:spLocks noGrp="1"/>
+          </p:cNvSpPr>
+          <p:nvPr>
+            <p:ph type="title"/>
+          </p:nvPr>
+        </p:nvSpPr>
+        <p:spPr>
+          <a:xfrm>
+            <a:off x="838200" y="212444"/>
+            <a:ext cx="10515600" cy="1086131"/>
+          </a:xfrm>
+        </p:spPr>
+        <p:txBody>
+          <a:bodyPr>
+            <a:normAutofit fontScale="90000"/>
+          </a:bodyPr>
+          <a:lstStyle/>
+          <a:p>
+            <a:br>
+              <a:rPr lang="en-US" dirty="0"/>
+            </a:br>
+            <a:r>
+              <a:rPr lang="en-GB" dirty="0"/>
+              <a:t>k-means</a:t>
+            </a:r>
+            <a:endParaRPr lang="en-US" dirty="0"/>
+          </a:p>
+        </p:txBody>
+      </p:sp>
+      <p:pic>
+        <p:nvPicPr>
+          <p:cNvPr id="3" name="Picture 2">
+            <a:extLst>
+              <a:ext uri="{FF2B5EF4-FFF2-40B4-BE49-F238E27FC236}">
+                <a16:creationId xmlns:a16="http://schemas.microsoft.com/office/drawing/2014/main" id="{A7CC0409-EA69-5548-9727-CA9CE9F001C6}"/>
+              </a:ext>
+            </a:extLst>
+          </p:cNvPr>
+          <p:cNvPicPr>
+            <a:picLocks noChangeAspect="1"/>
+          </p:cNvPicPr>
+          <p:nvPr/>
+        </p:nvPicPr>
+        <p:blipFill>
+          <a:blip r:embed="rId2"/>
+          <a:stretch>
+            <a:fillRect/>
+          </a:stretch>
+        </p:blipFill>
+        <p:spPr>
+          <a:xfrm>
+            <a:off x="1616847" y="1565556"/>
+            <a:ext cx="9131300" cy="5080000"/>
+          </a:xfrm>
+          <a:prstGeom prst="rect">
+            <a:avLst/>
+          </a:prstGeom>
+        </p:spPr>
+      </p:pic>
+    </p:spTree>
+    <p:extLst>
+      <p:ext uri="{BB962C8B-B14F-4D97-AF65-F5344CB8AC3E}">
+        <p14:creationId xmlns:p14="http://schemas.microsoft.com/office/powerpoint/2010/main" val="3966846826"/>
+      </p:ext>
+    </p:extLst>
+  </p:cSld>
+  <p:clrMapOvr>
+    <a:masterClrMapping/>
+  </p:clrMapOvr>
+</p:sld>
+</file>
+
+<file path=ppt/slides/slide39.xml><?xml version="1.0" encoding="utf-8"?>
+<p:sld xmlns:a="http://schemas.openxmlformats.org/drawingml/2006/main" xmlns:r="http://schemas.openxmlformats.org/officeDocument/2006/relationships" xmlns:p="http://schemas.openxmlformats.org/presentationml/2006/main">
+  <p:cSld>
+    <p:spTree>
+      <p:nvGrpSpPr>
+        <p:cNvPr id="1" name=""/>
+        <p:cNvGrpSpPr/>
+        <p:nvPr/>
+      </p:nvGrpSpPr>
+      <p:grpSpPr>
+        <a:xfrm>
+          <a:off x="0" y="0"/>
+          <a:ext cx="0" cy="0"/>
+          <a:chOff x="0" y="0"/>
+          <a:chExt cx="0" cy="0"/>
+        </a:xfrm>
+      </p:grpSpPr>
+      <p:sp>
+        <p:nvSpPr>
+          <p:cNvPr id="2" name="Title 1">
+            <a:extLst>
+              <a:ext uri="{FF2B5EF4-FFF2-40B4-BE49-F238E27FC236}">
+                <a16:creationId xmlns:a16="http://schemas.microsoft.com/office/drawing/2014/main" id="{A4AC321E-9E64-5944-9F36-E1C762BB05C6}"/>
+              </a:ext>
+            </a:extLst>
+          </p:cNvPr>
+          <p:cNvSpPr>
+            <a:spLocks noGrp="1"/>
+          </p:cNvSpPr>
+          <p:nvPr>
+            <p:ph type="title"/>
+          </p:nvPr>
+        </p:nvSpPr>
+        <p:spPr>
+          <a:xfrm>
+            <a:off x="838200" y="212444"/>
+            <a:ext cx="10515600" cy="1086131"/>
+          </a:xfrm>
+        </p:spPr>
+        <p:txBody>
+          <a:bodyPr>
+            <a:normAutofit fontScale="90000"/>
+          </a:bodyPr>
+          <a:lstStyle/>
+          <a:p>
+            <a:br>
+              <a:rPr lang="en-US" dirty="0"/>
+            </a:br>
+            <a:r>
+              <a:rPr lang="en-GB" dirty="0" err="1"/>
+              <a:t>Pokemon</a:t>
+            </a:r>
+            <a:r>
+              <a:rPr lang="en-GB" dirty="0"/>
+              <a:t> Demo</a:t>
+            </a:r>
+            <a:endParaRPr lang="en-US" dirty="0"/>
+          </a:p>
+        </p:txBody>
+      </p:sp>
+    </p:spTree>
+    <p:extLst>
+      <p:ext uri="{BB962C8B-B14F-4D97-AF65-F5344CB8AC3E}">
+        <p14:creationId xmlns:p14="http://schemas.microsoft.com/office/powerpoint/2010/main" val="3876281202"/>
+      </p:ext>
+    </p:extLst>
+  </p:cSld>
+  <p:clrMapOvr>
+    <a:masterClrMapping/>
+  </p:clrMapOvr>
+</p:sld>
+</file>
+
 <file path=ppt/slides/slide4.xml><?xml version="1.0" encoding="utf-8"?>
 <p:sld xmlns:a="http://schemas.openxmlformats.org/drawingml/2006/main" xmlns:r="http://schemas.openxmlformats.org/officeDocument/2006/relationships" xmlns:p="http://schemas.openxmlformats.org/presentationml/2006/main">
   <p:cSld>
@@ -7936,6 +10892,426 @@
     <p:extLst>
       <p:ext uri="{BB962C8B-B14F-4D97-AF65-F5344CB8AC3E}">
         <p14:creationId xmlns:p14="http://schemas.microsoft.com/office/powerpoint/2010/main" val="718658970"/>
+      </p:ext>
+    </p:extLst>
+  </p:cSld>
+  <p:clrMapOvr>
+    <a:masterClrMapping/>
+  </p:clrMapOvr>
+</p:sld>
+</file>
+
+<file path=ppt/slides/slide40.xml><?xml version="1.0" encoding="utf-8"?>
+<p:sld xmlns:a="http://schemas.openxmlformats.org/drawingml/2006/main" xmlns:r="http://schemas.openxmlformats.org/officeDocument/2006/relationships" xmlns:p="http://schemas.openxmlformats.org/presentationml/2006/main">
+  <p:cSld>
+    <p:spTree>
+      <p:nvGrpSpPr>
+        <p:cNvPr id="1" name=""/>
+        <p:cNvGrpSpPr/>
+        <p:nvPr/>
+      </p:nvGrpSpPr>
+      <p:grpSpPr>
+        <a:xfrm>
+          <a:off x="0" y="0"/>
+          <a:ext cx="0" cy="0"/>
+          <a:chOff x="0" y="0"/>
+          <a:chExt cx="0" cy="0"/>
+        </a:xfrm>
+      </p:grpSpPr>
+      <p:sp>
+        <p:nvSpPr>
+          <p:cNvPr id="2" name="Title 1">
+            <a:extLst>
+              <a:ext uri="{FF2B5EF4-FFF2-40B4-BE49-F238E27FC236}">
+                <a16:creationId xmlns:a16="http://schemas.microsoft.com/office/drawing/2014/main" id="{A4AC321E-9E64-5944-9F36-E1C762BB05C6}"/>
+              </a:ext>
+            </a:extLst>
+          </p:cNvPr>
+          <p:cNvSpPr>
+            <a:spLocks noGrp="1"/>
+          </p:cNvSpPr>
+          <p:nvPr>
+            <p:ph type="title"/>
+          </p:nvPr>
+        </p:nvSpPr>
+        <p:spPr>
+          <a:xfrm>
+            <a:off x="838200" y="212444"/>
+            <a:ext cx="10515600" cy="1086131"/>
+          </a:xfrm>
+        </p:spPr>
+        <p:txBody>
+          <a:bodyPr>
+            <a:normAutofit fontScale="90000"/>
+          </a:bodyPr>
+          <a:lstStyle/>
+          <a:p>
+            <a:br>
+              <a:rPr lang="en-US" dirty="0"/>
+            </a:br>
+            <a:r>
+              <a:rPr lang="en-GB" dirty="0"/>
+              <a:t>Picking K</a:t>
+            </a:r>
+            <a:endParaRPr lang="en-US" dirty="0"/>
+          </a:p>
+        </p:txBody>
+      </p:sp>
+      <p:pic>
+        <p:nvPicPr>
+          <p:cNvPr id="3" name="Picture 2">
+            <a:extLst>
+              <a:ext uri="{FF2B5EF4-FFF2-40B4-BE49-F238E27FC236}">
+                <a16:creationId xmlns:a16="http://schemas.microsoft.com/office/drawing/2014/main" id="{DF83AE22-6986-6941-AFE6-AB8163295464}"/>
+              </a:ext>
+            </a:extLst>
+          </p:cNvPr>
+          <p:cNvPicPr>
+            <a:picLocks noChangeAspect="1"/>
+          </p:cNvPicPr>
+          <p:nvPr/>
+        </p:nvPicPr>
+        <p:blipFill>
+          <a:blip r:embed="rId2"/>
+          <a:stretch>
+            <a:fillRect/>
+          </a:stretch>
+        </p:blipFill>
+        <p:spPr>
+          <a:xfrm>
+            <a:off x="2108200" y="1375056"/>
+            <a:ext cx="7975600" cy="5270500"/>
+          </a:xfrm>
+          <a:prstGeom prst="rect">
+            <a:avLst/>
+          </a:prstGeom>
+        </p:spPr>
+      </p:pic>
+    </p:spTree>
+    <p:extLst>
+      <p:ext uri="{BB962C8B-B14F-4D97-AF65-F5344CB8AC3E}">
+        <p14:creationId xmlns:p14="http://schemas.microsoft.com/office/powerpoint/2010/main" val="3902695132"/>
+      </p:ext>
+    </p:extLst>
+  </p:cSld>
+  <p:clrMapOvr>
+    <a:masterClrMapping/>
+  </p:clrMapOvr>
+</p:sld>
+</file>
+
+<file path=ppt/slides/slide41.xml><?xml version="1.0" encoding="utf-8"?>
+<p:sld xmlns:a="http://schemas.openxmlformats.org/drawingml/2006/main" xmlns:r="http://schemas.openxmlformats.org/officeDocument/2006/relationships" xmlns:p="http://schemas.openxmlformats.org/presentationml/2006/main">
+  <p:cSld>
+    <p:spTree>
+      <p:nvGrpSpPr>
+        <p:cNvPr id="1" name=""/>
+        <p:cNvGrpSpPr/>
+        <p:nvPr/>
+      </p:nvGrpSpPr>
+      <p:grpSpPr>
+        <a:xfrm>
+          <a:off x="0" y="0"/>
+          <a:ext cx="0" cy="0"/>
+          <a:chOff x="0" y="0"/>
+          <a:chExt cx="0" cy="0"/>
+        </a:xfrm>
+      </p:grpSpPr>
+      <p:sp>
+        <p:nvSpPr>
+          <p:cNvPr id="2" name="Title 1">
+            <a:extLst>
+              <a:ext uri="{FF2B5EF4-FFF2-40B4-BE49-F238E27FC236}">
+                <a16:creationId xmlns:a16="http://schemas.microsoft.com/office/drawing/2014/main" id="{A4AC321E-9E64-5944-9F36-E1C762BB05C6}"/>
+              </a:ext>
+            </a:extLst>
+          </p:cNvPr>
+          <p:cNvSpPr>
+            <a:spLocks noGrp="1"/>
+          </p:cNvSpPr>
+          <p:nvPr>
+            <p:ph type="title"/>
+          </p:nvPr>
+        </p:nvSpPr>
+        <p:spPr>
+          <a:xfrm>
+            <a:off x="838200" y="212444"/>
+            <a:ext cx="10515600" cy="1086131"/>
+          </a:xfrm>
+        </p:spPr>
+        <p:txBody>
+          <a:bodyPr>
+            <a:normAutofit/>
+          </a:bodyPr>
+          <a:lstStyle/>
+          <a:p>
+            <a:r>
+              <a:rPr lang="en-US" dirty="0"/>
+              <a:t>Euclidean distance</a:t>
+            </a:r>
+          </a:p>
+        </p:txBody>
+      </p:sp>
+      <p:pic>
+        <p:nvPicPr>
+          <p:cNvPr id="4" name="Picture 3">
+            <a:extLst>
+              <a:ext uri="{FF2B5EF4-FFF2-40B4-BE49-F238E27FC236}">
+                <a16:creationId xmlns:a16="http://schemas.microsoft.com/office/drawing/2014/main" id="{A4823522-CBDE-454E-854C-C6E2D00D881A}"/>
+              </a:ext>
+            </a:extLst>
+          </p:cNvPr>
+          <p:cNvPicPr>
+            <a:picLocks noChangeAspect="1"/>
+          </p:cNvPicPr>
+          <p:nvPr/>
+        </p:nvPicPr>
+        <p:blipFill>
+          <a:blip r:embed="rId2"/>
+          <a:stretch>
+            <a:fillRect/>
+          </a:stretch>
+        </p:blipFill>
+        <p:spPr>
+          <a:xfrm>
+            <a:off x="1879600" y="1298575"/>
+            <a:ext cx="8432800" cy="5283200"/>
+          </a:xfrm>
+          <a:prstGeom prst="rect">
+            <a:avLst/>
+          </a:prstGeom>
+        </p:spPr>
+      </p:pic>
+    </p:spTree>
+    <p:extLst>
+      <p:ext uri="{BB962C8B-B14F-4D97-AF65-F5344CB8AC3E}">
+        <p14:creationId xmlns:p14="http://schemas.microsoft.com/office/powerpoint/2010/main" val="1567790031"/>
+      </p:ext>
+    </p:extLst>
+  </p:cSld>
+  <p:clrMapOvr>
+    <a:masterClrMapping/>
+  </p:clrMapOvr>
+</p:sld>
+</file>
+
+<file path=ppt/slides/slide42.xml><?xml version="1.0" encoding="utf-8"?>
+<p:sld xmlns:a="http://schemas.openxmlformats.org/drawingml/2006/main" xmlns:r="http://schemas.openxmlformats.org/officeDocument/2006/relationships" xmlns:p="http://schemas.openxmlformats.org/presentationml/2006/main">
+  <p:cSld>
+    <p:spTree>
+      <p:nvGrpSpPr>
+        <p:cNvPr id="1" name=""/>
+        <p:cNvGrpSpPr/>
+        <p:nvPr/>
+      </p:nvGrpSpPr>
+      <p:grpSpPr>
+        <a:xfrm>
+          <a:off x="0" y="0"/>
+          <a:ext cx="0" cy="0"/>
+          <a:chOff x="0" y="0"/>
+          <a:chExt cx="0" cy="0"/>
+        </a:xfrm>
+      </p:grpSpPr>
+      <p:sp>
+        <p:nvSpPr>
+          <p:cNvPr id="2" name="Title 1">
+            <a:extLst>
+              <a:ext uri="{FF2B5EF4-FFF2-40B4-BE49-F238E27FC236}">
+                <a16:creationId xmlns:a16="http://schemas.microsoft.com/office/drawing/2014/main" id="{3AE94BD3-81F9-EA42-A663-CD01BA60E1D8}"/>
+              </a:ext>
+            </a:extLst>
+          </p:cNvPr>
+          <p:cNvSpPr>
+            <a:spLocks noGrp="1"/>
+          </p:cNvSpPr>
+          <p:nvPr>
+            <p:ph type="title"/>
+          </p:nvPr>
+        </p:nvSpPr>
+        <p:spPr/>
+        <p:txBody>
+          <a:bodyPr/>
+          <a:lstStyle/>
+          <a:p>
+            <a:r>
+              <a:rPr lang="en-US" dirty="0"/>
+              <a:t>Insights about Square</a:t>
+            </a:r>
+          </a:p>
+        </p:txBody>
+      </p:sp>
+      <p:pic>
+        <p:nvPicPr>
+          <p:cNvPr id="3" name="Picture 2">
+            <a:extLst>
+              <a:ext uri="{FF2B5EF4-FFF2-40B4-BE49-F238E27FC236}">
+                <a16:creationId xmlns:a16="http://schemas.microsoft.com/office/drawing/2014/main" id="{3483362F-0018-B349-8082-3DCE287748E0}"/>
+              </a:ext>
+            </a:extLst>
+          </p:cNvPr>
+          <p:cNvPicPr>
+            <a:picLocks noChangeAspect="1"/>
+          </p:cNvPicPr>
+          <p:nvPr/>
+        </p:nvPicPr>
+        <p:blipFill>
+          <a:blip r:embed="rId2"/>
+          <a:stretch>
+            <a:fillRect/>
+          </a:stretch>
+        </p:blipFill>
+        <p:spPr>
+          <a:xfrm>
+            <a:off x="838200" y="2202880"/>
+            <a:ext cx="7241583" cy="1515680"/>
+          </a:xfrm>
+          <a:prstGeom prst="rect">
+            <a:avLst/>
+          </a:prstGeom>
+        </p:spPr>
+      </p:pic>
+      <p:sp>
+        <p:nvSpPr>
+          <p:cNvPr id="4" name="TextBox 3">
+            <a:extLst>
+              <a:ext uri="{FF2B5EF4-FFF2-40B4-BE49-F238E27FC236}">
+                <a16:creationId xmlns:a16="http://schemas.microsoft.com/office/drawing/2014/main" id="{8CD8EC16-4B3C-8D45-85C8-94C377034D90}"/>
+              </a:ext>
+            </a:extLst>
+          </p:cNvPr>
+          <p:cNvSpPr txBox="1"/>
+          <p:nvPr/>
+        </p:nvSpPr>
+        <p:spPr>
+          <a:xfrm>
+            <a:off x="1048512" y="4267200"/>
+            <a:ext cx="8936736" cy="1200329"/>
+          </a:xfrm>
+          <a:prstGeom prst="rect">
+            <a:avLst/>
+          </a:prstGeom>
+          <a:noFill/>
+        </p:spPr>
+        <p:txBody>
+          <a:bodyPr wrap="square" rtlCol="0">
+            <a:spAutoFit/>
+          </a:bodyPr>
+          <a:lstStyle/>
+          <a:p>
+            <a:pPr fontAlgn="base"/>
+            <a:r>
+              <a:rPr lang="en-IE" dirty="0"/>
+              <a:t>The benefits of squaring include:</a:t>
+            </a:r>
+          </a:p>
+          <a:p>
+            <a:pPr fontAlgn="base"/>
+            <a:r>
+              <a:rPr lang="en-IE" dirty="0"/>
+              <a:t>Squaring always gives a positive value, so the sum will not be zero.</a:t>
+            </a:r>
+          </a:p>
+          <a:p>
+            <a:pPr fontAlgn="base"/>
+            <a:r>
+              <a:rPr lang="en-IE" dirty="0"/>
+              <a:t>Squaring emphasizes larger differences—a feature that turns out to be both good and bad (think of the effect outliers have).</a:t>
+            </a:r>
+          </a:p>
+        </p:txBody>
+      </p:sp>
+    </p:spTree>
+    <p:extLst>
+      <p:ext uri="{BB962C8B-B14F-4D97-AF65-F5344CB8AC3E}">
+        <p14:creationId xmlns:p14="http://schemas.microsoft.com/office/powerpoint/2010/main" val="3623675131"/>
+      </p:ext>
+    </p:extLst>
+  </p:cSld>
+  <p:clrMapOvr>
+    <a:masterClrMapping/>
+  </p:clrMapOvr>
+</p:sld>
+</file>
+
+<file path=ppt/slides/slide43.xml><?xml version="1.0" encoding="utf-8"?>
+<p:sld xmlns:a="http://schemas.openxmlformats.org/drawingml/2006/main" xmlns:r="http://schemas.openxmlformats.org/officeDocument/2006/relationships" xmlns:p="http://schemas.openxmlformats.org/presentationml/2006/main" show="0">
+  <p:cSld>
+    <p:spTree>
+      <p:nvGrpSpPr>
+        <p:cNvPr id="1" name=""/>
+        <p:cNvGrpSpPr/>
+        <p:nvPr/>
+      </p:nvGrpSpPr>
+      <p:grpSpPr>
+        <a:xfrm>
+          <a:off x="0" y="0"/>
+          <a:ext cx="0" cy="0"/>
+          <a:chOff x="0" y="0"/>
+          <a:chExt cx="0" cy="0"/>
+        </a:xfrm>
+      </p:grpSpPr>
+      <p:sp>
+        <p:nvSpPr>
+          <p:cNvPr id="2" name="Title 1">
+            <a:extLst>
+              <a:ext uri="{FF2B5EF4-FFF2-40B4-BE49-F238E27FC236}">
+                <a16:creationId xmlns:a16="http://schemas.microsoft.com/office/drawing/2014/main" id="{3AE94BD3-81F9-EA42-A663-CD01BA60E1D8}"/>
+              </a:ext>
+            </a:extLst>
+          </p:cNvPr>
+          <p:cNvSpPr>
+            <a:spLocks noGrp="1"/>
+          </p:cNvSpPr>
+          <p:nvPr>
+            <p:ph type="title"/>
+          </p:nvPr>
+        </p:nvSpPr>
+        <p:spPr/>
+        <p:txBody>
+          <a:bodyPr/>
+          <a:lstStyle/>
+          <a:p>
+            <a:r>
+              <a:rPr lang="en-US" dirty="0"/>
+              <a:t>Insights</a:t>
+            </a:r>
+          </a:p>
+        </p:txBody>
+      </p:sp>
+      <p:pic>
+        <p:nvPicPr>
+          <p:cNvPr id="5" name="Picture 4">
+            <a:extLst>
+              <a:ext uri="{FF2B5EF4-FFF2-40B4-BE49-F238E27FC236}">
+                <a16:creationId xmlns:a16="http://schemas.microsoft.com/office/drawing/2014/main" id="{5ABEB131-040C-3F4B-997B-9B8916D7C412}"/>
+              </a:ext>
+            </a:extLst>
+          </p:cNvPr>
+          <p:cNvPicPr>
+            <a:picLocks noChangeAspect="1"/>
+          </p:cNvPicPr>
+          <p:nvPr/>
+        </p:nvPicPr>
+        <p:blipFill>
+          <a:blip r:embed="rId2"/>
+          <a:stretch>
+            <a:fillRect/>
+          </a:stretch>
+        </p:blipFill>
+        <p:spPr>
+          <a:xfrm>
+            <a:off x="3298963" y="1963254"/>
+            <a:ext cx="4533900" cy="3594100"/>
+          </a:xfrm>
+          <a:prstGeom prst="rect">
+            <a:avLst/>
+          </a:prstGeom>
+        </p:spPr>
+      </p:pic>
+    </p:spTree>
+    <p:extLst>
+      <p:ext uri="{BB962C8B-B14F-4D97-AF65-F5344CB8AC3E}">
+        <p14:creationId xmlns:p14="http://schemas.microsoft.com/office/powerpoint/2010/main" val="1004208080"/>
       </p:ext>
     </p:extLst>
   </p:cSld>
@@ -9355,4 +12731,299 @@
     </a:ext>
   </a:extLst>
 </a:theme>
+</file>
+
+<file path=ppt/theme/theme2.xml><?xml version="1.0" encoding="utf-8"?>
+<a:theme xmlns:a="http://schemas.openxmlformats.org/drawingml/2006/main" name="Office Theme">
+  <a:themeElements>
+    <a:clrScheme name="Office">
+      <a:dk1>
+        <a:sysClr val="windowText" lastClr="000000"/>
+      </a:dk1>
+      <a:lt1>
+        <a:sysClr val="window" lastClr="FFFFFF"/>
+      </a:lt1>
+      <a:dk2>
+        <a:srgbClr val="44546A"/>
+      </a:dk2>
+      <a:lt2>
+        <a:srgbClr val="E7E6E6"/>
+      </a:lt2>
+      <a:accent1>
+        <a:srgbClr val="4472C4"/>
+      </a:accent1>
+      <a:accent2>
+        <a:srgbClr val="ED7D31"/>
+      </a:accent2>
+      <a:accent3>
+        <a:srgbClr val="A5A5A5"/>
+      </a:accent3>
+      <a:accent4>
+        <a:srgbClr val="FFC000"/>
+      </a:accent4>
+      <a:accent5>
+        <a:srgbClr val="5B9BD5"/>
+      </a:accent5>
+      <a:accent6>
+        <a:srgbClr val="70AD47"/>
+      </a:accent6>
+      <a:hlink>
+        <a:srgbClr val="0563C1"/>
+      </a:hlink>
+      <a:folHlink>
+        <a:srgbClr val="954F72"/>
+      </a:folHlink>
+    </a:clrScheme>
+    <a:fontScheme name="Office">
+      <a:majorFont>
+        <a:latin typeface="Calibri Light" panose="020F0302020204030204"/>
+        <a:ea typeface=""/>
+        <a:cs typeface=""/>
+        <a:font script="Jpan" typeface="游ゴシック Light"/>
+        <a:font script="Hang" typeface="맑은 고딕"/>
+        <a:font script="Hans" typeface="等线 Light"/>
+        <a:font script="Hant" typeface="新細明體"/>
+        <a:font script="Arab" typeface="Times New Roman"/>
+        <a:font script="Hebr" typeface="Times New Roman"/>
+        <a:font script="Thai" typeface="Angsana New"/>
+        <a:font script="Ethi" typeface="Nyala"/>
+        <a:font script="Beng" typeface="Vrinda"/>
+        <a:font script="Gujr" typeface="Shruti"/>
+        <a:font script="Khmr" typeface="MoolBoran"/>
+        <a:font script="Knda" typeface="Tunga"/>
+        <a:font script="Guru" typeface="Raavi"/>
+        <a:font script="Cans" typeface="Euphemia"/>
+        <a:font script="Cher" typeface="Plantagenet Cherokee"/>
+        <a:font script="Yiii" typeface="Microsoft Yi Baiti"/>
+        <a:font script="Tibt" typeface="Microsoft Himalaya"/>
+        <a:font script="Thaa" typeface="MV Boli"/>
+        <a:font script="Deva" typeface="Mangal"/>
+        <a:font script="Telu" typeface="Gautami"/>
+        <a:font script="Taml" typeface="Latha"/>
+        <a:font script="Syrc" typeface="Estrangelo Edessa"/>
+        <a:font script="Orya" typeface="Kalinga"/>
+        <a:font script="Mlym" typeface="Kartika"/>
+        <a:font script="Laoo" typeface="DokChampa"/>
+        <a:font script="Sinh" typeface="Iskoola Pota"/>
+        <a:font script="Mong" typeface="Mongolian Baiti"/>
+        <a:font script="Viet" typeface="Times New Roman"/>
+        <a:font script="Uigh" typeface="Microsoft Uighur"/>
+        <a:font script="Geor" typeface="Sylfaen"/>
+        <a:font script="Armn" typeface="Arial"/>
+        <a:font script="Bugi" typeface="Leelawadee UI"/>
+        <a:font script="Bopo" typeface="Microsoft JhengHei"/>
+        <a:font script="Java" typeface="Javanese Text"/>
+        <a:font script="Lisu" typeface="Segoe UI"/>
+        <a:font script="Mymr" typeface="Myanmar Text"/>
+        <a:font script="Nkoo" typeface="Ebrima"/>
+        <a:font script="Olck" typeface="Nirmala UI"/>
+        <a:font script="Osma" typeface="Ebrima"/>
+        <a:font script="Phag" typeface="Phagspa"/>
+        <a:font script="Syrn" typeface="Estrangelo Edessa"/>
+        <a:font script="Syrj" typeface="Estrangelo Edessa"/>
+        <a:font script="Syre" typeface="Estrangelo Edessa"/>
+        <a:font script="Sora" typeface="Nirmala UI"/>
+        <a:font script="Tale" typeface="Microsoft Tai Le"/>
+        <a:font script="Talu" typeface="Microsoft New Tai Lue"/>
+        <a:font script="Tfng" typeface="Ebrima"/>
+      </a:majorFont>
+      <a:minorFont>
+        <a:latin typeface="Calibri" panose="020F0502020204030204"/>
+        <a:ea typeface=""/>
+        <a:cs typeface=""/>
+        <a:font script="Jpan" typeface="游ゴシック"/>
+        <a:font script="Hang" typeface="맑은 고딕"/>
+        <a:font script="Hans" typeface="等线"/>
+        <a:font script="Hant" typeface="新細明體"/>
+        <a:font script="Arab" typeface="Arial"/>
+        <a:font script="Hebr" typeface="Arial"/>
+        <a:font script="Thai" typeface="Cordia New"/>
+        <a:font script="Ethi" typeface="Nyala"/>
+        <a:font script="Beng" typeface="Vrinda"/>
+        <a:font script="Gujr" typeface="Shruti"/>
+        <a:font script="Khmr" typeface="DaunPenh"/>
+        <a:font script="Knda" typeface="Tunga"/>
+        <a:font script="Guru" typeface="Raavi"/>
+        <a:font script="Cans" typeface="Euphemia"/>
+        <a:font script="Cher" typeface="Plantagenet Cherokee"/>
+        <a:font script="Yiii" typeface="Microsoft Yi Baiti"/>
+        <a:font script="Tibt" typeface="Microsoft Himalaya"/>
+        <a:font script="Thaa" typeface="MV Boli"/>
+        <a:font script="Deva" typeface="Mangal"/>
+        <a:font script="Telu" typeface="Gautami"/>
+        <a:font script="Taml" typeface="Latha"/>
+        <a:font script="Syrc" typeface="Estrangelo Edessa"/>
+        <a:font script="Orya" typeface="Kalinga"/>
+        <a:font script="Mlym" typeface="Kartika"/>
+        <a:font script="Laoo" typeface="DokChampa"/>
+        <a:font script="Sinh" typeface="Iskoola Pota"/>
+        <a:font script="Mong" typeface="Mongolian Baiti"/>
+        <a:font script="Viet" typeface="Arial"/>
+        <a:font script="Uigh" typeface="Microsoft Uighur"/>
+        <a:font script="Geor" typeface="Sylfaen"/>
+        <a:font script="Armn" typeface="Arial"/>
+        <a:font script="Bugi" typeface="Leelawadee UI"/>
+        <a:font script="Bopo" typeface="Microsoft JhengHei"/>
+        <a:font script="Java" typeface="Javanese Text"/>
+        <a:font script="Lisu" typeface="Segoe UI"/>
+        <a:font script="Mymr" typeface="Myanmar Text"/>
+        <a:font script="Nkoo" typeface="Ebrima"/>
+        <a:font script="Olck" typeface="Nirmala UI"/>
+        <a:font script="Osma" typeface="Ebrima"/>
+        <a:font script="Phag" typeface="Phagspa"/>
+        <a:font script="Syrn" typeface="Estrangelo Edessa"/>
+        <a:font script="Syrj" typeface="Estrangelo Edessa"/>
+        <a:font script="Syre" typeface="Estrangelo Edessa"/>
+        <a:font script="Sora" typeface="Nirmala UI"/>
+        <a:font script="Tale" typeface="Microsoft Tai Le"/>
+        <a:font script="Talu" typeface="Microsoft New Tai Lue"/>
+        <a:font script="Tfng" typeface="Ebrima"/>
+      </a:minorFont>
+    </a:fontScheme>
+    <a:fmtScheme name="Office">
+      <a:fillStyleLst>
+        <a:solidFill>
+          <a:schemeClr val="phClr"/>
+        </a:solidFill>
+        <a:gradFill rotWithShape="1">
+          <a:gsLst>
+            <a:gs pos="0">
+              <a:schemeClr val="phClr">
+                <a:lumMod val="110000"/>
+                <a:satMod val="105000"/>
+                <a:tint val="67000"/>
+              </a:schemeClr>
+            </a:gs>
+            <a:gs pos="50000">
+              <a:schemeClr val="phClr">
+                <a:lumMod val="105000"/>
+                <a:satMod val="103000"/>
+                <a:tint val="73000"/>
+              </a:schemeClr>
+            </a:gs>
+            <a:gs pos="100000">
+              <a:schemeClr val="phClr">
+                <a:lumMod val="105000"/>
+                <a:satMod val="109000"/>
+                <a:tint val="81000"/>
+              </a:schemeClr>
+            </a:gs>
+          </a:gsLst>
+          <a:lin ang="5400000" scaled="0"/>
+        </a:gradFill>
+        <a:gradFill rotWithShape="1">
+          <a:gsLst>
+            <a:gs pos="0">
+              <a:schemeClr val="phClr">
+                <a:satMod val="103000"/>
+                <a:lumMod val="102000"/>
+                <a:tint val="94000"/>
+              </a:schemeClr>
+            </a:gs>
+            <a:gs pos="50000">
+              <a:schemeClr val="phClr">
+                <a:satMod val="110000"/>
+                <a:lumMod val="100000"/>
+                <a:shade val="100000"/>
+              </a:schemeClr>
+            </a:gs>
+            <a:gs pos="100000">
+              <a:schemeClr val="phClr">
+                <a:lumMod val="99000"/>
+                <a:satMod val="120000"/>
+                <a:shade val="78000"/>
+              </a:schemeClr>
+            </a:gs>
+          </a:gsLst>
+          <a:lin ang="5400000" scaled="0"/>
+        </a:gradFill>
+      </a:fillStyleLst>
+      <a:lnStyleLst>
+        <a:ln w="6350" cap="flat" cmpd="sng" algn="ctr">
+          <a:solidFill>
+            <a:schemeClr val="phClr"/>
+          </a:solidFill>
+          <a:prstDash val="solid"/>
+          <a:miter lim="800000"/>
+        </a:ln>
+        <a:ln w="12700" cap="flat" cmpd="sng" algn="ctr">
+          <a:solidFill>
+            <a:schemeClr val="phClr"/>
+          </a:solidFill>
+          <a:prstDash val="solid"/>
+          <a:miter lim="800000"/>
+        </a:ln>
+        <a:ln w="19050" cap="flat" cmpd="sng" algn="ctr">
+          <a:solidFill>
+            <a:schemeClr val="phClr"/>
+          </a:solidFill>
+          <a:prstDash val="solid"/>
+          <a:miter lim="800000"/>
+        </a:ln>
+      </a:lnStyleLst>
+      <a:effectStyleLst>
+        <a:effectStyle>
+          <a:effectLst/>
+        </a:effectStyle>
+        <a:effectStyle>
+          <a:effectLst/>
+        </a:effectStyle>
+        <a:effectStyle>
+          <a:effectLst>
+            <a:outerShdw blurRad="57150" dist="19050" dir="5400000" algn="ctr" rotWithShape="0">
+              <a:srgbClr val="000000">
+                <a:alpha val="63000"/>
+              </a:srgbClr>
+            </a:outerShdw>
+          </a:effectLst>
+        </a:effectStyle>
+      </a:effectStyleLst>
+      <a:bgFillStyleLst>
+        <a:solidFill>
+          <a:schemeClr val="phClr"/>
+        </a:solidFill>
+        <a:solidFill>
+          <a:schemeClr val="phClr">
+            <a:tint val="95000"/>
+            <a:satMod val="170000"/>
+          </a:schemeClr>
+        </a:solidFill>
+        <a:gradFill rotWithShape="1">
+          <a:gsLst>
+            <a:gs pos="0">
+              <a:schemeClr val="phClr">
+                <a:tint val="93000"/>
+                <a:satMod val="150000"/>
+                <a:shade val="98000"/>
+                <a:lumMod val="102000"/>
+              </a:schemeClr>
+            </a:gs>
+            <a:gs pos="50000">
+              <a:schemeClr val="phClr">
+                <a:tint val="98000"/>
+                <a:satMod val="130000"/>
+                <a:shade val="90000"/>
+                <a:lumMod val="103000"/>
+              </a:schemeClr>
+            </a:gs>
+            <a:gs pos="100000">
+              <a:schemeClr val="phClr">
+                <a:shade val="63000"/>
+                <a:satMod val="120000"/>
+              </a:schemeClr>
+            </a:gs>
+          </a:gsLst>
+          <a:lin ang="5400000" scaled="0"/>
+        </a:gradFill>
+      </a:bgFillStyleLst>
+    </a:fmtScheme>
+  </a:themeElements>
+  <a:objectDefaults/>
+  <a:extraClrSchemeLst/>
+  <a:extLst>
+    <a:ext uri="{05A4C25C-085E-4340-85A3-A5531E510DB2}">
+      <thm15:themeFamily xmlns:thm15="http://schemas.microsoft.com/office/thememl/2012/main" name="Office Theme" id="{62F939B6-93AF-4DB8-9C6B-D6C7DFDC589F}" vid="{4A3C46E8-61CC-4603-A589-7422A47A8E4A}"/>
+    </a:ext>
+  </a:extLst>
+</a:theme>
 </file>
--- a/afj_ml_demo.pptx
+++ b/afj_ml_demo.pptx
@@ -5,7 +5,7 @@
     <p:sldMasterId id="2147483648" r:id="rId1"/>
   </p:sldMasterIdLst>
   <p:notesMasterIdLst>
-    <p:notesMasterId r:id="rId45"/>
+    <p:notesMasterId r:id="rId46"/>
   </p:notesMasterIdLst>
   <p:sldIdLst>
     <p:sldId id="256" r:id="rId2"/>
@@ -25,32 +25,33 @@
     <p:sldId id="270" r:id="rId16"/>
     <p:sldId id="271" r:id="rId17"/>
     <p:sldId id="280" r:id="rId18"/>
-    <p:sldId id="279" r:id="rId19"/>
-    <p:sldId id="273" r:id="rId20"/>
-    <p:sldId id="275" r:id="rId21"/>
-    <p:sldId id="297" r:id="rId22"/>
-    <p:sldId id="281" r:id="rId23"/>
-    <p:sldId id="298" r:id="rId24"/>
-    <p:sldId id="282" r:id="rId25"/>
-    <p:sldId id="283" r:id="rId26"/>
-    <p:sldId id="285" r:id="rId27"/>
-    <p:sldId id="286" r:id="rId28"/>
-    <p:sldId id="287" r:id="rId29"/>
-    <p:sldId id="288" r:id="rId30"/>
-    <p:sldId id="289" r:id="rId31"/>
-    <p:sldId id="290" r:id="rId32"/>
-    <p:sldId id="291" r:id="rId33"/>
-    <p:sldId id="292" r:id="rId34"/>
-    <p:sldId id="293" r:id="rId35"/>
-    <p:sldId id="294" r:id="rId36"/>
-    <p:sldId id="295" r:id="rId37"/>
-    <p:sldId id="300" r:id="rId38"/>
-    <p:sldId id="301" r:id="rId39"/>
-    <p:sldId id="277" r:id="rId40"/>
-    <p:sldId id="302" r:id="rId41"/>
-    <p:sldId id="303" r:id="rId42"/>
-    <p:sldId id="268" r:id="rId43"/>
-    <p:sldId id="304" r:id="rId44"/>
+    <p:sldId id="305" r:id="rId19"/>
+    <p:sldId id="279" r:id="rId20"/>
+    <p:sldId id="273" r:id="rId21"/>
+    <p:sldId id="275" r:id="rId22"/>
+    <p:sldId id="297" r:id="rId23"/>
+    <p:sldId id="281" r:id="rId24"/>
+    <p:sldId id="298" r:id="rId25"/>
+    <p:sldId id="282" r:id="rId26"/>
+    <p:sldId id="283" r:id="rId27"/>
+    <p:sldId id="285" r:id="rId28"/>
+    <p:sldId id="286" r:id="rId29"/>
+    <p:sldId id="287" r:id="rId30"/>
+    <p:sldId id="288" r:id="rId31"/>
+    <p:sldId id="289" r:id="rId32"/>
+    <p:sldId id="290" r:id="rId33"/>
+    <p:sldId id="291" r:id="rId34"/>
+    <p:sldId id="292" r:id="rId35"/>
+    <p:sldId id="293" r:id="rId36"/>
+    <p:sldId id="294" r:id="rId37"/>
+    <p:sldId id="295" r:id="rId38"/>
+    <p:sldId id="300" r:id="rId39"/>
+    <p:sldId id="301" r:id="rId40"/>
+    <p:sldId id="277" r:id="rId41"/>
+    <p:sldId id="302" r:id="rId42"/>
+    <p:sldId id="303" r:id="rId43"/>
+    <p:sldId id="268" r:id="rId44"/>
+    <p:sldId id="304" r:id="rId45"/>
   </p:sldIdLst>
   <p:sldSz cx="12192000" cy="6858000"/>
   <p:notesSz cx="6858000" cy="9144000"/>
@@ -170,7 +171,7 @@
   <pc:docChgLst>
     <pc:chgData name="Alfredo Fonseca Junior" userId="b53f08b6-e642-4ee2-a231-11cd653755d4" providerId="ADAL" clId="{4A13534B-B544-A44E-B29A-C6B9F0689448}"/>
     <pc:docChg chg="undo custSel addSld delSld modSld sldOrd">
-      <pc:chgData name="Alfredo Fonseca Junior" userId="b53f08b6-e642-4ee2-a231-11cd653755d4" providerId="ADAL" clId="{4A13534B-B544-A44E-B29A-C6B9F0689448}" dt="2021-10-22T11:13:11.794" v="788" actId="729"/>
+      <pc:chgData name="Alfredo Fonseca Junior" userId="b53f08b6-e642-4ee2-a231-11cd653755d4" providerId="ADAL" clId="{4A13534B-B544-A44E-B29A-C6B9F0689448}" dt="2021-10-25T09:57:40.249" v="817" actId="20577"/>
       <pc:docMkLst>
         <pc:docMk/>
       </pc:docMkLst>
@@ -893,21 +894,21 @@
         </pc:picChg>
       </pc:sldChg>
       <pc:sldChg chg="addSp delSp modSp add mod ord">
-        <pc:chgData name="Alfredo Fonseca Junior" userId="b53f08b6-e642-4ee2-a231-11cd653755d4" providerId="ADAL" clId="{4A13534B-B544-A44E-B29A-C6B9F0689448}" dt="2021-10-14T11:03:19.553" v="365" actId="20578"/>
+        <pc:chgData name="Alfredo Fonseca Junior" userId="b53f08b6-e642-4ee2-a231-11cd653755d4" providerId="ADAL" clId="{4A13534B-B544-A44E-B29A-C6B9F0689448}" dt="2021-10-25T09:57:40.249" v="817" actId="20577"/>
         <pc:sldMkLst>
           <pc:docMk/>
           <pc:sldMk cId="1522449710" sldId="280"/>
         </pc:sldMkLst>
         <pc:spChg chg="mod">
-          <ac:chgData name="Alfredo Fonseca Junior" userId="b53f08b6-e642-4ee2-a231-11cd653755d4" providerId="ADAL" clId="{4A13534B-B544-A44E-B29A-C6B9F0689448}" dt="2021-10-14T09:43:08.869" v="352" actId="1076"/>
+          <ac:chgData name="Alfredo Fonseca Junior" userId="b53f08b6-e642-4ee2-a231-11cd653755d4" providerId="ADAL" clId="{4A13534B-B544-A44E-B29A-C6B9F0689448}" dt="2021-10-25T09:57:40.249" v="817" actId="20577"/>
           <ac:spMkLst>
             <pc:docMk/>
             <pc:sldMk cId="1522449710" sldId="280"/>
             <ac:spMk id="2" creationId="{A4AC321E-9E64-5944-9F36-E1C762BB05C6}"/>
           </ac:spMkLst>
         </pc:spChg>
-        <pc:spChg chg="add mod">
-          <ac:chgData name="Alfredo Fonseca Junior" userId="b53f08b6-e642-4ee2-a231-11cd653755d4" providerId="ADAL" clId="{4A13534B-B544-A44E-B29A-C6B9F0689448}" dt="2021-10-14T09:42:57.159" v="340" actId="20577"/>
+        <pc:spChg chg="add del mod">
+          <ac:chgData name="Alfredo Fonseca Junior" userId="b53f08b6-e642-4ee2-a231-11cd653755d4" providerId="ADAL" clId="{4A13534B-B544-A44E-B29A-C6B9F0689448}" dt="2021-10-25T09:57:37.689" v="816" actId="478"/>
           <ac:spMkLst>
             <pc:docMk/>
             <pc:sldMk cId="1522449710" sldId="280"/>
@@ -1568,6 +1569,13 @@
         <pc:sldMkLst>
           <pc:docMk/>
           <pc:sldMk cId="2414507327" sldId="304"/>
+        </pc:sldMkLst>
+      </pc:sldChg>
+      <pc:sldChg chg="add">
+        <pc:chgData name="Alfredo Fonseca Junior" userId="b53f08b6-e642-4ee2-a231-11cd653755d4" providerId="ADAL" clId="{4A13534B-B544-A44E-B29A-C6B9F0689448}" dt="2021-10-25T09:57:21.880" v="789" actId="2890"/>
+        <pc:sldMkLst>
+          <pc:docMk/>
+          <pc:sldMk cId="536736085" sldId="305"/>
         </pc:sldMkLst>
       </pc:sldChg>
     </pc:docChg>
@@ -1657,7 +1665,7 @@
           <a:p>
             <a:fld id="{5706C290-5E85-8E4F-88A6-074C4C3AFB6F}" type="datetimeFigureOut">
               <a:rPr lang="en-US" smtClean="0"/>
-              <a:t>10/22/21</a:t>
+              <a:t>10/25/21</a:t>
             </a:fld>
             <a:endParaRPr lang="en-US"/>
           </a:p>
@@ -2158,7 +2166,7 @@
           <a:p>
             <a:fld id="{F5935150-443F-D94D-99D0-C6F2787F22E3}" type="datetimeFigureOut">
               <a:rPr lang="en-US" smtClean="0"/>
-              <a:t>10/22/21</a:t>
+              <a:t>10/25/21</a:t>
             </a:fld>
             <a:endParaRPr lang="en-US"/>
           </a:p>
@@ -2358,7 +2366,7 @@
           <a:p>
             <a:fld id="{F5935150-443F-D94D-99D0-C6F2787F22E3}" type="datetimeFigureOut">
               <a:rPr lang="en-US" smtClean="0"/>
-              <a:t>10/22/21</a:t>
+              <a:t>10/25/21</a:t>
             </a:fld>
             <a:endParaRPr lang="en-US"/>
           </a:p>
@@ -2568,7 +2576,7 @@
           <a:p>
             <a:fld id="{F5935150-443F-D94D-99D0-C6F2787F22E3}" type="datetimeFigureOut">
               <a:rPr lang="en-US" smtClean="0"/>
-              <a:t>10/22/21</a:t>
+              <a:t>10/25/21</a:t>
             </a:fld>
             <a:endParaRPr lang="en-US"/>
           </a:p>
@@ -2768,7 +2776,7 @@
           <a:p>
             <a:fld id="{F5935150-443F-D94D-99D0-C6F2787F22E3}" type="datetimeFigureOut">
               <a:rPr lang="en-US" smtClean="0"/>
-              <a:t>10/22/21</a:t>
+              <a:t>10/25/21</a:t>
             </a:fld>
             <a:endParaRPr lang="en-US"/>
           </a:p>
@@ -3044,7 +3052,7 @@
           <a:p>
             <a:fld id="{F5935150-443F-D94D-99D0-C6F2787F22E3}" type="datetimeFigureOut">
               <a:rPr lang="en-US" smtClean="0"/>
-              <a:t>10/22/21</a:t>
+              <a:t>10/25/21</a:t>
             </a:fld>
             <a:endParaRPr lang="en-US"/>
           </a:p>
@@ -3312,7 +3320,7 @@
           <a:p>
             <a:fld id="{F5935150-443F-D94D-99D0-C6F2787F22E3}" type="datetimeFigureOut">
               <a:rPr lang="en-US" smtClean="0"/>
-              <a:t>10/22/21</a:t>
+              <a:t>10/25/21</a:t>
             </a:fld>
             <a:endParaRPr lang="en-US"/>
           </a:p>
@@ -3727,7 +3735,7 @@
           <a:p>
             <a:fld id="{F5935150-443F-D94D-99D0-C6F2787F22E3}" type="datetimeFigureOut">
               <a:rPr lang="en-US" smtClean="0"/>
-              <a:t>10/22/21</a:t>
+              <a:t>10/25/21</a:t>
             </a:fld>
             <a:endParaRPr lang="en-US"/>
           </a:p>
@@ -3869,7 +3877,7 @@
           <a:p>
             <a:fld id="{F5935150-443F-D94D-99D0-C6F2787F22E3}" type="datetimeFigureOut">
               <a:rPr lang="en-US" smtClean="0"/>
-              <a:t>10/22/21</a:t>
+              <a:t>10/25/21</a:t>
             </a:fld>
             <a:endParaRPr lang="en-US"/>
           </a:p>
@@ -3982,7 +3990,7 @@
           <a:p>
             <a:fld id="{F5935150-443F-D94D-99D0-C6F2787F22E3}" type="datetimeFigureOut">
               <a:rPr lang="en-US" smtClean="0"/>
-              <a:t>10/22/21</a:t>
+              <a:t>10/25/21</a:t>
             </a:fld>
             <a:endParaRPr lang="en-US"/>
           </a:p>
@@ -4295,7 +4303,7 @@
           <a:p>
             <a:fld id="{F5935150-443F-D94D-99D0-C6F2787F22E3}" type="datetimeFigureOut">
               <a:rPr lang="en-US" smtClean="0"/>
-              <a:t>10/22/21</a:t>
+              <a:t>10/25/21</a:t>
             </a:fld>
             <a:endParaRPr lang="en-US"/>
           </a:p>
@@ -4584,7 +4592,7 @@
           <a:p>
             <a:fld id="{F5935150-443F-D94D-99D0-C6F2787F22E3}" type="datetimeFigureOut">
               <a:rPr lang="en-US" smtClean="0"/>
-              <a:t>10/22/21</a:t>
+              <a:t>10/25/21</a:t>
             </a:fld>
             <a:endParaRPr lang="en-US"/>
           </a:p>
@@ -4827,7 +4835,7 @@
           <a:p>
             <a:fld id="{F5935150-443F-D94D-99D0-C6F2787F22E3}" type="datetimeFigureOut">
               <a:rPr lang="en-US" smtClean="0"/>
-              <a:t>10/22/21</a:t>
+              <a:t>10/25/21</a:t>
             </a:fld>
             <a:endParaRPr lang="en-US"/>
           </a:p>
@@ -7574,44 +7582,12 @@
           <a:lstStyle/>
           <a:p>
             <a:r>
+              <a:rPr lang="en-GB"/>
+              <a:t>Flowers </a:t>
+            </a:r>
+            <a:r>
               <a:rPr lang="en-GB" dirty="0"/>
-              <a:t>Correlations</a:t>
-            </a:r>
-            <a:endParaRPr lang="en-US" dirty="0"/>
-          </a:p>
-        </p:txBody>
-      </p:sp>
-      <p:sp>
-        <p:nvSpPr>
-          <p:cNvPr id="3" name="TextBox 2">
-            <a:extLst>
-              <a:ext uri="{FF2B5EF4-FFF2-40B4-BE49-F238E27FC236}">
-                <a16:creationId xmlns:a16="http://schemas.microsoft.com/office/drawing/2014/main" id="{1D829418-6E01-984A-83B5-CC528AF23007}"/>
-              </a:ext>
-            </a:extLst>
-          </p:cNvPr>
-          <p:cNvSpPr txBox="1"/>
-          <p:nvPr/>
-        </p:nvSpPr>
-        <p:spPr>
-          <a:xfrm>
-            <a:off x="531560" y="2014151"/>
-            <a:ext cx="11056296" cy="369332"/>
-          </a:xfrm>
-          <a:prstGeom prst="rect">
-            <a:avLst/>
-          </a:prstGeom>
-          <a:noFill/>
-        </p:spPr>
-        <p:txBody>
-          <a:bodyPr wrap="none" rtlCol="0">
-            <a:spAutoFit/>
-          </a:bodyPr>
-          <a:lstStyle/>
-          <a:p>
-            <a:r>
-              <a:rPr lang="en-IE" dirty="0"/>
-              <a:t>Correlation is a statistical term describing the degree to which two variables move in coordination with one another.</a:t>
+              <a:t>Classification Demo</a:t>
             </a:r>
             <a:endParaRPr lang="en-US" dirty="0"/>
           </a:p>
@@ -7665,26 +7641,16 @@
         </p:nvSpPr>
         <p:spPr>
           <a:xfrm>
-            <a:off x="838200" y="212445"/>
-            <a:ext cx="10515600" cy="763740"/>
+            <a:off x="531560" y="792203"/>
+            <a:ext cx="10515600" cy="949090"/>
           </a:xfrm>
         </p:spPr>
         <p:txBody>
           <a:bodyPr>
-            <a:normAutofit fontScale="90000"/>
+            <a:normAutofit/>
           </a:bodyPr>
           <a:lstStyle/>
           <a:p>
-            <a:br>
-              <a:rPr lang="en-US" dirty="0"/>
-            </a:br>
-            <a:r>
-              <a:rPr lang="en-GB" dirty="0"/>
-              <a:t>Weird</a:t>
-            </a:r>
-            <a:br>
-              <a:rPr lang="en-GB" dirty="0"/>
-            </a:br>
             <a:r>
               <a:rPr lang="en-GB" dirty="0"/>
               <a:t>Correlations</a:t>
@@ -7693,40 +7659,46 @@
           </a:p>
         </p:txBody>
       </p:sp>
-      <p:pic>
-        <p:nvPicPr>
-          <p:cNvPr id="6" name="Picture 5">
-            <a:extLst>
-              <a:ext uri="{FF2B5EF4-FFF2-40B4-BE49-F238E27FC236}">
-                <a16:creationId xmlns:a16="http://schemas.microsoft.com/office/drawing/2014/main" id="{698370A4-CC67-A448-901E-7F3CDB86927C}"/>
-              </a:ext>
-            </a:extLst>
-          </p:cNvPr>
-          <p:cNvPicPr>
-            <a:picLocks noChangeAspect="1"/>
-          </p:cNvPicPr>
+      <p:sp>
+        <p:nvSpPr>
+          <p:cNvPr id="3" name="TextBox 2">
+            <a:extLst>
+              <a:ext uri="{FF2B5EF4-FFF2-40B4-BE49-F238E27FC236}">
+                <a16:creationId xmlns:a16="http://schemas.microsoft.com/office/drawing/2014/main" id="{1D829418-6E01-984A-83B5-CC528AF23007}"/>
+              </a:ext>
+            </a:extLst>
+          </p:cNvPr>
+          <p:cNvSpPr txBox="1"/>
           <p:nvPr/>
-        </p:nvPicPr>
-        <p:blipFill>
-          <a:blip r:embed="rId2"/>
-          <a:stretch>
-            <a:fillRect/>
-          </a:stretch>
-        </p:blipFill>
-        <p:spPr>
-          <a:xfrm>
-            <a:off x="3463869" y="212445"/>
-            <a:ext cx="8622571" cy="6225425"/>
+        </p:nvSpPr>
+        <p:spPr>
+          <a:xfrm>
+            <a:off x="531560" y="2014151"/>
+            <a:ext cx="11056296" cy="369332"/>
           </a:xfrm>
           <a:prstGeom prst="rect">
             <a:avLst/>
           </a:prstGeom>
-        </p:spPr>
-      </p:pic>
+          <a:noFill/>
+        </p:spPr>
+        <p:txBody>
+          <a:bodyPr wrap="none" rtlCol="0">
+            <a:spAutoFit/>
+          </a:bodyPr>
+          <a:lstStyle/>
+          <a:p>
+            <a:r>
+              <a:rPr lang="en-IE" dirty="0"/>
+              <a:t>Correlation is a statistical term describing the degree to which two variables move in coordination with one another.</a:t>
+            </a:r>
+            <a:endParaRPr lang="en-US" dirty="0"/>
+          </a:p>
+        </p:txBody>
+      </p:sp>
     </p:spTree>
     <p:extLst>
       <p:ext uri="{BB962C8B-B14F-4D97-AF65-F5344CB8AC3E}">
-        <p14:creationId xmlns:p14="http://schemas.microsoft.com/office/powerpoint/2010/main" val="4230910064"/>
+        <p14:creationId xmlns:p14="http://schemas.microsoft.com/office/powerpoint/2010/main" val="536736085"/>
       </p:ext>
     </p:extLst>
   </p:cSld>
@@ -7771,8 +7743,8 @@
         </p:nvSpPr>
         <p:spPr>
           <a:xfrm>
-            <a:off x="838200" y="212444"/>
-            <a:ext cx="10515600" cy="1086131"/>
+            <a:off x="838200" y="212445"/>
+            <a:ext cx="10515600" cy="763740"/>
           </a:xfrm>
         </p:spPr>
         <p:txBody>
@@ -7786,16 +7758,53 @@
             </a:br>
             <a:r>
               <a:rPr lang="en-GB" dirty="0"/>
-              <a:t>Flowers Classification Demo</a:t>
+              <a:t>Weird</a:t>
+            </a:r>
+            <a:br>
+              <a:rPr lang="en-GB" dirty="0"/>
+            </a:br>
+            <a:r>
+              <a:rPr lang="en-GB" dirty="0"/>
+              <a:t>Correlations</a:t>
             </a:r>
             <a:endParaRPr lang="en-US" dirty="0"/>
           </a:p>
         </p:txBody>
       </p:sp>
+      <p:pic>
+        <p:nvPicPr>
+          <p:cNvPr id="6" name="Picture 5">
+            <a:extLst>
+              <a:ext uri="{FF2B5EF4-FFF2-40B4-BE49-F238E27FC236}">
+                <a16:creationId xmlns:a16="http://schemas.microsoft.com/office/drawing/2014/main" id="{698370A4-CC67-A448-901E-7F3CDB86927C}"/>
+              </a:ext>
+            </a:extLst>
+          </p:cNvPr>
+          <p:cNvPicPr>
+            <a:picLocks noChangeAspect="1"/>
+          </p:cNvPicPr>
+          <p:nvPr/>
+        </p:nvPicPr>
+        <p:blipFill>
+          <a:blip r:embed="rId2"/>
+          <a:stretch>
+            <a:fillRect/>
+          </a:stretch>
+        </p:blipFill>
+        <p:spPr>
+          <a:xfrm>
+            <a:off x="3463869" y="212445"/>
+            <a:ext cx="8622571" cy="6225425"/>
+          </a:xfrm>
+          <a:prstGeom prst="rect">
+            <a:avLst/>
+          </a:prstGeom>
+        </p:spPr>
+      </p:pic>
     </p:spTree>
     <p:extLst>
       <p:ext uri="{BB962C8B-B14F-4D97-AF65-F5344CB8AC3E}">
-        <p14:creationId xmlns:p14="http://schemas.microsoft.com/office/powerpoint/2010/main" val="1219054240"/>
+        <p14:creationId xmlns:p14="http://schemas.microsoft.com/office/powerpoint/2010/main" val="4230910064"/>
       </p:ext>
     </p:extLst>
   </p:cSld>
@@ -7976,7 +7985,7 @@
           <p:cNvPr id="2" name="Title 1">
             <a:extLst>
               <a:ext uri="{FF2B5EF4-FFF2-40B4-BE49-F238E27FC236}">
-                <a16:creationId xmlns:a16="http://schemas.microsoft.com/office/drawing/2014/main" id="{D0273F34-96E7-1647-B352-BD30BA2ED758}"/>
+                <a16:creationId xmlns:a16="http://schemas.microsoft.com/office/drawing/2014/main" id="{A4AC321E-9E64-5944-9F36-E1C762BB05C6}"/>
               </a:ext>
             </a:extLst>
           </p:cNvPr>
@@ -7984,54 +7993,27 @@
             <a:spLocks noGrp="1"/>
           </p:cNvSpPr>
           <p:nvPr>
-            <p:ph type="ctrTitle"/>
+            <p:ph type="title"/>
           </p:nvPr>
         </p:nvSpPr>
-        <p:spPr/>
-        <p:txBody>
-          <a:bodyPr/>
-          <a:lstStyle/>
-          <a:p>
-            <a:r>
-              <a:rPr lang="en-IE" dirty="0"/>
-              <a:t>Unsupervised Learning</a:t>
-            </a:r>
-            <a:endParaRPr lang="en-US" dirty="0"/>
-          </a:p>
-        </p:txBody>
-      </p:sp>
-      <p:sp>
-        <p:nvSpPr>
-          <p:cNvPr id="3" name="Subtitle 2">
-            <a:extLst>
-              <a:ext uri="{FF2B5EF4-FFF2-40B4-BE49-F238E27FC236}">
-                <a16:creationId xmlns:a16="http://schemas.microsoft.com/office/drawing/2014/main" id="{6A410682-7B38-3C44-8425-1487C2D73FCC}"/>
-              </a:ext>
-            </a:extLst>
-          </p:cNvPr>
-          <p:cNvSpPr>
-            <a:spLocks noGrp="1"/>
-          </p:cNvSpPr>
-          <p:nvPr>
-            <p:ph type="subTitle" idx="1"/>
-          </p:nvPr>
-        </p:nvSpPr>
-        <p:spPr/>
+        <p:spPr>
+          <a:xfrm>
+            <a:off x="838200" y="212444"/>
+            <a:ext cx="10515600" cy="1086131"/>
+          </a:xfrm>
+        </p:spPr>
         <p:txBody>
           <a:bodyPr>
-            <a:normAutofit lnSpcReduction="10000"/>
+            <a:normAutofit fontScale="90000"/>
           </a:bodyPr>
           <a:lstStyle/>
           <a:p>
-            <a:r>
-              <a:rPr lang="en-IE" dirty="0"/>
-              <a:t>”Unsupervised learning is a type of machine learning in which the algorithm is not provided with any pre-assigned labels or scores for the training data. As a result, unsupervised learning algorithms must first self-discover any naturally occurring patterns in that training data set.” </a:t>
-            </a:r>
-            <a:r>
-              <a:rPr lang="en-IE" dirty="0">
-                <a:hlinkClick r:id="rId2"/>
-              </a:rPr>
-              <a:t>Wikipedia</a:t>
+            <a:br>
+              <a:rPr lang="en-US" dirty="0"/>
+            </a:br>
+            <a:r>
+              <a:rPr lang="en-GB" dirty="0"/>
+              <a:t>Flowers Classification Demo</a:t>
             </a:r>
             <a:endParaRPr lang="en-US" dirty="0"/>
           </a:p>
@@ -8040,7 +8022,7 @@
     </p:spTree>
     <p:extLst>
       <p:ext uri="{BB962C8B-B14F-4D97-AF65-F5344CB8AC3E}">
-        <p14:creationId xmlns:p14="http://schemas.microsoft.com/office/powerpoint/2010/main" val="2110181649"/>
+        <p14:creationId xmlns:p14="http://schemas.microsoft.com/office/powerpoint/2010/main" val="1219054240"/>
       </p:ext>
     </p:extLst>
   </p:cSld>
@@ -8069,6 +8051,35 @@
       </p:grpSpPr>
       <p:sp>
         <p:nvSpPr>
+          <p:cNvPr id="2" name="Title 1">
+            <a:extLst>
+              <a:ext uri="{FF2B5EF4-FFF2-40B4-BE49-F238E27FC236}">
+                <a16:creationId xmlns:a16="http://schemas.microsoft.com/office/drawing/2014/main" id="{D0273F34-96E7-1647-B352-BD30BA2ED758}"/>
+              </a:ext>
+            </a:extLst>
+          </p:cNvPr>
+          <p:cNvSpPr>
+            <a:spLocks noGrp="1"/>
+          </p:cNvSpPr>
+          <p:nvPr>
+            <p:ph type="ctrTitle"/>
+          </p:nvPr>
+        </p:nvSpPr>
+        <p:spPr/>
+        <p:txBody>
+          <a:bodyPr/>
+          <a:lstStyle/>
+          <a:p>
+            <a:r>
+              <a:rPr lang="en-IE" dirty="0"/>
+              <a:t>Unsupervised Learning</a:t>
+            </a:r>
+            <a:endParaRPr lang="en-US" dirty="0"/>
+          </a:p>
+        </p:txBody>
+      </p:sp>
+      <p:sp>
+        <p:nvSpPr>
           <p:cNvPr id="3" name="Subtitle 2">
             <a:extLst>
               <a:ext uri="{FF2B5EF4-FFF2-40B4-BE49-F238E27FC236}">
@@ -8083,103 +8094,31 @@
             <p:ph type="subTitle" idx="1"/>
           </p:nvPr>
         </p:nvSpPr>
-        <p:spPr>
-          <a:xfrm>
-            <a:off x="1524000" y="170688"/>
-            <a:ext cx="9144000" cy="6687312"/>
-          </a:xfrm>
-        </p:spPr>
+        <p:spPr/>
         <p:txBody>
           <a:bodyPr>
-            <a:normAutofit fontScale="85000" lnSpcReduction="20000"/>
+            <a:normAutofit lnSpcReduction="10000"/>
           </a:bodyPr>
           <a:lstStyle/>
           <a:p>
             <a:r>
-              <a:rPr lang="en-IE" b="1" dirty="0"/>
-              <a:t>Clustering</a:t>
-            </a:r>
-          </a:p>
-          <a:p>
-            <a:r>
               <a:rPr lang="en-IE" dirty="0"/>
-              <a:t>"Clustering is a Machine Learning technique that involves the grouping of data points. Given a set of data points, we can use a clustering algorithm to classify each data point into a specific group. In theory, data points that are in the same group should have similar properties and/or features, while data points in different groups should have highly dissimilar properties and/or features. Clustering is a method of unsupervised learning and is a common technique for statistical data analysis used in many fields."</a:t>
-            </a:r>
-          </a:p>
-          <a:p>
-            <a:r>
-              <a:rPr lang="en-IE" u="sng" dirty="0">
+              <a:t>”Unsupervised learning is a type of machine learning in which the algorithm is not provided with any pre-assigned labels or scores for the training data. As a result, unsupervised learning algorithms must first self-discover any naturally occurring patterns in that training data set.” </a:t>
+            </a:r>
+            <a:r>
+              <a:rPr lang="en-IE" dirty="0">
                 <a:hlinkClick r:id="rId2"/>
               </a:rPr>
-              <a:t>https://towardsdatascience.com/the-5-clustering-algorithms-data-scientists-need-to-know-a36d136ef68</a:t>
-            </a:r>
-            <a:endParaRPr lang="en-IE" dirty="0"/>
-          </a:p>
-          <a:p>
-            <a:r>
-              <a:rPr lang="en-IE" b="1" dirty="0" err="1"/>
-              <a:t>Kmeans</a:t>
-            </a:r>
-            <a:endParaRPr lang="en-IE" b="1" dirty="0"/>
-          </a:p>
-          <a:p>
-            <a:r>
-              <a:rPr lang="en-IE" dirty="0"/>
-              <a:t>"</a:t>
-            </a:r>
-            <a:r>
-              <a:rPr lang="en-IE" dirty="0" err="1"/>
-              <a:t>Kmeans</a:t>
-            </a:r>
-            <a:r>
-              <a:rPr lang="en-IE" dirty="0"/>
-              <a:t> algorithm is an iterative algorithm that tries to partition the dataset into </a:t>
-            </a:r>
-            <a:r>
-              <a:rPr lang="en-IE" dirty="0" err="1"/>
-              <a:t>Kpre</a:t>
-            </a:r>
-            <a:r>
-              <a:rPr lang="en-IE" dirty="0"/>
-              <a:t>-defined distinct non-overlapping subgroups (clusters) where each data point belongs to only one group. It tries to make the intra-cluster data points as similar as possible while also keeping the clusters as different (far) as possible. It assigns data points to a cluster such that the sum of the squared distance between the data points and the cluster’s centroid (arithmetic mean of all the data points that belong to that cluster) is at the minimum. The less variation we have within clusters, the more homogeneous (similar) the data points are within the same cluster."</a:t>
-            </a:r>
-          </a:p>
-          <a:p>
-            <a:r>
-              <a:rPr lang="en-IE" u="sng" dirty="0">
-                <a:hlinkClick r:id="rId3"/>
-              </a:rPr>
-              <a:t>https://towardsdatascience.com/k-means-clustering-algorithm-applications-evaluation-methods-and-drawbacks-aa03e644b48a</a:t>
-            </a:r>
-            <a:endParaRPr lang="en-IE" dirty="0"/>
-          </a:p>
-          <a:p>
-            <a:r>
-              <a:rPr lang="en-IE" b="1" dirty="0"/>
-              <a:t>Euclidean distance</a:t>
-            </a:r>
-          </a:p>
-          <a:p>
-            <a:r>
-              <a:rPr lang="en-IE" dirty="0"/>
-              <a:t>"In mathematics, the Euclidean distance between two points in Euclidean space is the length of a line segment between the two points."</a:t>
-            </a:r>
-          </a:p>
-          <a:p>
-            <a:r>
-              <a:rPr lang="en-IE" u="sng" dirty="0">
-                <a:hlinkClick r:id="rId4"/>
-              </a:rPr>
-              <a:t>https://en.wikipedia.org/wiki/Euclidean_distance</a:t>
-            </a:r>
-            <a:endParaRPr lang="en-IE" dirty="0"/>
+              <a:t>Wikipedia</a:t>
+            </a:r>
+            <a:endParaRPr lang="en-US" dirty="0"/>
           </a:p>
         </p:txBody>
       </p:sp>
     </p:spTree>
     <p:extLst>
       <p:ext uri="{BB962C8B-B14F-4D97-AF65-F5344CB8AC3E}">
-        <p14:creationId xmlns:p14="http://schemas.microsoft.com/office/powerpoint/2010/main" val="1071243861"/>
+        <p14:creationId xmlns:p14="http://schemas.microsoft.com/office/powerpoint/2010/main" val="2110181649"/>
       </p:ext>
     </p:extLst>
   </p:cSld>
@@ -8208,10 +8147,10 @@
       </p:grpSpPr>
       <p:sp>
         <p:nvSpPr>
-          <p:cNvPr id="2" name="Title 1">
-            <a:extLst>
-              <a:ext uri="{FF2B5EF4-FFF2-40B4-BE49-F238E27FC236}">
-                <a16:creationId xmlns:a16="http://schemas.microsoft.com/office/drawing/2014/main" id="{A4AC321E-9E64-5944-9F36-E1C762BB05C6}"/>
+          <p:cNvPr id="3" name="Subtitle 2">
+            <a:extLst>
+              <a:ext uri="{FF2B5EF4-FFF2-40B4-BE49-F238E27FC236}">
+                <a16:creationId xmlns:a16="http://schemas.microsoft.com/office/drawing/2014/main" id="{6A410682-7B38-3C44-8425-1487C2D73FCC}"/>
               </a:ext>
             </a:extLst>
           </p:cNvPr>
@@ -8219,66 +8158,106 @@
             <a:spLocks noGrp="1"/>
           </p:cNvSpPr>
           <p:nvPr>
-            <p:ph type="title"/>
+            <p:ph type="subTitle" idx="1"/>
           </p:nvPr>
         </p:nvSpPr>
         <p:spPr>
           <a:xfrm>
-            <a:off x="838200" y="212444"/>
-            <a:ext cx="10515600" cy="1086131"/>
+            <a:off x="1524000" y="170688"/>
+            <a:ext cx="9144000" cy="6687312"/>
           </a:xfrm>
         </p:spPr>
         <p:txBody>
           <a:bodyPr>
-            <a:normAutofit fontScale="90000"/>
+            <a:normAutofit fontScale="85000" lnSpcReduction="20000"/>
           </a:bodyPr>
           <a:lstStyle/>
           <a:p>
-            <a:br>
-              <a:rPr lang="en-US" dirty="0"/>
-            </a:br>
-            <a:r>
-              <a:rPr lang="en-GB" dirty="0"/>
-              <a:t>k-means</a:t>
-            </a:r>
-            <a:endParaRPr lang="en-US" dirty="0"/>
-          </a:p>
-        </p:txBody>
-      </p:sp>
-      <p:pic>
-        <p:nvPicPr>
-          <p:cNvPr id="4" name="Picture 3">
-            <a:extLst>
-              <a:ext uri="{FF2B5EF4-FFF2-40B4-BE49-F238E27FC236}">
-                <a16:creationId xmlns:a16="http://schemas.microsoft.com/office/drawing/2014/main" id="{32C68EFF-E51C-6E40-BB0F-1BFD3BFB72CC}"/>
-              </a:ext>
-            </a:extLst>
-          </p:cNvPr>
-          <p:cNvPicPr>
-            <a:picLocks noChangeAspect="1"/>
-          </p:cNvPicPr>
-          <p:nvPr/>
-        </p:nvPicPr>
-        <p:blipFill>
-          <a:blip r:embed="rId2"/>
-          <a:stretch>
-            <a:fillRect/>
-          </a:stretch>
-        </p:blipFill>
-        <p:spPr>
-          <a:xfrm>
-            <a:off x="1136650" y="2603500"/>
-            <a:ext cx="9918700" cy="1651000"/>
-          </a:xfrm>
-          <a:prstGeom prst="rect">
-            <a:avLst/>
-          </a:prstGeom>
-        </p:spPr>
-      </p:pic>
+            <a:r>
+              <a:rPr lang="en-IE" b="1" dirty="0"/>
+              <a:t>Clustering</a:t>
+            </a:r>
+          </a:p>
+          <a:p>
+            <a:r>
+              <a:rPr lang="en-IE" dirty="0"/>
+              <a:t>"Clustering is a Machine Learning technique that involves the grouping of data points. Given a set of data points, we can use a clustering algorithm to classify each data point into a specific group. In theory, data points that are in the same group should have similar properties and/or features, while data points in different groups should have highly dissimilar properties and/or features. Clustering is a method of unsupervised learning and is a common technique for statistical data analysis used in many fields."</a:t>
+            </a:r>
+          </a:p>
+          <a:p>
+            <a:r>
+              <a:rPr lang="en-IE" u="sng" dirty="0">
+                <a:hlinkClick r:id="rId2"/>
+              </a:rPr>
+              <a:t>https://towardsdatascience.com/the-5-clustering-algorithms-data-scientists-need-to-know-a36d136ef68</a:t>
+            </a:r>
+            <a:endParaRPr lang="en-IE" dirty="0"/>
+          </a:p>
+          <a:p>
+            <a:r>
+              <a:rPr lang="en-IE" b="1" dirty="0" err="1"/>
+              <a:t>Kmeans</a:t>
+            </a:r>
+            <a:endParaRPr lang="en-IE" b="1" dirty="0"/>
+          </a:p>
+          <a:p>
+            <a:r>
+              <a:rPr lang="en-IE" dirty="0"/>
+              <a:t>"</a:t>
+            </a:r>
+            <a:r>
+              <a:rPr lang="en-IE" dirty="0" err="1"/>
+              <a:t>Kmeans</a:t>
+            </a:r>
+            <a:r>
+              <a:rPr lang="en-IE" dirty="0"/>
+              <a:t> algorithm is an iterative algorithm that tries to partition the dataset into </a:t>
+            </a:r>
+            <a:r>
+              <a:rPr lang="en-IE" dirty="0" err="1"/>
+              <a:t>Kpre</a:t>
+            </a:r>
+            <a:r>
+              <a:rPr lang="en-IE" dirty="0"/>
+              <a:t>-defined distinct non-overlapping subgroups (clusters) where each data point belongs to only one group. It tries to make the intra-cluster data points as similar as possible while also keeping the clusters as different (far) as possible. It assigns data points to a cluster such that the sum of the squared distance between the data points and the cluster’s centroid (arithmetic mean of all the data points that belong to that cluster) is at the minimum. The less variation we have within clusters, the more homogeneous (similar) the data points are within the same cluster."</a:t>
+            </a:r>
+          </a:p>
+          <a:p>
+            <a:r>
+              <a:rPr lang="en-IE" u="sng" dirty="0">
+                <a:hlinkClick r:id="rId3"/>
+              </a:rPr>
+              <a:t>https://towardsdatascience.com/k-means-clustering-algorithm-applications-evaluation-methods-and-drawbacks-aa03e644b48a</a:t>
+            </a:r>
+            <a:endParaRPr lang="en-IE" dirty="0"/>
+          </a:p>
+          <a:p>
+            <a:r>
+              <a:rPr lang="en-IE" b="1" dirty="0"/>
+              <a:t>Euclidean distance</a:t>
+            </a:r>
+          </a:p>
+          <a:p>
+            <a:r>
+              <a:rPr lang="en-IE" dirty="0"/>
+              <a:t>"In mathematics, the Euclidean distance between two points in Euclidean space is the length of a line segment between the two points."</a:t>
+            </a:r>
+          </a:p>
+          <a:p>
+            <a:r>
+              <a:rPr lang="en-IE" u="sng" dirty="0">
+                <a:hlinkClick r:id="rId4"/>
+              </a:rPr>
+              <a:t>https://en.wikipedia.org/wiki/Euclidean_distance</a:t>
+            </a:r>
+            <a:endParaRPr lang="en-IE" dirty="0"/>
+          </a:p>
+        </p:txBody>
+      </p:sp>
     </p:spTree>
     <p:extLst>
       <p:ext uri="{BB962C8B-B14F-4D97-AF65-F5344CB8AC3E}">
-        <p14:creationId xmlns:p14="http://schemas.microsoft.com/office/powerpoint/2010/main" val="2400099634"/>
+        <p14:creationId xmlns:p14="http://schemas.microsoft.com/office/powerpoint/2010/main" val="1071243861"/>
       </p:ext>
     </p:extLst>
   </p:cSld>
@@ -8323,7 +8302,7 @@
         </p:nvSpPr>
         <p:spPr>
           <a:xfrm>
-            <a:off x="838200" y="223734"/>
+            <a:off x="838200" y="212444"/>
             <a:ext cx="10515600" cy="1086131"/>
           </a:xfrm>
         </p:spPr>
@@ -8366,7 +8345,7 @@
         </p:blipFill>
         <p:spPr>
           <a:xfrm>
-            <a:off x="1050152" y="2755900"/>
+            <a:off x="1136650" y="2603500"/>
             <a:ext cx="9918700" cy="1651000"/>
           </a:xfrm>
           <a:prstGeom prst="rect">
@@ -8374,180 +8353,10 @@
           </a:prstGeom>
         </p:spPr>
       </p:pic>
-      <p:sp>
-        <p:nvSpPr>
-          <p:cNvPr id="3" name="TextBox 2">
-            <a:extLst>
-              <a:ext uri="{FF2B5EF4-FFF2-40B4-BE49-F238E27FC236}">
-                <a16:creationId xmlns:a16="http://schemas.microsoft.com/office/drawing/2014/main" id="{F9A33E57-D9BB-5449-9D22-5E69E0EAEB7C}"/>
-              </a:ext>
-            </a:extLst>
-          </p:cNvPr>
-          <p:cNvSpPr txBox="1"/>
-          <p:nvPr/>
-        </p:nvSpPr>
-        <p:spPr>
-          <a:xfrm>
-            <a:off x="1487424" y="1865376"/>
-            <a:ext cx="2133600" cy="369332"/>
-          </a:xfrm>
-          <a:prstGeom prst="rect">
-            <a:avLst/>
-          </a:prstGeom>
-          <a:noFill/>
-        </p:spPr>
-        <p:txBody>
-          <a:bodyPr wrap="square" rtlCol="0">
-            <a:spAutoFit/>
-          </a:bodyPr>
-          <a:lstStyle/>
-          <a:p>
-            <a:r>
-              <a:rPr lang="en-US" dirty="0"/>
-              <a:t>we can imagine :</a:t>
-            </a:r>
-          </a:p>
-        </p:txBody>
-      </p:sp>
-      <p:sp>
-        <p:nvSpPr>
-          <p:cNvPr id="5" name="Oval 4">
-            <a:extLst>
-              <a:ext uri="{FF2B5EF4-FFF2-40B4-BE49-F238E27FC236}">
-                <a16:creationId xmlns:a16="http://schemas.microsoft.com/office/drawing/2014/main" id="{C7729114-19A5-984F-A631-DEAB402F3417}"/>
-              </a:ext>
-            </a:extLst>
-          </p:cNvPr>
-          <p:cNvSpPr/>
-          <p:nvPr/>
-        </p:nvSpPr>
-        <p:spPr>
-          <a:xfrm>
-            <a:off x="5471414" y="2731008"/>
-            <a:ext cx="2144804" cy="1523492"/>
-          </a:xfrm>
-          <a:prstGeom prst="ellipse">
-            <a:avLst/>
-          </a:prstGeom>
-          <a:noFill/>
-        </p:spPr>
-        <p:style>
-          <a:lnRef idx="2">
-            <a:schemeClr val="accent6"/>
-          </a:lnRef>
-          <a:fillRef idx="1">
-            <a:schemeClr val="lt1"/>
-          </a:fillRef>
-          <a:effectRef idx="0">
-            <a:schemeClr val="accent6"/>
-          </a:effectRef>
-          <a:fontRef idx="minor">
-            <a:schemeClr val="dk1"/>
-          </a:fontRef>
-        </p:style>
-        <p:txBody>
-          <a:bodyPr rtlCol="0" anchor="ctr"/>
-          <a:lstStyle/>
-          <a:p>
-            <a:pPr algn="ctr"/>
-            <a:endParaRPr lang="en-US" dirty="0"/>
-          </a:p>
-        </p:txBody>
-      </p:sp>
-      <p:sp>
-        <p:nvSpPr>
-          <p:cNvPr id="6" name="Oval 5">
-            <a:extLst>
-              <a:ext uri="{FF2B5EF4-FFF2-40B4-BE49-F238E27FC236}">
-                <a16:creationId xmlns:a16="http://schemas.microsoft.com/office/drawing/2014/main" id="{6B174E2C-F617-6644-9FDE-354D7AE2978F}"/>
-              </a:ext>
-            </a:extLst>
-          </p:cNvPr>
-          <p:cNvSpPr/>
-          <p:nvPr/>
-        </p:nvSpPr>
-        <p:spPr>
-          <a:xfrm>
-            <a:off x="1591056" y="2883408"/>
-            <a:ext cx="3425952" cy="1523492"/>
-          </a:xfrm>
-          <a:prstGeom prst="ellipse">
-            <a:avLst/>
-          </a:prstGeom>
-          <a:noFill/>
-        </p:spPr>
-        <p:style>
-          <a:lnRef idx="2">
-            <a:schemeClr val="accent6"/>
-          </a:lnRef>
-          <a:fillRef idx="1">
-            <a:schemeClr val="lt1"/>
-          </a:fillRef>
-          <a:effectRef idx="0">
-            <a:schemeClr val="accent6"/>
-          </a:effectRef>
-          <a:fontRef idx="minor">
-            <a:schemeClr val="dk1"/>
-          </a:fontRef>
-        </p:style>
-        <p:txBody>
-          <a:bodyPr rtlCol="0" anchor="ctr"/>
-          <a:lstStyle/>
-          <a:p>
-            <a:pPr algn="ctr"/>
-            <a:endParaRPr lang="en-US" dirty="0"/>
-          </a:p>
-        </p:txBody>
-      </p:sp>
-      <p:sp>
-        <p:nvSpPr>
-          <p:cNvPr id="7" name="Oval 6">
-            <a:extLst>
-              <a:ext uri="{FF2B5EF4-FFF2-40B4-BE49-F238E27FC236}">
-                <a16:creationId xmlns:a16="http://schemas.microsoft.com/office/drawing/2014/main" id="{596D521A-E865-7A44-93B1-18C60E437719}"/>
-              </a:ext>
-            </a:extLst>
-          </p:cNvPr>
-          <p:cNvSpPr/>
-          <p:nvPr/>
-        </p:nvSpPr>
-        <p:spPr>
-          <a:xfrm>
-            <a:off x="7823316" y="2755900"/>
-            <a:ext cx="2144804" cy="1523492"/>
-          </a:xfrm>
-          <a:prstGeom prst="ellipse">
-            <a:avLst/>
-          </a:prstGeom>
-          <a:noFill/>
-        </p:spPr>
-        <p:style>
-          <a:lnRef idx="2">
-            <a:schemeClr val="accent6"/>
-          </a:lnRef>
-          <a:fillRef idx="1">
-            <a:schemeClr val="lt1"/>
-          </a:fillRef>
-          <a:effectRef idx="0">
-            <a:schemeClr val="accent6"/>
-          </a:effectRef>
-          <a:fontRef idx="minor">
-            <a:schemeClr val="dk1"/>
-          </a:fontRef>
-        </p:style>
-        <p:txBody>
-          <a:bodyPr rtlCol="0" anchor="ctr"/>
-          <a:lstStyle/>
-          <a:p>
-            <a:pPr algn="ctr"/>
-            <a:endParaRPr lang="en-US" dirty="0"/>
-          </a:p>
-        </p:txBody>
-      </p:sp>
     </p:spTree>
     <p:extLst>
       <p:ext uri="{BB962C8B-B14F-4D97-AF65-F5344CB8AC3E}">
-        <p14:creationId xmlns:p14="http://schemas.microsoft.com/office/powerpoint/2010/main" val="3682392015"/>
+        <p14:creationId xmlns:p14="http://schemas.microsoft.com/office/powerpoint/2010/main" val="2400099634"/>
       </p:ext>
     </p:extLst>
   </p:cSld>
@@ -8592,7 +8401,7 @@
         </p:nvSpPr>
         <p:spPr>
           <a:xfrm>
-            <a:off x="838200" y="212444"/>
+            <a:off x="838200" y="223734"/>
             <a:ext cx="10515600" cy="1086131"/>
           </a:xfrm>
         </p:spPr>
@@ -8615,10 +8424,10 @@
       </p:sp>
       <p:pic>
         <p:nvPicPr>
-          <p:cNvPr id="3" name="Picture 2">
-            <a:extLst>
-              <a:ext uri="{FF2B5EF4-FFF2-40B4-BE49-F238E27FC236}">
-                <a16:creationId xmlns:a16="http://schemas.microsoft.com/office/drawing/2014/main" id="{DC6F6706-57A5-5A44-B7B9-2F0410697971}"/>
+          <p:cNvPr id="4" name="Picture 3">
+            <a:extLst>
+              <a:ext uri="{FF2B5EF4-FFF2-40B4-BE49-F238E27FC236}">
+                <a16:creationId xmlns:a16="http://schemas.microsoft.com/office/drawing/2014/main" id="{32C68EFF-E51C-6E40-BB0F-1BFD3BFB72CC}"/>
               </a:ext>
             </a:extLst>
           </p:cNvPr>
@@ -8635,8 +8444,8 @@
         </p:blipFill>
         <p:spPr>
           <a:xfrm>
-            <a:off x="1416894" y="1898650"/>
-            <a:ext cx="9169400" cy="3060700"/>
+            <a:off x="1050152" y="2755900"/>
+            <a:ext cx="9918700" cy="1651000"/>
           </a:xfrm>
           <a:prstGeom prst="rect">
             <a:avLst/>
@@ -8645,10 +8454,10 @@
       </p:pic>
       <p:sp>
         <p:nvSpPr>
-          <p:cNvPr id="4" name="TextBox 3">
-            <a:extLst>
-              <a:ext uri="{FF2B5EF4-FFF2-40B4-BE49-F238E27FC236}">
-                <a16:creationId xmlns:a16="http://schemas.microsoft.com/office/drawing/2014/main" id="{12037C8D-2154-B94C-8258-6688780B637D}"/>
+          <p:cNvPr id="3" name="TextBox 2">
+            <a:extLst>
+              <a:ext uri="{FF2B5EF4-FFF2-40B4-BE49-F238E27FC236}">
+                <a16:creationId xmlns:a16="http://schemas.microsoft.com/office/drawing/2014/main" id="{F9A33E57-D9BB-5449-9D22-5E69E0EAEB7C}"/>
               </a:ext>
             </a:extLst>
           </p:cNvPr>
@@ -8657,8 +8466,8 @@
         </p:nvSpPr>
         <p:spPr>
           <a:xfrm>
-            <a:off x="6211330" y="6276224"/>
-            <a:ext cx="5980670" cy="369332"/>
+            <a:off x="1487424" y="1865376"/>
+            <a:ext cx="2133600" cy="369332"/>
           </a:xfrm>
           <a:prstGeom prst="rect">
             <a:avLst/>
@@ -8673,31 +8482,150 @@
           <a:p>
             <a:r>
               <a:rPr lang="en-US" dirty="0"/>
-              <a:t>Source : https://</a:t>
-            </a:r>
-            <a:r>
-              <a:rPr lang="en-US" dirty="0" err="1"/>
-              <a:t>www.youtube.com</a:t>
-            </a:r>
-            <a:r>
-              <a:rPr lang="en-US" dirty="0"/>
-              <a:t>/</a:t>
-            </a:r>
-            <a:r>
-              <a:rPr lang="en-US" dirty="0" err="1"/>
-              <a:t>watch?v</a:t>
-            </a:r>
-            <a:r>
-              <a:rPr lang="en-US" dirty="0"/>
-              <a:t>=4b5d3muPQmA</a:t>
-            </a:r>
+              <a:t>we can imagine :</a:t>
+            </a:r>
+          </a:p>
+        </p:txBody>
+      </p:sp>
+      <p:sp>
+        <p:nvSpPr>
+          <p:cNvPr id="5" name="Oval 4">
+            <a:extLst>
+              <a:ext uri="{FF2B5EF4-FFF2-40B4-BE49-F238E27FC236}">
+                <a16:creationId xmlns:a16="http://schemas.microsoft.com/office/drawing/2014/main" id="{C7729114-19A5-984F-A631-DEAB402F3417}"/>
+              </a:ext>
+            </a:extLst>
+          </p:cNvPr>
+          <p:cNvSpPr/>
+          <p:nvPr/>
+        </p:nvSpPr>
+        <p:spPr>
+          <a:xfrm>
+            <a:off x="5471414" y="2731008"/>
+            <a:ext cx="2144804" cy="1523492"/>
+          </a:xfrm>
+          <a:prstGeom prst="ellipse">
+            <a:avLst/>
+          </a:prstGeom>
+          <a:noFill/>
+        </p:spPr>
+        <p:style>
+          <a:lnRef idx="2">
+            <a:schemeClr val="accent6"/>
+          </a:lnRef>
+          <a:fillRef idx="1">
+            <a:schemeClr val="lt1"/>
+          </a:fillRef>
+          <a:effectRef idx="0">
+            <a:schemeClr val="accent6"/>
+          </a:effectRef>
+          <a:fontRef idx="minor">
+            <a:schemeClr val="dk1"/>
+          </a:fontRef>
+        </p:style>
+        <p:txBody>
+          <a:bodyPr rtlCol="0" anchor="ctr"/>
+          <a:lstStyle/>
+          <a:p>
+            <a:pPr algn="ctr"/>
+            <a:endParaRPr lang="en-US" dirty="0"/>
+          </a:p>
+        </p:txBody>
+      </p:sp>
+      <p:sp>
+        <p:nvSpPr>
+          <p:cNvPr id="6" name="Oval 5">
+            <a:extLst>
+              <a:ext uri="{FF2B5EF4-FFF2-40B4-BE49-F238E27FC236}">
+                <a16:creationId xmlns:a16="http://schemas.microsoft.com/office/drawing/2014/main" id="{6B174E2C-F617-6644-9FDE-354D7AE2978F}"/>
+              </a:ext>
+            </a:extLst>
+          </p:cNvPr>
+          <p:cNvSpPr/>
+          <p:nvPr/>
+        </p:nvSpPr>
+        <p:spPr>
+          <a:xfrm>
+            <a:off x="1591056" y="2883408"/>
+            <a:ext cx="3425952" cy="1523492"/>
+          </a:xfrm>
+          <a:prstGeom prst="ellipse">
+            <a:avLst/>
+          </a:prstGeom>
+          <a:noFill/>
+        </p:spPr>
+        <p:style>
+          <a:lnRef idx="2">
+            <a:schemeClr val="accent6"/>
+          </a:lnRef>
+          <a:fillRef idx="1">
+            <a:schemeClr val="lt1"/>
+          </a:fillRef>
+          <a:effectRef idx="0">
+            <a:schemeClr val="accent6"/>
+          </a:effectRef>
+          <a:fontRef idx="minor">
+            <a:schemeClr val="dk1"/>
+          </a:fontRef>
+        </p:style>
+        <p:txBody>
+          <a:bodyPr rtlCol="0" anchor="ctr"/>
+          <a:lstStyle/>
+          <a:p>
+            <a:pPr algn="ctr"/>
+            <a:endParaRPr lang="en-US" dirty="0"/>
+          </a:p>
+        </p:txBody>
+      </p:sp>
+      <p:sp>
+        <p:nvSpPr>
+          <p:cNvPr id="7" name="Oval 6">
+            <a:extLst>
+              <a:ext uri="{FF2B5EF4-FFF2-40B4-BE49-F238E27FC236}">
+                <a16:creationId xmlns:a16="http://schemas.microsoft.com/office/drawing/2014/main" id="{596D521A-E865-7A44-93B1-18C60E437719}"/>
+              </a:ext>
+            </a:extLst>
+          </p:cNvPr>
+          <p:cNvSpPr/>
+          <p:nvPr/>
+        </p:nvSpPr>
+        <p:spPr>
+          <a:xfrm>
+            <a:off x="7823316" y="2755900"/>
+            <a:ext cx="2144804" cy="1523492"/>
+          </a:xfrm>
+          <a:prstGeom prst="ellipse">
+            <a:avLst/>
+          </a:prstGeom>
+          <a:noFill/>
+        </p:spPr>
+        <p:style>
+          <a:lnRef idx="2">
+            <a:schemeClr val="accent6"/>
+          </a:lnRef>
+          <a:fillRef idx="1">
+            <a:schemeClr val="lt1"/>
+          </a:fillRef>
+          <a:effectRef idx="0">
+            <a:schemeClr val="accent6"/>
+          </a:effectRef>
+          <a:fontRef idx="minor">
+            <a:schemeClr val="dk1"/>
+          </a:fontRef>
+        </p:style>
+        <p:txBody>
+          <a:bodyPr rtlCol="0" anchor="ctr"/>
+          <a:lstStyle/>
+          <a:p>
+            <a:pPr algn="ctr"/>
+            <a:endParaRPr lang="en-US" dirty="0"/>
           </a:p>
         </p:txBody>
       </p:sp>
     </p:spTree>
     <p:extLst>
       <p:ext uri="{BB962C8B-B14F-4D97-AF65-F5344CB8AC3E}">
-        <p14:creationId xmlns:p14="http://schemas.microsoft.com/office/powerpoint/2010/main" val="770258740"/>
+        <p14:creationId xmlns:p14="http://schemas.microsoft.com/office/powerpoint/2010/main" val="3682392015"/>
       </p:ext>
     </p:extLst>
   </p:cSld>
@@ -8765,10 +8693,10 @@
       </p:sp>
       <p:pic>
         <p:nvPicPr>
-          <p:cNvPr id="4" name="Picture 3">
-            <a:extLst>
-              <a:ext uri="{FF2B5EF4-FFF2-40B4-BE49-F238E27FC236}">
-                <a16:creationId xmlns:a16="http://schemas.microsoft.com/office/drawing/2014/main" id="{0234AC80-9149-2042-BB69-26DCA41EEDF1}"/>
+          <p:cNvPr id="3" name="Picture 2">
+            <a:extLst>
+              <a:ext uri="{FF2B5EF4-FFF2-40B4-BE49-F238E27FC236}">
+                <a16:creationId xmlns:a16="http://schemas.microsoft.com/office/drawing/2014/main" id="{DC6F6706-57A5-5A44-B7B9-2F0410697971}"/>
               </a:ext>
             </a:extLst>
           </p:cNvPr>
@@ -8785,18 +8713,69 @@
         </p:blipFill>
         <p:spPr>
           <a:xfrm>
-            <a:off x="1517650" y="1841500"/>
-            <a:ext cx="9156700" cy="3175000"/>
+            <a:off x="1416894" y="1898650"/>
+            <a:ext cx="9169400" cy="3060700"/>
           </a:xfrm>
           <a:prstGeom prst="rect">
             <a:avLst/>
           </a:prstGeom>
         </p:spPr>
       </p:pic>
+      <p:sp>
+        <p:nvSpPr>
+          <p:cNvPr id="4" name="TextBox 3">
+            <a:extLst>
+              <a:ext uri="{FF2B5EF4-FFF2-40B4-BE49-F238E27FC236}">
+                <a16:creationId xmlns:a16="http://schemas.microsoft.com/office/drawing/2014/main" id="{12037C8D-2154-B94C-8258-6688780B637D}"/>
+              </a:ext>
+            </a:extLst>
+          </p:cNvPr>
+          <p:cNvSpPr txBox="1"/>
+          <p:nvPr/>
+        </p:nvSpPr>
+        <p:spPr>
+          <a:xfrm>
+            <a:off x="6211330" y="6276224"/>
+            <a:ext cx="5980670" cy="369332"/>
+          </a:xfrm>
+          <a:prstGeom prst="rect">
+            <a:avLst/>
+          </a:prstGeom>
+          <a:noFill/>
+        </p:spPr>
+        <p:txBody>
+          <a:bodyPr wrap="square" rtlCol="0">
+            <a:spAutoFit/>
+          </a:bodyPr>
+          <a:lstStyle/>
+          <a:p>
+            <a:r>
+              <a:rPr lang="en-US" dirty="0"/>
+              <a:t>Source : https://</a:t>
+            </a:r>
+            <a:r>
+              <a:rPr lang="en-US" dirty="0" err="1"/>
+              <a:t>www.youtube.com</a:t>
+            </a:r>
+            <a:r>
+              <a:rPr lang="en-US" dirty="0"/>
+              <a:t>/</a:t>
+            </a:r>
+            <a:r>
+              <a:rPr lang="en-US" dirty="0" err="1"/>
+              <a:t>watch?v</a:t>
+            </a:r>
+            <a:r>
+              <a:rPr lang="en-US" dirty="0"/>
+              <a:t>=4b5d3muPQmA</a:t>
+            </a:r>
+          </a:p>
+        </p:txBody>
+      </p:sp>
     </p:spTree>
     <p:extLst>
       <p:ext uri="{BB962C8B-B14F-4D97-AF65-F5344CB8AC3E}">
-        <p14:creationId xmlns:p14="http://schemas.microsoft.com/office/powerpoint/2010/main" val="283644206"/>
+        <p14:creationId xmlns:p14="http://schemas.microsoft.com/office/powerpoint/2010/main" val="770258740"/>
       </p:ext>
     </p:extLst>
   </p:cSld>
@@ -8864,10 +8843,10 @@
       </p:sp>
       <p:pic>
         <p:nvPicPr>
-          <p:cNvPr id="3" name="Picture 2">
-            <a:extLst>
-              <a:ext uri="{FF2B5EF4-FFF2-40B4-BE49-F238E27FC236}">
-                <a16:creationId xmlns:a16="http://schemas.microsoft.com/office/drawing/2014/main" id="{0D565070-6066-E140-B901-0B26E7706B6D}"/>
+          <p:cNvPr id="4" name="Picture 3">
+            <a:extLst>
+              <a:ext uri="{FF2B5EF4-FFF2-40B4-BE49-F238E27FC236}">
+                <a16:creationId xmlns:a16="http://schemas.microsoft.com/office/drawing/2014/main" id="{0234AC80-9149-2042-BB69-26DCA41EEDF1}"/>
               </a:ext>
             </a:extLst>
           </p:cNvPr>
@@ -8884,8 +8863,8 @@
         </p:blipFill>
         <p:spPr>
           <a:xfrm>
-            <a:off x="1428750" y="1464564"/>
-            <a:ext cx="9334500" cy="4953000"/>
+            <a:off x="1517650" y="1841500"/>
+            <a:ext cx="9156700" cy="3175000"/>
           </a:xfrm>
           <a:prstGeom prst="rect">
             <a:avLst/>
@@ -8895,7 +8874,7 @@
     </p:spTree>
     <p:extLst>
       <p:ext uri="{BB962C8B-B14F-4D97-AF65-F5344CB8AC3E}">
-        <p14:creationId xmlns:p14="http://schemas.microsoft.com/office/powerpoint/2010/main" val="3245893570"/>
+        <p14:creationId xmlns:p14="http://schemas.microsoft.com/office/powerpoint/2010/main" val="283644206"/>
       </p:ext>
     </p:extLst>
   </p:cSld>
@@ -8963,10 +8942,10 @@
       </p:sp>
       <p:pic>
         <p:nvPicPr>
-          <p:cNvPr id="4" name="Picture 3">
-            <a:extLst>
-              <a:ext uri="{FF2B5EF4-FFF2-40B4-BE49-F238E27FC236}">
-                <a16:creationId xmlns:a16="http://schemas.microsoft.com/office/drawing/2014/main" id="{FA4B5DF2-34CF-A542-A0C9-0B7D8EB1BB26}"/>
+          <p:cNvPr id="3" name="Picture 2">
+            <a:extLst>
+              <a:ext uri="{FF2B5EF4-FFF2-40B4-BE49-F238E27FC236}">
+                <a16:creationId xmlns:a16="http://schemas.microsoft.com/office/drawing/2014/main" id="{0D565070-6066-E140-B901-0B26E7706B6D}"/>
               </a:ext>
             </a:extLst>
           </p:cNvPr>
@@ -8983,8 +8962,8 @@
         </p:blipFill>
         <p:spPr>
           <a:xfrm>
-            <a:off x="1470914" y="1957578"/>
-            <a:ext cx="9055100" cy="3162300"/>
+            <a:off x="1428750" y="1464564"/>
+            <a:ext cx="9334500" cy="4953000"/>
           </a:xfrm>
           <a:prstGeom prst="rect">
             <a:avLst/>
@@ -8994,7 +8973,7 @@
     </p:spTree>
     <p:extLst>
       <p:ext uri="{BB962C8B-B14F-4D97-AF65-F5344CB8AC3E}">
-        <p14:creationId xmlns:p14="http://schemas.microsoft.com/office/powerpoint/2010/main" val="2136413503"/>
+        <p14:creationId xmlns:p14="http://schemas.microsoft.com/office/powerpoint/2010/main" val="3245893570"/>
       </p:ext>
     </p:extLst>
   </p:cSld>
@@ -9062,10 +9041,10 @@
       </p:sp>
       <p:pic>
         <p:nvPicPr>
-          <p:cNvPr id="3" name="Picture 2">
-            <a:extLst>
-              <a:ext uri="{FF2B5EF4-FFF2-40B4-BE49-F238E27FC236}">
-                <a16:creationId xmlns:a16="http://schemas.microsoft.com/office/drawing/2014/main" id="{D7A8169F-F6D8-5F4F-BD68-537CE2231704}"/>
+          <p:cNvPr id="4" name="Picture 3">
+            <a:extLst>
+              <a:ext uri="{FF2B5EF4-FFF2-40B4-BE49-F238E27FC236}">
+                <a16:creationId xmlns:a16="http://schemas.microsoft.com/office/drawing/2014/main" id="{FA4B5DF2-34CF-A542-A0C9-0B7D8EB1BB26}"/>
               </a:ext>
             </a:extLst>
           </p:cNvPr>
@@ -9082,61 +9061,18 @@
         </p:blipFill>
         <p:spPr>
           <a:xfrm>
-            <a:off x="1301750" y="1923288"/>
-            <a:ext cx="9588500" cy="4572000"/>
+            <a:off x="1470914" y="1957578"/>
+            <a:ext cx="9055100" cy="3162300"/>
           </a:xfrm>
           <a:prstGeom prst="rect">
             <a:avLst/>
           </a:prstGeom>
         </p:spPr>
       </p:pic>
-      <p:sp>
-        <p:nvSpPr>
-          <p:cNvPr id="5" name="TextBox 4">
-            <a:extLst>
-              <a:ext uri="{FF2B5EF4-FFF2-40B4-BE49-F238E27FC236}">
-                <a16:creationId xmlns:a16="http://schemas.microsoft.com/office/drawing/2014/main" id="{6506E229-F057-004C-93F5-C847081DBF70}"/>
-              </a:ext>
-            </a:extLst>
-          </p:cNvPr>
-          <p:cNvSpPr txBox="1"/>
-          <p:nvPr/>
-        </p:nvSpPr>
-        <p:spPr>
-          <a:xfrm>
-            <a:off x="1487424" y="1553956"/>
-            <a:ext cx="1731264" cy="369332"/>
-          </a:xfrm>
-          <a:prstGeom prst="rect">
-            <a:avLst/>
-          </a:prstGeom>
-          <a:noFill/>
-        </p:spPr>
-        <p:txBody>
-          <a:bodyPr wrap="square" rtlCol="0">
-            <a:spAutoFit/>
-          </a:bodyPr>
-          <a:lstStyle/>
-          <a:p>
-            <a:r>
-              <a:rPr lang="en-US" dirty="0"/>
-              <a:t>2</a:t>
-            </a:r>
-            <a:r>
-              <a:rPr lang="en-US" baseline="30000" dirty="0"/>
-              <a:t>nd</a:t>
-            </a:r>
-            <a:r>
-              <a:rPr lang="en-US" dirty="0"/>
-              <a:t> point:</a:t>
-            </a:r>
-          </a:p>
-        </p:txBody>
-      </p:sp>
     </p:spTree>
     <p:extLst>
       <p:ext uri="{BB962C8B-B14F-4D97-AF65-F5344CB8AC3E}">
-        <p14:creationId xmlns:p14="http://schemas.microsoft.com/office/powerpoint/2010/main" val="4231500122"/>
+        <p14:creationId xmlns:p14="http://schemas.microsoft.com/office/powerpoint/2010/main" val="2136413503"/>
       </p:ext>
     </p:extLst>
   </p:cSld>
@@ -9204,10 +9140,10 @@
       </p:sp>
       <p:pic>
         <p:nvPicPr>
-          <p:cNvPr id="4" name="Picture 3">
-            <a:extLst>
-              <a:ext uri="{FF2B5EF4-FFF2-40B4-BE49-F238E27FC236}">
-                <a16:creationId xmlns:a16="http://schemas.microsoft.com/office/drawing/2014/main" id="{8F49FEF7-8A77-6E43-9492-F7BCB38F7FB6}"/>
+          <p:cNvPr id="3" name="Picture 2">
+            <a:extLst>
+              <a:ext uri="{FF2B5EF4-FFF2-40B4-BE49-F238E27FC236}">
+                <a16:creationId xmlns:a16="http://schemas.microsoft.com/office/drawing/2014/main" id="{D7A8169F-F6D8-5F4F-BD68-537CE2231704}"/>
               </a:ext>
             </a:extLst>
           </p:cNvPr>
@@ -9224,18 +9160,61 @@
         </p:blipFill>
         <p:spPr>
           <a:xfrm>
-            <a:off x="1485900" y="2226056"/>
-            <a:ext cx="9220200" cy="2844800"/>
+            <a:off x="1301750" y="1923288"/>
+            <a:ext cx="9588500" cy="4572000"/>
           </a:xfrm>
           <a:prstGeom prst="rect">
             <a:avLst/>
           </a:prstGeom>
         </p:spPr>
       </p:pic>
+      <p:sp>
+        <p:nvSpPr>
+          <p:cNvPr id="5" name="TextBox 4">
+            <a:extLst>
+              <a:ext uri="{FF2B5EF4-FFF2-40B4-BE49-F238E27FC236}">
+                <a16:creationId xmlns:a16="http://schemas.microsoft.com/office/drawing/2014/main" id="{6506E229-F057-004C-93F5-C847081DBF70}"/>
+              </a:ext>
+            </a:extLst>
+          </p:cNvPr>
+          <p:cNvSpPr txBox="1"/>
+          <p:nvPr/>
+        </p:nvSpPr>
+        <p:spPr>
+          <a:xfrm>
+            <a:off x="1487424" y="1553956"/>
+            <a:ext cx="1731264" cy="369332"/>
+          </a:xfrm>
+          <a:prstGeom prst="rect">
+            <a:avLst/>
+          </a:prstGeom>
+          <a:noFill/>
+        </p:spPr>
+        <p:txBody>
+          <a:bodyPr wrap="square" rtlCol="0">
+            <a:spAutoFit/>
+          </a:bodyPr>
+          <a:lstStyle/>
+          <a:p>
+            <a:r>
+              <a:rPr lang="en-US" dirty="0"/>
+              <a:t>2</a:t>
+            </a:r>
+            <a:r>
+              <a:rPr lang="en-US" baseline="30000" dirty="0"/>
+              <a:t>nd</a:t>
+            </a:r>
+            <a:r>
+              <a:rPr lang="en-US" dirty="0"/>
+              <a:t> point:</a:t>
+            </a:r>
+          </a:p>
+        </p:txBody>
+      </p:sp>
     </p:spTree>
     <p:extLst>
       <p:ext uri="{BB962C8B-B14F-4D97-AF65-F5344CB8AC3E}">
-        <p14:creationId xmlns:p14="http://schemas.microsoft.com/office/powerpoint/2010/main" val="2895399382"/>
+        <p14:creationId xmlns:p14="http://schemas.microsoft.com/office/powerpoint/2010/main" val="4231500122"/>
       </p:ext>
     </p:extLst>
   </p:cSld>
@@ -9538,10 +9517,10 @@
       </p:sp>
       <p:pic>
         <p:nvPicPr>
-          <p:cNvPr id="3" name="Picture 2">
-            <a:extLst>
-              <a:ext uri="{FF2B5EF4-FFF2-40B4-BE49-F238E27FC236}">
-                <a16:creationId xmlns:a16="http://schemas.microsoft.com/office/drawing/2014/main" id="{0BED0885-CB39-954E-814F-5E1967D7BD9B}"/>
+          <p:cNvPr id="4" name="Picture 3">
+            <a:extLst>
+              <a:ext uri="{FF2B5EF4-FFF2-40B4-BE49-F238E27FC236}">
+                <a16:creationId xmlns:a16="http://schemas.microsoft.com/office/drawing/2014/main" id="{8F49FEF7-8A77-6E43-9492-F7BCB38F7FB6}"/>
               </a:ext>
             </a:extLst>
           </p:cNvPr>
@@ -9558,8 +9537,8 @@
         </p:blipFill>
         <p:spPr>
           <a:xfrm>
-            <a:off x="1524000" y="1797050"/>
-            <a:ext cx="9144000" cy="3263900"/>
+            <a:off x="1485900" y="2226056"/>
+            <a:ext cx="9220200" cy="2844800"/>
           </a:xfrm>
           <a:prstGeom prst="rect">
             <a:avLst/>
@@ -9569,7 +9548,7 @@
     </p:spTree>
     <p:extLst>
       <p:ext uri="{BB962C8B-B14F-4D97-AF65-F5344CB8AC3E}">
-        <p14:creationId xmlns:p14="http://schemas.microsoft.com/office/powerpoint/2010/main" val="3758660188"/>
+        <p14:creationId xmlns:p14="http://schemas.microsoft.com/office/powerpoint/2010/main" val="2895399382"/>
       </p:ext>
     </p:extLst>
   </p:cSld>
@@ -9637,10 +9616,10 @@
       </p:sp>
       <p:pic>
         <p:nvPicPr>
-          <p:cNvPr id="4" name="Picture 3">
-            <a:extLst>
-              <a:ext uri="{FF2B5EF4-FFF2-40B4-BE49-F238E27FC236}">
-                <a16:creationId xmlns:a16="http://schemas.microsoft.com/office/drawing/2014/main" id="{763C6C8C-3C26-904A-8F9B-952D8E79C1EF}"/>
+          <p:cNvPr id="3" name="Picture 2">
+            <a:extLst>
+              <a:ext uri="{FF2B5EF4-FFF2-40B4-BE49-F238E27FC236}">
+                <a16:creationId xmlns:a16="http://schemas.microsoft.com/office/drawing/2014/main" id="{0BED0885-CB39-954E-814F-5E1967D7BD9B}"/>
               </a:ext>
             </a:extLst>
           </p:cNvPr>
@@ -9657,53 +9636,18 @@
         </p:blipFill>
         <p:spPr>
           <a:xfrm>
-            <a:off x="1543050" y="2200402"/>
-            <a:ext cx="9105900" cy="3822700"/>
+            <a:off x="1524000" y="1797050"/>
+            <a:ext cx="9144000" cy="3263900"/>
           </a:xfrm>
           <a:prstGeom prst="rect">
             <a:avLst/>
           </a:prstGeom>
         </p:spPr>
       </p:pic>
-      <p:sp>
-        <p:nvSpPr>
-          <p:cNvPr id="5" name="TextBox 4">
-            <a:extLst>
-              <a:ext uri="{FF2B5EF4-FFF2-40B4-BE49-F238E27FC236}">
-                <a16:creationId xmlns:a16="http://schemas.microsoft.com/office/drawing/2014/main" id="{DC3F5579-5C12-E64C-AB71-E6AB318D7012}"/>
-              </a:ext>
-            </a:extLst>
-          </p:cNvPr>
-          <p:cNvSpPr txBox="1"/>
-          <p:nvPr/>
-        </p:nvSpPr>
-        <p:spPr>
-          <a:xfrm>
-            <a:off x="1645920" y="1499616"/>
-            <a:ext cx="5510784" cy="369332"/>
-          </a:xfrm>
-          <a:prstGeom prst="rect">
-            <a:avLst/>
-          </a:prstGeom>
-          <a:noFill/>
-        </p:spPr>
-        <p:txBody>
-          <a:bodyPr wrap="square" rtlCol="0">
-            <a:spAutoFit/>
-          </a:bodyPr>
-          <a:lstStyle/>
-          <a:p>
-            <a:r>
-              <a:rPr lang="en-US" dirty="0"/>
-              <a:t>Point by point, use the means to choose the cluster</a:t>
-            </a:r>
-          </a:p>
-        </p:txBody>
-      </p:sp>
     </p:spTree>
     <p:extLst>
       <p:ext uri="{BB962C8B-B14F-4D97-AF65-F5344CB8AC3E}">
-        <p14:creationId xmlns:p14="http://schemas.microsoft.com/office/powerpoint/2010/main" val="3039714443"/>
+        <p14:creationId xmlns:p14="http://schemas.microsoft.com/office/powerpoint/2010/main" val="3758660188"/>
       </p:ext>
     </p:extLst>
   </p:cSld>
@@ -9771,10 +9715,10 @@
       </p:sp>
       <p:pic>
         <p:nvPicPr>
-          <p:cNvPr id="3" name="Picture 2">
-            <a:extLst>
-              <a:ext uri="{FF2B5EF4-FFF2-40B4-BE49-F238E27FC236}">
-                <a16:creationId xmlns:a16="http://schemas.microsoft.com/office/drawing/2014/main" id="{AF574180-7868-CE47-9612-513CD21E0AA2}"/>
+          <p:cNvPr id="4" name="Picture 3">
+            <a:extLst>
+              <a:ext uri="{FF2B5EF4-FFF2-40B4-BE49-F238E27FC236}">
+                <a16:creationId xmlns:a16="http://schemas.microsoft.com/office/drawing/2014/main" id="{763C6C8C-3C26-904A-8F9B-952D8E79C1EF}"/>
               </a:ext>
             </a:extLst>
           </p:cNvPr>
@@ -9791,18 +9735,53 @@
         </p:blipFill>
         <p:spPr>
           <a:xfrm>
-            <a:off x="1485900" y="2266442"/>
-            <a:ext cx="9220200" cy="3568700"/>
+            <a:off x="1543050" y="2200402"/>
+            <a:ext cx="9105900" cy="3822700"/>
           </a:xfrm>
           <a:prstGeom prst="rect">
             <a:avLst/>
           </a:prstGeom>
         </p:spPr>
       </p:pic>
+      <p:sp>
+        <p:nvSpPr>
+          <p:cNvPr id="5" name="TextBox 4">
+            <a:extLst>
+              <a:ext uri="{FF2B5EF4-FFF2-40B4-BE49-F238E27FC236}">
+                <a16:creationId xmlns:a16="http://schemas.microsoft.com/office/drawing/2014/main" id="{DC3F5579-5C12-E64C-AB71-E6AB318D7012}"/>
+              </a:ext>
+            </a:extLst>
+          </p:cNvPr>
+          <p:cNvSpPr txBox="1"/>
+          <p:nvPr/>
+        </p:nvSpPr>
+        <p:spPr>
+          <a:xfrm>
+            <a:off x="1645920" y="1499616"/>
+            <a:ext cx="5510784" cy="369332"/>
+          </a:xfrm>
+          <a:prstGeom prst="rect">
+            <a:avLst/>
+          </a:prstGeom>
+          <a:noFill/>
+        </p:spPr>
+        <p:txBody>
+          <a:bodyPr wrap="square" rtlCol="0">
+            <a:spAutoFit/>
+          </a:bodyPr>
+          <a:lstStyle/>
+          <a:p>
+            <a:r>
+              <a:rPr lang="en-US" dirty="0"/>
+              <a:t>Point by point, use the means to choose the cluster</a:t>
+            </a:r>
+          </a:p>
+        </p:txBody>
+      </p:sp>
     </p:spTree>
     <p:extLst>
       <p:ext uri="{BB962C8B-B14F-4D97-AF65-F5344CB8AC3E}">
-        <p14:creationId xmlns:p14="http://schemas.microsoft.com/office/powerpoint/2010/main" val="3693222848"/>
+        <p14:creationId xmlns:p14="http://schemas.microsoft.com/office/powerpoint/2010/main" val="3039714443"/>
       </p:ext>
     </p:extLst>
   </p:cSld>
@@ -9870,10 +9849,10 @@
       </p:sp>
       <p:pic>
         <p:nvPicPr>
-          <p:cNvPr id="4" name="Picture 3">
-            <a:extLst>
-              <a:ext uri="{FF2B5EF4-FFF2-40B4-BE49-F238E27FC236}">
-                <a16:creationId xmlns:a16="http://schemas.microsoft.com/office/drawing/2014/main" id="{CC0DB325-85D2-0E4A-8B1A-7BC56A2D4A9A}"/>
+          <p:cNvPr id="3" name="Picture 2">
+            <a:extLst>
+              <a:ext uri="{FF2B5EF4-FFF2-40B4-BE49-F238E27FC236}">
+                <a16:creationId xmlns:a16="http://schemas.microsoft.com/office/drawing/2014/main" id="{AF574180-7868-CE47-9612-513CD21E0AA2}"/>
               </a:ext>
             </a:extLst>
           </p:cNvPr>
@@ -9890,8 +9869,8 @@
         </p:blipFill>
         <p:spPr>
           <a:xfrm>
-            <a:off x="1587500" y="1724406"/>
-            <a:ext cx="9017000" cy="3848100"/>
+            <a:off x="1485900" y="2266442"/>
+            <a:ext cx="9220200" cy="3568700"/>
           </a:xfrm>
           <a:prstGeom prst="rect">
             <a:avLst/>
@@ -9901,7 +9880,7 @@
     </p:spTree>
     <p:extLst>
       <p:ext uri="{BB962C8B-B14F-4D97-AF65-F5344CB8AC3E}">
-        <p14:creationId xmlns:p14="http://schemas.microsoft.com/office/powerpoint/2010/main" val="3302088313"/>
+        <p14:creationId xmlns:p14="http://schemas.microsoft.com/office/powerpoint/2010/main" val="3693222848"/>
       </p:ext>
     </p:extLst>
   </p:cSld>
@@ -9969,10 +9948,10 @@
       </p:sp>
       <p:pic>
         <p:nvPicPr>
-          <p:cNvPr id="3" name="Picture 2">
-            <a:extLst>
-              <a:ext uri="{FF2B5EF4-FFF2-40B4-BE49-F238E27FC236}">
-                <a16:creationId xmlns:a16="http://schemas.microsoft.com/office/drawing/2014/main" id="{D9273F13-F368-2E4C-B07F-BACF8EAFBDF3}"/>
+          <p:cNvPr id="4" name="Picture 3">
+            <a:extLst>
+              <a:ext uri="{FF2B5EF4-FFF2-40B4-BE49-F238E27FC236}">
+                <a16:creationId xmlns:a16="http://schemas.microsoft.com/office/drawing/2014/main" id="{CC0DB325-85D2-0E4A-8B1A-7BC56A2D4A9A}"/>
               </a:ext>
             </a:extLst>
           </p:cNvPr>
@@ -9989,8 +9968,8 @@
         </p:blipFill>
         <p:spPr>
           <a:xfrm>
-            <a:off x="1568450" y="2124456"/>
-            <a:ext cx="9055100" cy="2438400"/>
+            <a:off x="1587500" y="1724406"/>
+            <a:ext cx="9017000" cy="3848100"/>
           </a:xfrm>
           <a:prstGeom prst="rect">
             <a:avLst/>
@@ -10000,7 +9979,7 @@
     </p:spTree>
     <p:extLst>
       <p:ext uri="{BB962C8B-B14F-4D97-AF65-F5344CB8AC3E}">
-        <p14:creationId xmlns:p14="http://schemas.microsoft.com/office/powerpoint/2010/main" val="2184920166"/>
+        <p14:creationId xmlns:p14="http://schemas.microsoft.com/office/powerpoint/2010/main" val="3302088313"/>
       </p:ext>
     </p:extLst>
   </p:cSld>
@@ -10068,10 +10047,10 @@
       </p:sp>
       <p:pic>
         <p:nvPicPr>
-          <p:cNvPr id="4" name="Picture 3">
-            <a:extLst>
-              <a:ext uri="{FF2B5EF4-FFF2-40B4-BE49-F238E27FC236}">
-                <a16:creationId xmlns:a16="http://schemas.microsoft.com/office/drawing/2014/main" id="{41F5B01F-4CD1-A240-8968-8AD7B78AB9F0}"/>
+          <p:cNvPr id="3" name="Picture 2">
+            <a:extLst>
+              <a:ext uri="{FF2B5EF4-FFF2-40B4-BE49-F238E27FC236}">
+                <a16:creationId xmlns:a16="http://schemas.microsoft.com/office/drawing/2014/main" id="{D9273F13-F368-2E4C-B07F-BACF8EAFBDF3}"/>
               </a:ext>
             </a:extLst>
           </p:cNvPr>
@@ -10088,38 +10067,8 @@
         </p:blipFill>
         <p:spPr>
           <a:xfrm>
-            <a:off x="1625600" y="1298575"/>
-            <a:ext cx="8940800" cy="5346700"/>
-          </a:xfrm>
-          <a:prstGeom prst="rect">
-            <a:avLst/>
-          </a:prstGeom>
-        </p:spPr>
-      </p:pic>
-      <p:pic>
-        <p:nvPicPr>
-          <p:cNvPr id="5" name="Picture 4">
-            <a:extLst>
-              <a:ext uri="{FF2B5EF4-FFF2-40B4-BE49-F238E27FC236}">
-                <a16:creationId xmlns:a16="http://schemas.microsoft.com/office/drawing/2014/main" id="{73FA5698-3838-0247-9E85-229533E02A3C}"/>
-              </a:ext>
-            </a:extLst>
-          </p:cNvPr>
-          <p:cNvPicPr>
-            <a:picLocks noChangeAspect="1"/>
-          </p:cNvPicPr>
-          <p:nvPr/>
-        </p:nvPicPr>
-        <p:blipFill>
-          <a:blip r:embed="rId3"/>
-          <a:stretch>
-            <a:fillRect/>
-          </a:stretch>
-        </p:blipFill>
-        <p:spPr>
-          <a:xfrm>
-            <a:off x="9660128" y="4264660"/>
-            <a:ext cx="2235200" cy="2451100"/>
+            <a:off x="1568450" y="2124456"/>
+            <a:ext cx="9055100" cy="2438400"/>
           </a:xfrm>
           <a:prstGeom prst="rect">
             <a:avLst/>
@@ -10129,7 +10078,7 @@
     </p:spTree>
     <p:extLst>
       <p:ext uri="{BB962C8B-B14F-4D97-AF65-F5344CB8AC3E}">
-        <p14:creationId xmlns:p14="http://schemas.microsoft.com/office/powerpoint/2010/main" val="782680162"/>
+        <p14:creationId xmlns:p14="http://schemas.microsoft.com/office/powerpoint/2010/main" val="2184920166"/>
       </p:ext>
     </p:extLst>
   </p:cSld>
@@ -10197,10 +10146,10 @@
       </p:sp>
       <p:pic>
         <p:nvPicPr>
-          <p:cNvPr id="3" name="Picture 2">
-            <a:extLst>
-              <a:ext uri="{FF2B5EF4-FFF2-40B4-BE49-F238E27FC236}">
-                <a16:creationId xmlns:a16="http://schemas.microsoft.com/office/drawing/2014/main" id="{21302CAB-5FE4-F240-B013-6954AA6C1B94}"/>
+          <p:cNvPr id="4" name="Picture 3">
+            <a:extLst>
+              <a:ext uri="{FF2B5EF4-FFF2-40B4-BE49-F238E27FC236}">
+                <a16:creationId xmlns:a16="http://schemas.microsoft.com/office/drawing/2014/main" id="{41F5B01F-4CD1-A240-8968-8AD7B78AB9F0}"/>
               </a:ext>
             </a:extLst>
           </p:cNvPr>
@@ -10217,8 +10166,38 @@
         </p:blipFill>
         <p:spPr>
           <a:xfrm>
-            <a:off x="1524000" y="1911350"/>
-            <a:ext cx="9144000" cy="3035300"/>
+            <a:off x="1625600" y="1298575"/>
+            <a:ext cx="8940800" cy="5346700"/>
+          </a:xfrm>
+          <a:prstGeom prst="rect">
+            <a:avLst/>
+          </a:prstGeom>
+        </p:spPr>
+      </p:pic>
+      <p:pic>
+        <p:nvPicPr>
+          <p:cNvPr id="5" name="Picture 4">
+            <a:extLst>
+              <a:ext uri="{FF2B5EF4-FFF2-40B4-BE49-F238E27FC236}">
+                <a16:creationId xmlns:a16="http://schemas.microsoft.com/office/drawing/2014/main" id="{73FA5698-3838-0247-9E85-229533E02A3C}"/>
+              </a:ext>
+            </a:extLst>
+          </p:cNvPr>
+          <p:cNvPicPr>
+            <a:picLocks noChangeAspect="1"/>
+          </p:cNvPicPr>
+          <p:nvPr/>
+        </p:nvPicPr>
+        <p:blipFill>
+          <a:blip r:embed="rId3"/>
+          <a:stretch>
+            <a:fillRect/>
+          </a:stretch>
+        </p:blipFill>
+        <p:spPr>
+          <a:xfrm>
+            <a:off x="9660128" y="4264660"/>
+            <a:ext cx="2235200" cy="2451100"/>
           </a:xfrm>
           <a:prstGeom prst="rect">
             <a:avLst/>
@@ -10228,7 +10207,7 @@
     </p:spTree>
     <p:extLst>
       <p:ext uri="{BB962C8B-B14F-4D97-AF65-F5344CB8AC3E}">
-        <p14:creationId xmlns:p14="http://schemas.microsoft.com/office/powerpoint/2010/main" val="3188080954"/>
+        <p14:creationId xmlns:p14="http://schemas.microsoft.com/office/powerpoint/2010/main" val="782680162"/>
       </p:ext>
     </p:extLst>
   </p:cSld>
@@ -10294,48 +10273,12 @@
           </a:p>
         </p:txBody>
       </p:sp>
-      <p:sp>
-        <p:nvSpPr>
-          <p:cNvPr id="4" name="TextBox 3">
-            <a:extLst>
-              <a:ext uri="{FF2B5EF4-FFF2-40B4-BE49-F238E27FC236}">
-                <a16:creationId xmlns:a16="http://schemas.microsoft.com/office/drawing/2014/main" id="{632B54E5-FBA6-394B-86DE-50A3FA3D009F}"/>
-              </a:ext>
-            </a:extLst>
-          </p:cNvPr>
-          <p:cNvSpPr txBox="1"/>
-          <p:nvPr/>
-        </p:nvSpPr>
-        <p:spPr>
-          <a:xfrm>
-            <a:off x="4508156" y="4596714"/>
-            <a:ext cx="2928552" cy="369332"/>
-          </a:xfrm>
-          <a:prstGeom prst="rect">
-            <a:avLst/>
-          </a:prstGeom>
-          <a:noFill/>
-        </p:spPr>
-        <p:txBody>
-          <a:bodyPr wrap="square" rtlCol="0">
-            <a:spAutoFit/>
-          </a:bodyPr>
-          <a:lstStyle/>
-          <a:p>
-            <a:pPr algn="ctr"/>
-            <a:r>
-              <a:rPr lang="en-US" dirty="0"/>
-              <a:t>Again again</a:t>
-            </a:r>
-          </a:p>
-        </p:txBody>
-      </p:sp>
       <p:pic>
         <p:nvPicPr>
-          <p:cNvPr id="5" name="Picture 4">
-            <a:extLst>
-              <a:ext uri="{FF2B5EF4-FFF2-40B4-BE49-F238E27FC236}">
-                <a16:creationId xmlns:a16="http://schemas.microsoft.com/office/drawing/2014/main" id="{473220DF-AAAC-4E48-B76B-92FF0AA9D21A}"/>
+          <p:cNvPr id="3" name="Picture 2">
+            <a:extLst>
+              <a:ext uri="{FF2B5EF4-FFF2-40B4-BE49-F238E27FC236}">
+                <a16:creationId xmlns:a16="http://schemas.microsoft.com/office/drawing/2014/main" id="{21302CAB-5FE4-F240-B013-6954AA6C1B94}"/>
               </a:ext>
             </a:extLst>
           </p:cNvPr>
@@ -10352,82 +10295,8 @@
         </p:blipFill>
         <p:spPr>
           <a:xfrm>
-            <a:off x="4405183" y="2199503"/>
-            <a:ext cx="2895600" cy="2286000"/>
-          </a:xfrm>
-          <a:prstGeom prst="rect">
-            <a:avLst/>
-          </a:prstGeom>
-        </p:spPr>
-      </p:pic>
-      <p:sp>
-        <p:nvSpPr>
-          <p:cNvPr id="6" name="TextBox 5">
-            <a:extLst>
-              <a:ext uri="{FF2B5EF4-FFF2-40B4-BE49-F238E27FC236}">
-                <a16:creationId xmlns:a16="http://schemas.microsoft.com/office/drawing/2014/main" id="{5D6F57DD-EF8B-AE4F-93EF-3D20D7DF8EA7}"/>
-              </a:ext>
-            </a:extLst>
-          </p:cNvPr>
-          <p:cNvSpPr txBox="1"/>
-          <p:nvPr/>
-        </p:nvSpPr>
-        <p:spPr>
-          <a:xfrm>
-            <a:off x="9008076" y="5795319"/>
-            <a:ext cx="2631989" cy="923330"/>
-          </a:xfrm>
-          <a:prstGeom prst="rect">
-            <a:avLst/>
-          </a:prstGeom>
-          <a:noFill/>
-        </p:spPr>
-        <p:txBody>
-          <a:bodyPr wrap="square" rtlCol="0">
-            <a:spAutoFit/>
-          </a:bodyPr>
-          <a:lstStyle/>
-          <a:p>
-            <a:r>
-              <a:rPr lang="en-IE" dirty="0"/>
-              <a:t>Computers are </a:t>
-            </a:r>
-            <a:r>
-              <a:rPr lang="en-IE" b="1" dirty="0"/>
-              <a:t>good</a:t>
-            </a:r>
-            <a:r>
-              <a:rPr lang="en-IE" dirty="0"/>
-              <a:t> at things like repetitive tasks and parallel processing</a:t>
-            </a:r>
-            <a:endParaRPr lang="en-US" dirty="0"/>
-          </a:p>
-        </p:txBody>
-      </p:sp>
-      <p:pic>
-        <p:nvPicPr>
-          <p:cNvPr id="7" name="Picture 6">
-            <a:extLst>
-              <a:ext uri="{FF2B5EF4-FFF2-40B4-BE49-F238E27FC236}">
-                <a16:creationId xmlns:a16="http://schemas.microsoft.com/office/drawing/2014/main" id="{F2BDFE74-4999-9440-B064-422645F7619E}"/>
-              </a:ext>
-            </a:extLst>
-          </p:cNvPr>
-          <p:cNvPicPr>
-            <a:picLocks noChangeAspect="1"/>
-          </p:cNvPicPr>
-          <p:nvPr/>
-        </p:nvPicPr>
-        <p:blipFill>
-          <a:blip r:embed="rId3"/>
-          <a:stretch>
-            <a:fillRect/>
-          </a:stretch>
-        </p:blipFill>
-        <p:spPr>
-          <a:xfrm>
-            <a:off x="8877643" y="3784430"/>
-            <a:ext cx="2641600" cy="1993900"/>
+            <a:off x="1524000" y="1911350"/>
+            <a:ext cx="9144000" cy="3035300"/>
           </a:xfrm>
           <a:prstGeom prst="rect">
             <a:avLst/>
@@ -10437,7 +10306,7 @@
     </p:spTree>
     <p:extLst>
       <p:ext uri="{BB962C8B-B14F-4D97-AF65-F5344CB8AC3E}">
-        <p14:creationId xmlns:p14="http://schemas.microsoft.com/office/powerpoint/2010/main" val="3357995953"/>
+        <p14:creationId xmlns:p14="http://schemas.microsoft.com/office/powerpoint/2010/main" val="3188080954"/>
       </p:ext>
     </p:extLst>
   </p:cSld>
@@ -10503,12 +10372,48 @@
           </a:p>
         </p:txBody>
       </p:sp>
+      <p:sp>
+        <p:nvSpPr>
+          <p:cNvPr id="4" name="TextBox 3">
+            <a:extLst>
+              <a:ext uri="{FF2B5EF4-FFF2-40B4-BE49-F238E27FC236}">
+                <a16:creationId xmlns:a16="http://schemas.microsoft.com/office/drawing/2014/main" id="{632B54E5-FBA6-394B-86DE-50A3FA3D009F}"/>
+              </a:ext>
+            </a:extLst>
+          </p:cNvPr>
+          <p:cNvSpPr txBox="1"/>
+          <p:nvPr/>
+        </p:nvSpPr>
+        <p:spPr>
+          <a:xfrm>
+            <a:off x="4508156" y="4596714"/>
+            <a:ext cx="2928552" cy="369332"/>
+          </a:xfrm>
+          <a:prstGeom prst="rect">
+            <a:avLst/>
+          </a:prstGeom>
+          <a:noFill/>
+        </p:spPr>
+        <p:txBody>
+          <a:bodyPr wrap="square" rtlCol="0">
+            <a:spAutoFit/>
+          </a:bodyPr>
+          <a:lstStyle/>
+          <a:p>
+            <a:pPr algn="ctr"/>
+            <a:r>
+              <a:rPr lang="en-US" dirty="0"/>
+              <a:t>Again again</a:t>
+            </a:r>
+          </a:p>
+        </p:txBody>
+      </p:sp>
       <p:pic>
         <p:nvPicPr>
-          <p:cNvPr id="3" name="Picture 2">
-            <a:extLst>
-              <a:ext uri="{FF2B5EF4-FFF2-40B4-BE49-F238E27FC236}">
-                <a16:creationId xmlns:a16="http://schemas.microsoft.com/office/drawing/2014/main" id="{A7CC0409-EA69-5548-9727-CA9CE9F001C6}"/>
+          <p:cNvPr id="5" name="Picture 4">
+            <a:extLst>
+              <a:ext uri="{FF2B5EF4-FFF2-40B4-BE49-F238E27FC236}">
+                <a16:creationId xmlns:a16="http://schemas.microsoft.com/office/drawing/2014/main" id="{473220DF-AAAC-4E48-B76B-92FF0AA9D21A}"/>
               </a:ext>
             </a:extLst>
           </p:cNvPr>
@@ -10525,8 +10430,82 @@
         </p:blipFill>
         <p:spPr>
           <a:xfrm>
-            <a:off x="1616847" y="1565556"/>
-            <a:ext cx="9131300" cy="5080000"/>
+            <a:off x="4405183" y="2199503"/>
+            <a:ext cx="2895600" cy="2286000"/>
+          </a:xfrm>
+          <a:prstGeom prst="rect">
+            <a:avLst/>
+          </a:prstGeom>
+        </p:spPr>
+      </p:pic>
+      <p:sp>
+        <p:nvSpPr>
+          <p:cNvPr id="6" name="TextBox 5">
+            <a:extLst>
+              <a:ext uri="{FF2B5EF4-FFF2-40B4-BE49-F238E27FC236}">
+                <a16:creationId xmlns:a16="http://schemas.microsoft.com/office/drawing/2014/main" id="{5D6F57DD-EF8B-AE4F-93EF-3D20D7DF8EA7}"/>
+              </a:ext>
+            </a:extLst>
+          </p:cNvPr>
+          <p:cNvSpPr txBox="1"/>
+          <p:nvPr/>
+        </p:nvSpPr>
+        <p:spPr>
+          <a:xfrm>
+            <a:off x="9008076" y="5795319"/>
+            <a:ext cx="2631989" cy="923330"/>
+          </a:xfrm>
+          <a:prstGeom prst="rect">
+            <a:avLst/>
+          </a:prstGeom>
+          <a:noFill/>
+        </p:spPr>
+        <p:txBody>
+          <a:bodyPr wrap="square" rtlCol="0">
+            <a:spAutoFit/>
+          </a:bodyPr>
+          <a:lstStyle/>
+          <a:p>
+            <a:r>
+              <a:rPr lang="en-IE" dirty="0"/>
+              <a:t>Computers are </a:t>
+            </a:r>
+            <a:r>
+              <a:rPr lang="en-IE" b="1" dirty="0"/>
+              <a:t>good</a:t>
+            </a:r>
+            <a:r>
+              <a:rPr lang="en-IE" dirty="0"/>
+              <a:t> at things like repetitive tasks and parallel processing</a:t>
+            </a:r>
+            <a:endParaRPr lang="en-US" dirty="0"/>
+          </a:p>
+        </p:txBody>
+      </p:sp>
+      <p:pic>
+        <p:nvPicPr>
+          <p:cNvPr id="7" name="Picture 6">
+            <a:extLst>
+              <a:ext uri="{FF2B5EF4-FFF2-40B4-BE49-F238E27FC236}">
+                <a16:creationId xmlns:a16="http://schemas.microsoft.com/office/drawing/2014/main" id="{F2BDFE74-4999-9440-B064-422645F7619E}"/>
+              </a:ext>
+            </a:extLst>
+          </p:cNvPr>
+          <p:cNvPicPr>
+            <a:picLocks noChangeAspect="1"/>
+          </p:cNvPicPr>
+          <p:nvPr/>
+        </p:nvPicPr>
+        <p:blipFill>
+          <a:blip r:embed="rId3"/>
+          <a:stretch>
+            <a:fillRect/>
+          </a:stretch>
+        </p:blipFill>
+        <p:spPr>
+          <a:xfrm>
+            <a:off x="8877643" y="3784430"/>
+            <a:ext cx="2641600" cy="1993900"/>
           </a:xfrm>
           <a:prstGeom prst="rect">
             <a:avLst/>
@@ -10536,7 +10515,7 @@
     </p:spTree>
     <p:extLst>
       <p:ext uri="{BB962C8B-B14F-4D97-AF65-F5344CB8AC3E}">
-        <p14:creationId xmlns:p14="http://schemas.microsoft.com/office/powerpoint/2010/main" val="3966846826"/>
+        <p14:creationId xmlns:p14="http://schemas.microsoft.com/office/powerpoint/2010/main" val="3357995953"/>
       </p:ext>
     </p:extLst>
   </p:cSld>
@@ -10595,21 +10574,47 @@
               <a:rPr lang="en-US" dirty="0"/>
             </a:br>
             <a:r>
-              <a:rPr lang="en-GB" dirty="0" err="1"/>
-              <a:t>Pokemon</a:t>
-            </a:r>
-            <a:r>
               <a:rPr lang="en-GB" dirty="0"/>
-              <a:t> Demo</a:t>
+              <a:t>k-means</a:t>
             </a:r>
             <a:endParaRPr lang="en-US" dirty="0"/>
           </a:p>
         </p:txBody>
       </p:sp>
+      <p:pic>
+        <p:nvPicPr>
+          <p:cNvPr id="3" name="Picture 2">
+            <a:extLst>
+              <a:ext uri="{FF2B5EF4-FFF2-40B4-BE49-F238E27FC236}">
+                <a16:creationId xmlns:a16="http://schemas.microsoft.com/office/drawing/2014/main" id="{A7CC0409-EA69-5548-9727-CA9CE9F001C6}"/>
+              </a:ext>
+            </a:extLst>
+          </p:cNvPr>
+          <p:cNvPicPr>
+            <a:picLocks noChangeAspect="1"/>
+          </p:cNvPicPr>
+          <p:nvPr/>
+        </p:nvPicPr>
+        <p:blipFill>
+          <a:blip r:embed="rId2"/>
+          <a:stretch>
+            <a:fillRect/>
+          </a:stretch>
+        </p:blipFill>
+        <p:spPr>
+          <a:xfrm>
+            <a:off x="1616847" y="1565556"/>
+            <a:ext cx="9131300" cy="5080000"/>
+          </a:xfrm>
+          <a:prstGeom prst="rect">
+            <a:avLst/>
+          </a:prstGeom>
+        </p:spPr>
+      </p:pic>
     </p:spTree>
     <p:extLst>
       <p:ext uri="{BB962C8B-B14F-4D97-AF65-F5344CB8AC3E}">
-        <p14:creationId xmlns:p14="http://schemas.microsoft.com/office/powerpoint/2010/main" val="3876281202"/>
+        <p14:creationId xmlns:p14="http://schemas.microsoft.com/office/powerpoint/2010/main" val="3966846826"/>
       </p:ext>
     </p:extLst>
   </p:cSld>
@@ -10950,47 +10955,21 @@
               <a:rPr lang="en-US" dirty="0"/>
             </a:br>
             <a:r>
+              <a:rPr lang="en-GB" dirty="0" err="1"/>
+              <a:t>Pokemon</a:t>
+            </a:r>
+            <a:r>
               <a:rPr lang="en-GB" dirty="0"/>
-              <a:t>Picking K</a:t>
+              <a:t> Demo</a:t>
             </a:r>
             <a:endParaRPr lang="en-US" dirty="0"/>
           </a:p>
         </p:txBody>
       </p:sp>
-      <p:pic>
-        <p:nvPicPr>
-          <p:cNvPr id="3" name="Picture 2">
-            <a:extLst>
-              <a:ext uri="{FF2B5EF4-FFF2-40B4-BE49-F238E27FC236}">
-                <a16:creationId xmlns:a16="http://schemas.microsoft.com/office/drawing/2014/main" id="{DF83AE22-6986-6941-AFE6-AB8163295464}"/>
-              </a:ext>
-            </a:extLst>
-          </p:cNvPr>
-          <p:cNvPicPr>
-            <a:picLocks noChangeAspect="1"/>
-          </p:cNvPicPr>
-          <p:nvPr/>
-        </p:nvPicPr>
-        <p:blipFill>
-          <a:blip r:embed="rId2"/>
-          <a:stretch>
-            <a:fillRect/>
-          </a:stretch>
-        </p:blipFill>
-        <p:spPr>
-          <a:xfrm>
-            <a:off x="2108200" y="1375056"/>
-            <a:ext cx="7975600" cy="5270500"/>
-          </a:xfrm>
-          <a:prstGeom prst="rect">
-            <a:avLst/>
-          </a:prstGeom>
-        </p:spPr>
-      </p:pic>
     </p:spTree>
     <p:extLst>
       <p:ext uri="{BB962C8B-B14F-4D97-AF65-F5344CB8AC3E}">
-        <p14:creationId xmlns:p14="http://schemas.microsoft.com/office/powerpoint/2010/main" val="3902695132"/>
+        <p14:creationId xmlns:p14="http://schemas.microsoft.com/office/powerpoint/2010/main" val="3876281202"/>
       </p:ext>
     </p:extLst>
   </p:cSld>
@@ -11041,23 +11020,27 @@
         </p:spPr>
         <p:txBody>
           <a:bodyPr>
-            <a:normAutofit/>
+            <a:normAutofit fontScale="90000"/>
           </a:bodyPr>
           <a:lstStyle/>
           <a:p>
-            <a:r>
+            <a:br>
               <a:rPr lang="en-US" dirty="0"/>
-              <a:t>Euclidean distance</a:t>
-            </a:r>
+            </a:br>
+            <a:r>
+              <a:rPr lang="en-GB" dirty="0"/>
+              <a:t>Picking K</a:t>
+            </a:r>
+            <a:endParaRPr lang="en-US" dirty="0"/>
           </a:p>
         </p:txBody>
       </p:sp>
       <p:pic>
         <p:nvPicPr>
-          <p:cNvPr id="4" name="Picture 3">
-            <a:extLst>
-              <a:ext uri="{FF2B5EF4-FFF2-40B4-BE49-F238E27FC236}">
-                <a16:creationId xmlns:a16="http://schemas.microsoft.com/office/drawing/2014/main" id="{A4823522-CBDE-454E-854C-C6E2D00D881A}"/>
+          <p:cNvPr id="3" name="Picture 2">
+            <a:extLst>
+              <a:ext uri="{FF2B5EF4-FFF2-40B4-BE49-F238E27FC236}">
+                <a16:creationId xmlns:a16="http://schemas.microsoft.com/office/drawing/2014/main" id="{DF83AE22-6986-6941-AFE6-AB8163295464}"/>
               </a:ext>
             </a:extLst>
           </p:cNvPr>
@@ -11074,8 +11057,8 @@
         </p:blipFill>
         <p:spPr>
           <a:xfrm>
-            <a:off x="1879600" y="1298575"/>
-            <a:ext cx="8432800" cy="5283200"/>
+            <a:off x="2108200" y="1375056"/>
+            <a:ext cx="7975600" cy="5270500"/>
           </a:xfrm>
           <a:prstGeom prst="rect">
             <a:avLst/>
@@ -11085,7 +11068,7 @@
     </p:spTree>
     <p:extLst>
       <p:ext uri="{BB962C8B-B14F-4D97-AF65-F5344CB8AC3E}">
-        <p14:creationId xmlns:p14="http://schemas.microsoft.com/office/powerpoint/2010/main" val="1567790031"/>
+        <p14:creationId xmlns:p14="http://schemas.microsoft.com/office/powerpoint/2010/main" val="3902695132"/>
       </p:ext>
     </p:extLst>
   </p:cSld>
@@ -11117,6 +11100,101 @@
           <p:cNvPr id="2" name="Title 1">
             <a:extLst>
               <a:ext uri="{FF2B5EF4-FFF2-40B4-BE49-F238E27FC236}">
+                <a16:creationId xmlns:a16="http://schemas.microsoft.com/office/drawing/2014/main" id="{A4AC321E-9E64-5944-9F36-E1C762BB05C6}"/>
+              </a:ext>
+            </a:extLst>
+          </p:cNvPr>
+          <p:cNvSpPr>
+            <a:spLocks noGrp="1"/>
+          </p:cNvSpPr>
+          <p:nvPr>
+            <p:ph type="title"/>
+          </p:nvPr>
+        </p:nvSpPr>
+        <p:spPr>
+          <a:xfrm>
+            <a:off x="838200" y="212444"/>
+            <a:ext cx="10515600" cy="1086131"/>
+          </a:xfrm>
+        </p:spPr>
+        <p:txBody>
+          <a:bodyPr>
+            <a:normAutofit/>
+          </a:bodyPr>
+          <a:lstStyle/>
+          <a:p>
+            <a:r>
+              <a:rPr lang="en-US" dirty="0"/>
+              <a:t>Euclidean distance</a:t>
+            </a:r>
+          </a:p>
+        </p:txBody>
+      </p:sp>
+      <p:pic>
+        <p:nvPicPr>
+          <p:cNvPr id="4" name="Picture 3">
+            <a:extLst>
+              <a:ext uri="{FF2B5EF4-FFF2-40B4-BE49-F238E27FC236}">
+                <a16:creationId xmlns:a16="http://schemas.microsoft.com/office/drawing/2014/main" id="{A4823522-CBDE-454E-854C-C6E2D00D881A}"/>
+              </a:ext>
+            </a:extLst>
+          </p:cNvPr>
+          <p:cNvPicPr>
+            <a:picLocks noChangeAspect="1"/>
+          </p:cNvPicPr>
+          <p:nvPr/>
+        </p:nvPicPr>
+        <p:blipFill>
+          <a:blip r:embed="rId2"/>
+          <a:stretch>
+            <a:fillRect/>
+          </a:stretch>
+        </p:blipFill>
+        <p:spPr>
+          <a:xfrm>
+            <a:off x="1879600" y="1298575"/>
+            <a:ext cx="8432800" cy="5283200"/>
+          </a:xfrm>
+          <a:prstGeom prst="rect">
+            <a:avLst/>
+          </a:prstGeom>
+        </p:spPr>
+      </p:pic>
+    </p:spTree>
+    <p:extLst>
+      <p:ext uri="{BB962C8B-B14F-4D97-AF65-F5344CB8AC3E}">
+        <p14:creationId xmlns:p14="http://schemas.microsoft.com/office/powerpoint/2010/main" val="1567790031"/>
+      </p:ext>
+    </p:extLst>
+  </p:cSld>
+  <p:clrMapOvr>
+    <a:masterClrMapping/>
+  </p:clrMapOvr>
+</p:sld>
+</file>
+
+<file path=ppt/slides/slide43.xml><?xml version="1.0" encoding="utf-8"?>
+<p:sld xmlns:a="http://schemas.openxmlformats.org/drawingml/2006/main" xmlns:r="http://schemas.openxmlformats.org/officeDocument/2006/relationships" xmlns:p="http://schemas.openxmlformats.org/presentationml/2006/main">
+  <p:cSld>
+    <p:spTree>
+      <p:nvGrpSpPr>
+        <p:cNvPr id="1" name=""/>
+        <p:cNvGrpSpPr/>
+        <p:nvPr/>
+      </p:nvGrpSpPr>
+      <p:grpSpPr>
+        <a:xfrm>
+          <a:off x="0" y="0"/>
+          <a:ext cx="0" cy="0"/>
+          <a:chOff x="0" y="0"/>
+          <a:chExt cx="0" cy="0"/>
+        </a:xfrm>
+      </p:grpSpPr>
+      <p:sp>
+        <p:nvSpPr>
+          <p:cNvPr id="2" name="Title 1">
+            <a:extLst>
+              <a:ext uri="{FF2B5EF4-FFF2-40B4-BE49-F238E27FC236}">
                 <a16:creationId xmlns:a16="http://schemas.microsoft.com/office/drawing/2014/main" id="{3AE94BD3-81F9-EA42-A663-CD01BA60E1D8}"/>
               </a:ext>
             </a:extLst>
@@ -11233,7 +11311,7 @@
 </p:sld>
 </file>
 
-<file path=ppt/slides/slide43.xml><?xml version="1.0" encoding="utf-8"?>
+<file path=ppt/slides/slide44.xml><?xml version="1.0" encoding="utf-8"?>
 <p:sld xmlns:a="http://schemas.openxmlformats.org/drawingml/2006/main" xmlns:r="http://schemas.openxmlformats.org/officeDocument/2006/relationships" xmlns:p="http://schemas.openxmlformats.org/presentationml/2006/main" show="0">
   <p:cSld>
     <p:spTree>

--- a/afj_ml_demo.pptx
+++ b/afj_ml_demo.pptx
@@ -171,7 +171,7 @@
   <pc:docChgLst>
     <pc:chgData name="Alfredo Fonseca Junior" userId="b53f08b6-e642-4ee2-a231-11cd653755d4" providerId="ADAL" clId="{4A13534B-B544-A44E-B29A-C6B9F0689448}"/>
     <pc:docChg chg="undo custSel addSld delSld modSld sldOrd">
-      <pc:chgData name="Alfredo Fonseca Junior" userId="b53f08b6-e642-4ee2-a231-11cd653755d4" providerId="ADAL" clId="{4A13534B-B544-A44E-B29A-C6B9F0689448}" dt="2021-10-25T09:57:40.249" v="817" actId="20577"/>
+      <pc:chgData name="Alfredo Fonseca Junior" userId="b53f08b6-e642-4ee2-a231-11cd653755d4" providerId="ADAL" clId="{4A13534B-B544-A44E-B29A-C6B9F0689448}" dt="2021-10-25T11:25:14.520" v="819" actId="20577"/>
       <pc:docMkLst>
         <pc:docMk/>
       </pc:docMkLst>
@@ -464,7 +464,7 @@
         </pc:cxnChg>
       </pc:sldChg>
       <pc:sldChg chg="addSp modSp add mod">
-        <pc:chgData name="Alfredo Fonseca Junior" userId="b53f08b6-e642-4ee2-a231-11cd653755d4" providerId="ADAL" clId="{4A13534B-B544-A44E-B29A-C6B9F0689448}" dt="2021-10-14T07:22:07.047" v="212" actId="1076"/>
+        <pc:chgData name="Alfredo Fonseca Junior" userId="b53f08b6-e642-4ee2-a231-11cd653755d4" providerId="ADAL" clId="{4A13534B-B544-A44E-B29A-C6B9F0689448}" dt="2021-10-25T11:25:14.520" v="819" actId="20577"/>
         <pc:sldMkLst>
           <pc:docMk/>
           <pc:sldMk cId="628269163" sldId="271"/>
@@ -491,6 +491,14 @@
             <pc:docMk/>
             <pc:sldMk cId="628269163" sldId="271"/>
             <ac:spMk id="8" creationId="{A12A95F2-B1C8-644E-9F8A-86D8F117B28F}"/>
+          </ac:spMkLst>
+        </pc:spChg>
+        <pc:spChg chg="mod">
+          <ac:chgData name="Alfredo Fonseca Junior" userId="b53f08b6-e642-4ee2-a231-11cd653755d4" providerId="ADAL" clId="{4A13534B-B544-A44E-B29A-C6B9F0689448}" dt="2021-10-25T11:25:14.520" v="819" actId="20577"/>
+          <ac:spMkLst>
+            <pc:docMk/>
+            <pc:sldMk cId="628269163" sldId="271"/>
+            <ac:spMk id="10" creationId="{72CCE4DD-6912-A14B-8CA2-458A05B060F7}"/>
           </ac:spMkLst>
         </pc:spChg>
         <pc:spChg chg="add mod">
@@ -7269,8 +7277,12 @@
           <a:p>
             <a:pPr algn="ctr"/>
             <a:r>
+              <a:rPr lang="en-US"/>
+              <a:t>Predicted </a:t>
+            </a:r>
+            <a:r>
               <a:rPr lang="en-US" dirty="0"/>
-              <a:t>Predict class: </a:t>
+              <a:t>class: </a:t>
             </a:r>
           </a:p>
           <a:p>
@@ -7582,12 +7594,8 @@
           <a:lstStyle/>
           <a:p>
             <a:r>
-              <a:rPr lang="en-GB"/>
-              <a:t>Flowers </a:t>
-            </a:r>
-            <a:r>
               <a:rPr lang="en-GB" dirty="0"/>
-              <a:t>Classification Demo</a:t>
+              <a:t>Flowers Classification Demo</a:t>
             </a:r>
             <a:endParaRPr lang="en-US" dirty="0"/>
           </a:p>
